--- a/Project Presentation.pptx
+++ b/Project Presentation.pptx
@@ -1,72 +1,72 @@
 
 <file path=ppt/presentation.xml><?xml version="1.0" encoding="utf-8"?>
-<p:presentation xmlns:a="http://schemas.openxmlformats.org/drawingml/2006/main" xmlns:r="http://schemas.openxmlformats.org/officeDocument/2006/relationships" xmlns:mc="http://schemas.openxmlformats.org/markup-compatibility/2006" xmlns:mv="urn:schemas-microsoft-com:mac:vml" xmlns:p="http://schemas.openxmlformats.org/presentationml/2006/main" xmlns:c="http://schemas.openxmlformats.org/drawingml/2006/chart" xmlns:dgm="http://schemas.openxmlformats.org/drawingml/2006/diagram" xmlns:o="urn:schemas-microsoft-com:office:office" xmlns:v="urn:schemas-microsoft-com:vml" xmlns:pvml="urn:schemas-microsoft-com:office:powerpoint" xmlns:com="http://schemas.openxmlformats.org/drawingml/2006/compatibility" xmlns:p14="http://schemas.microsoft.com/office/powerpoint/2010/main" xmlns:p15="http://schemas.microsoft.com/office/powerpoint/2012/main" autoCompressPictures="0" embedTrueTypeFonts="1" strictFirstAndLastChars="0" saveSubsetFonts="1">
+<p:presentation xmlns:a="http://schemas.openxmlformats.org/drawingml/2006/main" xmlns:r="http://schemas.openxmlformats.org/officeDocument/2006/relationships" xmlns:p="http://schemas.openxmlformats.org/presentationml/2006/main" strictFirstAndLastChars="0" embedTrueTypeFonts="1" saveSubsetFonts="1" autoCompressPictures="0">
   <p:sldMasterIdLst>
-    <p:sldMasterId id="2147483659" r:id="rId5"/>
+    <p:sldMasterId id="2147483659" r:id="rId1"/>
   </p:sldMasterIdLst>
   <p:notesMasterIdLst>
-    <p:notesMasterId r:id="rId6"/>
+    <p:notesMasterId r:id="rId26"/>
   </p:notesMasterIdLst>
   <p:sldIdLst>
-    <p:sldId id="256" r:id="rId7"/>
-    <p:sldId id="257" r:id="rId8"/>
-    <p:sldId id="258" r:id="rId9"/>
-    <p:sldId id="259" r:id="rId10"/>
-    <p:sldId id="260" r:id="rId11"/>
-    <p:sldId id="261" r:id="rId12"/>
-    <p:sldId id="262" r:id="rId13"/>
-    <p:sldId id="263" r:id="rId14"/>
-    <p:sldId id="264" r:id="rId15"/>
-    <p:sldId id="265" r:id="rId16"/>
-    <p:sldId id="266" r:id="rId17"/>
-    <p:sldId id="267" r:id="rId18"/>
-    <p:sldId id="268" r:id="rId19"/>
-    <p:sldId id="269" r:id="rId20"/>
-    <p:sldId id="270" r:id="rId21"/>
-    <p:sldId id="271" r:id="rId22"/>
-    <p:sldId id="272" r:id="rId23"/>
-    <p:sldId id="273" r:id="rId24"/>
-    <p:sldId id="274" r:id="rId25"/>
-    <p:sldId id="275" r:id="rId26"/>
-    <p:sldId id="276" r:id="rId27"/>
-    <p:sldId id="277" r:id="rId28"/>
-    <p:sldId id="278" r:id="rId29"/>
-    <p:sldId id="279" r:id="rId30"/>
+    <p:sldId id="256" r:id="rId2"/>
+    <p:sldId id="257" r:id="rId3"/>
+    <p:sldId id="258" r:id="rId4"/>
+    <p:sldId id="259" r:id="rId5"/>
+    <p:sldId id="260" r:id="rId6"/>
+    <p:sldId id="261" r:id="rId7"/>
+    <p:sldId id="262" r:id="rId8"/>
+    <p:sldId id="263" r:id="rId9"/>
+    <p:sldId id="264" r:id="rId10"/>
+    <p:sldId id="265" r:id="rId11"/>
+    <p:sldId id="266" r:id="rId12"/>
+    <p:sldId id="267" r:id="rId13"/>
+    <p:sldId id="268" r:id="rId14"/>
+    <p:sldId id="269" r:id="rId15"/>
+    <p:sldId id="270" r:id="rId16"/>
+    <p:sldId id="271" r:id="rId17"/>
+    <p:sldId id="272" r:id="rId18"/>
+    <p:sldId id="273" r:id="rId19"/>
+    <p:sldId id="274" r:id="rId20"/>
+    <p:sldId id="275" r:id="rId21"/>
+    <p:sldId id="276" r:id="rId22"/>
+    <p:sldId id="277" r:id="rId23"/>
+    <p:sldId id="278" r:id="rId24"/>
+    <p:sldId id="279" r:id="rId25"/>
   </p:sldIdLst>
-  <p:sldSz cy="5143500" cx="9144000"/>
+  <p:sldSz cx="9144000" cy="5143500" type="screen16x9"/>
   <p:notesSz cx="6858000" cy="9144000"/>
   <p:embeddedFontLst>
     <p:embeddedFont>
-      <p:font typeface="Roboto Medium"/>
+      <p:font typeface="Lato" panose="020F0502020204030203" pitchFamily="34" charset="77"/>
+      <p:regular r:id="rId27"/>
+      <p:bold r:id="rId28"/>
+      <p:italic r:id="rId29"/>
+      <p:boldItalic r:id="rId30"/>
+    </p:embeddedFont>
+    <p:embeddedFont>
+      <p:font typeface="Playfair Display" pitchFamily="2" charset="77"/>
       <p:regular r:id="rId31"/>
       <p:bold r:id="rId32"/>
       <p:italic r:id="rId33"/>
       <p:boldItalic r:id="rId34"/>
     </p:embeddedFont>
     <p:embeddedFont>
-      <p:font typeface="Roboto"/>
+      <p:font typeface="Roboto" panose="02000000000000000000" pitchFamily="2" charset="0"/>
       <p:regular r:id="rId35"/>
       <p:bold r:id="rId36"/>
       <p:italic r:id="rId37"/>
       <p:boldItalic r:id="rId38"/>
     </p:embeddedFont>
     <p:embeddedFont>
-      <p:font typeface="Playfair Display"/>
+      <p:font typeface="Roboto Medium" panose="02000000000000000000" pitchFamily="2" charset="0"/>
       <p:regular r:id="rId39"/>
       <p:bold r:id="rId40"/>
       <p:italic r:id="rId41"/>
       <p:boldItalic r:id="rId42"/>
     </p:embeddedFont>
-    <p:embeddedFont>
-      <p:font typeface="Lato"/>
-      <p:regular r:id="rId43"/>
-      <p:bold r:id="rId44"/>
-      <p:italic r:id="rId45"/>
-      <p:boldItalic r:id="rId46"/>
-    </p:embeddedFont>
   </p:embeddedFontLst>
   <p:defaultTextStyle>
-    <a:defPPr lvl="0" marR="0" rtl="0" algn="l">
+    <a:defPPr marR="0" lvl="0" algn="l" rtl="0">
       <a:lnSpc>
         <a:spcPct val="100000"/>
       </a:lnSpc>
@@ -77,7 +77,7 @@
         <a:spcPts val="0"/>
       </a:spcAft>
     </a:defPPr>
-    <a:lvl1pPr lvl="0" marR="0" rtl="0" algn="l">
+    <a:lvl1pPr marR="0" lvl="0" algn="l" rtl="0">
       <a:lnSpc>
         <a:spcPct val="100000"/>
       </a:lnSpc>
@@ -91,7 +91,7 @@
         <a:srgbClr val="000000"/>
       </a:buClr>
       <a:buFont typeface="Arial"/>
-      <a:defRPr b="0" i="0" sz="1400" u="none" cap="none" strike="noStrike">
+      <a:defRPr sz="1400" b="0" i="0" u="none" strike="noStrike" cap="none">
         <a:solidFill>
           <a:srgbClr val="000000"/>
         </a:solidFill>
@@ -101,7 +101,7 @@
         <a:sym typeface="Arial"/>
       </a:defRPr>
     </a:lvl1pPr>
-    <a:lvl2pPr lvl="1" marR="0" rtl="0" algn="l">
+    <a:lvl2pPr marR="0" lvl="1" algn="l" rtl="0">
       <a:lnSpc>
         <a:spcPct val="100000"/>
       </a:lnSpc>
@@ -115,7 +115,7 @@
         <a:srgbClr val="000000"/>
       </a:buClr>
       <a:buFont typeface="Arial"/>
-      <a:defRPr b="0" i="0" sz="1400" u="none" cap="none" strike="noStrike">
+      <a:defRPr sz="1400" b="0" i="0" u="none" strike="noStrike" cap="none">
         <a:solidFill>
           <a:srgbClr val="000000"/>
         </a:solidFill>
@@ -125,7 +125,7 @@
         <a:sym typeface="Arial"/>
       </a:defRPr>
     </a:lvl2pPr>
-    <a:lvl3pPr lvl="2" marR="0" rtl="0" algn="l">
+    <a:lvl3pPr marR="0" lvl="2" algn="l" rtl="0">
       <a:lnSpc>
         <a:spcPct val="100000"/>
       </a:lnSpc>
@@ -139,7 +139,7 @@
         <a:srgbClr val="000000"/>
       </a:buClr>
       <a:buFont typeface="Arial"/>
-      <a:defRPr b="0" i="0" sz="1400" u="none" cap="none" strike="noStrike">
+      <a:defRPr sz="1400" b="0" i="0" u="none" strike="noStrike" cap="none">
         <a:solidFill>
           <a:srgbClr val="000000"/>
         </a:solidFill>
@@ -149,7 +149,7 @@
         <a:sym typeface="Arial"/>
       </a:defRPr>
     </a:lvl3pPr>
-    <a:lvl4pPr lvl="3" marR="0" rtl="0" algn="l">
+    <a:lvl4pPr marR="0" lvl="3" algn="l" rtl="0">
       <a:lnSpc>
         <a:spcPct val="100000"/>
       </a:lnSpc>
@@ -163,7 +163,7 @@
         <a:srgbClr val="000000"/>
       </a:buClr>
       <a:buFont typeface="Arial"/>
-      <a:defRPr b="0" i="0" sz="1400" u="none" cap="none" strike="noStrike">
+      <a:defRPr sz="1400" b="0" i="0" u="none" strike="noStrike" cap="none">
         <a:solidFill>
           <a:srgbClr val="000000"/>
         </a:solidFill>
@@ -173,7 +173,7 @@
         <a:sym typeface="Arial"/>
       </a:defRPr>
     </a:lvl4pPr>
-    <a:lvl5pPr lvl="4" marR="0" rtl="0" algn="l">
+    <a:lvl5pPr marR="0" lvl="4" algn="l" rtl="0">
       <a:lnSpc>
         <a:spcPct val="100000"/>
       </a:lnSpc>
@@ -187,7 +187,7 @@
         <a:srgbClr val="000000"/>
       </a:buClr>
       <a:buFont typeface="Arial"/>
-      <a:defRPr b="0" i="0" sz="1400" u="none" cap="none" strike="noStrike">
+      <a:defRPr sz="1400" b="0" i="0" u="none" strike="noStrike" cap="none">
         <a:solidFill>
           <a:srgbClr val="000000"/>
         </a:solidFill>
@@ -197,7 +197,7 @@
         <a:sym typeface="Arial"/>
       </a:defRPr>
     </a:lvl5pPr>
-    <a:lvl6pPr lvl="5" marR="0" rtl="0" algn="l">
+    <a:lvl6pPr marR="0" lvl="5" algn="l" rtl="0">
       <a:lnSpc>
         <a:spcPct val="100000"/>
       </a:lnSpc>
@@ -211,7 +211,7 @@
         <a:srgbClr val="000000"/>
       </a:buClr>
       <a:buFont typeface="Arial"/>
-      <a:defRPr b="0" i="0" sz="1400" u="none" cap="none" strike="noStrike">
+      <a:defRPr sz="1400" b="0" i="0" u="none" strike="noStrike" cap="none">
         <a:solidFill>
           <a:srgbClr val="000000"/>
         </a:solidFill>
@@ -221,7 +221,7 @@
         <a:sym typeface="Arial"/>
       </a:defRPr>
     </a:lvl6pPr>
-    <a:lvl7pPr lvl="6" marR="0" rtl="0" algn="l">
+    <a:lvl7pPr marR="0" lvl="6" algn="l" rtl="0">
       <a:lnSpc>
         <a:spcPct val="100000"/>
       </a:lnSpc>
@@ -235,7 +235,7 @@
         <a:srgbClr val="000000"/>
       </a:buClr>
       <a:buFont typeface="Arial"/>
-      <a:defRPr b="0" i="0" sz="1400" u="none" cap="none" strike="noStrike">
+      <a:defRPr sz="1400" b="0" i="0" u="none" strike="noStrike" cap="none">
         <a:solidFill>
           <a:srgbClr val="000000"/>
         </a:solidFill>
@@ -245,7 +245,7 @@
         <a:sym typeface="Arial"/>
       </a:defRPr>
     </a:lvl7pPr>
-    <a:lvl8pPr lvl="7" marR="0" rtl="0" algn="l">
+    <a:lvl8pPr marR="0" lvl="7" algn="l" rtl="0">
       <a:lnSpc>
         <a:spcPct val="100000"/>
       </a:lnSpc>
@@ -259,7 +259,7 @@
         <a:srgbClr val="000000"/>
       </a:buClr>
       <a:buFont typeface="Arial"/>
-      <a:defRPr b="0" i="0" sz="1400" u="none" cap="none" strike="noStrike">
+      <a:defRPr sz="1400" b="0" i="0" u="none" strike="noStrike" cap="none">
         <a:solidFill>
           <a:srgbClr val="000000"/>
         </a:solidFill>
@@ -269,7 +269,7 @@
         <a:sym typeface="Arial"/>
       </a:defRPr>
     </a:lvl8pPr>
-    <a:lvl9pPr lvl="8" marR="0" rtl="0" algn="l">
+    <a:lvl9pPr marR="0" lvl="8" algn="l" rtl="0">
       <a:lnSpc>
         <a:spcPct val="100000"/>
       </a:lnSpc>
@@ -283,7 +283,7 @@
         <a:srgbClr val="000000"/>
       </a:buClr>
       <a:buFont typeface="Arial"/>
-      <a:defRPr b="0" i="0" sz="1400" u="none" cap="none" strike="noStrike">
+      <a:defRPr sz="1400" b="0" i="0" u="none" strike="noStrike" cap="none">
         <a:solidFill>
           <a:srgbClr val="000000"/>
         </a:solidFill>
@@ -296,7 +296,7 @@
   </p:defaultTextStyle>
   <p:extLst>
     <p:ext uri="{EFAFB233-063F-42B5-8137-9DF3F51BA10A}">
-      <p15:sldGuideLst>
+      <p15:sldGuideLst xmlns:p15="http://schemas.microsoft.com/office/powerpoint/2012/main">
         <p15:guide id="1" orient="horz" pos="1620">
           <p15:clr>
             <a:srgbClr val="A4A3A4"/>
@@ -314,11 +314,16 @@
 </file>
 
 <file path=ppt/notesMasters/notesMaster1.xml><?xml version="1.0" encoding="utf-8"?>
-<p:notesMaster xmlns:a="http://schemas.openxmlformats.org/drawingml/2006/main" xmlns:r="http://schemas.openxmlformats.org/officeDocument/2006/relationships" xmlns:mc="http://schemas.openxmlformats.org/markup-compatibility/2006" xmlns:mv="urn:schemas-microsoft-com:mac:vml" xmlns:p="http://schemas.openxmlformats.org/presentationml/2006/main" xmlns:c="http://schemas.openxmlformats.org/drawingml/2006/chart" xmlns:dgm="http://schemas.openxmlformats.org/drawingml/2006/diagram" xmlns:o="urn:schemas-microsoft-com:office:office" xmlns:v="urn:schemas-microsoft-com:vml" xmlns:pvml="urn:schemas-microsoft-com:office:powerpoint" xmlns:com="http://schemas.openxmlformats.org/drawingml/2006/compatibility" xmlns:p14="http://schemas.microsoft.com/office/powerpoint/2010/main" xmlns:p15="http://schemas.microsoft.com/office/powerpoint/2012/main">
+<p:notesMaster xmlns:a="http://schemas.openxmlformats.org/drawingml/2006/main" xmlns:r="http://schemas.openxmlformats.org/officeDocument/2006/relationships" xmlns:p="http://schemas.openxmlformats.org/presentationml/2006/main">
   <p:cSld>
+    <p:bg>
+      <p:bgRef idx="1001">
+        <a:schemeClr val="bg1"/>
+      </p:bgRef>
+    </p:bg>
     <p:spTree>
       <p:nvGrpSpPr>
-        <p:cNvPr id="2" name="Shape 2"/>
+        <p:cNvPr id="1" name="Shape 2"/>
         <p:cNvGrpSpPr/>
         <p:nvPr/>
       </p:nvGrpSpPr>
@@ -333,9 +338,11 @@
       <p:sp>
         <p:nvSpPr>
           <p:cNvPr id="3" name="Google Shape;3;n"/>
-          <p:cNvSpPr/>
+          <p:cNvSpPr>
+            <a:spLocks noGrp="1" noRot="1" noChangeAspect="1"/>
+          </p:cNvSpPr>
           <p:nvPr>
-            <p:ph idx="2" type="sldImg"/>
+            <p:ph type="sldImg" idx="2"/>
           </p:nvPr>
         </p:nvSpPr>
         <p:spPr>
@@ -344,9 +351,13 @@
             <a:ext cx="6096075" cy="3429000"/>
           </a:xfrm>
           <a:custGeom>
-            <a:rect b="b" l="l" r="r" t="t"/>
+            <a:avLst/>
+            <a:gdLst/>
+            <a:ahLst/>
+            <a:cxnLst/>
+            <a:rect l="l" t="t" r="r" b="b"/>
             <a:pathLst>
-              <a:path extrusionOk="0" h="120000" w="120000">
+              <a:path w="120000" h="120000" extrusionOk="0">
                 <a:moveTo>
                   <a:pt x="0" y="0"/>
                 </a:moveTo>
@@ -364,23 +375,25 @@
             </a:pathLst>
           </a:custGeom>
           <a:noFill/>
-          <a:ln cap="flat" cmpd="sng" w="9525">
+          <a:ln w="9525" cap="flat" cmpd="sng">
             <a:solidFill>
               <a:srgbClr val="000000"/>
             </a:solidFill>
             <a:prstDash val="solid"/>
             <a:round/>
-            <a:headEnd len="sm" w="sm" type="none"/>
-            <a:tailEnd len="sm" w="sm" type="none"/>
+            <a:headEnd type="none" w="sm" len="sm"/>
+            <a:tailEnd type="none" w="sm" len="sm"/>
           </a:ln>
         </p:spPr>
       </p:sp>
       <p:sp>
         <p:nvSpPr>
           <p:cNvPr id="4" name="Google Shape;4;n"/>
-          <p:cNvSpPr txBox="1"/>
+          <p:cNvSpPr txBox="1">
+            <a:spLocks noGrp="1"/>
+          </p:cNvSpPr>
           <p:nvPr>
-            <p:ph idx="1" type="body"/>
+            <p:ph type="body" idx="1"/>
           </p:nvPr>
         </p:nvSpPr>
         <p:spPr>
@@ -397,11 +410,11 @@
           </a:ln>
         </p:spPr>
         <p:txBody>
-          <a:bodyPr anchorCtr="0" anchor="t" bIns="91425" lIns="91425" spcFirstLastPara="1" rIns="91425" wrap="square" tIns="91425">
+          <a:bodyPr spcFirstLastPara="1" wrap="square" lIns="91425" tIns="91425" rIns="91425" bIns="91425" anchor="t" anchorCtr="0">
             <a:noAutofit/>
           </a:bodyPr>
           <a:lstStyle>
-            <a:lvl1pPr indent="-298450" lvl="0" marL="457200">
+            <a:lvl1pPr marL="457200" lvl="0" indent="-298450">
               <a:spcBef>
                 <a:spcPts val="0"/>
               </a:spcBef>
@@ -412,7 +425,7 @@
               <a:buChar char="●"/>
               <a:defRPr sz="1100"/>
             </a:lvl1pPr>
-            <a:lvl2pPr indent="-298450" lvl="1" marL="914400">
+            <a:lvl2pPr marL="914400" lvl="1" indent="-298450">
               <a:spcBef>
                 <a:spcPts val="0"/>
               </a:spcBef>
@@ -423,7 +436,7 @@
               <a:buChar char="○"/>
               <a:defRPr sz="1100"/>
             </a:lvl2pPr>
-            <a:lvl3pPr indent="-298450" lvl="2" marL="1371600">
+            <a:lvl3pPr marL="1371600" lvl="2" indent="-298450">
               <a:spcBef>
                 <a:spcPts val="0"/>
               </a:spcBef>
@@ -434,7 +447,7 @@
               <a:buChar char="■"/>
               <a:defRPr sz="1100"/>
             </a:lvl3pPr>
-            <a:lvl4pPr indent="-298450" lvl="3" marL="1828800">
+            <a:lvl4pPr marL="1828800" lvl="3" indent="-298450">
               <a:spcBef>
                 <a:spcPts val="0"/>
               </a:spcBef>
@@ -445,7 +458,7 @@
               <a:buChar char="●"/>
               <a:defRPr sz="1100"/>
             </a:lvl4pPr>
-            <a:lvl5pPr indent="-298450" lvl="4" marL="2286000">
+            <a:lvl5pPr marL="2286000" lvl="4" indent="-298450">
               <a:spcBef>
                 <a:spcPts val="0"/>
               </a:spcBef>
@@ -456,7 +469,7 @@
               <a:buChar char="○"/>
               <a:defRPr sz="1100"/>
             </a:lvl5pPr>
-            <a:lvl6pPr indent="-298450" lvl="5" marL="2743200">
+            <a:lvl6pPr marL="2743200" lvl="5" indent="-298450">
               <a:spcBef>
                 <a:spcPts val="0"/>
               </a:spcBef>
@@ -467,7 +480,7 @@
               <a:buChar char="■"/>
               <a:defRPr sz="1100"/>
             </a:lvl6pPr>
-            <a:lvl7pPr indent="-298450" lvl="6" marL="3200400">
+            <a:lvl7pPr marL="3200400" lvl="6" indent="-298450">
               <a:spcBef>
                 <a:spcPts val="0"/>
               </a:spcBef>
@@ -478,7 +491,7 @@
               <a:buChar char="●"/>
               <a:defRPr sz="1100"/>
             </a:lvl7pPr>
-            <a:lvl8pPr indent="-298450" lvl="7" marL="3657600">
+            <a:lvl8pPr marL="3657600" lvl="7" indent="-298450">
               <a:spcBef>
                 <a:spcPts val="0"/>
               </a:spcBef>
@@ -489,7 +502,7 @@
               <a:buChar char="○"/>
               <a:defRPr sz="1100"/>
             </a:lvl8pPr>
-            <a:lvl9pPr indent="-298450" lvl="8" marL="4114800">
+            <a:lvl9pPr marL="4114800" lvl="8" indent="-298450">
               <a:spcBef>
                 <a:spcPts val="0"/>
               </a:spcBef>
@@ -501,14 +514,16 @@
               <a:defRPr sz="1100"/>
             </a:lvl9pPr>
           </a:lstStyle>
-          <a:p/>
+          <a:p>
+            <a:endParaRPr/>
+          </a:p>
         </p:txBody>
       </p:sp>
     </p:spTree>
   </p:cSld>
-  <p:clrMap accent1="accent1" accent2="accent2" accent3="accent3" accent4="accent4" accent5="accent5" accent6="accent6" bg1="lt1" bg2="dk2" tx1="dk1" tx2="lt2" folHlink="folHlink" hlink="hlink"/>
+  <p:clrMap bg1="lt1" tx1="dk1" bg2="dk2" tx2="lt2" accent1="accent1" accent2="accent2" accent3="accent3" accent4="accent4" accent5="accent5" accent6="accent6" hlink="hlink" folHlink="folHlink"/>
   <p:notesStyle>
-    <a:defPPr lvl="0" marR="0" rtl="0" algn="l">
+    <a:defPPr marR="0" lvl="0" algn="l" rtl="0">
       <a:lnSpc>
         <a:spcPct val="100000"/>
       </a:lnSpc>
@@ -519,7 +534,7 @@
         <a:spcPts val="0"/>
       </a:spcAft>
     </a:defPPr>
-    <a:lvl1pPr lvl="0" marR="0" rtl="0" algn="l">
+    <a:lvl1pPr marR="0" lvl="0" algn="l" rtl="0">
       <a:lnSpc>
         <a:spcPct val="100000"/>
       </a:lnSpc>
@@ -533,7 +548,7 @@
         <a:srgbClr val="000000"/>
       </a:buClr>
       <a:buFont typeface="Arial"/>
-      <a:defRPr b="0" i="0" sz="1400" u="none" cap="none" strike="noStrike">
+      <a:defRPr sz="1400" b="0" i="0" u="none" strike="noStrike" cap="none">
         <a:solidFill>
           <a:srgbClr val="000000"/>
         </a:solidFill>
@@ -543,7 +558,7 @@
         <a:sym typeface="Arial"/>
       </a:defRPr>
     </a:lvl1pPr>
-    <a:lvl2pPr lvl="1" marR="0" rtl="0" algn="l">
+    <a:lvl2pPr marR="0" lvl="1" algn="l" rtl="0">
       <a:lnSpc>
         <a:spcPct val="100000"/>
       </a:lnSpc>
@@ -557,7 +572,7 @@
         <a:srgbClr val="000000"/>
       </a:buClr>
       <a:buFont typeface="Arial"/>
-      <a:defRPr b="0" i="0" sz="1400" u="none" cap="none" strike="noStrike">
+      <a:defRPr sz="1400" b="0" i="0" u="none" strike="noStrike" cap="none">
         <a:solidFill>
           <a:srgbClr val="000000"/>
         </a:solidFill>
@@ -567,7 +582,7 @@
         <a:sym typeface="Arial"/>
       </a:defRPr>
     </a:lvl2pPr>
-    <a:lvl3pPr lvl="2" marR="0" rtl="0" algn="l">
+    <a:lvl3pPr marR="0" lvl="2" algn="l" rtl="0">
       <a:lnSpc>
         <a:spcPct val="100000"/>
       </a:lnSpc>
@@ -581,7 +596,7 @@
         <a:srgbClr val="000000"/>
       </a:buClr>
       <a:buFont typeface="Arial"/>
-      <a:defRPr b="0" i="0" sz="1400" u="none" cap="none" strike="noStrike">
+      <a:defRPr sz="1400" b="0" i="0" u="none" strike="noStrike" cap="none">
         <a:solidFill>
           <a:srgbClr val="000000"/>
         </a:solidFill>
@@ -591,7 +606,7 @@
         <a:sym typeface="Arial"/>
       </a:defRPr>
     </a:lvl3pPr>
-    <a:lvl4pPr lvl="3" marR="0" rtl="0" algn="l">
+    <a:lvl4pPr marR="0" lvl="3" algn="l" rtl="0">
       <a:lnSpc>
         <a:spcPct val="100000"/>
       </a:lnSpc>
@@ -605,7 +620,7 @@
         <a:srgbClr val="000000"/>
       </a:buClr>
       <a:buFont typeface="Arial"/>
-      <a:defRPr b="0" i="0" sz="1400" u="none" cap="none" strike="noStrike">
+      <a:defRPr sz="1400" b="0" i="0" u="none" strike="noStrike" cap="none">
         <a:solidFill>
           <a:srgbClr val="000000"/>
         </a:solidFill>
@@ -615,7 +630,7 @@
         <a:sym typeface="Arial"/>
       </a:defRPr>
     </a:lvl4pPr>
-    <a:lvl5pPr lvl="4" marR="0" rtl="0" algn="l">
+    <a:lvl5pPr marR="0" lvl="4" algn="l" rtl="0">
       <a:lnSpc>
         <a:spcPct val="100000"/>
       </a:lnSpc>
@@ -629,7 +644,7 @@
         <a:srgbClr val="000000"/>
       </a:buClr>
       <a:buFont typeface="Arial"/>
-      <a:defRPr b="0" i="0" sz="1400" u="none" cap="none" strike="noStrike">
+      <a:defRPr sz="1400" b="0" i="0" u="none" strike="noStrike" cap="none">
         <a:solidFill>
           <a:srgbClr val="000000"/>
         </a:solidFill>
@@ -639,7 +654,7 @@
         <a:sym typeface="Arial"/>
       </a:defRPr>
     </a:lvl5pPr>
-    <a:lvl6pPr lvl="5" marR="0" rtl="0" algn="l">
+    <a:lvl6pPr marR="0" lvl="5" algn="l" rtl="0">
       <a:lnSpc>
         <a:spcPct val="100000"/>
       </a:lnSpc>
@@ -653,7 +668,7 @@
         <a:srgbClr val="000000"/>
       </a:buClr>
       <a:buFont typeface="Arial"/>
-      <a:defRPr b="0" i="0" sz="1400" u="none" cap="none" strike="noStrike">
+      <a:defRPr sz="1400" b="0" i="0" u="none" strike="noStrike" cap="none">
         <a:solidFill>
           <a:srgbClr val="000000"/>
         </a:solidFill>
@@ -663,7 +678,7 @@
         <a:sym typeface="Arial"/>
       </a:defRPr>
     </a:lvl6pPr>
-    <a:lvl7pPr lvl="6" marR="0" rtl="0" algn="l">
+    <a:lvl7pPr marR="0" lvl="6" algn="l" rtl="0">
       <a:lnSpc>
         <a:spcPct val="100000"/>
       </a:lnSpc>
@@ -677,7 +692,7 @@
         <a:srgbClr val="000000"/>
       </a:buClr>
       <a:buFont typeface="Arial"/>
-      <a:defRPr b="0" i="0" sz="1400" u="none" cap="none" strike="noStrike">
+      <a:defRPr sz="1400" b="0" i="0" u="none" strike="noStrike" cap="none">
         <a:solidFill>
           <a:srgbClr val="000000"/>
         </a:solidFill>
@@ -687,7 +702,7 @@
         <a:sym typeface="Arial"/>
       </a:defRPr>
     </a:lvl7pPr>
-    <a:lvl8pPr lvl="7" marR="0" rtl="0" algn="l">
+    <a:lvl8pPr marR="0" lvl="7" algn="l" rtl="0">
       <a:lnSpc>
         <a:spcPct val="100000"/>
       </a:lnSpc>
@@ -701,7 +716,7 @@
         <a:srgbClr val="000000"/>
       </a:buClr>
       <a:buFont typeface="Arial"/>
-      <a:defRPr b="0" i="0" sz="1400" u="none" cap="none" strike="noStrike">
+      <a:defRPr sz="1400" b="0" i="0" u="none" strike="noStrike" cap="none">
         <a:solidFill>
           <a:srgbClr val="000000"/>
         </a:solidFill>
@@ -711,7 +726,7 @@
         <a:sym typeface="Arial"/>
       </a:defRPr>
     </a:lvl8pPr>
-    <a:lvl9pPr lvl="8" marR="0" rtl="0" algn="l">
+    <a:lvl9pPr marR="0" lvl="8" algn="l" rtl="0">
       <a:lnSpc>
         <a:spcPct val="100000"/>
       </a:lnSpc>
@@ -725,7 +740,7 @@
         <a:srgbClr val="000000"/>
       </a:buClr>
       <a:buFont typeface="Arial"/>
-      <a:defRPr b="0" i="0" sz="1400" u="none" cap="none" strike="noStrike">
+      <a:defRPr sz="1400" b="0" i="0" u="none" strike="noStrike" cap="none">
         <a:solidFill>
           <a:srgbClr val="000000"/>
         </a:solidFill>
@@ -740,11 +755,11 @@
 </file>
 
 <file path=ppt/notesSlides/notesSlide1.xml><?xml version="1.0" encoding="utf-8"?>
-<p:notes xmlns:a="http://schemas.openxmlformats.org/drawingml/2006/main" xmlns:r="http://schemas.openxmlformats.org/officeDocument/2006/relationships" xmlns:mc="http://schemas.openxmlformats.org/markup-compatibility/2006" xmlns:mv="urn:schemas-microsoft-com:mac:vml" xmlns:p="http://schemas.openxmlformats.org/presentationml/2006/main" xmlns:c="http://schemas.openxmlformats.org/drawingml/2006/chart" xmlns:dgm="http://schemas.openxmlformats.org/drawingml/2006/diagram" xmlns:o="urn:schemas-microsoft-com:office:office" xmlns:v="urn:schemas-microsoft-com:vml" xmlns:pvml="urn:schemas-microsoft-com:office:powerpoint" xmlns:com="http://schemas.openxmlformats.org/drawingml/2006/compatibility" xmlns:p14="http://schemas.microsoft.com/office/powerpoint/2010/main" xmlns:p15="http://schemas.microsoft.com/office/powerpoint/2012/main" showMasterPhAnim="0" showMasterSp="0">
+<p:notes xmlns:a="http://schemas.openxmlformats.org/drawingml/2006/main" xmlns:r="http://schemas.openxmlformats.org/officeDocument/2006/relationships" xmlns:p="http://schemas.openxmlformats.org/presentationml/2006/main" showMasterSp="0" showMasterPhAnim="0">
   <p:cSld>
     <p:spTree>
       <p:nvGrpSpPr>
-        <p:cNvPr id="55" name="Shape 55"/>
+        <p:cNvPr id="1" name="Shape 55"/>
         <p:cNvGrpSpPr/>
         <p:nvPr/>
       </p:nvGrpSpPr>
@@ -759,9 +774,11 @@
       <p:sp>
         <p:nvSpPr>
           <p:cNvPr id="56" name="Google Shape;56;p:notes"/>
-          <p:cNvSpPr/>
+          <p:cNvSpPr>
+            <a:spLocks noGrp="1" noRot="1" noChangeAspect="1"/>
+          </p:cNvSpPr>
           <p:nvPr>
-            <p:ph idx="2" type="sldImg"/>
+            <p:ph type="sldImg" idx="2"/>
           </p:nvPr>
         </p:nvSpPr>
         <p:spPr>
@@ -770,9 +787,13 @@
             <a:ext cx="6096075" cy="3429000"/>
           </a:xfrm>
           <a:custGeom>
-            <a:rect b="b" l="l" r="r" t="t"/>
+            <a:avLst/>
+            <a:gdLst/>
+            <a:ahLst/>
+            <a:cxnLst/>
+            <a:rect l="l" t="t" r="r" b="b"/>
             <a:pathLst>
-              <a:path extrusionOk="0" h="120000" w="120000">
+              <a:path w="120000" h="120000" extrusionOk="0">
                 <a:moveTo>
                   <a:pt x="0" y="0"/>
                 </a:moveTo>
@@ -794,9 +815,11 @@
       <p:sp>
         <p:nvSpPr>
           <p:cNvPr id="57" name="Google Shape;57;p:notes"/>
-          <p:cNvSpPr txBox="1"/>
+          <p:cNvSpPr txBox="1">
+            <a:spLocks noGrp="1"/>
+          </p:cNvSpPr>
           <p:nvPr>
-            <p:ph idx="1" type="body"/>
+            <p:ph type="body" idx="1"/>
           </p:nvPr>
         </p:nvSpPr>
         <p:spPr>
@@ -809,12 +832,12 @@
           </a:prstGeom>
         </p:spPr>
         <p:txBody>
-          <a:bodyPr anchorCtr="0" anchor="t" bIns="91425" lIns="91425" spcFirstLastPara="1" rIns="91425" wrap="square" tIns="91425">
+          <a:bodyPr spcFirstLastPara="1" wrap="square" lIns="91425" tIns="91425" rIns="91425" bIns="91425" anchor="t" anchorCtr="0">
             <a:noAutofit/>
           </a:bodyPr>
           <a:lstStyle/>
           <a:p>
-            <a:pPr indent="0" lvl="0" marL="0" rtl="0" algn="l">
+            <a:pPr marL="0" lvl="0" indent="0" algn="l" rtl="0">
               <a:spcBef>
                 <a:spcPts val="0"/>
               </a:spcBef>
@@ -823,9 +846,6 @@
               </a:spcAft>
               <a:buNone/>
             </a:pPr>
-            <a:r>
-              <a:t/>
-            </a:r>
             <a:endParaRPr/>
           </a:p>
         </p:txBody>
@@ -839,11 +859,11 @@
 </file>
 
 <file path=ppt/notesSlides/notesSlide10.xml><?xml version="1.0" encoding="utf-8"?>
-<p:notes xmlns:a="http://schemas.openxmlformats.org/drawingml/2006/main" xmlns:r="http://schemas.openxmlformats.org/officeDocument/2006/relationships" xmlns:mc="http://schemas.openxmlformats.org/markup-compatibility/2006" xmlns:mv="urn:schemas-microsoft-com:mac:vml" xmlns:p="http://schemas.openxmlformats.org/presentationml/2006/main" xmlns:c="http://schemas.openxmlformats.org/drawingml/2006/chart" xmlns:dgm="http://schemas.openxmlformats.org/drawingml/2006/diagram" xmlns:o="urn:schemas-microsoft-com:office:office" xmlns:v="urn:schemas-microsoft-com:vml" xmlns:pvml="urn:schemas-microsoft-com:office:powerpoint" xmlns:com="http://schemas.openxmlformats.org/drawingml/2006/compatibility" xmlns:p14="http://schemas.microsoft.com/office/powerpoint/2010/main" xmlns:p15="http://schemas.microsoft.com/office/powerpoint/2012/main" showMasterPhAnim="0" showMasterSp="0">
+<p:notes xmlns:a="http://schemas.openxmlformats.org/drawingml/2006/main" xmlns:r="http://schemas.openxmlformats.org/officeDocument/2006/relationships" xmlns:p="http://schemas.openxmlformats.org/presentationml/2006/main" showMasterSp="0" showMasterPhAnim="0">
   <p:cSld>
     <p:spTree>
       <p:nvGrpSpPr>
-        <p:cNvPr id="131" name="Shape 131"/>
+        <p:cNvPr id="1" name="Shape 131"/>
         <p:cNvGrpSpPr/>
         <p:nvPr/>
       </p:nvGrpSpPr>
@@ -858,9 +878,11 @@
       <p:sp>
         <p:nvSpPr>
           <p:cNvPr id="132" name="Google Shape;132;g6b6bc2673d_0_21:notes"/>
-          <p:cNvSpPr/>
+          <p:cNvSpPr>
+            <a:spLocks noGrp="1" noRot="1" noChangeAspect="1"/>
+          </p:cNvSpPr>
           <p:nvPr>
-            <p:ph idx="2" type="sldImg"/>
+            <p:ph type="sldImg" idx="2"/>
           </p:nvPr>
         </p:nvSpPr>
         <p:spPr>
@@ -869,9 +891,13 @@
             <a:ext cx="6096000" cy="3429000"/>
           </a:xfrm>
           <a:custGeom>
-            <a:rect b="b" l="l" r="r" t="t"/>
+            <a:avLst/>
+            <a:gdLst/>
+            <a:ahLst/>
+            <a:cxnLst/>
+            <a:rect l="l" t="t" r="r" b="b"/>
             <a:pathLst>
-              <a:path extrusionOk="0" h="120000" w="120000">
+              <a:path w="120000" h="120000" extrusionOk="0">
                 <a:moveTo>
                   <a:pt x="0" y="0"/>
                 </a:moveTo>
@@ -893,9 +919,11 @@
       <p:sp>
         <p:nvSpPr>
           <p:cNvPr id="133" name="Google Shape;133;g6b6bc2673d_0_21:notes"/>
-          <p:cNvSpPr txBox="1"/>
+          <p:cNvSpPr txBox="1">
+            <a:spLocks noGrp="1"/>
+          </p:cNvSpPr>
           <p:nvPr>
-            <p:ph idx="1" type="body"/>
+            <p:ph type="body" idx="1"/>
           </p:nvPr>
         </p:nvSpPr>
         <p:spPr>
@@ -908,12 +936,12 @@
           </a:prstGeom>
         </p:spPr>
         <p:txBody>
-          <a:bodyPr anchorCtr="0" anchor="t" bIns="91425" lIns="91425" spcFirstLastPara="1" rIns="91425" wrap="square" tIns="91425">
+          <a:bodyPr spcFirstLastPara="1" wrap="square" lIns="91425" tIns="91425" rIns="91425" bIns="91425" anchor="t" anchorCtr="0">
             <a:noAutofit/>
           </a:bodyPr>
           <a:lstStyle/>
           <a:p>
-            <a:pPr indent="0" lvl="0" marL="0" rtl="0" algn="l">
+            <a:pPr marL="0" lvl="0" indent="0" algn="l" rtl="0">
               <a:spcBef>
                 <a:spcPts val="0"/>
               </a:spcBef>
@@ -922,9 +950,6 @@
               </a:spcAft>
               <a:buNone/>
             </a:pPr>
-            <a:r>
-              <a:t/>
-            </a:r>
             <a:endParaRPr/>
           </a:p>
         </p:txBody>
@@ -938,11 +963,11 @@
 </file>
 
 <file path=ppt/notesSlides/notesSlide11.xml><?xml version="1.0" encoding="utf-8"?>
-<p:notes xmlns:a="http://schemas.openxmlformats.org/drawingml/2006/main" xmlns:r="http://schemas.openxmlformats.org/officeDocument/2006/relationships" xmlns:mc="http://schemas.openxmlformats.org/markup-compatibility/2006" xmlns:mv="urn:schemas-microsoft-com:mac:vml" xmlns:p="http://schemas.openxmlformats.org/presentationml/2006/main" xmlns:c="http://schemas.openxmlformats.org/drawingml/2006/chart" xmlns:dgm="http://schemas.openxmlformats.org/drawingml/2006/diagram" xmlns:o="urn:schemas-microsoft-com:office:office" xmlns:v="urn:schemas-microsoft-com:vml" xmlns:pvml="urn:schemas-microsoft-com:office:powerpoint" xmlns:com="http://schemas.openxmlformats.org/drawingml/2006/compatibility" xmlns:p14="http://schemas.microsoft.com/office/powerpoint/2010/main" xmlns:p15="http://schemas.microsoft.com/office/powerpoint/2012/main" showMasterPhAnim="0" showMasterSp="0">
+<p:notes xmlns:a="http://schemas.openxmlformats.org/drawingml/2006/main" xmlns:r="http://schemas.openxmlformats.org/officeDocument/2006/relationships" xmlns:p="http://schemas.openxmlformats.org/presentationml/2006/main" showMasterSp="0" showMasterPhAnim="0">
   <p:cSld>
     <p:spTree>
       <p:nvGrpSpPr>
-        <p:cNvPr id="137" name="Shape 137"/>
+        <p:cNvPr id="1" name="Shape 137"/>
         <p:cNvGrpSpPr/>
         <p:nvPr/>
       </p:nvGrpSpPr>
@@ -957,9 +982,11 @@
       <p:sp>
         <p:nvSpPr>
           <p:cNvPr id="138" name="Google Shape;138;g6b6bc2673d_0_27:notes"/>
-          <p:cNvSpPr/>
+          <p:cNvSpPr>
+            <a:spLocks noGrp="1" noRot="1" noChangeAspect="1"/>
+          </p:cNvSpPr>
           <p:nvPr>
-            <p:ph idx="2" type="sldImg"/>
+            <p:ph type="sldImg" idx="2"/>
           </p:nvPr>
         </p:nvSpPr>
         <p:spPr>
@@ -968,9 +995,13 @@
             <a:ext cx="6096000" cy="3429000"/>
           </a:xfrm>
           <a:custGeom>
-            <a:rect b="b" l="l" r="r" t="t"/>
+            <a:avLst/>
+            <a:gdLst/>
+            <a:ahLst/>
+            <a:cxnLst/>
+            <a:rect l="l" t="t" r="r" b="b"/>
             <a:pathLst>
-              <a:path extrusionOk="0" h="120000" w="120000">
+              <a:path w="120000" h="120000" extrusionOk="0">
                 <a:moveTo>
                   <a:pt x="0" y="0"/>
                 </a:moveTo>
@@ -992,9 +1023,11 @@
       <p:sp>
         <p:nvSpPr>
           <p:cNvPr id="139" name="Google Shape;139;g6b6bc2673d_0_27:notes"/>
-          <p:cNvSpPr txBox="1"/>
+          <p:cNvSpPr txBox="1">
+            <a:spLocks noGrp="1"/>
+          </p:cNvSpPr>
           <p:nvPr>
-            <p:ph idx="1" type="body"/>
+            <p:ph type="body" idx="1"/>
           </p:nvPr>
         </p:nvSpPr>
         <p:spPr>
@@ -1007,12 +1040,12 @@
           </a:prstGeom>
         </p:spPr>
         <p:txBody>
-          <a:bodyPr anchorCtr="0" anchor="t" bIns="91425" lIns="91425" spcFirstLastPara="1" rIns="91425" wrap="square" tIns="91425">
+          <a:bodyPr spcFirstLastPara="1" wrap="square" lIns="91425" tIns="91425" rIns="91425" bIns="91425" anchor="t" anchorCtr="0">
             <a:noAutofit/>
           </a:bodyPr>
           <a:lstStyle/>
           <a:p>
-            <a:pPr indent="0" lvl="0" marL="0" rtl="0" algn="l">
+            <a:pPr marL="0" lvl="0" indent="0" algn="l" rtl="0">
               <a:spcBef>
                 <a:spcPts val="0"/>
               </a:spcBef>
@@ -1021,9 +1054,6 @@
               </a:spcAft>
               <a:buNone/>
             </a:pPr>
-            <a:r>
-              <a:t/>
-            </a:r>
             <a:endParaRPr/>
           </a:p>
         </p:txBody>
@@ -1037,11 +1067,11 @@
 </file>
 
 <file path=ppt/notesSlides/notesSlide12.xml><?xml version="1.0" encoding="utf-8"?>
-<p:notes xmlns:a="http://schemas.openxmlformats.org/drawingml/2006/main" xmlns:r="http://schemas.openxmlformats.org/officeDocument/2006/relationships" xmlns:mc="http://schemas.openxmlformats.org/markup-compatibility/2006" xmlns:mv="urn:schemas-microsoft-com:mac:vml" xmlns:p="http://schemas.openxmlformats.org/presentationml/2006/main" xmlns:c="http://schemas.openxmlformats.org/drawingml/2006/chart" xmlns:dgm="http://schemas.openxmlformats.org/drawingml/2006/diagram" xmlns:o="urn:schemas-microsoft-com:office:office" xmlns:v="urn:schemas-microsoft-com:vml" xmlns:pvml="urn:schemas-microsoft-com:office:powerpoint" xmlns:com="http://schemas.openxmlformats.org/drawingml/2006/compatibility" xmlns:p14="http://schemas.microsoft.com/office/powerpoint/2010/main" xmlns:p15="http://schemas.microsoft.com/office/powerpoint/2012/main" showMasterPhAnim="0" showMasterSp="0">
+<p:notes xmlns:a="http://schemas.openxmlformats.org/drawingml/2006/main" xmlns:r="http://schemas.openxmlformats.org/officeDocument/2006/relationships" xmlns:p="http://schemas.openxmlformats.org/presentationml/2006/main" showMasterSp="0" showMasterPhAnim="0">
   <p:cSld>
     <p:spTree>
       <p:nvGrpSpPr>
-        <p:cNvPr id="143" name="Shape 143"/>
+        <p:cNvPr id="1" name="Shape 143"/>
         <p:cNvGrpSpPr/>
         <p:nvPr/>
       </p:nvGrpSpPr>
@@ -1056,9 +1086,11 @@
       <p:sp>
         <p:nvSpPr>
           <p:cNvPr id="144" name="Google Shape;144;g757b4520bf_0_21:notes"/>
-          <p:cNvSpPr/>
+          <p:cNvSpPr>
+            <a:spLocks noGrp="1" noRot="1" noChangeAspect="1"/>
+          </p:cNvSpPr>
           <p:nvPr>
-            <p:ph idx="2" type="sldImg"/>
+            <p:ph type="sldImg" idx="2"/>
           </p:nvPr>
         </p:nvSpPr>
         <p:spPr>
@@ -1067,9 +1099,13 @@
             <a:ext cx="6096000" cy="3429000"/>
           </a:xfrm>
           <a:custGeom>
-            <a:rect b="b" l="l" r="r" t="t"/>
+            <a:avLst/>
+            <a:gdLst/>
+            <a:ahLst/>
+            <a:cxnLst/>
+            <a:rect l="l" t="t" r="r" b="b"/>
             <a:pathLst>
-              <a:path extrusionOk="0" h="120000" w="120000">
+              <a:path w="120000" h="120000" extrusionOk="0">
                 <a:moveTo>
                   <a:pt x="0" y="0"/>
                 </a:moveTo>
@@ -1091,9 +1127,11 @@
       <p:sp>
         <p:nvSpPr>
           <p:cNvPr id="145" name="Google Shape;145;g757b4520bf_0_21:notes"/>
-          <p:cNvSpPr txBox="1"/>
+          <p:cNvSpPr txBox="1">
+            <a:spLocks noGrp="1"/>
+          </p:cNvSpPr>
           <p:nvPr>
-            <p:ph idx="1" type="body"/>
+            <p:ph type="body" idx="1"/>
           </p:nvPr>
         </p:nvSpPr>
         <p:spPr>
@@ -1106,12 +1144,12 @@
           </a:prstGeom>
         </p:spPr>
         <p:txBody>
-          <a:bodyPr anchorCtr="0" anchor="t" bIns="91425" lIns="91425" spcFirstLastPara="1" rIns="91425" wrap="square" tIns="91425">
+          <a:bodyPr spcFirstLastPara="1" wrap="square" lIns="91425" tIns="91425" rIns="91425" bIns="91425" anchor="t" anchorCtr="0">
             <a:noAutofit/>
           </a:bodyPr>
           <a:lstStyle/>
           <a:p>
-            <a:pPr indent="0" lvl="0" marL="0" rtl="0" algn="l">
+            <a:pPr marL="0" lvl="0" indent="0" algn="l" rtl="0">
               <a:spcBef>
                 <a:spcPts val="0"/>
               </a:spcBef>
@@ -1120,9 +1158,6 @@
               </a:spcAft>
               <a:buNone/>
             </a:pPr>
-            <a:r>
-              <a:t/>
-            </a:r>
             <a:endParaRPr/>
           </a:p>
         </p:txBody>
@@ -1136,11 +1171,11 @@
 </file>
 
 <file path=ppt/notesSlides/notesSlide13.xml><?xml version="1.0" encoding="utf-8"?>
-<p:notes xmlns:a="http://schemas.openxmlformats.org/drawingml/2006/main" xmlns:r="http://schemas.openxmlformats.org/officeDocument/2006/relationships" xmlns:mc="http://schemas.openxmlformats.org/markup-compatibility/2006" xmlns:mv="urn:schemas-microsoft-com:mac:vml" xmlns:p="http://schemas.openxmlformats.org/presentationml/2006/main" xmlns:c="http://schemas.openxmlformats.org/drawingml/2006/chart" xmlns:dgm="http://schemas.openxmlformats.org/drawingml/2006/diagram" xmlns:o="urn:schemas-microsoft-com:office:office" xmlns:v="urn:schemas-microsoft-com:vml" xmlns:pvml="urn:schemas-microsoft-com:office:powerpoint" xmlns:com="http://schemas.openxmlformats.org/drawingml/2006/compatibility" xmlns:p14="http://schemas.microsoft.com/office/powerpoint/2010/main" xmlns:p15="http://schemas.microsoft.com/office/powerpoint/2012/main" showMasterPhAnim="0" showMasterSp="0">
+<p:notes xmlns:a="http://schemas.openxmlformats.org/drawingml/2006/main" xmlns:r="http://schemas.openxmlformats.org/officeDocument/2006/relationships" xmlns:p="http://schemas.openxmlformats.org/presentationml/2006/main" showMasterSp="0" showMasterPhAnim="0">
   <p:cSld>
     <p:spTree>
       <p:nvGrpSpPr>
-        <p:cNvPr id="149" name="Shape 149"/>
+        <p:cNvPr id="1" name="Shape 149"/>
         <p:cNvGrpSpPr/>
         <p:nvPr/>
       </p:nvGrpSpPr>
@@ -1155,9 +1190,11 @@
       <p:sp>
         <p:nvSpPr>
           <p:cNvPr id="150" name="Google Shape;150;g757b4520bf_0_11:notes"/>
-          <p:cNvSpPr/>
+          <p:cNvSpPr>
+            <a:spLocks noGrp="1" noRot="1" noChangeAspect="1"/>
+          </p:cNvSpPr>
           <p:nvPr>
-            <p:ph idx="2" type="sldImg"/>
+            <p:ph type="sldImg" idx="2"/>
           </p:nvPr>
         </p:nvSpPr>
         <p:spPr>
@@ -1166,9 +1203,13 @@
             <a:ext cx="6096000" cy="3429000"/>
           </a:xfrm>
           <a:custGeom>
-            <a:rect b="b" l="l" r="r" t="t"/>
+            <a:avLst/>
+            <a:gdLst/>
+            <a:ahLst/>
+            <a:cxnLst/>
+            <a:rect l="l" t="t" r="r" b="b"/>
             <a:pathLst>
-              <a:path extrusionOk="0" h="120000" w="120000">
+              <a:path w="120000" h="120000" extrusionOk="0">
                 <a:moveTo>
                   <a:pt x="0" y="0"/>
                 </a:moveTo>
@@ -1190,9 +1231,11 @@
       <p:sp>
         <p:nvSpPr>
           <p:cNvPr id="151" name="Google Shape;151;g757b4520bf_0_11:notes"/>
-          <p:cNvSpPr txBox="1"/>
+          <p:cNvSpPr txBox="1">
+            <a:spLocks noGrp="1"/>
+          </p:cNvSpPr>
           <p:nvPr>
-            <p:ph idx="1" type="body"/>
+            <p:ph type="body" idx="1"/>
           </p:nvPr>
         </p:nvSpPr>
         <p:spPr>
@@ -1205,12 +1248,12 @@
           </a:prstGeom>
         </p:spPr>
         <p:txBody>
-          <a:bodyPr anchorCtr="0" anchor="t" bIns="91425" lIns="91425" spcFirstLastPara="1" rIns="91425" wrap="square" tIns="91425">
+          <a:bodyPr spcFirstLastPara="1" wrap="square" lIns="91425" tIns="91425" rIns="91425" bIns="91425" anchor="t" anchorCtr="0">
             <a:noAutofit/>
           </a:bodyPr>
           <a:lstStyle/>
           <a:p>
-            <a:pPr indent="0" lvl="0" marL="0" rtl="0" algn="l">
+            <a:pPr marL="0" lvl="0" indent="0" algn="l" rtl="0">
               <a:spcBef>
                 <a:spcPts val="0"/>
               </a:spcBef>
@@ -1219,9 +1262,6 @@
               </a:spcAft>
               <a:buNone/>
             </a:pPr>
-            <a:r>
-              <a:t/>
-            </a:r>
             <a:endParaRPr/>
           </a:p>
         </p:txBody>
@@ -1235,11 +1275,11 @@
 </file>
 
 <file path=ppt/notesSlides/notesSlide14.xml><?xml version="1.0" encoding="utf-8"?>
-<p:notes xmlns:a="http://schemas.openxmlformats.org/drawingml/2006/main" xmlns:r="http://schemas.openxmlformats.org/officeDocument/2006/relationships" xmlns:mc="http://schemas.openxmlformats.org/markup-compatibility/2006" xmlns:mv="urn:schemas-microsoft-com:mac:vml" xmlns:p="http://schemas.openxmlformats.org/presentationml/2006/main" xmlns:c="http://schemas.openxmlformats.org/drawingml/2006/chart" xmlns:dgm="http://schemas.openxmlformats.org/drawingml/2006/diagram" xmlns:o="urn:schemas-microsoft-com:office:office" xmlns:v="urn:schemas-microsoft-com:vml" xmlns:pvml="urn:schemas-microsoft-com:office:powerpoint" xmlns:com="http://schemas.openxmlformats.org/drawingml/2006/compatibility" xmlns:p14="http://schemas.microsoft.com/office/powerpoint/2010/main" xmlns:p15="http://schemas.microsoft.com/office/powerpoint/2012/main" showMasterPhAnim="0" showMasterSp="0">
+<p:notes xmlns:a="http://schemas.openxmlformats.org/drawingml/2006/main" xmlns:r="http://schemas.openxmlformats.org/officeDocument/2006/relationships" xmlns:p="http://schemas.openxmlformats.org/presentationml/2006/main" showMasterSp="0" showMasterPhAnim="0">
   <p:cSld>
     <p:spTree>
       <p:nvGrpSpPr>
-        <p:cNvPr id="155" name="Shape 155"/>
+        <p:cNvPr id="1" name="Shape 155"/>
         <p:cNvGrpSpPr/>
         <p:nvPr/>
       </p:nvGrpSpPr>
@@ -1254,9 +1294,11 @@
       <p:sp>
         <p:nvSpPr>
           <p:cNvPr id="156" name="Google Shape;156;g757b4520bf_0_28:notes"/>
-          <p:cNvSpPr/>
+          <p:cNvSpPr>
+            <a:spLocks noGrp="1" noRot="1" noChangeAspect="1"/>
+          </p:cNvSpPr>
           <p:nvPr>
-            <p:ph idx="2" type="sldImg"/>
+            <p:ph type="sldImg" idx="2"/>
           </p:nvPr>
         </p:nvSpPr>
         <p:spPr>
@@ -1265,9 +1307,13 @@
             <a:ext cx="6096000" cy="3429000"/>
           </a:xfrm>
           <a:custGeom>
-            <a:rect b="b" l="l" r="r" t="t"/>
+            <a:avLst/>
+            <a:gdLst/>
+            <a:ahLst/>
+            <a:cxnLst/>
+            <a:rect l="l" t="t" r="r" b="b"/>
             <a:pathLst>
-              <a:path extrusionOk="0" h="120000" w="120000">
+              <a:path w="120000" h="120000" extrusionOk="0">
                 <a:moveTo>
                   <a:pt x="0" y="0"/>
                 </a:moveTo>
@@ -1289,9 +1335,11 @@
       <p:sp>
         <p:nvSpPr>
           <p:cNvPr id="157" name="Google Shape;157;g757b4520bf_0_28:notes"/>
-          <p:cNvSpPr txBox="1"/>
+          <p:cNvSpPr txBox="1">
+            <a:spLocks noGrp="1"/>
+          </p:cNvSpPr>
           <p:nvPr>
-            <p:ph idx="1" type="body"/>
+            <p:ph type="body" idx="1"/>
           </p:nvPr>
         </p:nvSpPr>
         <p:spPr>
@@ -1304,12 +1352,12 @@
           </a:prstGeom>
         </p:spPr>
         <p:txBody>
-          <a:bodyPr anchorCtr="0" anchor="t" bIns="91425" lIns="91425" spcFirstLastPara="1" rIns="91425" wrap="square" tIns="91425">
+          <a:bodyPr spcFirstLastPara="1" wrap="square" lIns="91425" tIns="91425" rIns="91425" bIns="91425" anchor="t" anchorCtr="0">
             <a:noAutofit/>
           </a:bodyPr>
           <a:lstStyle/>
           <a:p>
-            <a:pPr indent="0" lvl="0" marL="0" rtl="0" algn="l">
+            <a:pPr marL="0" lvl="0" indent="0" algn="l" rtl="0">
               <a:spcBef>
                 <a:spcPts val="0"/>
               </a:spcBef>
@@ -1318,9 +1366,6 @@
               </a:spcAft>
               <a:buNone/>
             </a:pPr>
-            <a:r>
-              <a:t/>
-            </a:r>
             <a:endParaRPr/>
           </a:p>
         </p:txBody>
@@ -1334,11 +1379,11 @@
 </file>
 
 <file path=ppt/notesSlides/notesSlide15.xml><?xml version="1.0" encoding="utf-8"?>
-<p:notes xmlns:a="http://schemas.openxmlformats.org/drawingml/2006/main" xmlns:r="http://schemas.openxmlformats.org/officeDocument/2006/relationships" xmlns:mc="http://schemas.openxmlformats.org/markup-compatibility/2006" xmlns:mv="urn:schemas-microsoft-com:mac:vml" xmlns:p="http://schemas.openxmlformats.org/presentationml/2006/main" xmlns:c="http://schemas.openxmlformats.org/drawingml/2006/chart" xmlns:dgm="http://schemas.openxmlformats.org/drawingml/2006/diagram" xmlns:o="urn:schemas-microsoft-com:office:office" xmlns:v="urn:schemas-microsoft-com:vml" xmlns:pvml="urn:schemas-microsoft-com:office:powerpoint" xmlns:com="http://schemas.openxmlformats.org/drawingml/2006/compatibility" xmlns:p14="http://schemas.microsoft.com/office/powerpoint/2010/main" xmlns:p15="http://schemas.microsoft.com/office/powerpoint/2012/main" showMasterPhAnim="0" showMasterSp="0">
+<p:notes xmlns:a="http://schemas.openxmlformats.org/drawingml/2006/main" xmlns:r="http://schemas.openxmlformats.org/officeDocument/2006/relationships" xmlns:p="http://schemas.openxmlformats.org/presentationml/2006/main" showMasterSp="0" showMasterPhAnim="0">
   <p:cSld>
     <p:spTree>
       <p:nvGrpSpPr>
-        <p:cNvPr id="161" name="Shape 161"/>
+        <p:cNvPr id="1" name="Shape 161"/>
         <p:cNvGrpSpPr/>
         <p:nvPr/>
       </p:nvGrpSpPr>
@@ -1353,9 +1398,11 @@
       <p:sp>
         <p:nvSpPr>
           <p:cNvPr id="162" name="Google Shape;162;g6b6bc2673d_0_10:notes"/>
-          <p:cNvSpPr/>
+          <p:cNvSpPr>
+            <a:spLocks noGrp="1" noRot="1" noChangeAspect="1"/>
+          </p:cNvSpPr>
           <p:nvPr>
-            <p:ph idx="2" type="sldImg"/>
+            <p:ph type="sldImg" idx="2"/>
           </p:nvPr>
         </p:nvSpPr>
         <p:spPr>
@@ -1364,9 +1411,13 @@
             <a:ext cx="6096000" cy="3429000"/>
           </a:xfrm>
           <a:custGeom>
-            <a:rect b="b" l="l" r="r" t="t"/>
+            <a:avLst/>
+            <a:gdLst/>
+            <a:ahLst/>
+            <a:cxnLst/>
+            <a:rect l="l" t="t" r="r" b="b"/>
             <a:pathLst>
-              <a:path extrusionOk="0" h="120000" w="120000">
+              <a:path w="120000" h="120000" extrusionOk="0">
                 <a:moveTo>
                   <a:pt x="0" y="0"/>
                 </a:moveTo>
@@ -1388,9 +1439,11 @@
       <p:sp>
         <p:nvSpPr>
           <p:cNvPr id="163" name="Google Shape;163;g6b6bc2673d_0_10:notes"/>
-          <p:cNvSpPr txBox="1"/>
+          <p:cNvSpPr txBox="1">
+            <a:spLocks noGrp="1"/>
+          </p:cNvSpPr>
           <p:nvPr>
-            <p:ph idx="1" type="body"/>
+            <p:ph type="body" idx="1"/>
           </p:nvPr>
         </p:nvSpPr>
         <p:spPr>
@@ -1403,12 +1456,12 @@
           </a:prstGeom>
         </p:spPr>
         <p:txBody>
-          <a:bodyPr anchorCtr="0" anchor="t" bIns="91425" lIns="91425" spcFirstLastPara="1" rIns="91425" wrap="square" tIns="91425">
+          <a:bodyPr spcFirstLastPara="1" wrap="square" lIns="91425" tIns="91425" rIns="91425" bIns="91425" anchor="t" anchorCtr="0">
             <a:noAutofit/>
           </a:bodyPr>
           <a:lstStyle/>
           <a:p>
-            <a:pPr indent="0" lvl="0" marL="0" rtl="0" algn="l">
+            <a:pPr marL="0" lvl="0" indent="0" algn="l" rtl="0">
               <a:spcBef>
                 <a:spcPts val="0"/>
               </a:spcBef>
@@ -1417,9 +1470,6 @@
               </a:spcAft>
               <a:buNone/>
             </a:pPr>
-            <a:r>
-              <a:t/>
-            </a:r>
             <a:endParaRPr/>
           </a:p>
         </p:txBody>
@@ -1433,11 +1483,11 @@
 </file>
 
 <file path=ppt/notesSlides/notesSlide16.xml><?xml version="1.0" encoding="utf-8"?>
-<p:notes xmlns:a="http://schemas.openxmlformats.org/drawingml/2006/main" xmlns:r="http://schemas.openxmlformats.org/officeDocument/2006/relationships" xmlns:mc="http://schemas.openxmlformats.org/markup-compatibility/2006" xmlns:mv="urn:schemas-microsoft-com:mac:vml" xmlns:p="http://schemas.openxmlformats.org/presentationml/2006/main" xmlns:c="http://schemas.openxmlformats.org/drawingml/2006/chart" xmlns:dgm="http://schemas.openxmlformats.org/drawingml/2006/diagram" xmlns:o="urn:schemas-microsoft-com:office:office" xmlns:v="urn:schemas-microsoft-com:vml" xmlns:pvml="urn:schemas-microsoft-com:office:powerpoint" xmlns:com="http://schemas.openxmlformats.org/drawingml/2006/compatibility" xmlns:p14="http://schemas.microsoft.com/office/powerpoint/2010/main" xmlns:p15="http://schemas.microsoft.com/office/powerpoint/2012/main" showMasterPhAnim="0" showMasterSp="0">
+<p:notes xmlns:a="http://schemas.openxmlformats.org/drawingml/2006/main" xmlns:r="http://schemas.openxmlformats.org/officeDocument/2006/relationships" xmlns:p="http://schemas.openxmlformats.org/presentationml/2006/main" showMasterSp="0" showMasterPhAnim="0">
   <p:cSld>
     <p:spTree>
       <p:nvGrpSpPr>
-        <p:cNvPr id="167" name="Shape 167"/>
+        <p:cNvPr id="1" name="Shape 167"/>
         <p:cNvGrpSpPr/>
         <p:nvPr/>
       </p:nvGrpSpPr>
@@ -1452,9 +1502,11 @@
       <p:sp>
         <p:nvSpPr>
           <p:cNvPr id="168" name="Google Shape;168;g757b4520bf_0_39:notes"/>
-          <p:cNvSpPr/>
+          <p:cNvSpPr>
+            <a:spLocks noGrp="1" noRot="1" noChangeAspect="1"/>
+          </p:cNvSpPr>
           <p:nvPr>
-            <p:ph idx="2" type="sldImg"/>
+            <p:ph type="sldImg" idx="2"/>
           </p:nvPr>
         </p:nvSpPr>
         <p:spPr>
@@ -1463,9 +1515,13 @@
             <a:ext cx="6096000" cy="3429000"/>
           </a:xfrm>
           <a:custGeom>
-            <a:rect b="b" l="l" r="r" t="t"/>
+            <a:avLst/>
+            <a:gdLst/>
+            <a:ahLst/>
+            <a:cxnLst/>
+            <a:rect l="l" t="t" r="r" b="b"/>
             <a:pathLst>
-              <a:path extrusionOk="0" h="120000" w="120000">
+              <a:path w="120000" h="120000" extrusionOk="0">
                 <a:moveTo>
                   <a:pt x="0" y="0"/>
                 </a:moveTo>
@@ -1487,9 +1543,11 @@
       <p:sp>
         <p:nvSpPr>
           <p:cNvPr id="169" name="Google Shape;169;g757b4520bf_0_39:notes"/>
-          <p:cNvSpPr txBox="1"/>
+          <p:cNvSpPr txBox="1">
+            <a:spLocks noGrp="1"/>
+          </p:cNvSpPr>
           <p:nvPr>
-            <p:ph idx="1" type="body"/>
+            <p:ph type="body" idx="1"/>
           </p:nvPr>
         </p:nvSpPr>
         <p:spPr>
@@ -1502,12 +1560,12 @@
           </a:prstGeom>
         </p:spPr>
         <p:txBody>
-          <a:bodyPr anchorCtr="0" anchor="t" bIns="91425" lIns="91425" spcFirstLastPara="1" rIns="91425" wrap="square" tIns="91425">
+          <a:bodyPr spcFirstLastPara="1" wrap="square" lIns="91425" tIns="91425" rIns="91425" bIns="91425" anchor="t" anchorCtr="0">
             <a:noAutofit/>
           </a:bodyPr>
           <a:lstStyle/>
           <a:p>
-            <a:pPr indent="0" lvl="0" marL="0" rtl="0" algn="l">
+            <a:pPr marL="0" lvl="0" indent="0" algn="l" rtl="0">
               <a:spcBef>
                 <a:spcPts val="0"/>
               </a:spcBef>
@@ -1516,9 +1574,6 @@
               </a:spcAft>
               <a:buNone/>
             </a:pPr>
-            <a:r>
-              <a:t/>
-            </a:r>
             <a:endParaRPr/>
           </a:p>
         </p:txBody>
@@ -1532,11 +1587,11 @@
 </file>
 
 <file path=ppt/notesSlides/notesSlide17.xml><?xml version="1.0" encoding="utf-8"?>
-<p:notes xmlns:a="http://schemas.openxmlformats.org/drawingml/2006/main" xmlns:r="http://schemas.openxmlformats.org/officeDocument/2006/relationships" xmlns:mc="http://schemas.openxmlformats.org/markup-compatibility/2006" xmlns:mv="urn:schemas-microsoft-com:mac:vml" xmlns:p="http://schemas.openxmlformats.org/presentationml/2006/main" xmlns:c="http://schemas.openxmlformats.org/drawingml/2006/chart" xmlns:dgm="http://schemas.openxmlformats.org/drawingml/2006/diagram" xmlns:o="urn:schemas-microsoft-com:office:office" xmlns:v="urn:schemas-microsoft-com:vml" xmlns:pvml="urn:schemas-microsoft-com:office:powerpoint" xmlns:com="http://schemas.openxmlformats.org/drawingml/2006/compatibility" xmlns:p14="http://schemas.microsoft.com/office/powerpoint/2010/main" xmlns:p15="http://schemas.microsoft.com/office/powerpoint/2012/main" showMasterPhAnim="0" showMasterSp="0">
+<p:notes xmlns:a="http://schemas.openxmlformats.org/drawingml/2006/main" xmlns:r="http://schemas.openxmlformats.org/officeDocument/2006/relationships" xmlns:p="http://schemas.openxmlformats.org/presentationml/2006/main" showMasterSp="0" showMasterPhAnim="0">
   <p:cSld>
     <p:spTree>
       <p:nvGrpSpPr>
-        <p:cNvPr id="173" name="Shape 173"/>
+        <p:cNvPr id="1" name="Shape 173"/>
         <p:cNvGrpSpPr/>
         <p:nvPr/>
       </p:nvGrpSpPr>
@@ -1551,9 +1606,11 @@
       <p:sp>
         <p:nvSpPr>
           <p:cNvPr id="174" name="Google Shape;174;g757b4520bf_0_33:notes"/>
-          <p:cNvSpPr/>
+          <p:cNvSpPr>
+            <a:spLocks noGrp="1" noRot="1" noChangeAspect="1"/>
+          </p:cNvSpPr>
           <p:nvPr>
-            <p:ph idx="2" type="sldImg"/>
+            <p:ph type="sldImg" idx="2"/>
           </p:nvPr>
         </p:nvSpPr>
         <p:spPr>
@@ -1562,9 +1619,13 @@
             <a:ext cx="6096000" cy="3429000"/>
           </a:xfrm>
           <a:custGeom>
-            <a:rect b="b" l="l" r="r" t="t"/>
+            <a:avLst/>
+            <a:gdLst/>
+            <a:ahLst/>
+            <a:cxnLst/>
+            <a:rect l="l" t="t" r="r" b="b"/>
             <a:pathLst>
-              <a:path extrusionOk="0" h="120000" w="120000">
+              <a:path w="120000" h="120000" extrusionOk="0">
                 <a:moveTo>
                   <a:pt x="0" y="0"/>
                 </a:moveTo>
@@ -1586,9 +1647,11 @@
       <p:sp>
         <p:nvSpPr>
           <p:cNvPr id="175" name="Google Shape;175;g757b4520bf_0_33:notes"/>
-          <p:cNvSpPr txBox="1"/>
+          <p:cNvSpPr txBox="1">
+            <a:spLocks noGrp="1"/>
+          </p:cNvSpPr>
           <p:nvPr>
-            <p:ph idx="1" type="body"/>
+            <p:ph type="body" idx="1"/>
           </p:nvPr>
         </p:nvSpPr>
         <p:spPr>
@@ -1601,12 +1664,12 @@
           </a:prstGeom>
         </p:spPr>
         <p:txBody>
-          <a:bodyPr anchorCtr="0" anchor="t" bIns="91425" lIns="91425" spcFirstLastPara="1" rIns="91425" wrap="square" tIns="91425">
+          <a:bodyPr spcFirstLastPara="1" wrap="square" lIns="91425" tIns="91425" rIns="91425" bIns="91425" anchor="t" anchorCtr="0">
             <a:noAutofit/>
           </a:bodyPr>
           <a:lstStyle/>
           <a:p>
-            <a:pPr indent="0" lvl="0" marL="0" rtl="0" algn="l">
+            <a:pPr marL="0" lvl="0" indent="0" algn="l" rtl="0">
               <a:spcBef>
                 <a:spcPts val="0"/>
               </a:spcBef>
@@ -1615,9 +1678,6 @@
               </a:spcAft>
               <a:buNone/>
             </a:pPr>
-            <a:r>
-              <a:t/>
-            </a:r>
             <a:endParaRPr/>
           </a:p>
         </p:txBody>
@@ -1631,11 +1691,11 @@
 </file>
 
 <file path=ppt/notesSlides/notesSlide18.xml><?xml version="1.0" encoding="utf-8"?>
-<p:notes xmlns:a="http://schemas.openxmlformats.org/drawingml/2006/main" xmlns:r="http://schemas.openxmlformats.org/officeDocument/2006/relationships" xmlns:mc="http://schemas.openxmlformats.org/markup-compatibility/2006" xmlns:mv="urn:schemas-microsoft-com:mac:vml" xmlns:p="http://schemas.openxmlformats.org/presentationml/2006/main" xmlns:c="http://schemas.openxmlformats.org/drawingml/2006/chart" xmlns:dgm="http://schemas.openxmlformats.org/drawingml/2006/diagram" xmlns:o="urn:schemas-microsoft-com:office:office" xmlns:v="urn:schemas-microsoft-com:vml" xmlns:pvml="urn:schemas-microsoft-com:office:powerpoint" xmlns:com="http://schemas.openxmlformats.org/drawingml/2006/compatibility" xmlns:p14="http://schemas.microsoft.com/office/powerpoint/2010/main" xmlns:p15="http://schemas.microsoft.com/office/powerpoint/2012/main" showMasterPhAnim="0" showMasterSp="0">
+<p:notes xmlns:a="http://schemas.openxmlformats.org/drawingml/2006/main" xmlns:r="http://schemas.openxmlformats.org/officeDocument/2006/relationships" xmlns:p="http://schemas.openxmlformats.org/presentationml/2006/main" showMasterSp="0" showMasterPhAnim="0">
   <p:cSld>
     <p:spTree>
       <p:nvGrpSpPr>
-        <p:cNvPr id="179" name="Shape 179"/>
+        <p:cNvPr id="1" name="Shape 179"/>
         <p:cNvGrpSpPr/>
         <p:nvPr/>
       </p:nvGrpSpPr>
@@ -1650,9 +1710,11 @@
       <p:sp>
         <p:nvSpPr>
           <p:cNvPr id="180" name="Google Shape;180;g6b6bc2673d_0_15:notes"/>
-          <p:cNvSpPr/>
+          <p:cNvSpPr>
+            <a:spLocks noGrp="1" noRot="1" noChangeAspect="1"/>
+          </p:cNvSpPr>
           <p:nvPr>
-            <p:ph idx="2" type="sldImg"/>
+            <p:ph type="sldImg" idx="2"/>
           </p:nvPr>
         </p:nvSpPr>
         <p:spPr>
@@ -1661,9 +1723,13 @@
             <a:ext cx="6096000" cy="3429000"/>
           </a:xfrm>
           <a:custGeom>
-            <a:rect b="b" l="l" r="r" t="t"/>
+            <a:avLst/>
+            <a:gdLst/>
+            <a:ahLst/>
+            <a:cxnLst/>
+            <a:rect l="l" t="t" r="r" b="b"/>
             <a:pathLst>
-              <a:path extrusionOk="0" h="120000" w="120000">
+              <a:path w="120000" h="120000" extrusionOk="0">
                 <a:moveTo>
                   <a:pt x="0" y="0"/>
                 </a:moveTo>
@@ -1685,9 +1751,11 @@
       <p:sp>
         <p:nvSpPr>
           <p:cNvPr id="181" name="Google Shape;181;g6b6bc2673d_0_15:notes"/>
-          <p:cNvSpPr txBox="1"/>
+          <p:cNvSpPr txBox="1">
+            <a:spLocks noGrp="1"/>
+          </p:cNvSpPr>
           <p:nvPr>
-            <p:ph idx="1" type="body"/>
+            <p:ph type="body" idx="1"/>
           </p:nvPr>
         </p:nvSpPr>
         <p:spPr>
@@ -1700,12 +1768,12 @@
           </a:prstGeom>
         </p:spPr>
         <p:txBody>
-          <a:bodyPr anchorCtr="0" anchor="t" bIns="91425" lIns="91425" spcFirstLastPara="1" rIns="91425" wrap="square" tIns="91425">
+          <a:bodyPr spcFirstLastPara="1" wrap="square" lIns="91425" tIns="91425" rIns="91425" bIns="91425" anchor="t" anchorCtr="0">
             <a:noAutofit/>
           </a:bodyPr>
           <a:lstStyle/>
           <a:p>
-            <a:pPr indent="0" lvl="0" marL="0" rtl="0" algn="l">
+            <a:pPr marL="0" lvl="0" indent="0" algn="l" rtl="0">
               <a:spcBef>
                 <a:spcPts val="0"/>
               </a:spcBef>
@@ -1714,9 +1782,6 @@
               </a:spcAft>
               <a:buNone/>
             </a:pPr>
-            <a:r>
-              <a:t/>
-            </a:r>
             <a:endParaRPr/>
           </a:p>
         </p:txBody>
@@ -1730,11 +1795,11 @@
 </file>
 
 <file path=ppt/notesSlides/notesSlide19.xml><?xml version="1.0" encoding="utf-8"?>
-<p:notes xmlns:a="http://schemas.openxmlformats.org/drawingml/2006/main" xmlns:r="http://schemas.openxmlformats.org/officeDocument/2006/relationships" xmlns:mc="http://schemas.openxmlformats.org/markup-compatibility/2006" xmlns:mv="urn:schemas-microsoft-com:mac:vml" xmlns:p="http://schemas.openxmlformats.org/presentationml/2006/main" xmlns:c="http://schemas.openxmlformats.org/drawingml/2006/chart" xmlns:dgm="http://schemas.openxmlformats.org/drawingml/2006/diagram" xmlns:o="urn:schemas-microsoft-com:office:office" xmlns:v="urn:schemas-microsoft-com:vml" xmlns:pvml="urn:schemas-microsoft-com:office:powerpoint" xmlns:com="http://schemas.openxmlformats.org/drawingml/2006/compatibility" xmlns:p14="http://schemas.microsoft.com/office/powerpoint/2010/main" xmlns:p15="http://schemas.microsoft.com/office/powerpoint/2012/main" showMasterPhAnim="0" showMasterSp="0">
+<p:notes xmlns:a="http://schemas.openxmlformats.org/drawingml/2006/main" xmlns:r="http://schemas.openxmlformats.org/officeDocument/2006/relationships" xmlns:p="http://schemas.openxmlformats.org/presentationml/2006/main" showMasterSp="0" showMasterPhAnim="0">
   <p:cSld>
     <p:spTree>
       <p:nvGrpSpPr>
-        <p:cNvPr id="185" name="Shape 185"/>
+        <p:cNvPr id="1" name="Shape 185"/>
         <p:cNvGrpSpPr/>
         <p:nvPr/>
       </p:nvGrpSpPr>
@@ -1749,9 +1814,11 @@
       <p:sp>
         <p:nvSpPr>
           <p:cNvPr id="186" name="Google Shape;186;g757f986d36_1_0:notes"/>
-          <p:cNvSpPr/>
+          <p:cNvSpPr>
+            <a:spLocks noGrp="1" noRot="1" noChangeAspect="1"/>
+          </p:cNvSpPr>
           <p:nvPr>
-            <p:ph idx="2" type="sldImg"/>
+            <p:ph type="sldImg" idx="2"/>
           </p:nvPr>
         </p:nvSpPr>
         <p:spPr>
@@ -1760,9 +1827,13 @@
             <a:ext cx="6096000" cy="3429000"/>
           </a:xfrm>
           <a:custGeom>
-            <a:rect b="b" l="l" r="r" t="t"/>
+            <a:avLst/>
+            <a:gdLst/>
+            <a:ahLst/>
+            <a:cxnLst/>
+            <a:rect l="l" t="t" r="r" b="b"/>
             <a:pathLst>
-              <a:path extrusionOk="0" h="120000" w="120000">
+              <a:path w="120000" h="120000" extrusionOk="0">
                 <a:moveTo>
                   <a:pt x="0" y="0"/>
                 </a:moveTo>
@@ -1784,9 +1855,11 @@
       <p:sp>
         <p:nvSpPr>
           <p:cNvPr id="187" name="Google Shape;187;g757f986d36_1_0:notes"/>
-          <p:cNvSpPr txBox="1"/>
+          <p:cNvSpPr txBox="1">
+            <a:spLocks noGrp="1"/>
+          </p:cNvSpPr>
           <p:nvPr>
-            <p:ph idx="1" type="body"/>
+            <p:ph type="body" idx="1"/>
           </p:nvPr>
         </p:nvSpPr>
         <p:spPr>
@@ -1799,12 +1872,12 @@
           </a:prstGeom>
         </p:spPr>
         <p:txBody>
-          <a:bodyPr anchorCtr="0" anchor="t" bIns="91425" lIns="91425" spcFirstLastPara="1" rIns="91425" wrap="square" tIns="91425">
+          <a:bodyPr spcFirstLastPara="1" wrap="square" lIns="91425" tIns="91425" rIns="91425" bIns="91425" anchor="t" anchorCtr="0">
             <a:noAutofit/>
           </a:bodyPr>
           <a:lstStyle/>
           <a:p>
-            <a:pPr indent="0" lvl="0" marL="0" rtl="0" algn="l">
+            <a:pPr marL="0" lvl="0" indent="0" algn="l" rtl="0">
               <a:spcBef>
                 <a:spcPts val="0"/>
               </a:spcBef>
@@ -1813,9 +1886,6 @@
               </a:spcAft>
               <a:buNone/>
             </a:pPr>
-            <a:r>
-              <a:t/>
-            </a:r>
             <a:endParaRPr/>
           </a:p>
         </p:txBody>
@@ -1829,11 +1899,11 @@
 </file>
 
 <file path=ppt/notesSlides/notesSlide2.xml><?xml version="1.0" encoding="utf-8"?>
-<p:notes xmlns:a="http://schemas.openxmlformats.org/drawingml/2006/main" xmlns:r="http://schemas.openxmlformats.org/officeDocument/2006/relationships" xmlns:mc="http://schemas.openxmlformats.org/markup-compatibility/2006" xmlns:mv="urn:schemas-microsoft-com:mac:vml" xmlns:p="http://schemas.openxmlformats.org/presentationml/2006/main" xmlns:c="http://schemas.openxmlformats.org/drawingml/2006/chart" xmlns:dgm="http://schemas.openxmlformats.org/drawingml/2006/diagram" xmlns:o="urn:schemas-microsoft-com:office:office" xmlns:v="urn:schemas-microsoft-com:vml" xmlns:pvml="urn:schemas-microsoft-com:office:powerpoint" xmlns:com="http://schemas.openxmlformats.org/drawingml/2006/compatibility" xmlns:p14="http://schemas.microsoft.com/office/powerpoint/2010/main" xmlns:p15="http://schemas.microsoft.com/office/powerpoint/2012/main" showMasterPhAnim="0" showMasterSp="0">
+<p:notes xmlns:a="http://schemas.openxmlformats.org/drawingml/2006/main" xmlns:r="http://schemas.openxmlformats.org/officeDocument/2006/relationships" xmlns:p="http://schemas.openxmlformats.org/presentationml/2006/main" showMasterSp="0" showMasterPhAnim="0">
   <p:cSld>
     <p:spTree>
       <p:nvGrpSpPr>
-        <p:cNvPr id="61" name="Shape 61"/>
+        <p:cNvPr id="1" name="Shape 61"/>
         <p:cNvGrpSpPr/>
         <p:nvPr/>
       </p:nvGrpSpPr>
@@ -1848,9 +1918,11 @@
       <p:sp>
         <p:nvSpPr>
           <p:cNvPr id="62" name="Google Shape;62;g62ffc6e868_0_10:notes"/>
-          <p:cNvSpPr/>
+          <p:cNvSpPr>
+            <a:spLocks noGrp="1" noRot="1" noChangeAspect="1"/>
+          </p:cNvSpPr>
           <p:nvPr>
-            <p:ph idx="2" type="sldImg"/>
+            <p:ph type="sldImg" idx="2"/>
           </p:nvPr>
         </p:nvSpPr>
         <p:spPr>
@@ -1859,9 +1931,13 @@
             <a:ext cx="6096000" cy="3429000"/>
           </a:xfrm>
           <a:custGeom>
-            <a:rect b="b" l="l" r="r" t="t"/>
+            <a:avLst/>
+            <a:gdLst/>
+            <a:ahLst/>
+            <a:cxnLst/>
+            <a:rect l="l" t="t" r="r" b="b"/>
             <a:pathLst>
-              <a:path extrusionOk="0" h="120000" w="120000">
+              <a:path w="120000" h="120000" extrusionOk="0">
                 <a:moveTo>
                   <a:pt x="0" y="0"/>
                 </a:moveTo>
@@ -1883,9 +1959,11 @@
       <p:sp>
         <p:nvSpPr>
           <p:cNvPr id="63" name="Google Shape;63;g62ffc6e868_0_10:notes"/>
-          <p:cNvSpPr txBox="1"/>
+          <p:cNvSpPr txBox="1">
+            <a:spLocks noGrp="1"/>
+          </p:cNvSpPr>
           <p:nvPr>
-            <p:ph idx="1" type="body"/>
+            <p:ph type="body" idx="1"/>
           </p:nvPr>
         </p:nvSpPr>
         <p:spPr>
@@ -1898,12 +1976,12 @@
           </a:prstGeom>
         </p:spPr>
         <p:txBody>
-          <a:bodyPr anchorCtr="0" anchor="t" bIns="91425" lIns="91425" spcFirstLastPara="1" rIns="91425" wrap="square" tIns="91425">
+          <a:bodyPr spcFirstLastPara="1" wrap="square" lIns="91425" tIns="91425" rIns="91425" bIns="91425" anchor="t" anchorCtr="0">
             <a:noAutofit/>
           </a:bodyPr>
           <a:lstStyle/>
           <a:p>
-            <a:pPr indent="0" lvl="0" marL="0" rtl="0" algn="l">
+            <a:pPr marL="0" lvl="0" indent="0" algn="l" rtl="0">
               <a:spcBef>
                 <a:spcPts val="0"/>
               </a:spcBef>
@@ -1912,9 +1990,6 @@
               </a:spcAft>
               <a:buNone/>
             </a:pPr>
-            <a:r>
-              <a:t/>
-            </a:r>
             <a:endParaRPr/>
           </a:p>
         </p:txBody>
@@ -1928,11 +2003,11 @@
 </file>
 
 <file path=ppt/notesSlides/notesSlide20.xml><?xml version="1.0" encoding="utf-8"?>
-<p:notes xmlns:a="http://schemas.openxmlformats.org/drawingml/2006/main" xmlns:r="http://schemas.openxmlformats.org/officeDocument/2006/relationships" xmlns:mc="http://schemas.openxmlformats.org/markup-compatibility/2006" xmlns:mv="urn:schemas-microsoft-com:mac:vml" xmlns:p="http://schemas.openxmlformats.org/presentationml/2006/main" xmlns:c="http://schemas.openxmlformats.org/drawingml/2006/chart" xmlns:dgm="http://schemas.openxmlformats.org/drawingml/2006/diagram" xmlns:o="urn:schemas-microsoft-com:office:office" xmlns:v="urn:schemas-microsoft-com:vml" xmlns:pvml="urn:schemas-microsoft-com:office:powerpoint" xmlns:com="http://schemas.openxmlformats.org/drawingml/2006/compatibility" xmlns:p14="http://schemas.microsoft.com/office/powerpoint/2010/main" xmlns:p15="http://schemas.microsoft.com/office/powerpoint/2012/main" showMasterPhAnim="0" showMasterSp="0">
+<p:notes xmlns:a="http://schemas.openxmlformats.org/drawingml/2006/main" xmlns:r="http://schemas.openxmlformats.org/officeDocument/2006/relationships" xmlns:p="http://schemas.openxmlformats.org/presentationml/2006/main" showMasterSp="0" showMasterPhAnim="0">
   <p:cSld>
     <p:spTree>
       <p:nvGrpSpPr>
-        <p:cNvPr id="197" name="Shape 197"/>
+        <p:cNvPr id="1" name="Shape 197"/>
         <p:cNvGrpSpPr/>
         <p:nvPr/>
       </p:nvGrpSpPr>
@@ -1947,9 +2022,11 @@
       <p:sp>
         <p:nvSpPr>
           <p:cNvPr id="198" name="Google Shape;198;g757f986d36_1_21:notes"/>
-          <p:cNvSpPr/>
+          <p:cNvSpPr>
+            <a:spLocks noGrp="1" noRot="1" noChangeAspect="1"/>
+          </p:cNvSpPr>
           <p:nvPr>
-            <p:ph idx="2" type="sldImg"/>
+            <p:ph type="sldImg" idx="2"/>
           </p:nvPr>
         </p:nvSpPr>
         <p:spPr>
@@ -1958,9 +2035,13 @@
             <a:ext cx="6096000" cy="3429000"/>
           </a:xfrm>
           <a:custGeom>
-            <a:rect b="b" l="l" r="r" t="t"/>
+            <a:avLst/>
+            <a:gdLst/>
+            <a:ahLst/>
+            <a:cxnLst/>
+            <a:rect l="l" t="t" r="r" b="b"/>
             <a:pathLst>
-              <a:path extrusionOk="0" h="120000" w="120000">
+              <a:path w="120000" h="120000" extrusionOk="0">
                 <a:moveTo>
                   <a:pt x="0" y="0"/>
                 </a:moveTo>
@@ -1982,9 +2063,11 @@
       <p:sp>
         <p:nvSpPr>
           <p:cNvPr id="199" name="Google Shape;199;g757f986d36_1_21:notes"/>
-          <p:cNvSpPr txBox="1"/>
+          <p:cNvSpPr txBox="1">
+            <a:spLocks noGrp="1"/>
+          </p:cNvSpPr>
           <p:nvPr>
-            <p:ph idx="1" type="body"/>
+            <p:ph type="body" idx="1"/>
           </p:nvPr>
         </p:nvSpPr>
         <p:spPr>
@@ -1997,12 +2080,12 @@
           </a:prstGeom>
         </p:spPr>
         <p:txBody>
-          <a:bodyPr anchorCtr="0" anchor="t" bIns="91425" lIns="91425" spcFirstLastPara="1" rIns="91425" wrap="square" tIns="91425">
+          <a:bodyPr spcFirstLastPara="1" wrap="square" lIns="91425" tIns="91425" rIns="91425" bIns="91425" anchor="t" anchorCtr="0">
             <a:noAutofit/>
           </a:bodyPr>
           <a:lstStyle/>
           <a:p>
-            <a:pPr indent="0" lvl="0" marL="0" rtl="0" algn="l">
+            <a:pPr marL="0" lvl="0" indent="0" algn="l" rtl="0">
               <a:spcBef>
                 <a:spcPts val="0"/>
               </a:spcBef>
@@ -2011,9 +2094,6 @@
               </a:spcAft>
               <a:buNone/>
             </a:pPr>
-            <a:r>
-              <a:t/>
-            </a:r>
             <a:endParaRPr/>
           </a:p>
         </p:txBody>
@@ -2027,11 +2107,11 @@
 </file>
 
 <file path=ppt/notesSlides/notesSlide21.xml><?xml version="1.0" encoding="utf-8"?>
-<p:notes xmlns:a="http://schemas.openxmlformats.org/drawingml/2006/main" xmlns:r="http://schemas.openxmlformats.org/officeDocument/2006/relationships" xmlns:mc="http://schemas.openxmlformats.org/markup-compatibility/2006" xmlns:mv="urn:schemas-microsoft-com:mac:vml" xmlns:p="http://schemas.openxmlformats.org/presentationml/2006/main" xmlns:c="http://schemas.openxmlformats.org/drawingml/2006/chart" xmlns:dgm="http://schemas.openxmlformats.org/drawingml/2006/diagram" xmlns:o="urn:schemas-microsoft-com:office:office" xmlns:v="urn:schemas-microsoft-com:vml" xmlns:pvml="urn:schemas-microsoft-com:office:powerpoint" xmlns:com="http://schemas.openxmlformats.org/drawingml/2006/compatibility" xmlns:p14="http://schemas.microsoft.com/office/powerpoint/2010/main" xmlns:p15="http://schemas.microsoft.com/office/powerpoint/2012/main" showMasterPhAnim="0" showMasterSp="0">
+<p:notes xmlns:a="http://schemas.openxmlformats.org/drawingml/2006/main" xmlns:r="http://schemas.openxmlformats.org/officeDocument/2006/relationships" xmlns:p="http://schemas.openxmlformats.org/presentationml/2006/main" showMasterSp="0" showMasterPhAnim="0">
   <p:cSld>
     <p:spTree>
       <p:nvGrpSpPr>
-        <p:cNvPr id="209" name="Shape 209"/>
+        <p:cNvPr id="1" name="Shape 209"/>
         <p:cNvGrpSpPr/>
         <p:nvPr/>
       </p:nvGrpSpPr>
@@ -2046,9 +2126,11 @@
       <p:sp>
         <p:nvSpPr>
           <p:cNvPr id="210" name="Google Shape;210;g757f986d36_1_13:notes"/>
-          <p:cNvSpPr/>
+          <p:cNvSpPr>
+            <a:spLocks noGrp="1" noRot="1" noChangeAspect="1"/>
+          </p:cNvSpPr>
           <p:nvPr>
-            <p:ph idx="2" type="sldImg"/>
+            <p:ph type="sldImg" idx="2"/>
           </p:nvPr>
         </p:nvSpPr>
         <p:spPr>
@@ -2057,9 +2139,13 @@
             <a:ext cx="6096000" cy="3429000"/>
           </a:xfrm>
           <a:custGeom>
-            <a:rect b="b" l="l" r="r" t="t"/>
+            <a:avLst/>
+            <a:gdLst/>
+            <a:ahLst/>
+            <a:cxnLst/>
+            <a:rect l="l" t="t" r="r" b="b"/>
             <a:pathLst>
-              <a:path extrusionOk="0" h="120000" w="120000">
+              <a:path w="120000" h="120000" extrusionOk="0">
                 <a:moveTo>
                   <a:pt x="0" y="0"/>
                 </a:moveTo>
@@ -2081,9 +2167,11 @@
       <p:sp>
         <p:nvSpPr>
           <p:cNvPr id="211" name="Google Shape;211;g757f986d36_1_13:notes"/>
-          <p:cNvSpPr txBox="1"/>
+          <p:cNvSpPr txBox="1">
+            <a:spLocks noGrp="1"/>
+          </p:cNvSpPr>
           <p:nvPr>
-            <p:ph idx="1" type="body"/>
+            <p:ph type="body" idx="1"/>
           </p:nvPr>
         </p:nvSpPr>
         <p:spPr>
@@ -2096,12 +2184,12 @@
           </a:prstGeom>
         </p:spPr>
         <p:txBody>
-          <a:bodyPr anchorCtr="0" anchor="t" bIns="91425" lIns="91425" spcFirstLastPara="1" rIns="91425" wrap="square" tIns="91425">
+          <a:bodyPr spcFirstLastPara="1" wrap="square" lIns="91425" tIns="91425" rIns="91425" bIns="91425" anchor="t" anchorCtr="0">
             <a:noAutofit/>
           </a:bodyPr>
           <a:lstStyle/>
           <a:p>
-            <a:pPr indent="0" lvl="0" marL="0" rtl="0" algn="l">
+            <a:pPr marL="0" lvl="0" indent="0" algn="l" rtl="0">
               <a:spcBef>
                 <a:spcPts val="0"/>
               </a:spcBef>
@@ -2110,9 +2198,6 @@
               </a:spcAft>
               <a:buNone/>
             </a:pPr>
-            <a:r>
-              <a:t/>
-            </a:r>
             <a:endParaRPr/>
           </a:p>
         </p:txBody>
@@ -2126,11 +2211,11 @@
 </file>
 
 <file path=ppt/notesSlides/notesSlide22.xml><?xml version="1.0" encoding="utf-8"?>
-<p:notes xmlns:a="http://schemas.openxmlformats.org/drawingml/2006/main" xmlns:r="http://schemas.openxmlformats.org/officeDocument/2006/relationships" xmlns:mc="http://schemas.openxmlformats.org/markup-compatibility/2006" xmlns:mv="urn:schemas-microsoft-com:mac:vml" xmlns:p="http://schemas.openxmlformats.org/presentationml/2006/main" xmlns:c="http://schemas.openxmlformats.org/drawingml/2006/chart" xmlns:dgm="http://schemas.openxmlformats.org/drawingml/2006/diagram" xmlns:o="urn:schemas-microsoft-com:office:office" xmlns:v="urn:schemas-microsoft-com:vml" xmlns:pvml="urn:schemas-microsoft-com:office:powerpoint" xmlns:com="http://schemas.openxmlformats.org/drawingml/2006/compatibility" xmlns:p14="http://schemas.microsoft.com/office/powerpoint/2010/main" xmlns:p15="http://schemas.microsoft.com/office/powerpoint/2012/main" showMasterPhAnim="0" showMasterSp="0">
+<p:notes xmlns:a="http://schemas.openxmlformats.org/drawingml/2006/main" xmlns:r="http://schemas.openxmlformats.org/officeDocument/2006/relationships" xmlns:p="http://schemas.openxmlformats.org/presentationml/2006/main" showMasterSp="0" showMasterPhAnim="0">
   <p:cSld>
     <p:spTree>
       <p:nvGrpSpPr>
-        <p:cNvPr id="216" name="Shape 216"/>
+        <p:cNvPr id="1" name="Shape 216"/>
         <p:cNvGrpSpPr/>
         <p:nvPr/>
       </p:nvGrpSpPr>
@@ -2145,9 +2230,11 @@
       <p:sp>
         <p:nvSpPr>
           <p:cNvPr id="217" name="Google Shape;217;g757b4520bf_0_16:notes"/>
-          <p:cNvSpPr/>
+          <p:cNvSpPr>
+            <a:spLocks noGrp="1" noRot="1" noChangeAspect="1"/>
+          </p:cNvSpPr>
           <p:nvPr>
-            <p:ph idx="2" type="sldImg"/>
+            <p:ph type="sldImg" idx="2"/>
           </p:nvPr>
         </p:nvSpPr>
         <p:spPr>
@@ -2156,9 +2243,13 @@
             <a:ext cx="6096000" cy="3429000"/>
           </a:xfrm>
           <a:custGeom>
-            <a:rect b="b" l="l" r="r" t="t"/>
+            <a:avLst/>
+            <a:gdLst/>
+            <a:ahLst/>
+            <a:cxnLst/>
+            <a:rect l="l" t="t" r="r" b="b"/>
             <a:pathLst>
-              <a:path extrusionOk="0" h="120000" w="120000">
+              <a:path w="120000" h="120000" extrusionOk="0">
                 <a:moveTo>
                   <a:pt x="0" y="0"/>
                 </a:moveTo>
@@ -2180,9 +2271,11 @@
       <p:sp>
         <p:nvSpPr>
           <p:cNvPr id="218" name="Google Shape;218;g757b4520bf_0_16:notes"/>
-          <p:cNvSpPr txBox="1"/>
+          <p:cNvSpPr txBox="1">
+            <a:spLocks noGrp="1"/>
+          </p:cNvSpPr>
           <p:nvPr>
-            <p:ph idx="1" type="body"/>
+            <p:ph type="body" idx="1"/>
           </p:nvPr>
         </p:nvSpPr>
         <p:spPr>
@@ -2195,12 +2288,12 @@
           </a:prstGeom>
         </p:spPr>
         <p:txBody>
-          <a:bodyPr anchorCtr="0" anchor="t" bIns="91425" lIns="91425" spcFirstLastPara="1" rIns="91425" wrap="square" tIns="91425">
+          <a:bodyPr spcFirstLastPara="1" wrap="square" lIns="91425" tIns="91425" rIns="91425" bIns="91425" anchor="t" anchorCtr="0">
             <a:noAutofit/>
           </a:bodyPr>
           <a:lstStyle/>
           <a:p>
-            <a:pPr indent="0" lvl="0" marL="0" rtl="0" algn="l">
+            <a:pPr marL="0" lvl="0" indent="0" algn="l" rtl="0">
               <a:spcBef>
                 <a:spcPts val="0"/>
               </a:spcBef>
@@ -2209,9 +2302,6 @@
               </a:spcAft>
               <a:buNone/>
             </a:pPr>
-            <a:r>
-              <a:t/>
-            </a:r>
             <a:endParaRPr/>
           </a:p>
         </p:txBody>
@@ -2225,11 +2315,11 @@
 </file>
 
 <file path=ppt/notesSlides/notesSlide23.xml><?xml version="1.0" encoding="utf-8"?>
-<p:notes xmlns:a="http://schemas.openxmlformats.org/drawingml/2006/main" xmlns:r="http://schemas.openxmlformats.org/officeDocument/2006/relationships" xmlns:mc="http://schemas.openxmlformats.org/markup-compatibility/2006" xmlns:mv="urn:schemas-microsoft-com:mac:vml" xmlns:p="http://schemas.openxmlformats.org/presentationml/2006/main" xmlns:c="http://schemas.openxmlformats.org/drawingml/2006/chart" xmlns:dgm="http://schemas.openxmlformats.org/drawingml/2006/diagram" xmlns:o="urn:schemas-microsoft-com:office:office" xmlns:v="urn:schemas-microsoft-com:vml" xmlns:pvml="urn:schemas-microsoft-com:office:powerpoint" xmlns:com="http://schemas.openxmlformats.org/drawingml/2006/compatibility" xmlns:p14="http://schemas.microsoft.com/office/powerpoint/2010/main" xmlns:p15="http://schemas.microsoft.com/office/powerpoint/2012/main" showMasterPhAnim="0" showMasterSp="0">
+<p:notes xmlns:a="http://schemas.openxmlformats.org/drawingml/2006/main" xmlns:r="http://schemas.openxmlformats.org/officeDocument/2006/relationships" xmlns:p="http://schemas.openxmlformats.org/presentationml/2006/main" showMasterSp="0" showMasterPhAnim="0">
   <p:cSld>
     <p:spTree>
       <p:nvGrpSpPr>
-        <p:cNvPr id="239" name="Shape 239"/>
+        <p:cNvPr id="1" name="Shape 239"/>
         <p:cNvGrpSpPr/>
         <p:nvPr/>
       </p:nvGrpSpPr>
@@ -2244,9 +2334,11 @@
       <p:sp>
         <p:nvSpPr>
           <p:cNvPr id="240" name="Google Shape;240;g757b4520bf_0_654:notes"/>
-          <p:cNvSpPr/>
+          <p:cNvSpPr>
+            <a:spLocks noGrp="1" noRot="1" noChangeAspect="1"/>
+          </p:cNvSpPr>
           <p:nvPr>
-            <p:ph idx="2" type="sldImg"/>
+            <p:ph type="sldImg" idx="2"/>
           </p:nvPr>
         </p:nvSpPr>
         <p:spPr>
@@ -2255,9 +2347,13 @@
             <a:ext cx="6096000" cy="3429000"/>
           </a:xfrm>
           <a:custGeom>
-            <a:rect b="b" l="l" r="r" t="t"/>
+            <a:avLst/>
+            <a:gdLst/>
+            <a:ahLst/>
+            <a:cxnLst/>
+            <a:rect l="l" t="t" r="r" b="b"/>
             <a:pathLst>
-              <a:path extrusionOk="0" h="120000" w="120000">
+              <a:path w="120000" h="120000" extrusionOk="0">
                 <a:moveTo>
                   <a:pt x="0" y="0"/>
                 </a:moveTo>
@@ -2279,9 +2375,11 @@
       <p:sp>
         <p:nvSpPr>
           <p:cNvPr id="241" name="Google Shape;241;g757b4520bf_0_654:notes"/>
-          <p:cNvSpPr txBox="1"/>
+          <p:cNvSpPr txBox="1">
+            <a:spLocks noGrp="1"/>
+          </p:cNvSpPr>
           <p:nvPr>
-            <p:ph idx="1" type="body"/>
+            <p:ph type="body" idx="1"/>
           </p:nvPr>
         </p:nvSpPr>
         <p:spPr>
@@ -2294,12 +2392,12 @@
           </a:prstGeom>
         </p:spPr>
         <p:txBody>
-          <a:bodyPr anchorCtr="0" anchor="t" bIns="91425" lIns="91425" spcFirstLastPara="1" rIns="91425" wrap="square" tIns="91425">
+          <a:bodyPr spcFirstLastPara="1" wrap="square" lIns="91425" tIns="91425" rIns="91425" bIns="91425" anchor="t" anchorCtr="0">
             <a:noAutofit/>
           </a:bodyPr>
           <a:lstStyle/>
           <a:p>
-            <a:pPr indent="0" lvl="0" marL="0" rtl="0" algn="l">
+            <a:pPr marL="0" lvl="0" indent="0" algn="l" rtl="0">
               <a:spcBef>
                 <a:spcPts val="0"/>
               </a:spcBef>
@@ -2308,9 +2406,6 @@
               </a:spcAft>
               <a:buNone/>
             </a:pPr>
-            <a:r>
-              <a:t/>
-            </a:r>
             <a:endParaRPr/>
           </a:p>
         </p:txBody>
@@ -2324,11 +2419,11 @@
 </file>
 
 <file path=ppt/notesSlides/notesSlide24.xml><?xml version="1.0" encoding="utf-8"?>
-<p:notes xmlns:a="http://schemas.openxmlformats.org/drawingml/2006/main" xmlns:r="http://schemas.openxmlformats.org/officeDocument/2006/relationships" xmlns:mc="http://schemas.openxmlformats.org/markup-compatibility/2006" xmlns:mv="urn:schemas-microsoft-com:mac:vml" xmlns:p="http://schemas.openxmlformats.org/presentationml/2006/main" xmlns:c="http://schemas.openxmlformats.org/drawingml/2006/chart" xmlns:dgm="http://schemas.openxmlformats.org/drawingml/2006/diagram" xmlns:o="urn:schemas-microsoft-com:office:office" xmlns:v="urn:schemas-microsoft-com:vml" xmlns:pvml="urn:schemas-microsoft-com:office:powerpoint" xmlns:com="http://schemas.openxmlformats.org/drawingml/2006/compatibility" xmlns:p14="http://schemas.microsoft.com/office/powerpoint/2010/main" xmlns:p15="http://schemas.microsoft.com/office/powerpoint/2012/main" showMasterPhAnim="0" showMasterSp="0">
+<p:notes xmlns:a="http://schemas.openxmlformats.org/drawingml/2006/main" xmlns:r="http://schemas.openxmlformats.org/officeDocument/2006/relationships" xmlns:p="http://schemas.openxmlformats.org/presentationml/2006/main" showMasterSp="0" showMasterPhAnim="0">
   <p:cSld>
     <p:spTree>
       <p:nvGrpSpPr>
-        <p:cNvPr id="245" name="Shape 245"/>
+        <p:cNvPr id="1" name="Shape 245"/>
         <p:cNvGrpSpPr/>
         <p:nvPr/>
       </p:nvGrpSpPr>
@@ -2343,9 +2438,11 @@
       <p:sp>
         <p:nvSpPr>
           <p:cNvPr id="246" name="Google Shape;246;g62ffc6e868_0_74:notes"/>
-          <p:cNvSpPr/>
+          <p:cNvSpPr>
+            <a:spLocks noGrp="1" noRot="1" noChangeAspect="1"/>
+          </p:cNvSpPr>
           <p:nvPr>
-            <p:ph idx="2" type="sldImg"/>
+            <p:ph type="sldImg" idx="2"/>
           </p:nvPr>
         </p:nvSpPr>
         <p:spPr>
@@ -2354,9 +2451,13 @@
             <a:ext cx="6096000" cy="3429000"/>
           </a:xfrm>
           <a:custGeom>
-            <a:rect b="b" l="l" r="r" t="t"/>
+            <a:avLst/>
+            <a:gdLst/>
+            <a:ahLst/>
+            <a:cxnLst/>
+            <a:rect l="l" t="t" r="r" b="b"/>
             <a:pathLst>
-              <a:path extrusionOk="0" h="120000" w="120000">
+              <a:path w="120000" h="120000" extrusionOk="0">
                 <a:moveTo>
                   <a:pt x="0" y="0"/>
                 </a:moveTo>
@@ -2378,9 +2479,11 @@
       <p:sp>
         <p:nvSpPr>
           <p:cNvPr id="247" name="Google Shape;247;g62ffc6e868_0_74:notes"/>
-          <p:cNvSpPr txBox="1"/>
+          <p:cNvSpPr txBox="1">
+            <a:spLocks noGrp="1"/>
+          </p:cNvSpPr>
           <p:nvPr>
-            <p:ph idx="1" type="body"/>
+            <p:ph type="body" idx="1"/>
           </p:nvPr>
         </p:nvSpPr>
         <p:spPr>
@@ -2393,12 +2496,12 @@
           </a:prstGeom>
         </p:spPr>
         <p:txBody>
-          <a:bodyPr anchorCtr="0" anchor="t" bIns="91425" lIns="91425" spcFirstLastPara="1" rIns="91425" wrap="square" tIns="91425">
+          <a:bodyPr spcFirstLastPara="1" wrap="square" lIns="91425" tIns="91425" rIns="91425" bIns="91425" anchor="t" anchorCtr="0">
             <a:noAutofit/>
           </a:bodyPr>
           <a:lstStyle/>
           <a:p>
-            <a:pPr indent="0" lvl="0" marL="0" rtl="0" algn="l">
+            <a:pPr marL="0" lvl="0" indent="0" algn="l" rtl="0">
               <a:spcBef>
                 <a:spcPts val="0"/>
               </a:spcBef>
@@ -2407,9 +2510,6 @@
               </a:spcAft>
               <a:buNone/>
             </a:pPr>
-            <a:r>
-              <a:t/>
-            </a:r>
             <a:endParaRPr/>
           </a:p>
         </p:txBody>
@@ -2423,11 +2523,11 @@
 </file>
 
 <file path=ppt/notesSlides/notesSlide3.xml><?xml version="1.0" encoding="utf-8"?>
-<p:notes xmlns:a="http://schemas.openxmlformats.org/drawingml/2006/main" xmlns:r="http://schemas.openxmlformats.org/officeDocument/2006/relationships" xmlns:mc="http://schemas.openxmlformats.org/markup-compatibility/2006" xmlns:mv="urn:schemas-microsoft-com:mac:vml" xmlns:p="http://schemas.openxmlformats.org/presentationml/2006/main" xmlns:c="http://schemas.openxmlformats.org/drawingml/2006/chart" xmlns:dgm="http://schemas.openxmlformats.org/drawingml/2006/diagram" xmlns:o="urn:schemas-microsoft-com:office:office" xmlns:v="urn:schemas-microsoft-com:vml" xmlns:pvml="urn:schemas-microsoft-com:office:powerpoint" xmlns:com="http://schemas.openxmlformats.org/drawingml/2006/compatibility" xmlns:p14="http://schemas.microsoft.com/office/powerpoint/2010/main" xmlns:p15="http://schemas.microsoft.com/office/powerpoint/2012/main" showMasterPhAnim="0" showMasterSp="0">
+<p:notes xmlns:a="http://schemas.openxmlformats.org/drawingml/2006/main" xmlns:r="http://schemas.openxmlformats.org/officeDocument/2006/relationships" xmlns:p="http://schemas.openxmlformats.org/presentationml/2006/main" showMasterSp="0" showMasterPhAnim="0">
   <p:cSld>
     <p:spTree>
       <p:nvGrpSpPr>
-        <p:cNvPr id="68" name="Shape 68"/>
+        <p:cNvPr id="1" name="Shape 68"/>
         <p:cNvGrpSpPr/>
         <p:nvPr/>
       </p:nvGrpSpPr>
@@ -2442,9 +2542,11 @@
       <p:sp>
         <p:nvSpPr>
           <p:cNvPr id="69" name="Google Shape;69;g62ffc6e868_0_0:notes"/>
-          <p:cNvSpPr/>
+          <p:cNvSpPr>
+            <a:spLocks noGrp="1" noRot="1" noChangeAspect="1"/>
+          </p:cNvSpPr>
           <p:nvPr>
-            <p:ph idx="2" type="sldImg"/>
+            <p:ph type="sldImg" idx="2"/>
           </p:nvPr>
         </p:nvSpPr>
         <p:spPr>
@@ -2453,9 +2555,13 @@
             <a:ext cx="6096000" cy="3429000"/>
           </a:xfrm>
           <a:custGeom>
-            <a:rect b="b" l="l" r="r" t="t"/>
+            <a:avLst/>
+            <a:gdLst/>
+            <a:ahLst/>
+            <a:cxnLst/>
+            <a:rect l="l" t="t" r="r" b="b"/>
             <a:pathLst>
-              <a:path extrusionOk="0" h="120000" w="120000">
+              <a:path w="120000" h="120000" extrusionOk="0">
                 <a:moveTo>
                   <a:pt x="0" y="0"/>
                 </a:moveTo>
@@ -2477,9 +2583,11 @@
       <p:sp>
         <p:nvSpPr>
           <p:cNvPr id="70" name="Google Shape;70;g62ffc6e868_0_0:notes"/>
-          <p:cNvSpPr txBox="1"/>
+          <p:cNvSpPr txBox="1">
+            <a:spLocks noGrp="1"/>
+          </p:cNvSpPr>
           <p:nvPr>
-            <p:ph idx="1" type="body"/>
+            <p:ph type="body" idx="1"/>
           </p:nvPr>
         </p:nvSpPr>
         <p:spPr>
@@ -2492,12 +2600,12 @@
           </a:prstGeom>
         </p:spPr>
         <p:txBody>
-          <a:bodyPr anchorCtr="0" anchor="t" bIns="91425" lIns="91425" spcFirstLastPara="1" rIns="91425" wrap="square" tIns="91425">
+          <a:bodyPr spcFirstLastPara="1" wrap="square" lIns="91425" tIns="91425" rIns="91425" bIns="91425" anchor="t" anchorCtr="0">
             <a:noAutofit/>
           </a:bodyPr>
           <a:lstStyle/>
           <a:p>
-            <a:pPr indent="0" lvl="0" marL="0" rtl="0" algn="l">
+            <a:pPr marL="0" lvl="0" indent="0" algn="l" rtl="0">
               <a:spcBef>
                 <a:spcPts val="0"/>
               </a:spcBef>
@@ -2506,9 +2614,6 @@
               </a:spcAft>
               <a:buNone/>
             </a:pPr>
-            <a:r>
-              <a:t/>
-            </a:r>
             <a:endParaRPr/>
           </a:p>
         </p:txBody>
@@ -2522,11 +2627,11 @@
 </file>
 
 <file path=ppt/notesSlides/notesSlide4.xml><?xml version="1.0" encoding="utf-8"?>
-<p:notes xmlns:a="http://schemas.openxmlformats.org/drawingml/2006/main" xmlns:r="http://schemas.openxmlformats.org/officeDocument/2006/relationships" xmlns:mc="http://schemas.openxmlformats.org/markup-compatibility/2006" xmlns:mv="urn:schemas-microsoft-com:mac:vml" xmlns:p="http://schemas.openxmlformats.org/presentationml/2006/main" xmlns:c="http://schemas.openxmlformats.org/drawingml/2006/chart" xmlns:dgm="http://schemas.openxmlformats.org/drawingml/2006/diagram" xmlns:o="urn:schemas-microsoft-com:office:office" xmlns:v="urn:schemas-microsoft-com:vml" xmlns:pvml="urn:schemas-microsoft-com:office:powerpoint" xmlns:com="http://schemas.openxmlformats.org/drawingml/2006/compatibility" xmlns:p14="http://schemas.microsoft.com/office/powerpoint/2010/main" xmlns:p15="http://schemas.microsoft.com/office/powerpoint/2012/main" showMasterPhAnim="0" showMasterSp="0">
+<p:notes xmlns:a="http://schemas.openxmlformats.org/drawingml/2006/main" xmlns:r="http://schemas.openxmlformats.org/officeDocument/2006/relationships" xmlns:p="http://schemas.openxmlformats.org/presentationml/2006/main" showMasterSp="0" showMasterPhAnim="0">
   <p:cSld>
     <p:spTree>
       <p:nvGrpSpPr>
-        <p:cNvPr id="79" name="Shape 79"/>
+        <p:cNvPr id="1" name="Shape 79"/>
         <p:cNvGrpSpPr/>
         <p:nvPr/>
       </p:nvGrpSpPr>
@@ -2541,20 +2646,26 @@
       <p:sp>
         <p:nvSpPr>
           <p:cNvPr id="80" name="Google Shape;80;g62ffc6e868_0_15:notes"/>
-          <p:cNvSpPr/>
+          <p:cNvSpPr>
+            <a:spLocks noGrp="1" noRot="1" noChangeAspect="1"/>
+          </p:cNvSpPr>
           <p:nvPr>
-            <p:ph idx="2" type="sldImg"/>
+            <p:ph type="sldImg" idx="2"/>
           </p:nvPr>
         </p:nvSpPr>
         <p:spPr>
           <a:xfrm>
-            <a:off x="381300" y="685800"/>
+            <a:off x="381000" y="685800"/>
             <a:ext cx="6096000" cy="3429000"/>
           </a:xfrm>
           <a:custGeom>
-            <a:rect b="b" l="l" r="r" t="t"/>
+            <a:avLst/>
+            <a:gdLst/>
+            <a:ahLst/>
+            <a:cxnLst/>
+            <a:rect l="l" t="t" r="r" b="b"/>
             <a:pathLst>
-              <a:path extrusionOk="0" h="120000" w="120000">
+              <a:path w="120000" h="120000" extrusionOk="0">
                 <a:moveTo>
                   <a:pt x="0" y="0"/>
                 </a:moveTo>
@@ -2576,9 +2687,11 @@
       <p:sp>
         <p:nvSpPr>
           <p:cNvPr id="81" name="Google Shape;81;g62ffc6e868_0_15:notes"/>
-          <p:cNvSpPr txBox="1"/>
+          <p:cNvSpPr txBox="1">
+            <a:spLocks noGrp="1"/>
+          </p:cNvSpPr>
           <p:nvPr>
-            <p:ph idx="1" type="body"/>
+            <p:ph type="body" idx="1"/>
           </p:nvPr>
         </p:nvSpPr>
         <p:spPr>
@@ -2591,12 +2704,12 @@
           </a:prstGeom>
         </p:spPr>
         <p:txBody>
-          <a:bodyPr anchorCtr="0" anchor="t" bIns="91425" lIns="91425" spcFirstLastPara="1" rIns="91425" wrap="square" tIns="91425">
+          <a:bodyPr spcFirstLastPara="1" wrap="square" lIns="91425" tIns="91425" rIns="91425" bIns="91425" anchor="t" anchorCtr="0">
             <a:noAutofit/>
           </a:bodyPr>
           <a:lstStyle/>
           <a:p>
-            <a:pPr indent="0" lvl="0" marL="0" rtl="0" algn="l">
+            <a:pPr marL="0" lvl="0" indent="0" algn="l" rtl="0">
               <a:spcBef>
                 <a:spcPts val="0"/>
               </a:spcBef>
@@ -2605,9 +2718,6 @@
               </a:spcAft>
               <a:buNone/>
             </a:pPr>
-            <a:r>
-              <a:t/>
-            </a:r>
             <a:endParaRPr/>
           </a:p>
         </p:txBody>
@@ -2621,11 +2731,11 @@
 </file>
 
 <file path=ppt/notesSlides/notesSlide5.xml><?xml version="1.0" encoding="utf-8"?>
-<p:notes xmlns:a="http://schemas.openxmlformats.org/drawingml/2006/main" xmlns:r="http://schemas.openxmlformats.org/officeDocument/2006/relationships" xmlns:mc="http://schemas.openxmlformats.org/markup-compatibility/2006" xmlns:mv="urn:schemas-microsoft-com:mac:vml" xmlns:p="http://schemas.openxmlformats.org/presentationml/2006/main" xmlns:c="http://schemas.openxmlformats.org/drawingml/2006/chart" xmlns:dgm="http://schemas.openxmlformats.org/drawingml/2006/diagram" xmlns:o="urn:schemas-microsoft-com:office:office" xmlns:v="urn:schemas-microsoft-com:vml" xmlns:pvml="urn:schemas-microsoft-com:office:powerpoint" xmlns:com="http://schemas.openxmlformats.org/drawingml/2006/compatibility" xmlns:p14="http://schemas.microsoft.com/office/powerpoint/2010/main" xmlns:p15="http://schemas.microsoft.com/office/powerpoint/2012/main" showMasterPhAnim="0" showMasterSp="0">
+<p:notes xmlns:a="http://schemas.openxmlformats.org/drawingml/2006/main" xmlns:r="http://schemas.openxmlformats.org/officeDocument/2006/relationships" xmlns:p="http://schemas.openxmlformats.org/presentationml/2006/main" showMasterSp="0" showMasterPhAnim="0">
   <p:cSld>
     <p:spTree>
       <p:nvGrpSpPr>
-        <p:cNvPr id="88" name="Shape 88"/>
+        <p:cNvPr id="1" name="Shape 88"/>
         <p:cNvGrpSpPr/>
         <p:nvPr/>
       </p:nvGrpSpPr>
@@ -2640,9 +2750,11 @@
       <p:sp>
         <p:nvSpPr>
           <p:cNvPr id="89" name="Google Shape;89;g757b4520bf_0_688:notes"/>
-          <p:cNvSpPr/>
+          <p:cNvSpPr>
+            <a:spLocks noGrp="1" noRot="1" noChangeAspect="1"/>
+          </p:cNvSpPr>
           <p:nvPr>
-            <p:ph idx="2" type="sldImg"/>
+            <p:ph type="sldImg" idx="2"/>
           </p:nvPr>
         </p:nvSpPr>
         <p:spPr>
@@ -2651,9 +2763,13 @@
             <a:ext cx="6096000" cy="3429000"/>
           </a:xfrm>
           <a:custGeom>
-            <a:rect b="b" l="l" r="r" t="t"/>
+            <a:avLst/>
+            <a:gdLst/>
+            <a:ahLst/>
+            <a:cxnLst/>
+            <a:rect l="l" t="t" r="r" b="b"/>
             <a:pathLst>
-              <a:path extrusionOk="0" h="120000" w="120000">
+              <a:path w="120000" h="120000" extrusionOk="0">
                 <a:moveTo>
                   <a:pt x="0" y="0"/>
                 </a:moveTo>
@@ -2675,9 +2791,11 @@
       <p:sp>
         <p:nvSpPr>
           <p:cNvPr id="90" name="Google Shape;90;g757b4520bf_0_688:notes"/>
-          <p:cNvSpPr txBox="1"/>
+          <p:cNvSpPr txBox="1">
+            <a:spLocks noGrp="1"/>
+          </p:cNvSpPr>
           <p:nvPr>
-            <p:ph idx="1" type="body"/>
+            <p:ph type="body" idx="1"/>
           </p:nvPr>
         </p:nvSpPr>
         <p:spPr>
@@ -2690,12 +2808,12 @@
           </a:prstGeom>
         </p:spPr>
         <p:txBody>
-          <a:bodyPr anchorCtr="0" anchor="t" bIns="91425" lIns="91425" spcFirstLastPara="1" rIns="91425" wrap="square" tIns="91425">
+          <a:bodyPr spcFirstLastPara="1" wrap="square" lIns="91425" tIns="91425" rIns="91425" bIns="91425" anchor="t" anchorCtr="0">
             <a:noAutofit/>
           </a:bodyPr>
           <a:lstStyle/>
           <a:p>
-            <a:pPr indent="0" lvl="0" marL="0" rtl="0" algn="l">
+            <a:pPr marL="0" lvl="0" indent="0" algn="l" rtl="0">
               <a:spcBef>
                 <a:spcPts val="0"/>
               </a:spcBef>
@@ -2704,9 +2822,6 @@
               </a:spcAft>
               <a:buNone/>
             </a:pPr>
-            <a:r>
-              <a:t/>
-            </a:r>
             <a:endParaRPr/>
           </a:p>
         </p:txBody>
@@ -2720,11 +2835,11 @@
 </file>
 
 <file path=ppt/notesSlides/notesSlide6.xml><?xml version="1.0" encoding="utf-8"?>
-<p:notes xmlns:a="http://schemas.openxmlformats.org/drawingml/2006/main" xmlns:r="http://schemas.openxmlformats.org/officeDocument/2006/relationships" xmlns:mc="http://schemas.openxmlformats.org/markup-compatibility/2006" xmlns:mv="urn:schemas-microsoft-com:mac:vml" xmlns:p="http://schemas.openxmlformats.org/presentationml/2006/main" xmlns:c="http://schemas.openxmlformats.org/drawingml/2006/chart" xmlns:dgm="http://schemas.openxmlformats.org/drawingml/2006/diagram" xmlns:o="urn:schemas-microsoft-com:office:office" xmlns:v="urn:schemas-microsoft-com:vml" xmlns:pvml="urn:schemas-microsoft-com:office:powerpoint" xmlns:com="http://schemas.openxmlformats.org/drawingml/2006/compatibility" xmlns:p14="http://schemas.microsoft.com/office/powerpoint/2010/main" xmlns:p15="http://schemas.microsoft.com/office/powerpoint/2012/main" showMasterPhAnim="0" showMasterSp="0">
+<p:notes xmlns:a="http://schemas.openxmlformats.org/drawingml/2006/main" xmlns:r="http://schemas.openxmlformats.org/officeDocument/2006/relationships" xmlns:p="http://schemas.openxmlformats.org/presentationml/2006/main" showMasterSp="0" showMasterPhAnim="0">
   <p:cSld>
     <p:spTree>
       <p:nvGrpSpPr>
-        <p:cNvPr id="94" name="Shape 94"/>
+        <p:cNvPr id="1" name="Shape 94"/>
         <p:cNvGrpSpPr/>
         <p:nvPr/>
       </p:nvGrpSpPr>
@@ -2739,9 +2854,11 @@
       <p:sp>
         <p:nvSpPr>
           <p:cNvPr id="95" name="Google Shape;95;g62ffc6e868_0_20:notes"/>
-          <p:cNvSpPr/>
+          <p:cNvSpPr>
+            <a:spLocks noGrp="1" noRot="1" noChangeAspect="1"/>
+          </p:cNvSpPr>
           <p:nvPr>
-            <p:ph idx="2" type="sldImg"/>
+            <p:ph type="sldImg" idx="2"/>
           </p:nvPr>
         </p:nvSpPr>
         <p:spPr>
@@ -2750,9 +2867,13 @@
             <a:ext cx="6096000" cy="3429000"/>
           </a:xfrm>
           <a:custGeom>
-            <a:rect b="b" l="l" r="r" t="t"/>
+            <a:avLst/>
+            <a:gdLst/>
+            <a:ahLst/>
+            <a:cxnLst/>
+            <a:rect l="l" t="t" r="r" b="b"/>
             <a:pathLst>
-              <a:path extrusionOk="0" h="120000" w="120000">
+              <a:path w="120000" h="120000" extrusionOk="0">
                 <a:moveTo>
                   <a:pt x="0" y="0"/>
                 </a:moveTo>
@@ -2774,9 +2895,11 @@
       <p:sp>
         <p:nvSpPr>
           <p:cNvPr id="96" name="Google Shape;96;g62ffc6e868_0_20:notes"/>
-          <p:cNvSpPr txBox="1"/>
+          <p:cNvSpPr txBox="1">
+            <a:spLocks noGrp="1"/>
+          </p:cNvSpPr>
           <p:nvPr>
-            <p:ph idx="1" type="body"/>
+            <p:ph type="body" idx="1"/>
           </p:nvPr>
         </p:nvSpPr>
         <p:spPr>
@@ -2789,12 +2912,12 @@
           </a:prstGeom>
         </p:spPr>
         <p:txBody>
-          <a:bodyPr anchorCtr="0" anchor="t" bIns="91425" lIns="91425" spcFirstLastPara="1" rIns="91425" wrap="square" tIns="91425">
+          <a:bodyPr spcFirstLastPara="1" wrap="square" lIns="91425" tIns="91425" rIns="91425" bIns="91425" anchor="t" anchorCtr="0">
             <a:noAutofit/>
           </a:bodyPr>
           <a:lstStyle/>
           <a:p>
-            <a:pPr indent="0" lvl="0" marL="0" rtl="0" algn="l">
+            <a:pPr marL="0" lvl="0" indent="0" algn="l" rtl="0">
               <a:spcBef>
                 <a:spcPts val="0"/>
               </a:spcBef>
@@ -2803,9 +2926,6 @@
               </a:spcAft>
               <a:buNone/>
             </a:pPr>
-            <a:r>
-              <a:t/>
-            </a:r>
             <a:endParaRPr/>
           </a:p>
         </p:txBody>
@@ -2819,11 +2939,11 @@
 </file>
 
 <file path=ppt/notesSlides/notesSlide7.xml><?xml version="1.0" encoding="utf-8"?>
-<p:notes xmlns:a="http://schemas.openxmlformats.org/drawingml/2006/main" xmlns:r="http://schemas.openxmlformats.org/officeDocument/2006/relationships" xmlns:mc="http://schemas.openxmlformats.org/markup-compatibility/2006" xmlns:mv="urn:schemas-microsoft-com:mac:vml" xmlns:p="http://schemas.openxmlformats.org/presentationml/2006/main" xmlns:c="http://schemas.openxmlformats.org/drawingml/2006/chart" xmlns:dgm="http://schemas.openxmlformats.org/drawingml/2006/diagram" xmlns:o="urn:schemas-microsoft-com:office:office" xmlns:v="urn:schemas-microsoft-com:vml" xmlns:pvml="urn:schemas-microsoft-com:office:powerpoint" xmlns:com="http://schemas.openxmlformats.org/drawingml/2006/compatibility" xmlns:p14="http://schemas.microsoft.com/office/powerpoint/2010/main" xmlns:p15="http://schemas.microsoft.com/office/powerpoint/2012/main" showMasterPhAnim="0" showMasterSp="0">
+<p:notes xmlns:a="http://schemas.openxmlformats.org/drawingml/2006/main" xmlns:r="http://schemas.openxmlformats.org/officeDocument/2006/relationships" xmlns:p="http://schemas.openxmlformats.org/presentationml/2006/main" showMasterSp="0" showMasterPhAnim="0">
   <p:cSld>
     <p:spTree>
       <p:nvGrpSpPr>
-        <p:cNvPr id="110" name="Shape 110"/>
+        <p:cNvPr id="1" name="Shape 110"/>
         <p:cNvGrpSpPr/>
         <p:nvPr/>
       </p:nvGrpSpPr>
@@ -2838,9 +2958,11 @@
       <p:sp>
         <p:nvSpPr>
           <p:cNvPr id="111" name="Google Shape;111;g757b4520bf_0_699:notes"/>
-          <p:cNvSpPr/>
+          <p:cNvSpPr>
+            <a:spLocks noGrp="1" noRot="1" noChangeAspect="1"/>
+          </p:cNvSpPr>
           <p:nvPr>
-            <p:ph idx="2" type="sldImg"/>
+            <p:ph type="sldImg" idx="2"/>
           </p:nvPr>
         </p:nvSpPr>
         <p:spPr>
@@ -2849,9 +2971,13 @@
             <a:ext cx="6096000" cy="3429000"/>
           </a:xfrm>
           <a:custGeom>
-            <a:rect b="b" l="l" r="r" t="t"/>
+            <a:avLst/>
+            <a:gdLst/>
+            <a:ahLst/>
+            <a:cxnLst/>
+            <a:rect l="l" t="t" r="r" b="b"/>
             <a:pathLst>
-              <a:path extrusionOk="0" h="120000" w="120000">
+              <a:path w="120000" h="120000" extrusionOk="0">
                 <a:moveTo>
                   <a:pt x="0" y="0"/>
                 </a:moveTo>
@@ -2873,9 +2999,11 @@
       <p:sp>
         <p:nvSpPr>
           <p:cNvPr id="112" name="Google Shape;112;g757b4520bf_0_699:notes"/>
-          <p:cNvSpPr txBox="1"/>
+          <p:cNvSpPr txBox="1">
+            <a:spLocks noGrp="1"/>
+          </p:cNvSpPr>
           <p:nvPr>
-            <p:ph idx="1" type="body"/>
+            <p:ph type="body" idx="1"/>
           </p:nvPr>
         </p:nvSpPr>
         <p:spPr>
@@ -2888,12 +3016,12 @@
           </a:prstGeom>
         </p:spPr>
         <p:txBody>
-          <a:bodyPr anchorCtr="0" anchor="t" bIns="91425" lIns="91425" spcFirstLastPara="1" rIns="91425" wrap="square" tIns="91425">
+          <a:bodyPr spcFirstLastPara="1" wrap="square" lIns="91425" tIns="91425" rIns="91425" bIns="91425" anchor="t" anchorCtr="0">
             <a:noAutofit/>
           </a:bodyPr>
           <a:lstStyle/>
           <a:p>
-            <a:pPr indent="0" lvl="0" marL="0" rtl="0" algn="l">
+            <a:pPr marL="0" lvl="0" indent="0" algn="l" rtl="0">
               <a:spcBef>
                 <a:spcPts val="0"/>
               </a:spcBef>
@@ -2902,9 +3030,6 @@
               </a:spcAft>
               <a:buNone/>
             </a:pPr>
-            <a:r>
-              <a:t/>
-            </a:r>
             <a:endParaRPr/>
           </a:p>
         </p:txBody>
@@ -2918,11 +3043,11 @@
 </file>
 
 <file path=ppt/notesSlides/notesSlide8.xml><?xml version="1.0" encoding="utf-8"?>
-<p:notes xmlns:a="http://schemas.openxmlformats.org/drawingml/2006/main" xmlns:r="http://schemas.openxmlformats.org/officeDocument/2006/relationships" xmlns:mc="http://schemas.openxmlformats.org/markup-compatibility/2006" xmlns:mv="urn:schemas-microsoft-com:mac:vml" xmlns:p="http://schemas.openxmlformats.org/presentationml/2006/main" xmlns:c="http://schemas.openxmlformats.org/drawingml/2006/chart" xmlns:dgm="http://schemas.openxmlformats.org/drawingml/2006/diagram" xmlns:o="urn:schemas-microsoft-com:office:office" xmlns:v="urn:schemas-microsoft-com:vml" xmlns:pvml="urn:schemas-microsoft-com:office:powerpoint" xmlns:com="http://schemas.openxmlformats.org/drawingml/2006/compatibility" xmlns:p14="http://schemas.microsoft.com/office/powerpoint/2010/main" xmlns:p15="http://schemas.microsoft.com/office/powerpoint/2012/main" showMasterPhAnim="0" showMasterSp="0">
+<p:notes xmlns:a="http://schemas.openxmlformats.org/drawingml/2006/main" xmlns:r="http://schemas.openxmlformats.org/officeDocument/2006/relationships" xmlns:p="http://schemas.openxmlformats.org/presentationml/2006/main" showMasterSp="0" showMasterPhAnim="0">
   <p:cSld>
     <p:spTree>
       <p:nvGrpSpPr>
-        <p:cNvPr id="117" name="Shape 117"/>
+        <p:cNvPr id="1" name="Shape 117"/>
         <p:cNvGrpSpPr/>
         <p:nvPr/>
       </p:nvGrpSpPr>
@@ -2937,9 +3062,11 @@
       <p:sp>
         <p:nvSpPr>
           <p:cNvPr id="118" name="Google Shape;118;g757b4520bf_0_706:notes"/>
-          <p:cNvSpPr/>
+          <p:cNvSpPr>
+            <a:spLocks noGrp="1" noRot="1" noChangeAspect="1"/>
+          </p:cNvSpPr>
           <p:nvPr>
-            <p:ph idx="2" type="sldImg"/>
+            <p:ph type="sldImg" idx="2"/>
           </p:nvPr>
         </p:nvSpPr>
         <p:spPr>
@@ -2948,9 +3075,13 @@
             <a:ext cx="6096000" cy="3429000"/>
           </a:xfrm>
           <a:custGeom>
-            <a:rect b="b" l="l" r="r" t="t"/>
+            <a:avLst/>
+            <a:gdLst/>
+            <a:ahLst/>
+            <a:cxnLst/>
+            <a:rect l="l" t="t" r="r" b="b"/>
             <a:pathLst>
-              <a:path extrusionOk="0" h="120000" w="120000">
+              <a:path w="120000" h="120000" extrusionOk="0">
                 <a:moveTo>
                   <a:pt x="0" y="0"/>
                 </a:moveTo>
@@ -2972,9 +3103,11 @@
       <p:sp>
         <p:nvSpPr>
           <p:cNvPr id="119" name="Google Shape;119;g757b4520bf_0_706:notes"/>
-          <p:cNvSpPr txBox="1"/>
+          <p:cNvSpPr txBox="1">
+            <a:spLocks noGrp="1"/>
+          </p:cNvSpPr>
           <p:nvPr>
-            <p:ph idx="1" type="body"/>
+            <p:ph type="body" idx="1"/>
           </p:nvPr>
         </p:nvSpPr>
         <p:spPr>
@@ -2987,12 +3120,12 @@
           </a:prstGeom>
         </p:spPr>
         <p:txBody>
-          <a:bodyPr anchorCtr="0" anchor="t" bIns="91425" lIns="91425" spcFirstLastPara="1" rIns="91425" wrap="square" tIns="91425">
+          <a:bodyPr spcFirstLastPara="1" wrap="square" lIns="91425" tIns="91425" rIns="91425" bIns="91425" anchor="t" anchorCtr="0">
             <a:noAutofit/>
           </a:bodyPr>
           <a:lstStyle/>
           <a:p>
-            <a:pPr indent="0" lvl="0" marL="0" rtl="0" algn="l">
+            <a:pPr marL="0" lvl="0" indent="0" algn="l" rtl="0">
               <a:spcBef>
                 <a:spcPts val="0"/>
               </a:spcBef>
@@ -3001,9 +3134,6 @@
               </a:spcAft>
               <a:buNone/>
             </a:pPr>
-            <a:r>
-              <a:t/>
-            </a:r>
             <a:endParaRPr/>
           </a:p>
         </p:txBody>
@@ -3017,11 +3147,11 @@
 </file>
 
 <file path=ppt/notesSlides/notesSlide9.xml><?xml version="1.0" encoding="utf-8"?>
-<p:notes xmlns:a="http://schemas.openxmlformats.org/drawingml/2006/main" xmlns:r="http://schemas.openxmlformats.org/officeDocument/2006/relationships" xmlns:mc="http://schemas.openxmlformats.org/markup-compatibility/2006" xmlns:mv="urn:schemas-microsoft-com:mac:vml" xmlns:p="http://schemas.openxmlformats.org/presentationml/2006/main" xmlns:c="http://schemas.openxmlformats.org/drawingml/2006/chart" xmlns:dgm="http://schemas.openxmlformats.org/drawingml/2006/diagram" xmlns:o="urn:schemas-microsoft-com:office:office" xmlns:v="urn:schemas-microsoft-com:vml" xmlns:pvml="urn:schemas-microsoft-com:office:powerpoint" xmlns:com="http://schemas.openxmlformats.org/drawingml/2006/compatibility" xmlns:p14="http://schemas.microsoft.com/office/powerpoint/2010/main" xmlns:p15="http://schemas.microsoft.com/office/powerpoint/2012/main" showMasterPhAnim="0" showMasterSp="0">
+<p:notes xmlns:a="http://schemas.openxmlformats.org/drawingml/2006/main" xmlns:r="http://schemas.openxmlformats.org/officeDocument/2006/relationships" xmlns:p="http://schemas.openxmlformats.org/presentationml/2006/main" showMasterSp="0" showMasterPhAnim="0">
   <p:cSld>
     <p:spTree>
       <p:nvGrpSpPr>
-        <p:cNvPr id="124" name="Shape 124"/>
+        <p:cNvPr id="1" name="Shape 124"/>
         <p:cNvGrpSpPr/>
         <p:nvPr/>
       </p:nvGrpSpPr>
@@ -3036,9 +3166,11 @@
       <p:sp>
         <p:nvSpPr>
           <p:cNvPr id="125" name="Google Shape;125;g757b4520bf_0_671:notes"/>
-          <p:cNvSpPr/>
+          <p:cNvSpPr>
+            <a:spLocks noGrp="1" noRot="1" noChangeAspect="1"/>
+          </p:cNvSpPr>
           <p:nvPr>
-            <p:ph idx="2" type="sldImg"/>
+            <p:ph type="sldImg" idx="2"/>
           </p:nvPr>
         </p:nvSpPr>
         <p:spPr>
@@ -3047,9 +3179,13 @@
             <a:ext cx="6096000" cy="3429000"/>
           </a:xfrm>
           <a:custGeom>
-            <a:rect b="b" l="l" r="r" t="t"/>
+            <a:avLst/>
+            <a:gdLst/>
+            <a:ahLst/>
+            <a:cxnLst/>
+            <a:rect l="l" t="t" r="r" b="b"/>
             <a:pathLst>
-              <a:path extrusionOk="0" h="120000" w="120000">
+              <a:path w="120000" h="120000" extrusionOk="0">
                 <a:moveTo>
                   <a:pt x="0" y="0"/>
                 </a:moveTo>
@@ -3071,9 +3207,11 @@
       <p:sp>
         <p:nvSpPr>
           <p:cNvPr id="126" name="Google Shape;126;g757b4520bf_0_671:notes"/>
-          <p:cNvSpPr txBox="1"/>
+          <p:cNvSpPr txBox="1">
+            <a:spLocks noGrp="1"/>
+          </p:cNvSpPr>
           <p:nvPr>
-            <p:ph idx="1" type="body"/>
+            <p:ph type="body" idx="1"/>
           </p:nvPr>
         </p:nvSpPr>
         <p:spPr>
@@ -3086,12 +3224,12 @@
           </a:prstGeom>
         </p:spPr>
         <p:txBody>
-          <a:bodyPr anchorCtr="0" anchor="t" bIns="91425" lIns="91425" spcFirstLastPara="1" rIns="91425" wrap="square" tIns="91425">
+          <a:bodyPr spcFirstLastPara="1" wrap="square" lIns="91425" tIns="91425" rIns="91425" bIns="91425" anchor="t" anchorCtr="0">
             <a:noAutofit/>
           </a:bodyPr>
           <a:lstStyle/>
           <a:p>
-            <a:pPr indent="0" lvl="0" marL="0" rtl="0" algn="l">
+            <a:pPr marL="0" lvl="0" indent="0" algn="l" rtl="0">
               <a:spcBef>
                 <a:spcPts val="0"/>
               </a:spcBef>
@@ -3100,9 +3238,6 @@
               </a:spcAft>
               <a:buNone/>
             </a:pPr>
-            <a:r>
-              <a:t/>
-            </a:r>
             <a:endParaRPr/>
           </a:p>
         </p:txBody>
@@ -3116,11 +3251,11 @@
 </file>
 
 <file path=ppt/slideLayouts/slideLayout1.xml><?xml version="1.0" encoding="utf-8"?>
-<p:sldLayout xmlns:a="http://schemas.openxmlformats.org/drawingml/2006/main" xmlns:r="http://schemas.openxmlformats.org/officeDocument/2006/relationships" xmlns:mc="http://schemas.openxmlformats.org/markup-compatibility/2006" xmlns:mv="urn:schemas-microsoft-com:mac:vml" xmlns:p="http://schemas.openxmlformats.org/presentationml/2006/main" xmlns:c="http://schemas.openxmlformats.org/drawingml/2006/chart" xmlns:dgm="http://schemas.openxmlformats.org/drawingml/2006/diagram" xmlns:o="urn:schemas-microsoft-com:office:office" xmlns:v="urn:schemas-microsoft-com:vml" xmlns:pvml="urn:schemas-microsoft-com:office:powerpoint" xmlns:com="http://schemas.openxmlformats.org/drawingml/2006/compatibility" xmlns:p14="http://schemas.microsoft.com/office/powerpoint/2010/main" xmlns:p15="http://schemas.microsoft.com/office/powerpoint/2012/main" matchingName="Title slide" type="title">
+<p:sldLayout xmlns:a="http://schemas.openxmlformats.org/drawingml/2006/main" xmlns:r="http://schemas.openxmlformats.org/officeDocument/2006/relationships" xmlns:p="http://schemas.openxmlformats.org/presentationml/2006/main" matchingName="Title slide" type="title">
   <p:cSld name="TITLE">
     <p:spTree>
       <p:nvGrpSpPr>
-        <p:cNvPr id="9" name="Shape 9"/>
+        <p:cNvPr id="1" name="Shape 9"/>
         <p:cNvGrpSpPr/>
         <p:nvPr/>
       </p:nvGrpSpPr>
@@ -3154,12 +3289,12 @@
           </a:ln>
         </p:spPr>
         <p:txBody>
-          <a:bodyPr anchorCtr="0" anchor="ctr" bIns="91425" lIns="91425" spcFirstLastPara="1" rIns="91425" wrap="square" tIns="91425">
+          <a:bodyPr spcFirstLastPara="1" wrap="square" lIns="91425" tIns="91425" rIns="91425" bIns="91425" anchor="ctr" anchorCtr="0">
             <a:noAutofit/>
           </a:bodyPr>
           <a:lstStyle/>
           <a:p>
-            <a:pPr indent="0" lvl="0" marL="0" rtl="0" algn="l">
+            <a:pPr marL="0" lvl="0" indent="0" algn="l" rtl="0">
               <a:spcBef>
                 <a:spcPts val="0"/>
               </a:spcBef>
@@ -3168,9 +3303,6 @@
               </a:spcAft>
               <a:buNone/>
             </a:pPr>
-            <a:r>
-              <a:t/>
-            </a:r>
             <a:endParaRPr/>
           </a:p>
         </p:txBody>
@@ -3190,23 +3322,23 @@
             <a:avLst/>
           </a:prstGeom>
           <a:noFill/>
-          <a:ln cap="flat" cmpd="sng" w="28575">
+          <a:ln w="28575" cap="flat" cmpd="sng">
             <a:solidFill>
               <a:schemeClr val="lt1"/>
             </a:solidFill>
             <a:prstDash val="solid"/>
             <a:miter lim="8000"/>
-            <a:headEnd len="sm" w="sm" type="none"/>
-            <a:tailEnd len="sm" w="sm" type="none"/>
+            <a:headEnd type="none" w="sm" len="sm"/>
+            <a:tailEnd type="none" w="sm" len="sm"/>
           </a:ln>
         </p:spPr>
         <p:txBody>
-          <a:bodyPr anchorCtr="0" anchor="ctr" bIns="91425" lIns="91425" spcFirstLastPara="1" rIns="91425" wrap="square" tIns="91425">
+          <a:bodyPr spcFirstLastPara="1" wrap="square" lIns="91425" tIns="91425" rIns="91425" bIns="91425" anchor="ctr" anchorCtr="0">
             <a:noAutofit/>
           </a:bodyPr>
           <a:lstStyle/>
           <a:p>
-            <a:pPr indent="0" lvl="0" marL="0" rtl="0" algn="l">
+            <a:pPr marL="0" lvl="0" indent="0" algn="l" rtl="0">
               <a:spcBef>
                 <a:spcPts val="0"/>
               </a:spcBef>
@@ -3215,9 +3347,6 @@
               </a:spcAft>
               <a:buNone/>
             </a:pPr>
-            <a:r>
-              <a:t/>
-            </a:r>
             <a:endParaRPr/>
           </a:p>
         </p:txBody>
@@ -3225,7 +3354,9 @@
       <p:sp>
         <p:nvSpPr>
           <p:cNvPr id="12" name="Google Shape;12;p2"/>
-          <p:cNvSpPr txBox="1"/>
+          <p:cNvSpPr txBox="1">
+            <a:spLocks noGrp="1"/>
+          </p:cNvSpPr>
           <p:nvPr>
             <p:ph type="ctrTitle"/>
           </p:nvPr>
@@ -3240,7 +3371,7 @@
           </a:prstGeom>
         </p:spPr>
         <p:txBody>
-          <a:bodyPr anchorCtr="0" anchor="ctr" bIns="91425" lIns="91425" spcFirstLastPara="1" rIns="91425" wrap="square" tIns="91425">
+          <a:bodyPr spcFirstLastPara="1" wrap="square" lIns="91425" tIns="91425" rIns="91425" bIns="91425" anchor="ctr" anchorCtr="0">
             <a:noAutofit/>
           </a:bodyPr>
           <a:lstStyle>
@@ -3452,15 +3583,19 @@
               </a:defRPr>
             </a:lvl9pPr>
           </a:lstStyle>
-          <a:p/>
+          <a:p>
+            <a:endParaRPr/>
+          </a:p>
         </p:txBody>
       </p:sp>
       <p:sp>
         <p:nvSpPr>
           <p:cNvPr id="13" name="Google Shape;13;p2"/>
-          <p:cNvSpPr txBox="1"/>
+          <p:cNvSpPr txBox="1">
+            <a:spLocks noGrp="1"/>
+          </p:cNvSpPr>
           <p:nvPr>
-            <p:ph idx="1" type="subTitle"/>
+            <p:ph type="subTitle" idx="1"/>
           </p:nvPr>
         </p:nvSpPr>
         <p:spPr>
@@ -3473,7 +3608,7 @@
           </a:prstGeom>
         </p:spPr>
         <p:txBody>
-          <a:bodyPr anchorCtr="0" anchor="b" bIns="91425" lIns="91425" spcFirstLastPara="1" rIns="91425" wrap="square" tIns="91425">
+          <a:bodyPr spcFirstLastPara="1" wrap="square" lIns="91425" tIns="91425" rIns="91425" bIns="91425" anchor="b" anchorCtr="0">
             <a:noAutofit/>
           </a:bodyPr>
           <a:lstStyle>
@@ -3519,7 +3654,7 @@
               <a:buSzPts val="1800"/>
               <a:buFont typeface="Playfair Display"/>
               <a:buNone/>
-              <a:defRPr b="1" sz="1800">
+              <a:defRPr sz="1800" b="1">
                 <a:solidFill>
                   <a:schemeClr val="lt1"/>
                 </a:solidFill>
@@ -3545,7 +3680,7 @@
               <a:buSzPts val="1800"/>
               <a:buFont typeface="Playfair Display"/>
               <a:buNone/>
-              <a:defRPr b="1" sz="1800">
+              <a:defRPr sz="1800" b="1">
                 <a:solidFill>
                   <a:schemeClr val="lt1"/>
                 </a:solidFill>
@@ -3571,7 +3706,7 @@
               <a:buSzPts val="1800"/>
               <a:buFont typeface="Playfair Display"/>
               <a:buNone/>
-              <a:defRPr b="1" sz="1800">
+              <a:defRPr sz="1800" b="1">
                 <a:solidFill>
                   <a:schemeClr val="lt1"/>
                 </a:solidFill>
@@ -3597,7 +3732,7 @@
               <a:buSzPts val="1800"/>
               <a:buFont typeface="Playfair Display"/>
               <a:buNone/>
-              <a:defRPr b="1" sz="1800">
+              <a:defRPr sz="1800" b="1">
                 <a:solidFill>
                   <a:schemeClr val="lt1"/>
                 </a:solidFill>
@@ -3623,7 +3758,7 @@
               <a:buSzPts val="1800"/>
               <a:buFont typeface="Playfair Display"/>
               <a:buNone/>
-              <a:defRPr b="1" sz="1800">
+              <a:defRPr sz="1800" b="1">
                 <a:solidFill>
                   <a:schemeClr val="lt1"/>
                 </a:solidFill>
@@ -3649,7 +3784,7 @@
               <a:buSzPts val="1800"/>
               <a:buFont typeface="Playfair Display"/>
               <a:buNone/>
-              <a:defRPr b="1" sz="1800">
+              <a:defRPr sz="1800" b="1">
                 <a:solidFill>
                   <a:schemeClr val="lt1"/>
                 </a:solidFill>
@@ -3675,7 +3810,7 @@
               <a:buSzPts val="1800"/>
               <a:buFont typeface="Playfair Display"/>
               <a:buNone/>
-              <a:defRPr b="1" sz="1800">
+              <a:defRPr sz="1800" b="1">
                 <a:solidFill>
                   <a:schemeClr val="lt1"/>
                 </a:solidFill>
@@ -3701,7 +3836,7 @@
               <a:buSzPts val="1800"/>
               <a:buFont typeface="Playfair Display"/>
               <a:buNone/>
-              <a:defRPr b="1" sz="1800">
+              <a:defRPr sz="1800" b="1">
                 <a:solidFill>
                   <a:schemeClr val="lt1"/>
                 </a:solidFill>
@@ -3712,15 +3847,19 @@
               </a:defRPr>
             </a:lvl9pPr>
           </a:lstStyle>
-          <a:p/>
+          <a:p>
+            <a:endParaRPr/>
+          </a:p>
         </p:txBody>
       </p:sp>
       <p:sp>
         <p:nvSpPr>
           <p:cNvPr id="14" name="Google Shape;14;p2"/>
-          <p:cNvSpPr txBox="1"/>
+          <p:cNvSpPr txBox="1">
+            <a:spLocks noGrp="1"/>
+          </p:cNvSpPr>
           <p:nvPr>
-            <p:ph idx="12" type="sldNum"/>
+            <p:ph type="sldNum" idx="12"/>
           </p:nvPr>
         </p:nvSpPr>
         <p:spPr>
@@ -3733,7 +3872,7 @@
           </a:prstGeom>
         </p:spPr>
         <p:txBody>
-          <a:bodyPr anchorCtr="0" anchor="ctr" bIns="91425" lIns="91425" spcFirstLastPara="1" rIns="91425" wrap="square" tIns="91425">
+          <a:bodyPr spcFirstLastPara="1" wrap="square" lIns="91425" tIns="91425" rIns="91425" bIns="91425" anchor="ctr" anchorCtr="0">
             <a:noAutofit/>
           </a:bodyPr>
           <a:lstStyle>
@@ -3775,7 +3914,7 @@
             </a:lvl9pPr>
           </a:lstStyle>
           <a:p>
-            <a:pPr indent="0" lvl="0" marL="0" rtl="0" algn="r">
+            <a:pPr marL="0" lvl="0" indent="0" algn="r" rtl="0">
               <a:spcBef>
                 <a:spcPts val="0"/>
               </a:spcBef>
@@ -3801,11 +3940,11 @@
 </file>
 
 <file path=ppt/slideLayouts/slideLayout10.xml><?xml version="1.0" encoding="utf-8"?>
-<p:sldLayout xmlns:a="http://schemas.openxmlformats.org/drawingml/2006/main" xmlns:r="http://schemas.openxmlformats.org/officeDocument/2006/relationships" xmlns:mc="http://schemas.openxmlformats.org/markup-compatibility/2006" xmlns:mv="urn:schemas-microsoft-com:mac:vml" xmlns:p="http://schemas.openxmlformats.org/presentationml/2006/main" xmlns:c="http://schemas.openxmlformats.org/drawingml/2006/chart" xmlns:dgm="http://schemas.openxmlformats.org/drawingml/2006/diagram" xmlns:o="urn:schemas-microsoft-com:office:office" xmlns:v="urn:schemas-microsoft-com:vml" xmlns:pvml="urn:schemas-microsoft-com:office:powerpoint" xmlns:com="http://schemas.openxmlformats.org/drawingml/2006/compatibility" xmlns:p14="http://schemas.microsoft.com/office/powerpoint/2010/main" xmlns:p15="http://schemas.microsoft.com/office/powerpoint/2012/main" matchingName="Big number">
+<p:sldLayout xmlns:a="http://schemas.openxmlformats.org/drawingml/2006/main" xmlns:r="http://schemas.openxmlformats.org/officeDocument/2006/relationships" xmlns:p="http://schemas.openxmlformats.org/presentationml/2006/main" matchingName="Big number">
   <p:cSld name="BIG_NUMBER">
     <p:spTree>
       <p:nvGrpSpPr>
-        <p:cNvPr id="48" name="Shape 48"/>
+        <p:cNvPr id="1" name="Shape 48"/>
         <p:cNvGrpSpPr/>
         <p:nvPr/>
       </p:nvGrpSpPr>
@@ -3839,12 +3978,12 @@
           </a:ln>
         </p:spPr>
         <p:txBody>
-          <a:bodyPr anchorCtr="0" anchor="ctr" bIns="91425" lIns="91425" spcFirstLastPara="1" rIns="91425" wrap="square" tIns="91425">
+          <a:bodyPr spcFirstLastPara="1" wrap="square" lIns="91425" tIns="91425" rIns="91425" bIns="91425" anchor="ctr" anchorCtr="0">
             <a:noAutofit/>
           </a:bodyPr>
           <a:lstStyle/>
           <a:p>
-            <a:pPr indent="0" lvl="0" marL="0" rtl="0" algn="l">
+            <a:pPr marL="0" lvl="0" indent="0" algn="l" rtl="0">
               <a:spcBef>
                 <a:spcPts val="0"/>
               </a:spcBef>
@@ -3853,9 +3992,6 @@
               </a:spcAft>
               <a:buNone/>
             </a:pPr>
-            <a:r>
-              <a:t/>
-            </a:r>
             <a:endParaRPr/>
           </a:p>
         </p:txBody>
@@ -3863,9 +3999,11 @@
       <p:sp>
         <p:nvSpPr>
           <p:cNvPr id="50" name="Google Shape;50;p11"/>
-          <p:cNvSpPr txBox="1"/>
+          <p:cNvSpPr txBox="1">
+            <a:spLocks noGrp="1"/>
+          </p:cNvSpPr>
           <p:nvPr>
-            <p:ph hasCustomPrompt="1" type="title"/>
+            <p:ph type="title" hasCustomPrompt="1"/>
           </p:nvPr>
         </p:nvSpPr>
         <p:spPr>
@@ -3878,7 +4016,7 @@
           </a:prstGeom>
         </p:spPr>
         <p:txBody>
-          <a:bodyPr anchorCtr="0" anchor="b" bIns="91425" lIns="91425" spcFirstLastPara="1" rIns="91425" wrap="square" tIns="91425">
+          <a:bodyPr spcFirstLastPara="1" wrap="square" lIns="91425" tIns="91425" rIns="91425" bIns="91425" anchor="b" anchorCtr="0">
             <a:noAutofit/>
           </a:bodyPr>
           <a:lstStyle>
@@ -4046,9 +4184,11 @@
       <p:sp>
         <p:nvSpPr>
           <p:cNvPr id="51" name="Google Shape;51;p11"/>
-          <p:cNvSpPr txBox="1"/>
+          <p:cNvSpPr txBox="1">
+            <a:spLocks noGrp="1"/>
+          </p:cNvSpPr>
           <p:nvPr>
-            <p:ph idx="1" type="body"/>
+            <p:ph type="body" idx="1"/>
           </p:nvPr>
         </p:nvSpPr>
         <p:spPr>
@@ -4061,11 +4201,11 @@
           </a:prstGeom>
         </p:spPr>
         <p:txBody>
-          <a:bodyPr anchorCtr="0" anchor="t" bIns="91425" lIns="91425" spcFirstLastPara="1" rIns="91425" wrap="square" tIns="91425">
+          <a:bodyPr spcFirstLastPara="1" wrap="square" lIns="91425" tIns="91425" rIns="91425" bIns="91425" anchor="t" anchorCtr="0">
             <a:noAutofit/>
           </a:bodyPr>
           <a:lstStyle>
-            <a:lvl1pPr indent="-342900" lvl="0" marL="457200" algn="ctr">
+            <a:lvl1pPr marL="457200" lvl="0" indent="-342900" algn="ctr">
               <a:spcBef>
                 <a:spcPts val="0"/>
               </a:spcBef>
@@ -4076,7 +4216,7 @@
               <a:buChar char="●"/>
               <a:defRPr/>
             </a:lvl1pPr>
-            <a:lvl2pPr indent="-317500" lvl="1" marL="914400" algn="ctr">
+            <a:lvl2pPr marL="914400" lvl="1" indent="-317500" algn="ctr">
               <a:spcBef>
                 <a:spcPts val="1600"/>
               </a:spcBef>
@@ -4087,7 +4227,7 @@
               <a:buChar char="○"/>
               <a:defRPr/>
             </a:lvl2pPr>
-            <a:lvl3pPr indent="-317500" lvl="2" marL="1371600" algn="ctr">
+            <a:lvl3pPr marL="1371600" lvl="2" indent="-317500" algn="ctr">
               <a:spcBef>
                 <a:spcPts val="1600"/>
               </a:spcBef>
@@ -4098,7 +4238,7 @@
               <a:buChar char="■"/>
               <a:defRPr/>
             </a:lvl3pPr>
-            <a:lvl4pPr indent="-317500" lvl="3" marL="1828800" algn="ctr">
+            <a:lvl4pPr marL="1828800" lvl="3" indent="-317500" algn="ctr">
               <a:spcBef>
                 <a:spcPts val="1600"/>
               </a:spcBef>
@@ -4109,7 +4249,7 @@
               <a:buChar char="●"/>
               <a:defRPr/>
             </a:lvl4pPr>
-            <a:lvl5pPr indent="-317500" lvl="4" marL="2286000" algn="ctr">
+            <a:lvl5pPr marL="2286000" lvl="4" indent="-317500" algn="ctr">
               <a:spcBef>
                 <a:spcPts val="1600"/>
               </a:spcBef>
@@ -4120,7 +4260,7 @@
               <a:buChar char="○"/>
               <a:defRPr/>
             </a:lvl5pPr>
-            <a:lvl6pPr indent="-317500" lvl="5" marL="2743200" algn="ctr">
+            <a:lvl6pPr marL="2743200" lvl="5" indent="-317500" algn="ctr">
               <a:spcBef>
                 <a:spcPts val="1600"/>
               </a:spcBef>
@@ -4131,7 +4271,7 @@
               <a:buChar char="■"/>
               <a:defRPr/>
             </a:lvl6pPr>
-            <a:lvl7pPr indent="-317500" lvl="6" marL="3200400" algn="ctr">
+            <a:lvl7pPr marL="3200400" lvl="6" indent="-317500" algn="ctr">
               <a:spcBef>
                 <a:spcPts val="1600"/>
               </a:spcBef>
@@ -4142,7 +4282,7 @@
               <a:buChar char="●"/>
               <a:defRPr/>
             </a:lvl7pPr>
-            <a:lvl8pPr indent="-317500" lvl="7" marL="3657600" algn="ctr">
+            <a:lvl8pPr marL="3657600" lvl="7" indent="-317500" algn="ctr">
               <a:spcBef>
                 <a:spcPts val="1600"/>
               </a:spcBef>
@@ -4153,7 +4293,7 @@
               <a:buChar char="○"/>
               <a:defRPr/>
             </a:lvl8pPr>
-            <a:lvl9pPr indent="-317500" lvl="8" marL="4114800" algn="ctr">
+            <a:lvl9pPr marL="4114800" lvl="8" indent="-317500" algn="ctr">
               <a:spcBef>
                 <a:spcPts val="1600"/>
               </a:spcBef>
@@ -4165,15 +4305,19 @@
               <a:defRPr/>
             </a:lvl9pPr>
           </a:lstStyle>
-          <a:p/>
+          <a:p>
+            <a:endParaRPr/>
+          </a:p>
         </p:txBody>
       </p:sp>
       <p:sp>
         <p:nvSpPr>
           <p:cNvPr id="52" name="Google Shape;52;p11"/>
-          <p:cNvSpPr txBox="1"/>
+          <p:cNvSpPr txBox="1">
+            <a:spLocks noGrp="1"/>
+          </p:cNvSpPr>
           <p:nvPr>
-            <p:ph idx="12" type="sldNum"/>
+            <p:ph type="sldNum" idx="12"/>
           </p:nvPr>
         </p:nvSpPr>
         <p:spPr>
@@ -4186,7 +4330,7 @@
           </a:prstGeom>
         </p:spPr>
         <p:txBody>
-          <a:bodyPr anchorCtr="0" anchor="ctr" bIns="91425" lIns="91425" spcFirstLastPara="1" rIns="91425" wrap="square" tIns="91425">
+          <a:bodyPr spcFirstLastPara="1" wrap="square" lIns="91425" tIns="91425" rIns="91425" bIns="91425" anchor="ctr" anchorCtr="0">
             <a:noAutofit/>
           </a:bodyPr>
           <a:lstStyle>
@@ -4228,7 +4372,7 @@
             </a:lvl9pPr>
           </a:lstStyle>
           <a:p>
-            <a:pPr indent="0" lvl="0" marL="0" rtl="0" algn="r">
+            <a:pPr marL="0" lvl="0" indent="0" algn="r" rtl="0">
               <a:spcBef>
                 <a:spcPts val="0"/>
               </a:spcBef>
@@ -4254,11 +4398,11 @@
 </file>
 
 <file path=ppt/slideLayouts/slideLayout11.xml><?xml version="1.0" encoding="utf-8"?>
-<p:sldLayout xmlns:a="http://schemas.openxmlformats.org/drawingml/2006/main" xmlns:r="http://schemas.openxmlformats.org/officeDocument/2006/relationships" xmlns:mc="http://schemas.openxmlformats.org/markup-compatibility/2006" xmlns:mv="urn:schemas-microsoft-com:mac:vml" xmlns:p="http://schemas.openxmlformats.org/presentationml/2006/main" xmlns:c="http://schemas.openxmlformats.org/drawingml/2006/chart" xmlns:dgm="http://schemas.openxmlformats.org/drawingml/2006/diagram" xmlns:o="urn:schemas-microsoft-com:office:office" xmlns:v="urn:schemas-microsoft-com:vml" xmlns:pvml="urn:schemas-microsoft-com:office:powerpoint" xmlns:com="http://schemas.openxmlformats.org/drawingml/2006/compatibility" xmlns:p14="http://schemas.microsoft.com/office/powerpoint/2010/main" xmlns:p15="http://schemas.microsoft.com/office/powerpoint/2012/main" matchingName="Blank" type="blank">
+<p:sldLayout xmlns:a="http://schemas.openxmlformats.org/drawingml/2006/main" xmlns:r="http://schemas.openxmlformats.org/officeDocument/2006/relationships" xmlns:p="http://schemas.openxmlformats.org/presentationml/2006/main" matchingName="Blank" type="blank">
   <p:cSld name="BLANK">
     <p:spTree>
       <p:nvGrpSpPr>
-        <p:cNvPr id="53" name="Shape 53"/>
+        <p:cNvPr id="1" name="Shape 53"/>
         <p:cNvGrpSpPr/>
         <p:nvPr/>
       </p:nvGrpSpPr>
@@ -4273,9 +4417,11 @@
       <p:sp>
         <p:nvSpPr>
           <p:cNvPr id="54" name="Google Shape;54;p12"/>
-          <p:cNvSpPr txBox="1"/>
+          <p:cNvSpPr txBox="1">
+            <a:spLocks noGrp="1"/>
+          </p:cNvSpPr>
           <p:nvPr>
-            <p:ph idx="12" type="sldNum"/>
+            <p:ph type="sldNum" idx="12"/>
           </p:nvPr>
         </p:nvSpPr>
         <p:spPr>
@@ -4288,7 +4434,7 @@
           </a:prstGeom>
         </p:spPr>
         <p:txBody>
-          <a:bodyPr anchorCtr="0" anchor="ctr" bIns="91425" lIns="91425" spcFirstLastPara="1" rIns="91425" wrap="square" tIns="91425">
+          <a:bodyPr spcFirstLastPara="1" wrap="square" lIns="91425" tIns="91425" rIns="91425" bIns="91425" anchor="ctr" anchorCtr="0">
             <a:noAutofit/>
           </a:bodyPr>
           <a:lstStyle>
@@ -4330,7 +4476,7 @@
             </a:lvl9pPr>
           </a:lstStyle>
           <a:p>
-            <a:pPr indent="0" lvl="0" marL="0" rtl="0" algn="r">
+            <a:pPr marL="0" lvl="0" indent="0" algn="r" rtl="0">
               <a:spcBef>
                 <a:spcPts val="0"/>
               </a:spcBef>
@@ -4356,18 +4502,19 @@
 </file>
 
 <file path=ppt/slideLayouts/slideLayout2.xml><?xml version="1.0" encoding="utf-8"?>
-<p:sldLayout xmlns:a="http://schemas.openxmlformats.org/drawingml/2006/main" xmlns:r="http://schemas.openxmlformats.org/officeDocument/2006/relationships" xmlns:mc="http://schemas.openxmlformats.org/markup-compatibility/2006" xmlns:mv="urn:schemas-microsoft-com:mac:vml" xmlns:p="http://schemas.openxmlformats.org/presentationml/2006/main" xmlns:c="http://schemas.openxmlformats.org/drawingml/2006/chart" xmlns:dgm="http://schemas.openxmlformats.org/drawingml/2006/diagram" xmlns:o="urn:schemas-microsoft-com:office:office" xmlns:v="urn:schemas-microsoft-com:vml" xmlns:pvml="urn:schemas-microsoft-com:office:powerpoint" xmlns:com="http://schemas.openxmlformats.org/drawingml/2006/compatibility" xmlns:p14="http://schemas.microsoft.com/office/powerpoint/2010/main" xmlns:p15="http://schemas.microsoft.com/office/powerpoint/2012/main" matchingName="Section header" type="secHead">
+<p:sldLayout xmlns:a="http://schemas.openxmlformats.org/drawingml/2006/main" xmlns:r="http://schemas.openxmlformats.org/officeDocument/2006/relationships" xmlns:p="http://schemas.openxmlformats.org/presentationml/2006/main" matchingName="Section header" type="secHead">
   <p:cSld name="SECTION_HEADER">
     <p:bg>
       <p:bgPr>
         <a:solidFill>
           <a:schemeClr val="dk1"/>
         </a:solidFill>
+        <a:effectLst/>
       </p:bgPr>
     </p:bg>
     <p:spTree>
       <p:nvGrpSpPr>
-        <p:cNvPr id="15" name="Shape 15"/>
+        <p:cNvPr id="1" name="Shape 15"/>
         <p:cNvGrpSpPr/>
         <p:nvPr/>
       </p:nvGrpSpPr>
@@ -4382,7 +4529,9 @@
       <p:sp>
         <p:nvSpPr>
           <p:cNvPr id="16" name="Google Shape;16;p3"/>
-          <p:cNvSpPr txBox="1"/>
+          <p:cNvSpPr txBox="1">
+            <a:spLocks noGrp="1"/>
+          </p:cNvSpPr>
           <p:nvPr>
             <p:ph type="title"/>
           </p:nvPr>
@@ -4397,7 +4546,7 @@
           </a:prstGeom>
         </p:spPr>
         <p:txBody>
-          <a:bodyPr anchorCtr="0" anchor="ctr" bIns="91425" lIns="91425" spcFirstLastPara="1" rIns="91425" wrap="square" tIns="91425">
+          <a:bodyPr spcFirstLastPara="1" wrap="square" lIns="91425" tIns="91425" rIns="91425" bIns="91425" anchor="ctr" anchorCtr="0">
             <a:noAutofit/>
           </a:bodyPr>
           <a:lstStyle>
@@ -4414,7 +4563,7 @@
               <a:buSzPts val="4800"/>
               <a:buFont typeface="Lato"/>
               <a:buNone/>
-              <a:defRPr b="0" sz="4800">
+              <a:defRPr sz="4800" b="0">
                 <a:solidFill>
                   <a:schemeClr val="lt1"/>
                 </a:solidFill>
@@ -4437,7 +4586,7 @@
               <a:buSzPts val="4800"/>
               <a:buFont typeface="Lato"/>
               <a:buNone/>
-              <a:defRPr b="0" sz="4800">
+              <a:defRPr sz="4800" b="0">
                 <a:solidFill>
                   <a:schemeClr val="lt1"/>
                 </a:solidFill>
@@ -4460,7 +4609,7 @@
               <a:buSzPts val="4800"/>
               <a:buFont typeface="Lato"/>
               <a:buNone/>
-              <a:defRPr b="0" sz="4800">
+              <a:defRPr sz="4800" b="0">
                 <a:solidFill>
                   <a:schemeClr val="lt1"/>
                 </a:solidFill>
@@ -4483,7 +4632,7 @@
               <a:buSzPts val="4800"/>
               <a:buFont typeface="Lato"/>
               <a:buNone/>
-              <a:defRPr b="0" sz="4800">
+              <a:defRPr sz="4800" b="0">
                 <a:solidFill>
                   <a:schemeClr val="lt1"/>
                 </a:solidFill>
@@ -4506,7 +4655,7 @@
               <a:buSzPts val="4800"/>
               <a:buFont typeface="Lato"/>
               <a:buNone/>
-              <a:defRPr b="0" sz="4800">
+              <a:defRPr sz="4800" b="0">
                 <a:solidFill>
                   <a:schemeClr val="lt1"/>
                 </a:solidFill>
@@ -4529,7 +4678,7 @@
               <a:buSzPts val="4800"/>
               <a:buFont typeface="Lato"/>
               <a:buNone/>
-              <a:defRPr b="0" sz="4800">
+              <a:defRPr sz="4800" b="0">
                 <a:solidFill>
                   <a:schemeClr val="lt1"/>
                 </a:solidFill>
@@ -4552,7 +4701,7 @@
               <a:buSzPts val="4800"/>
               <a:buFont typeface="Lato"/>
               <a:buNone/>
-              <a:defRPr b="0" sz="4800">
+              <a:defRPr sz="4800" b="0">
                 <a:solidFill>
                   <a:schemeClr val="lt1"/>
                 </a:solidFill>
@@ -4575,7 +4724,7 @@
               <a:buSzPts val="4800"/>
               <a:buFont typeface="Lato"/>
               <a:buNone/>
-              <a:defRPr b="0" sz="4800">
+              <a:defRPr sz="4800" b="0">
                 <a:solidFill>
                   <a:schemeClr val="lt1"/>
                 </a:solidFill>
@@ -4598,7 +4747,7 @@
               <a:buSzPts val="4800"/>
               <a:buFont typeface="Lato"/>
               <a:buNone/>
-              <a:defRPr b="0" sz="4800">
+              <a:defRPr sz="4800" b="0">
                 <a:solidFill>
                   <a:schemeClr val="lt1"/>
                 </a:solidFill>
@@ -4609,15 +4758,19 @@
               </a:defRPr>
             </a:lvl9pPr>
           </a:lstStyle>
-          <a:p/>
+          <a:p>
+            <a:endParaRPr/>
+          </a:p>
         </p:txBody>
       </p:sp>
       <p:sp>
         <p:nvSpPr>
           <p:cNvPr id="17" name="Google Shape;17;p3"/>
-          <p:cNvSpPr txBox="1"/>
+          <p:cNvSpPr txBox="1">
+            <a:spLocks noGrp="1"/>
+          </p:cNvSpPr>
           <p:nvPr>
-            <p:ph idx="12" type="sldNum"/>
+            <p:ph type="sldNum" idx="12"/>
           </p:nvPr>
         </p:nvSpPr>
         <p:spPr>
@@ -4630,7 +4783,7 @@
           </a:prstGeom>
         </p:spPr>
         <p:txBody>
-          <a:bodyPr anchorCtr="0" anchor="ctr" bIns="91425" lIns="91425" spcFirstLastPara="1" rIns="91425" wrap="square" tIns="91425">
+          <a:bodyPr spcFirstLastPara="1" wrap="square" lIns="91425" tIns="91425" rIns="91425" bIns="91425" anchor="ctr" anchorCtr="0">
             <a:noAutofit/>
           </a:bodyPr>
           <a:lstStyle>
@@ -4708,7 +4861,7 @@
             </a:lvl9pPr>
           </a:lstStyle>
           <a:p>
-            <a:pPr indent="0" lvl="0" marL="0" rtl="0" algn="r">
+            <a:pPr marL="0" lvl="0" indent="0" algn="r" rtl="0">
               <a:spcBef>
                 <a:spcPts val="0"/>
               </a:spcBef>
@@ -4734,11 +4887,11 @@
 </file>
 
 <file path=ppt/slideLayouts/slideLayout3.xml><?xml version="1.0" encoding="utf-8"?>
-<p:sldLayout xmlns:a="http://schemas.openxmlformats.org/drawingml/2006/main" xmlns:r="http://schemas.openxmlformats.org/officeDocument/2006/relationships" xmlns:mc="http://schemas.openxmlformats.org/markup-compatibility/2006" xmlns:mv="urn:schemas-microsoft-com:mac:vml" xmlns:p="http://schemas.openxmlformats.org/presentationml/2006/main" xmlns:c="http://schemas.openxmlformats.org/drawingml/2006/chart" xmlns:dgm="http://schemas.openxmlformats.org/drawingml/2006/diagram" xmlns:o="urn:schemas-microsoft-com:office:office" xmlns:v="urn:schemas-microsoft-com:vml" xmlns:pvml="urn:schemas-microsoft-com:office:powerpoint" xmlns:com="http://schemas.openxmlformats.org/drawingml/2006/compatibility" xmlns:p14="http://schemas.microsoft.com/office/powerpoint/2010/main" xmlns:p15="http://schemas.microsoft.com/office/powerpoint/2012/main" matchingName="Title and body" type="tx">
+<p:sldLayout xmlns:a="http://schemas.openxmlformats.org/drawingml/2006/main" xmlns:r="http://schemas.openxmlformats.org/officeDocument/2006/relationships" xmlns:p="http://schemas.openxmlformats.org/presentationml/2006/main" matchingName="Title and body" type="tx">
   <p:cSld name="TITLE_AND_BODY">
     <p:spTree>
       <p:nvGrpSpPr>
-        <p:cNvPr id="18" name="Shape 18"/>
+        <p:cNvPr id="1" name="Shape 18"/>
         <p:cNvGrpSpPr/>
         <p:nvPr/>
       </p:nvGrpSpPr>
@@ -4772,12 +4925,12 @@
           </a:ln>
         </p:spPr>
         <p:txBody>
-          <a:bodyPr anchorCtr="0" anchor="ctr" bIns="91425" lIns="91425" spcFirstLastPara="1" rIns="91425" wrap="square" tIns="91425">
+          <a:bodyPr spcFirstLastPara="1" wrap="square" lIns="91425" tIns="91425" rIns="91425" bIns="91425" anchor="ctr" anchorCtr="0">
             <a:noAutofit/>
           </a:bodyPr>
           <a:lstStyle/>
           <a:p>
-            <a:pPr indent="0" lvl="0" marL="0" rtl="0" algn="l">
+            <a:pPr marL="0" lvl="0" indent="0" algn="l" rtl="0">
               <a:spcBef>
                 <a:spcPts val="0"/>
               </a:spcBef>
@@ -4786,9 +4939,6 @@
               </a:spcAft>
               <a:buNone/>
             </a:pPr>
-            <a:r>
-              <a:t/>
-            </a:r>
             <a:endParaRPr/>
           </a:p>
         </p:txBody>
@@ -4796,7 +4946,9 @@
       <p:sp>
         <p:nvSpPr>
           <p:cNvPr id="20" name="Google Shape;20;p4"/>
-          <p:cNvSpPr txBox="1"/>
+          <p:cNvSpPr txBox="1">
+            <a:spLocks noGrp="1"/>
+          </p:cNvSpPr>
           <p:nvPr>
             <p:ph type="title"/>
           </p:nvPr>
@@ -4811,7 +4963,7 @@
           </a:prstGeom>
         </p:spPr>
         <p:txBody>
-          <a:bodyPr anchorCtr="0" anchor="t" bIns="91425" lIns="91425" spcFirstLastPara="1" rIns="91425" wrap="square" tIns="91425">
+          <a:bodyPr spcFirstLastPara="1" wrap="square" lIns="91425" tIns="91425" rIns="91425" bIns="91425" anchor="t" anchorCtr="0">
             <a:noAutofit/>
           </a:bodyPr>
           <a:lstStyle>
@@ -4915,15 +5067,19 @@
               <a:defRPr/>
             </a:lvl9pPr>
           </a:lstStyle>
-          <a:p/>
+          <a:p>
+            <a:endParaRPr/>
+          </a:p>
         </p:txBody>
       </p:sp>
       <p:sp>
         <p:nvSpPr>
           <p:cNvPr id="21" name="Google Shape;21;p4"/>
-          <p:cNvSpPr txBox="1"/>
+          <p:cNvSpPr txBox="1">
+            <a:spLocks noGrp="1"/>
+          </p:cNvSpPr>
           <p:nvPr>
-            <p:ph idx="1" type="body"/>
+            <p:ph type="body" idx="1"/>
           </p:nvPr>
         </p:nvSpPr>
         <p:spPr>
@@ -4936,11 +5092,11 @@
           </a:prstGeom>
         </p:spPr>
         <p:txBody>
-          <a:bodyPr anchorCtr="0" anchor="t" bIns="91425" lIns="91425" spcFirstLastPara="1" rIns="91425" wrap="square" tIns="91425">
+          <a:bodyPr spcFirstLastPara="1" wrap="square" lIns="91425" tIns="91425" rIns="91425" bIns="91425" anchor="t" anchorCtr="0">
             <a:noAutofit/>
           </a:bodyPr>
           <a:lstStyle>
-            <a:lvl1pPr indent="-342900" lvl="0" marL="457200">
+            <a:lvl1pPr marL="457200" lvl="0" indent="-342900">
               <a:spcBef>
                 <a:spcPts val="0"/>
               </a:spcBef>
@@ -4951,7 +5107,7 @@
               <a:buChar char="●"/>
               <a:defRPr/>
             </a:lvl1pPr>
-            <a:lvl2pPr indent="-317500" lvl="1" marL="914400">
+            <a:lvl2pPr marL="914400" lvl="1" indent="-317500">
               <a:spcBef>
                 <a:spcPts val="1600"/>
               </a:spcBef>
@@ -4962,7 +5118,7 @@
               <a:buChar char="○"/>
               <a:defRPr/>
             </a:lvl2pPr>
-            <a:lvl3pPr indent="-317500" lvl="2" marL="1371600">
+            <a:lvl3pPr marL="1371600" lvl="2" indent="-317500">
               <a:spcBef>
                 <a:spcPts val="1600"/>
               </a:spcBef>
@@ -4973,7 +5129,7 @@
               <a:buChar char="■"/>
               <a:defRPr/>
             </a:lvl3pPr>
-            <a:lvl4pPr indent="-317500" lvl="3" marL="1828800">
+            <a:lvl4pPr marL="1828800" lvl="3" indent="-317500">
               <a:spcBef>
                 <a:spcPts val="1600"/>
               </a:spcBef>
@@ -4984,7 +5140,7 @@
               <a:buChar char="●"/>
               <a:defRPr/>
             </a:lvl4pPr>
-            <a:lvl5pPr indent="-317500" lvl="4" marL="2286000">
+            <a:lvl5pPr marL="2286000" lvl="4" indent="-317500">
               <a:spcBef>
                 <a:spcPts val="1600"/>
               </a:spcBef>
@@ -4995,7 +5151,7 @@
               <a:buChar char="○"/>
               <a:defRPr/>
             </a:lvl5pPr>
-            <a:lvl6pPr indent="-317500" lvl="5" marL="2743200">
+            <a:lvl6pPr marL="2743200" lvl="5" indent="-317500">
               <a:spcBef>
                 <a:spcPts val="1600"/>
               </a:spcBef>
@@ -5006,7 +5162,7 @@
               <a:buChar char="■"/>
               <a:defRPr/>
             </a:lvl6pPr>
-            <a:lvl7pPr indent="-317500" lvl="6" marL="3200400">
+            <a:lvl7pPr marL="3200400" lvl="6" indent="-317500">
               <a:spcBef>
                 <a:spcPts val="1600"/>
               </a:spcBef>
@@ -5017,7 +5173,7 @@
               <a:buChar char="●"/>
               <a:defRPr/>
             </a:lvl7pPr>
-            <a:lvl8pPr indent="-317500" lvl="7" marL="3657600">
+            <a:lvl8pPr marL="3657600" lvl="7" indent="-317500">
               <a:spcBef>
                 <a:spcPts val="1600"/>
               </a:spcBef>
@@ -5028,7 +5184,7 @@
               <a:buChar char="○"/>
               <a:defRPr/>
             </a:lvl8pPr>
-            <a:lvl9pPr indent="-317500" lvl="8" marL="4114800">
+            <a:lvl9pPr marL="4114800" lvl="8" indent="-317500">
               <a:spcBef>
                 <a:spcPts val="1600"/>
               </a:spcBef>
@@ -5040,15 +5196,19 @@
               <a:defRPr/>
             </a:lvl9pPr>
           </a:lstStyle>
-          <a:p/>
+          <a:p>
+            <a:endParaRPr/>
+          </a:p>
         </p:txBody>
       </p:sp>
       <p:sp>
         <p:nvSpPr>
           <p:cNvPr id="22" name="Google Shape;22;p4"/>
-          <p:cNvSpPr txBox="1"/>
+          <p:cNvSpPr txBox="1">
+            <a:spLocks noGrp="1"/>
+          </p:cNvSpPr>
           <p:nvPr>
-            <p:ph idx="12" type="sldNum"/>
+            <p:ph type="sldNum" idx="12"/>
           </p:nvPr>
         </p:nvSpPr>
         <p:spPr>
@@ -5061,7 +5221,7 @@
           </a:prstGeom>
         </p:spPr>
         <p:txBody>
-          <a:bodyPr anchorCtr="0" anchor="ctr" bIns="91425" lIns="91425" spcFirstLastPara="1" rIns="91425" wrap="square" tIns="91425">
+          <a:bodyPr spcFirstLastPara="1" wrap="square" lIns="91425" tIns="91425" rIns="91425" bIns="91425" anchor="ctr" anchorCtr="0">
             <a:noAutofit/>
           </a:bodyPr>
           <a:lstStyle>
@@ -5103,7 +5263,7 @@
             </a:lvl9pPr>
           </a:lstStyle>
           <a:p>
-            <a:pPr indent="0" lvl="0" marL="0" rtl="0" algn="r">
+            <a:pPr marL="0" lvl="0" indent="0" algn="r" rtl="0">
               <a:spcBef>
                 <a:spcPts val="0"/>
               </a:spcBef>
@@ -5129,11 +5289,11 @@
 </file>
 
 <file path=ppt/slideLayouts/slideLayout4.xml><?xml version="1.0" encoding="utf-8"?>
-<p:sldLayout xmlns:a="http://schemas.openxmlformats.org/drawingml/2006/main" xmlns:r="http://schemas.openxmlformats.org/officeDocument/2006/relationships" xmlns:mc="http://schemas.openxmlformats.org/markup-compatibility/2006" xmlns:mv="urn:schemas-microsoft-com:mac:vml" xmlns:p="http://schemas.openxmlformats.org/presentationml/2006/main" xmlns:c="http://schemas.openxmlformats.org/drawingml/2006/chart" xmlns:dgm="http://schemas.openxmlformats.org/drawingml/2006/diagram" xmlns:o="urn:schemas-microsoft-com:office:office" xmlns:v="urn:schemas-microsoft-com:vml" xmlns:pvml="urn:schemas-microsoft-com:office:powerpoint" xmlns:com="http://schemas.openxmlformats.org/drawingml/2006/compatibility" xmlns:p14="http://schemas.microsoft.com/office/powerpoint/2010/main" xmlns:p15="http://schemas.microsoft.com/office/powerpoint/2012/main" matchingName="Title and two columns" type="twoColTx">
+<p:sldLayout xmlns:a="http://schemas.openxmlformats.org/drawingml/2006/main" xmlns:r="http://schemas.openxmlformats.org/officeDocument/2006/relationships" xmlns:p="http://schemas.openxmlformats.org/presentationml/2006/main" matchingName="Title and two columns" type="twoColTx">
   <p:cSld name="TITLE_AND_TWO_COLUMNS">
     <p:spTree>
       <p:nvGrpSpPr>
-        <p:cNvPr id="23" name="Shape 23"/>
+        <p:cNvPr id="1" name="Shape 23"/>
         <p:cNvGrpSpPr/>
         <p:nvPr/>
       </p:nvGrpSpPr>
@@ -5148,7 +5308,9 @@
       <p:sp>
         <p:nvSpPr>
           <p:cNvPr id="24" name="Google Shape;24;p5"/>
-          <p:cNvSpPr txBox="1"/>
+          <p:cNvSpPr txBox="1">
+            <a:spLocks noGrp="1"/>
+          </p:cNvSpPr>
           <p:nvPr>
             <p:ph type="title"/>
           </p:nvPr>
@@ -5163,7 +5325,7 @@
           </a:prstGeom>
         </p:spPr>
         <p:txBody>
-          <a:bodyPr anchorCtr="0" anchor="t" bIns="91425" lIns="91425" spcFirstLastPara="1" rIns="91425" wrap="square" tIns="91425">
+          <a:bodyPr spcFirstLastPara="1" wrap="square" lIns="91425" tIns="91425" rIns="91425" bIns="91425" anchor="t" anchorCtr="0">
             <a:noAutofit/>
           </a:bodyPr>
           <a:lstStyle>
@@ -5267,15 +5429,19 @@
               <a:defRPr/>
             </a:lvl9pPr>
           </a:lstStyle>
-          <a:p/>
+          <a:p>
+            <a:endParaRPr/>
+          </a:p>
         </p:txBody>
       </p:sp>
       <p:sp>
         <p:nvSpPr>
           <p:cNvPr id="25" name="Google Shape;25;p5"/>
-          <p:cNvSpPr txBox="1"/>
+          <p:cNvSpPr txBox="1">
+            <a:spLocks noGrp="1"/>
+          </p:cNvSpPr>
           <p:nvPr>
-            <p:ph idx="1" type="body"/>
+            <p:ph type="body" idx="1"/>
           </p:nvPr>
         </p:nvSpPr>
         <p:spPr>
@@ -5288,11 +5454,11 @@
           </a:prstGeom>
         </p:spPr>
         <p:txBody>
-          <a:bodyPr anchorCtr="0" anchor="t" bIns="91425" lIns="91425" spcFirstLastPara="1" rIns="91425" wrap="square" tIns="91425">
+          <a:bodyPr spcFirstLastPara="1" wrap="square" lIns="91425" tIns="91425" rIns="91425" bIns="91425" anchor="t" anchorCtr="0">
             <a:noAutofit/>
           </a:bodyPr>
           <a:lstStyle>
-            <a:lvl1pPr indent="-317500" lvl="0" marL="457200">
+            <a:lvl1pPr marL="457200" lvl="0" indent="-317500">
               <a:spcBef>
                 <a:spcPts val="0"/>
               </a:spcBef>
@@ -5303,7 +5469,7 @@
               <a:buChar char="●"/>
               <a:defRPr sz="1400"/>
             </a:lvl1pPr>
-            <a:lvl2pPr indent="-304800" lvl="1" marL="914400">
+            <a:lvl2pPr marL="914400" lvl="1" indent="-304800">
               <a:spcBef>
                 <a:spcPts val="1600"/>
               </a:spcBef>
@@ -5314,7 +5480,7 @@
               <a:buChar char="○"/>
               <a:defRPr sz="1200"/>
             </a:lvl2pPr>
-            <a:lvl3pPr indent="-304800" lvl="2" marL="1371600">
+            <a:lvl3pPr marL="1371600" lvl="2" indent="-304800">
               <a:spcBef>
                 <a:spcPts val="1600"/>
               </a:spcBef>
@@ -5325,7 +5491,7 @@
               <a:buChar char="■"/>
               <a:defRPr sz="1200"/>
             </a:lvl3pPr>
-            <a:lvl4pPr indent="-304800" lvl="3" marL="1828800">
+            <a:lvl4pPr marL="1828800" lvl="3" indent="-304800">
               <a:spcBef>
                 <a:spcPts val="1600"/>
               </a:spcBef>
@@ -5336,7 +5502,7 @@
               <a:buChar char="●"/>
               <a:defRPr sz="1200"/>
             </a:lvl4pPr>
-            <a:lvl5pPr indent="-304800" lvl="4" marL="2286000">
+            <a:lvl5pPr marL="2286000" lvl="4" indent="-304800">
               <a:spcBef>
                 <a:spcPts val="1600"/>
               </a:spcBef>
@@ -5347,7 +5513,7 @@
               <a:buChar char="○"/>
               <a:defRPr sz="1200"/>
             </a:lvl5pPr>
-            <a:lvl6pPr indent="-304800" lvl="5" marL="2743200">
+            <a:lvl6pPr marL="2743200" lvl="5" indent="-304800">
               <a:spcBef>
                 <a:spcPts val="1600"/>
               </a:spcBef>
@@ -5358,7 +5524,7 @@
               <a:buChar char="■"/>
               <a:defRPr sz="1200"/>
             </a:lvl6pPr>
-            <a:lvl7pPr indent="-304800" lvl="6" marL="3200400">
+            <a:lvl7pPr marL="3200400" lvl="6" indent="-304800">
               <a:spcBef>
                 <a:spcPts val="1600"/>
               </a:spcBef>
@@ -5369,7 +5535,7 @@
               <a:buChar char="●"/>
               <a:defRPr sz="1200"/>
             </a:lvl7pPr>
-            <a:lvl8pPr indent="-304800" lvl="7" marL="3657600">
+            <a:lvl8pPr marL="3657600" lvl="7" indent="-304800">
               <a:spcBef>
                 <a:spcPts val="1600"/>
               </a:spcBef>
@@ -5380,7 +5546,7 @@
               <a:buChar char="○"/>
               <a:defRPr sz="1200"/>
             </a:lvl8pPr>
-            <a:lvl9pPr indent="-304800" lvl="8" marL="4114800">
+            <a:lvl9pPr marL="4114800" lvl="8" indent="-304800">
               <a:spcBef>
                 <a:spcPts val="1600"/>
               </a:spcBef>
@@ -5392,15 +5558,19 @@
               <a:defRPr sz="1200"/>
             </a:lvl9pPr>
           </a:lstStyle>
-          <a:p/>
+          <a:p>
+            <a:endParaRPr/>
+          </a:p>
         </p:txBody>
       </p:sp>
       <p:sp>
         <p:nvSpPr>
           <p:cNvPr id="26" name="Google Shape;26;p5"/>
-          <p:cNvSpPr txBox="1"/>
+          <p:cNvSpPr txBox="1">
+            <a:spLocks noGrp="1"/>
+          </p:cNvSpPr>
           <p:nvPr>
-            <p:ph idx="2" type="body"/>
+            <p:ph type="body" idx="2"/>
           </p:nvPr>
         </p:nvSpPr>
         <p:spPr>
@@ -5413,11 +5583,11 @@
           </a:prstGeom>
         </p:spPr>
         <p:txBody>
-          <a:bodyPr anchorCtr="0" anchor="t" bIns="91425" lIns="91425" spcFirstLastPara="1" rIns="91425" wrap="square" tIns="91425">
+          <a:bodyPr spcFirstLastPara="1" wrap="square" lIns="91425" tIns="91425" rIns="91425" bIns="91425" anchor="t" anchorCtr="0">
             <a:noAutofit/>
           </a:bodyPr>
           <a:lstStyle>
-            <a:lvl1pPr indent="-317500" lvl="0" marL="457200">
+            <a:lvl1pPr marL="457200" lvl="0" indent="-317500">
               <a:spcBef>
                 <a:spcPts val="0"/>
               </a:spcBef>
@@ -5428,7 +5598,7 @@
               <a:buChar char="●"/>
               <a:defRPr sz="1400"/>
             </a:lvl1pPr>
-            <a:lvl2pPr indent="-304800" lvl="1" marL="914400">
+            <a:lvl2pPr marL="914400" lvl="1" indent="-304800">
               <a:spcBef>
                 <a:spcPts val="1600"/>
               </a:spcBef>
@@ -5439,7 +5609,7 @@
               <a:buChar char="○"/>
               <a:defRPr sz="1200"/>
             </a:lvl2pPr>
-            <a:lvl3pPr indent="-304800" lvl="2" marL="1371600">
+            <a:lvl3pPr marL="1371600" lvl="2" indent="-304800">
               <a:spcBef>
                 <a:spcPts val="1600"/>
               </a:spcBef>
@@ -5450,7 +5620,7 @@
               <a:buChar char="■"/>
               <a:defRPr sz="1200"/>
             </a:lvl3pPr>
-            <a:lvl4pPr indent="-304800" lvl="3" marL="1828800">
+            <a:lvl4pPr marL="1828800" lvl="3" indent="-304800">
               <a:spcBef>
                 <a:spcPts val="1600"/>
               </a:spcBef>
@@ -5461,7 +5631,7 @@
               <a:buChar char="●"/>
               <a:defRPr sz="1200"/>
             </a:lvl4pPr>
-            <a:lvl5pPr indent="-304800" lvl="4" marL="2286000">
+            <a:lvl5pPr marL="2286000" lvl="4" indent="-304800">
               <a:spcBef>
                 <a:spcPts val="1600"/>
               </a:spcBef>
@@ -5472,7 +5642,7 @@
               <a:buChar char="○"/>
               <a:defRPr sz="1200"/>
             </a:lvl5pPr>
-            <a:lvl6pPr indent="-304800" lvl="5" marL="2743200">
+            <a:lvl6pPr marL="2743200" lvl="5" indent="-304800">
               <a:spcBef>
                 <a:spcPts val="1600"/>
               </a:spcBef>
@@ -5483,7 +5653,7 @@
               <a:buChar char="■"/>
               <a:defRPr sz="1200"/>
             </a:lvl6pPr>
-            <a:lvl7pPr indent="-304800" lvl="6" marL="3200400">
+            <a:lvl7pPr marL="3200400" lvl="6" indent="-304800">
               <a:spcBef>
                 <a:spcPts val="1600"/>
               </a:spcBef>
@@ -5494,7 +5664,7 @@
               <a:buChar char="●"/>
               <a:defRPr sz="1200"/>
             </a:lvl7pPr>
-            <a:lvl8pPr indent="-304800" lvl="7" marL="3657600">
+            <a:lvl8pPr marL="3657600" lvl="7" indent="-304800">
               <a:spcBef>
                 <a:spcPts val="1600"/>
               </a:spcBef>
@@ -5505,7 +5675,7 @@
               <a:buChar char="○"/>
               <a:defRPr sz="1200"/>
             </a:lvl8pPr>
-            <a:lvl9pPr indent="-304800" lvl="8" marL="4114800">
+            <a:lvl9pPr marL="4114800" lvl="8" indent="-304800">
               <a:spcBef>
                 <a:spcPts val="1600"/>
               </a:spcBef>
@@ -5517,15 +5687,19 @@
               <a:defRPr sz="1200"/>
             </a:lvl9pPr>
           </a:lstStyle>
-          <a:p/>
+          <a:p>
+            <a:endParaRPr/>
+          </a:p>
         </p:txBody>
       </p:sp>
       <p:sp>
         <p:nvSpPr>
           <p:cNvPr id="27" name="Google Shape;27;p5"/>
-          <p:cNvSpPr txBox="1"/>
+          <p:cNvSpPr txBox="1">
+            <a:spLocks noGrp="1"/>
+          </p:cNvSpPr>
           <p:nvPr>
-            <p:ph idx="12" type="sldNum"/>
+            <p:ph type="sldNum" idx="12"/>
           </p:nvPr>
         </p:nvSpPr>
         <p:spPr>
@@ -5538,7 +5712,7 @@
           </a:prstGeom>
         </p:spPr>
         <p:txBody>
-          <a:bodyPr anchorCtr="0" anchor="ctr" bIns="91425" lIns="91425" spcFirstLastPara="1" rIns="91425" wrap="square" tIns="91425">
+          <a:bodyPr spcFirstLastPara="1" wrap="square" lIns="91425" tIns="91425" rIns="91425" bIns="91425" anchor="ctr" anchorCtr="0">
             <a:noAutofit/>
           </a:bodyPr>
           <a:lstStyle>
@@ -5580,7 +5754,7 @@
             </a:lvl9pPr>
           </a:lstStyle>
           <a:p>
-            <a:pPr indent="0" lvl="0" marL="0" rtl="0" algn="r">
+            <a:pPr marL="0" lvl="0" indent="0" algn="r" rtl="0">
               <a:spcBef>
                 <a:spcPts val="0"/>
               </a:spcBef>
@@ -5606,11 +5780,11 @@
 </file>
 
 <file path=ppt/slideLayouts/slideLayout5.xml><?xml version="1.0" encoding="utf-8"?>
-<p:sldLayout xmlns:a="http://schemas.openxmlformats.org/drawingml/2006/main" xmlns:r="http://schemas.openxmlformats.org/officeDocument/2006/relationships" xmlns:mc="http://schemas.openxmlformats.org/markup-compatibility/2006" xmlns:mv="urn:schemas-microsoft-com:mac:vml" xmlns:p="http://schemas.openxmlformats.org/presentationml/2006/main" xmlns:c="http://schemas.openxmlformats.org/drawingml/2006/chart" xmlns:dgm="http://schemas.openxmlformats.org/drawingml/2006/diagram" xmlns:o="urn:schemas-microsoft-com:office:office" xmlns:v="urn:schemas-microsoft-com:vml" xmlns:pvml="urn:schemas-microsoft-com:office:powerpoint" xmlns:com="http://schemas.openxmlformats.org/drawingml/2006/compatibility" xmlns:p14="http://schemas.microsoft.com/office/powerpoint/2010/main" xmlns:p15="http://schemas.microsoft.com/office/powerpoint/2012/main" matchingName="Title only" type="titleOnly">
+<p:sldLayout xmlns:a="http://schemas.openxmlformats.org/drawingml/2006/main" xmlns:r="http://schemas.openxmlformats.org/officeDocument/2006/relationships" xmlns:p="http://schemas.openxmlformats.org/presentationml/2006/main" matchingName="Title only" type="titleOnly">
   <p:cSld name="TITLE_ONLY">
     <p:spTree>
       <p:nvGrpSpPr>
-        <p:cNvPr id="28" name="Shape 28"/>
+        <p:cNvPr id="1" name="Shape 28"/>
         <p:cNvGrpSpPr/>
         <p:nvPr/>
       </p:nvGrpSpPr>
@@ -5625,7 +5799,9 @@
       <p:sp>
         <p:nvSpPr>
           <p:cNvPr id="29" name="Google Shape;29;p6"/>
-          <p:cNvSpPr txBox="1"/>
+          <p:cNvSpPr txBox="1">
+            <a:spLocks noGrp="1"/>
+          </p:cNvSpPr>
           <p:nvPr>
             <p:ph type="title"/>
           </p:nvPr>
@@ -5640,7 +5816,7 @@
           </a:prstGeom>
         </p:spPr>
         <p:txBody>
-          <a:bodyPr anchorCtr="0" anchor="t" bIns="91425" lIns="91425" spcFirstLastPara="1" rIns="91425" wrap="square" tIns="91425">
+          <a:bodyPr spcFirstLastPara="1" wrap="square" lIns="91425" tIns="91425" rIns="91425" bIns="91425" anchor="t" anchorCtr="0">
             <a:noAutofit/>
           </a:bodyPr>
           <a:lstStyle>
@@ -5744,15 +5920,19 @@
               <a:defRPr/>
             </a:lvl9pPr>
           </a:lstStyle>
-          <a:p/>
+          <a:p>
+            <a:endParaRPr/>
+          </a:p>
         </p:txBody>
       </p:sp>
       <p:sp>
         <p:nvSpPr>
           <p:cNvPr id="30" name="Google Shape;30;p6"/>
-          <p:cNvSpPr txBox="1"/>
+          <p:cNvSpPr txBox="1">
+            <a:spLocks noGrp="1"/>
+          </p:cNvSpPr>
           <p:nvPr>
-            <p:ph idx="12" type="sldNum"/>
+            <p:ph type="sldNum" idx="12"/>
           </p:nvPr>
         </p:nvSpPr>
         <p:spPr>
@@ -5765,7 +5945,7 @@
           </a:prstGeom>
         </p:spPr>
         <p:txBody>
-          <a:bodyPr anchorCtr="0" anchor="ctr" bIns="91425" lIns="91425" spcFirstLastPara="1" rIns="91425" wrap="square" tIns="91425">
+          <a:bodyPr spcFirstLastPara="1" wrap="square" lIns="91425" tIns="91425" rIns="91425" bIns="91425" anchor="ctr" anchorCtr="0">
             <a:noAutofit/>
           </a:bodyPr>
           <a:lstStyle>
@@ -5807,7 +5987,7 @@
             </a:lvl9pPr>
           </a:lstStyle>
           <a:p>
-            <a:pPr indent="0" lvl="0" marL="0" rtl="0" algn="r">
+            <a:pPr marL="0" lvl="0" indent="0" algn="r" rtl="0">
               <a:spcBef>
                 <a:spcPts val="0"/>
               </a:spcBef>
@@ -5833,11 +6013,11 @@
 </file>
 
 <file path=ppt/slideLayouts/slideLayout6.xml><?xml version="1.0" encoding="utf-8"?>
-<p:sldLayout xmlns:a="http://schemas.openxmlformats.org/drawingml/2006/main" xmlns:r="http://schemas.openxmlformats.org/officeDocument/2006/relationships" xmlns:mc="http://schemas.openxmlformats.org/markup-compatibility/2006" xmlns:mv="urn:schemas-microsoft-com:mac:vml" xmlns:p="http://schemas.openxmlformats.org/presentationml/2006/main" xmlns:c="http://schemas.openxmlformats.org/drawingml/2006/chart" xmlns:dgm="http://schemas.openxmlformats.org/drawingml/2006/diagram" xmlns:o="urn:schemas-microsoft-com:office:office" xmlns:v="urn:schemas-microsoft-com:vml" xmlns:pvml="urn:schemas-microsoft-com:office:powerpoint" xmlns:com="http://schemas.openxmlformats.org/drawingml/2006/compatibility" xmlns:p14="http://schemas.microsoft.com/office/powerpoint/2010/main" xmlns:p15="http://schemas.microsoft.com/office/powerpoint/2012/main" matchingName="One column text">
+<p:sldLayout xmlns:a="http://schemas.openxmlformats.org/drawingml/2006/main" xmlns:r="http://schemas.openxmlformats.org/officeDocument/2006/relationships" xmlns:p="http://schemas.openxmlformats.org/presentationml/2006/main" matchingName="One column text">
   <p:cSld name="ONE_COLUMN_TEXT">
     <p:spTree>
       <p:nvGrpSpPr>
-        <p:cNvPr id="31" name="Shape 31"/>
+        <p:cNvPr id="1" name="Shape 31"/>
         <p:cNvGrpSpPr/>
         <p:nvPr/>
       </p:nvGrpSpPr>
@@ -5852,7 +6032,9 @@
       <p:sp>
         <p:nvSpPr>
           <p:cNvPr id="32" name="Google Shape;32;p7"/>
-          <p:cNvSpPr txBox="1"/>
+          <p:cNvSpPr txBox="1">
+            <a:spLocks noGrp="1"/>
+          </p:cNvSpPr>
           <p:nvPr>
             <p:ph type="title"/>
           </p:nvPr>
@@ -5867,7 +6049,7 @@
           </a:prstGeom>
         </p:spPr>
         <p:txBody>
-          <a:bodyPr anchorCtr="0" anchor="b" bIns="91425" lIns="91425" spcFirstLastPara="1" rIns="91425" wrap="square" tIns="91425">
+          <a:bodyPr spcFirstLastPara="1" wrap="square" lIns="91425" tIns="91425" rIns="91425" bIns="91425" anchor="b" anchorCtr="0">
             <a:noAutofit/>
           </a:bodyPr>
           <a:lstStyle>
@@ -5971,15 +6153,19 @@
               <a:defRPr sz="2400"/>
             </a:lvl9pPr>
           </a:lstStyle>
-          <a:p/>
+          <a:p>
+            <a:endParaRPr/>
+          </a:p>
         </p:txBody>
       </p:sp>
       <p:sp>
         <p:nvSpPr>
           <p:cNvPr id="33" name="Google Shape;33;p7"/>
-          <p:cNvSpPr txBox="1"/>
+          <p:cNvSpPr txBox="1">
+            <a:spLocks noGrp="1"/>
+          </p:cNvSpPr>
           <p:nvPr>
-            <p:ph idx="1" type="body"/>
+            <p:ph type="body" idx="1"/>
           </p:nvPr>
         </p:nvSpPr>
         <p:spPr>
@@ -5992,11 +6178,11 @@
           </a:prstGeom>
         </p:spPr>
         <p:txBody>
-          <a:bodyPr anchorCtr="0" anchor="t" bIns="91425" lIns="91425" spcFirstLastPara="1" rIns="91425" wrap="square" tIns="91425">
+          <a:bodyPr spcFirstLastPara="1" wrap="square" lIns="91425" tIns="91425" rIns="91425" bIns="91425" anchor="t" anchorCtr="0">
             <a:noAutofit/>
           </a:bodyPr>
           <a:lstStyle>
-            <a:lvl1pPr indent="-304800" lvl="0" marL="457200">
+            <a:lvl1pPr marL="457200" lvl="0" indent="-304800">
               <a:spcBef>
                 <a:spcPts val="0"/>
               </a:spcBef>
@@ -6007,7 +6193,7 @@
               <a:buChar char="●"/>
               <a:defRPr sz="1200"/>
             </a:lvl1pPr>
-            <a:lvl2pPr indent="-304800" lvl="1" marL="914400">
+            <a:lvl2pPr marL="914400" lvl="1" indent="-304800">
               <a:spcBef>
                 <a:spcPts val="1600"/>
               </a:spcBef>
@@ -6018,7 +6204,7 @@
               <a:buChar char="○"/>
               <a:defRPr sz="1200"/>
             </a:lvl2pPr>
-            <a:lvl3pPr indent="-304800" lvl="2" marL="1371600">
+            <a:lvl3pPr marL="1371600" lvl="2" indent="-304800">
               <a:spcBef>
                 <a:spcPts val="1600"/>
               </a:spcBef>
@@ -6029,7 +6215,7 @@
               <a:buChar char="■"/>
               <a:defRPr sz="1200"/>
             </a:lvl3pPr>
-            <a:lvl4pPr indent="-304800" lvl="3" marL="1828800">
+            <a:lvl4pPr marL="1828800" lvl="3" indent="-304800">
               <a:spcBef>
                 <a:spcPts val="1600"/>
               </a:spcBef>
@@ -6040,7 +6226,7 @@
               <a:buChar char="●"/>
               <a:defRPr sz="1200"/>
             </a:lvl4pPr>
-            <a:lvl5pPr indent="-304800" lvl="4" marL="2286000">
+            <a:lvl5pPr marL="2286000" lvl="4" indent="-304800">
               <a:spcBef>
                 <a:spcPts val="1600"/>
               </a:spcBef>
@@ -6051,7 +6237,7 @@
               <a:buChar char="○"/>
               <a:defRPr sz="1200"/>
             </a:lvl5pPr>
-            <a:lvl6pPr indent="-304800" lvl="5" marL="2743200">
+            <a:lvl6pPr marL="2743200" lvl="5" indent="-304800">
               <a:spcBef>
                 <a:spcPts val="1600"/>
               </a:spcBef>
@@ -6062,7 +6248,7 @@
               <a:buChar char="■"/>
               <a:defRPr sz="1200"/>
             </a:lvl6pPr>
-            <a:lvl7pPr indent="-304800" lvl="6" marL="3200400">
+            <a:lvl7pPr marL="3200400" lvl="6" indent="-304800">
               <a:spcBef>
                 <a:spcPts val="1600"/>
               </a:spcBef>
@@ -6073,7 +6259,7 @@
               <a:buChar char="●"/>
               <a:defRPr sz="1200"/>
             </a:lvl7pPr>
-            <a:lvl8pPr indent="-304800" lvl="7" marL="3657600">
+            <a:lvl8pPr marL="3657600" lvl="7" indent="-304800">
               <a:spcBef>
                 <a:spcPts val="1600"/>
               </a:spcBef>
@@ -6084,7 +6270,7 @@
               <a:buChar char="○"/>
               <a:defRPr sz="1200"/>
             </a:lvl8pPr>
-            <a:lvl9pPr indent="-304800" lvl="8" marL="4114800">
+            <a:lvl9pPr marL="4114800" lvl="8" indent="-304800">
               <a:spcBef>
                 <a:spcPts val="1600"/>
               </a:spcBef>
@@ -6096,15 +6282,19 @@
               <a:defRPr sz="1200"/>
             </a:lvl9pPr>
           </a:lstStyle>
-          <a:p/>
+          <a:p>
+            <a:endParaRPr/>
+          </a:p>
         </p:txBody>
       </p:sp>
       <p:sp>
         <p:nvSpPr>
           <p:cNvPr id="34" name="Google Shape;34;p7"/>
-          <p:cNvSpPr txBox="1"/>
+          <p:cNvSpPr txBox="1">
+            <a:spLocks noGrp="1"/>
+          </p:cNvSpPr>
           <p:nvPr>
-            <p:ph idx="12" type="sldNum"/>
+            <p:ph type="sldNum" idx="12"/>
           </p:nvPr>
         </p:nvSpPr>
         <p:spPr>
@@ -6117,7 +6307,7 @@
           </a:prstGeom>
         </p:spPr>
         <p:txBody>
-          <a:bodyPr anchorCtr="0" anchor="ctr" bIns="91425" lIns="91425" spcFirstLastPara="1" rIns="91425" wrap="square" tIns="91425">
+          <a:bodyPr spcFirstLastPara="1" wrap="square" lIns="91425" tIns="91425" rIns="91425" bIns="91425" anchor="ctr" anchorCtr="0">
             <a:noAutofit/>
           </a:bodyPr>
           <a:lstStyle>
@@ -6159,7 +6349,7 @@
             </a:lvl9pPr>
           </a:lstStyle>
           <a:p>
-            <a:pPr indent="0" lvl="0" marL="0" rtl="0" algn="r">
+            <a:pPr marL="0" lvl="0" indent="0" algn="r" rtl="0">
               <a:spcBef>
                 <a:spcPts val="0"/>
               </a:spcBef>
@@ -6185,18 +6375,19 @@
 </file>
 
 <file path=ppt/slideLayouts/slideLayout7.xml><?xml version="1.0" encoding="utf-8"?>
-<p:sldLayout xmlns:a="http://schemas.openxmlformats.org/drawingml/2006/main" xmlns:r="http://schemas.openxmlformats.org/officeDocument/2006/relationships" xmlns:mc="http://schemas.openxmlformats.org/markup-compatibility/2006" xmlns:mv="urn:schemas-microsoft-com:mac:vml" xmlns:p="http://schemas.openxmlformats.org/presentationml/2006/main" xmlns:c="http://schemas.openxmlformats.org/drawingml/2006/chart" xmlns:dgm="http://schemas.openxmlformats.org/drawingml/2006/diagram" xmlns:o="urn:schemas-microsoft-com:office:office" xmlns:v="urn:schemas-microsoft-com:vml" xmlns:pvml="urn:schemas-microsoft-com:office:powerpoint" xmlns:com="http://schemas.openxmlformats.org/drawingml/2006/compatibility" xmlns:p14="http://schemas.microsoft.com/office/powerpoint/2010/main" xmlns:p15="http://schemas.microsoft.com/office/powerpoint/2012/main" matchingName="Main point">
+<p:sldLayout xmlns:a="http://schemas.openxmlformats.org/drawingml/2006/main" xmlns:r="http://schemas.openxmlformats.org/officeDocument/2006/relationships" xmlns:p="http://schemas.openxmlformats.org/presentationml/2006/main" matchingName="Main point">
   <p:cSld name="MAIN_POINT">
     <p:bg>
       <p:bgPr>
         <a:solidFill>
           <a:schemeClr val="dk2"/>
         </a:solidFill>
+        <a:effectLst/>
       </p:bgPr>
     </p:bg>
     <p:spTree>
       <p:nvGrpSpPr>
-        <p:cNvPr id="35" name="Shape 35"/>
+        <p:cNvPr id="1" name="Shape 35"/>
         <p:cNvGrpSpPr/>
         <p:nvPr/>
       </p:nvGrpSpPr>
@@ -6211,7 +6402,9 @@
       <p:sp>
         <p:nvSpPr>
           <p:cNvPr id="36" name="Google Shape;36;p8"/>
-          <p:cNvSpPr txBox="1"/>
+          <p:cNvSpPr txBox="1">
+            <a:spLocks noGrp="1"/>
+          </p:cNvSpPr>
           <p:nvPr>
             <p:ph type="title"/>
           </p:nvPr>
@@ -6226,7 +6419,7 @@
           </a:prstGeom>
         </p:spPr>
         <p:txBody>
-          <a:bodyPr anchorCtr="0" anchor="ctr" bIns="91425" lIns="91425" spcFirstLastPara="1" rIns="91425" wrap="square" tIns="91425">
+          <a:bodyPr spcFirstLastPara="1" wrap="square" lIns="91425" tIns="91425" rIns="91425" bIns="91425" anchor="ctr" anchorCtr="0">
             <a:noAutofit/>
           </a:bodyPr>
           <a:lstStyle>
@@ -6243,7 +6436,7 @@
               <a:buSzPts val="4800"/>
               <a:buFont typeface="Lato"/>
               <a:buNone/>
-              <a:defRPr b="0" sz="4800">
+              <a:defRPr sz="4800" b="0">
                 <a:solidFill>
                   <a:schemeClr val="lt1"/>
                 </a:solidFill>
@@ -6266,7 +6459,7 @@
               <a:buSzPts val="4800"/>
               <a:buFont typeface="Lato"/>
               <a:buNone/>
-              <a:defRPr b="0" sz="4800">
+              <a:defRPr sz="4800" b="0">
                 <a:solidFill>
                   <a:schemeClr val="lt1"/>
                 </a:solidFill>
@@ -6289,7 +6482,7 @@
               <a:buSzPts val="4800"/>
               <a:buFont typeface="Lato"/>
               <a:buNone/>
-              <a:defRPr b="0" sz="4800">
+              <a:defRPr sz="4800" b="0">
                 <a:solidFill>
                   <a:schemeClr val="lt1"/>
                 </a:solidFill>
@@ -6312,7 +6505,7 @@
               <a:buSzPts val="4800"/>
               <a:buFont typeface="Lato"/>
               <a:buNone/>
-              <a:defRPr b="0" sz="4800">
+              <a:defRPr sz="4800" b="0">
                 <a:solidFill>
                   <a:schemeClr val="lt1"/>
                 </a:solidFill>
@@ -6335,7 +6528,7 @@
               <a:buSzPts val="4800"/>
               <a:buFont typeface="Lato"/>
               <a:buNone/>
-              <a:defRPr b="0" sz="4800">
+              <a:defRPr sz="4800" b="0">
                 <a:solidFill>
                   <a:schemeClr val="lt1"/>
                 </a:solidFill>
@@ -6358,7 +6551,7 @@
               <a:buSzPts val="4800"/>
               <a:buFont typeface="Lato"/>
               <a:buNone/>
-              <a:defRPr b="0" sz="4800">
+              <a:defRPr sz="4800" b="0">
                 <a:solidFill>
                   <a:schemeClr val="lt1"/>
                 </a:solidFill>
@@ -6381,7 +6574,7 @@
               <a:buSzPts val="4800"/>
               <a:buFont typeface="Lato"/>
               <a:buNone/>
-              <a:defRPr b="0" sz="4800">
+              <a:defRPr sz="4800" b="0">
                 <a:solidFill>
                   <a:schemeClr val="lt1"/>
                 </a:solidFill>
@@ -6404,7 +6597,7 @@
               <a:buSzPts val="4800"/>
               <a:buFont typeface="Lato"/>
               <a:buNone/>
-              <a:defRPr b="0" sz="4800">
+              <a:defRPr sz="4800" b="0">
                 <a:solidFill>
                   <a:schemeClr val="lt1"/>
                 </a:solidFill>
@@ -6427,7 +6620,7 @@
               <a:buSzPts val="4800"/>
               <a:buFont typeface="Lato"/>
               <a:buNone/>
-              <a:defRPr b="0" sz="4800">
+              <a:defRPr sz="4800" b="0">
                 <a:solidFill>
                   <a:schemeClr val="lt1"/>
                 </a:solidFill>
@@ -6438,15 +6631,19 @@
               </a:defRPr>
             </a:lvl9pPr>
           </a:lstStyle>
-          <a:p/>
+          <a:p>
+            <a:endParaRPr/>
+          </a:p>
         </p:txBody>
       </p:sp>
       <p:sp>
         <p:nvSpPr>
           <p:cNvPr id="37" name="Google Shape;37;p8"/>
-          <p:cNvSpPr txBox="1"/>
+          <p:cNvSpPr txBox="1">
+            <a:spLocks noGrp="1"/>
+          </p:cNvSpPr>
           <p:nvPr>
-            <p:ph idx="12" type="sldNum"/>
+            <p:ph type="sldNum" idx="12"/>
           </p:nvPr>
         </p:nvSpPr>
         <p:spPr>
@@ -6459,7 +6656,7 @@
           </a:prstGeom>
         </p:spPr>
         <p:txBody>
-          <a:bodyPr anchorCtr="0" anchor="ctr" bIns="91425" lIns="91425" spcFirstLastPara="1" rIns="91425" wrap="square" tIns="91425">
+          <a:bodyPr spcFirstLastPara="1" wrap="square" lIns="91425" tIns="91425" rIns="91425" bIns="91425" anchor="ctr" anchorCtr="0">
             <a:noAutofit/>
           </a:bodyPr>
           <a:lstStyle>
@@ -6537,7 +6734,7 @@
             </a:lvl9pPr>
           </a:lstStyle>
           <a:p>
-            <a:pPr indent="0" lvl="0" marL="0" rtl="0" algn="r">
+            <a:pPr marL="0" lvl="0" indent="0" algn="r" rtl="0">
               <a:spcBef>
                 <a:spcPts val="0"/>
               </a:spcBef>
@@ -6563,11 +6760,11 @@
 </file>
 
 <file path=ppt/slideLayouts/slideLayout8.xml><?xml version="1.0" encoding="utf-8"?>
-<p:sldLayout xmlns:a="http://schemas.openxmlformats.org/drawingml/2006/main" xmlns:r="http://schemas.openxmlformats.org/officeDocument/2006/relationships" xmlns:mc="http://schemas.openxmlformats.org/markup-compatibility/2006" xmlns:mv="urn:schemas-microsoft-com:mac:vml" xmlns:p="http://schemas.openxmlformats.org/presentationml/2006/main" xmlns:c="http://schemas.openxmlformats.org/drawingml/2006/chart" xmlns:dgm="http://schemas.openxmlformats.org/drawingml/2006/diagram" xmlns:o="urn:schemas-microsoft-com:office:office" xmlns:v="urn:schemas-microsoft-com:vml" xmlns:pvml="urn:schemas-microsoft-com:office:powerpoint" xmlns:com="http://schemas.openxmlformats.org/drawingml/2006/compatibility" xmlns:p14="http://schemas.microsoft.com/office/powerpoint/2010/main" xmlns:p15="http://schemas.microsoft.com/office/powerpoint/2012/main" matchingName="Section title and description">
+<p:sldLayout xmlns:a="http://schemas.openxmlformats.org/drawingml/2006/main" xmlns:r="http://schemas.openxmlformats.org/officeDocument/2006/relationships" xmlns:p="http://schemas.openxmlformats.org/presentationml/2006/main" matchingName="Section title and description">
   <p:cSld name="SECTION_TITLE_AND_DESCRIPTION">
     <p:spTree>
       <p:nvGrpSpPr>
-        <p:cNvPr id="38" name="Shape 38"/>
+        <p:cNvPr id="1" name="Shape 38"/>
         <p:cNvGrpSpPr/>
         <p:nvPr/>
       </p:nvGrpSpPr>
@@ -6601,12 +6798,12 @@
           </a:ln>
         </p:spPr>
         <p:txBody>
-          <a:bodyPr anchorCtr="0" anchor="ctr" bIns="91425" lIns="91425" spcFirstLastPara="1" rIns="91425" wrap="square" tIns="91425">
+          <a:bodyPr spcFirstLastPara="1" wrap="square" lIns="91425" tIns="91425" rIns="91425" bIns="91425" anchor="ctr" anchorCtr="0">
             <a:noAutofit/>
           </a:bodyPr>
           <a:lstStyle/>
           <a:p>
-            <a:pPr indent="0" lvl="0" marL="0" rtl="0" algn="l">
+            <a:pPr marL="0" lvl="0" indent="0" algn="l" rtl="0">
               <a:spcBef>
                 <a:spcPts val="0"/>
               </a:spcBef>
@@ -6615,9 +6812,6 @@
               </a:spcAft>
               <a:buNone/>
             </a:pPr>
-            <a:r>
-              <a:t/>
-            </a:r>
             <a:endParaRPr/>
           </a:p>
         </p:txBody>
@@ -6637,21 +6831,23 @@
             <a:avLst/>
           </a:prstGeom>
           <a:noFill/>
-          <a:ln cap="flat" cmpd="sng" w="19050">
+          <a:ln w="19050" cap="flat" cmpd="sng">
             <a:solidFill>
               <a:schemeClr val="lt1"/>
             </a:solidFill>
             <a:prstDash val="solid"/>
             <a:round/>
-            <a:headEnd len="sm" w="sm" type="none"/>
-            <a:tailEnd len="sm" w="sm" type="none"/>
+            <a:headEnd type="none" w="sm" len="sm"/>
+            <a:tailEnd type="none" w="sm" len="sm"/>
           </a:ln>
         </p:spPr>
       </p:cxnSp>
       <p:sp>
         <p:nvSpPr>
           <p:cNvPr id="41" name="Google Shape;41;p9"/>
-          <p:cNvSpPr txBox="1"/>
+          <p:cNvSpPr txBox="1">
+            <a:spLocks noGrp="1"/>
+          </p:cNvSpPr>
           <p:nvPr>
             <p:ph type="title"/>
           </p:nvPr>
@@ -6666,7 +6862,7 @@
           </a:prstGeom>
         </p:spPr>
         <p:txBody>
-          <a:bodyPr anchorCtr="0" anchor="b" bIns="91425" lIns="91425" spcFirstLastPara="1" rIns="91425" wrap="square" tIns="91425">
+          <a:bodyPr spcFirstLastPara="1" wrap="square" lIns="91425" tIns="91425" rIns="91425" bIns="91425" anchor="b" anchorCtr="0">
             <a:noAutofit/>
           </a:bodyPr>
           <a:lstStyle>
@@ -6770,15 +6966,19 @@
               <a:defRPr sz="4200"/>
             </a:lvl9pPr>
           </a:lstStyle>
-          <a:p/>
+          <a:p>
+            <a:endParaRPr/>
+          </a:p>
         </p:txBody>
       </p:sp>
       <p:sp>
         <p:nvSpPr>
           <p:cNvPr id="42" name="Google Shape;42;p9"/>
-          <p:cNvSpPr txBox="1"/>
+          <p:cNvSpPr txBox="1">
+            <a:spLocks noGrp="1"/>
+          </p:cNvSpPr>
           <p:nvPr>
-            <p:ph idx="1" type="subTitle"/>
+            <p:ph type="subTitle" idx="1"/>
           </p:nvPr>
         </p:nvSpPr>
         <p:spPr>
@@ -6791,7 +6991,7 @@
           </a:prstGeom>
         </p:spPr>
         <p:txBody>
-          <a:bodyPr anchorCtr="0" anchor="t" bIns="91425" lIns="91425" spcFirstLastPara="1" rIns="91425" wrap="square" tIns="91425">
+          <a:bodyPr spcFirstLastPara="1" wrap="square" lIns="91425" tIns="91425" rIns="91425" bIns="91425" anchor="t" anchorCtr="0">
             <a:noAutofit/>
           </a:bodyPr>
           <a:lstStyle>
@@ -6922,15 +7122,19 @@
               <a:defRPr sz="2100"/>
             </a:lvl9pPr>
           </a:lstStyle>
-          <a:p/>
+          <a:p>
+            <a:endParaRPr/>
+          </a:p>
         </p:txBody>
       </p:sp>
       <p:sp>
         <p:nvSpPr>
           <p:cNvPr id="43" name="Google Shape;43;p9"/>
-          <p:cNvSpPr txBox="1"/>
+          <p:cNvSpPr txBox="1">
+            <a:spLocks noGrp="1"/>
+          </p:cNvSpPr>
           <p:nvPr>
-            <p:ph idx="2" type="body"/>
+            <p:ph type="body" idx="2"/>
           </p:nvPr>
         </p:nvSpPr>
         <p:spPr>
@@ -6943,11 +7147,11 @@
           </a:prstGeom>
         </p:spPr>
         <p:txBody>
-          <a:bodyPr anchorCtr="0" anchor="ctr" bIns="91425" lIns="91425" spcFirstLastPara="1" rIns="91425" wrap="square" tIns="91425">
+          <a:bodyPr spcFirstLastPara="1" wrap="square" lIns="91425" tIns="91425" rIns="91425" bIns="91425" anchor="ctr" anchorCtr="0">
             <a:noAutofit/>
           </a:bodyPr>
           <a:lstStyle>
-            <a:lvl1pPr indent="-342900" lvl="0" marL="457200">
+            <a:lvl1pPr marL="457200" lvl="0" indent="-342900">
               <a:spcBef>
                 <a:spcPts val="0"/>
               </a:spcBef>
@@ -6965,7 +7169,7 @@
                 </a:solidFill>
               </a:defRPr>
             </a:lvl1pPr>
-            <a:lvl2pPr indent="-317500" lvl="1" marL="914400">
+            <a:lvl2pPr marL="914400" lvl="1" indent="-317500">
               <a:spcBef>
                 <a:spcPts val="1600"/>
               </a:spcBef>
@@ -6983,7 +7187,7 @@
                 </a:solidFill>
               </a:defRPr>
             </a:lvl2pPr>
-            <a:lvl3pPr indent="-317500" lvl="2" marL="1371600">
+            <a:lvl3pPr marL="1371600" lvl="2" indent="-317500">
               <a:spcBef>
                 <a:spcPts val="1600"/>
               </a:spcBef>
@@ -7001,7 +7205,7 @@
                 </a:solidFill>
               </a:defRPr>
             </a:lvl3pPr>
-            <a:lvl4pPr indent="-317500" lvl="3" marL="1828800">
+            <a:lvl4pPr marL="1828800" lvl="3" indent="-317500">
               <a:spcBef>
                 <a:spcPts val="1600"/>
               </a:spcBef>
@@ -7019,7 +7223,7 @@
                 </a:solidFill>
               </a:defRPr>
             </a:lvl4pPr>
-            <a:lvl5pPr indent="-317500" lvl="4" marL="2286000">
+            <a:lvl5pPr marL="2286000" lvl="4" indent="-317500">
               <a:spcBef>
                 <a:spcPts val="1600"/>
               </a:spcBef>
@@ -7037,7 +7241,7 @@
                 </a:solidFill>
               </a:defRPr>
             </a:lvl5pPr>
-            <a:lvl6pPr indent="-317500" lvl="5" marL="2743200">
+            <a:lvl6pPr marL="2743200" lvl="5" indent="-317500">
               <a:spcBef>
                 <a:spcPts val="1600"/>
               </a:spcBef>
@@ -7055,7 +7259,7 @@
                 </a:solidFill>
               </a:defRPr>
             </a:lvl6pPr>
-            <a:lvl7pPr indent="-317500" lvl="6" marL="3200400">
+            <a:lvl7pPr marL="3200400" lvl="6" indent="-317500">
               <a:spcBef>
                 <a:spcPts val="1600"/>
               </a:spcBef>
@@ -7073,7 +7277,7 @@
                 </a:solidFill>
               </a:defRPr>
             </a:lvl7pPr>
-            <a:lvl8pPr indent="-317500" lvl="7" marL="3657600">
+            <a:lvl8pPr marL="3657600" lvl="7" indent="-317500">
               <a:spcBef>
                 <a:spcPts val="1600"/>
               </a:spcBef>
@@ -7091,7 +7295,7 @@
                 </a:solidFill>
               </a:defRPr>
             </a:lvl8pPr>
-            <a:lvl9pPr indent="-317500" lvl="8" marL="4114800">
+            <a:lvl9pPr marL="4114800" lvl="8" indent="-317500">
               <a:spcBef>
                 <a:spcPts val="1600"/>
               </a:spcBef>
@@ -7110,15 +7314,19 @@
               </a:defRPr>
             </a:lvl9pPr>
           </a:lstStyle>
-          <a:p/>
+          <a:p>
+            <a:endParaRPr/>
+          </a:p>
         </p:txBody>
       </p:sp>
       <p:sp>
         <p:nvSpPr>
           <p:cNvPr id="44" name="Google Shape;44;p9"/>
-          <p:cNvSpPr txBox="1"/>
+          <p:cNvSpPr txBox="1">
+            <a:spLocks noGrp="1"/>
+          </p:cNvSpPr>
           <p:nvPr>
-            <p:ph idx="12" type="sldNum"/>
+            <p:ph type="sldNum" idx="12"/>
           </p:nvPr>
         </p:nvSpPr>
         <p:spPr>
@@ -7131,7 +7339,7 @@
           </a:prstGeom>
         </p:spPr>
         <p:txBody>
-          <a:bodyPr anchorCtr="0" anchor="ctr" bIns="91425" lIns="91425" spcFirstLastPara="1" rIns="91425" wrap="square" tIns="91425">
+          <a:bodyPr spcFirstLastPara="1" wrap="square" lIns="91425" tIns="91425" rIns="91425" bIns="91425" anchor="ctr" anchorCtr="0">
             <a:noAutofit/>
           </a:bodyPr>
           <a:lstStyle>
@@ -7209,7 +7417,7 @@
             </a:lvl9pPr>
           </a:lstStyle>
           <a:p>
-            <a:pPr indent="0" lvl="0" marL="0" rtl="0" algn="r">
+            <a:pPr marL="0" lvl="0" indent="0" algn="r" rtl="0">
               <a:spcBef>
                 <a:spcPts val="0"/>
               </a:spcBef>
@@ -7235,11 +7443,11 @@
 </file>
 
 <file path=ppt/slideLayouts/slideLayout9.xml><?xml version="1.0" encoding="utf-8"?>
-<p:sldLayout xmlns:a="http://schemas.openxmlformats.org/drawingml/2006/main" xmlns:r="http://schemas.openxmlformats.org/officeDocument/2006/relationships" xmlns:mc="http://schemas.openxmlformats.org/markup-compatibility/2006" xmlns:mv="urn:schemas-microsoft-com:mac:vml" xmlns:p="http://schemas.openxmlformats.org/presentationml/2006/main" xmlns:c="http://schemas.openxmlformats.org/drawingml/2006/chart" xmlns:dgm="http://schemas.openxmlformats.org/drawingml/2006/diagram" xmlns:o="urn:schemas-microsoft-com:office:office" xmlns:v="urn:schemas-microsoft-com:vml" xmlns:pvml="urn:schemas-microsoft-com:office:powerpoint" xmlns:com="http://schemas.openxmlformats.org/drawingml/2006/compatibility" xmlns:p14="http://schemas.microsoft.com/office/powerpoint/2010/main" xmlns:p15="http://schemas.microsoft.com/office/powerpoint/2012/main" matchingName="Caption">
+<p:sldLayout xmlns:a="http://schemas.openxmlformats.org/drawingml/2006/main" xmlns:r="http://schemas.openxmlformats.org/officeDocument/2006/relationships" xmlns:p="http://schemas.openxmlformats.org/presentationml/2006/main" matchingName="Caption">
   <p:cSld name="CAPTION_ONLY">
     <p:spTree>
       <p:nvGrpSpPr>
-        <p:cNvPr id="45" name="Shape 45"/>
+        <p:cNvPr id="1" name="Shape 45"/>
         <p:cNvGrpSpPr/>
         <p:nvPr/>
       </p:nvGrpSpPr>
@@ -7254,9 +7462,11 @@
       <p:sp>
         <p:nvSpPr>
           <p:cNvPr id="46" name="Google Shape;46;p10"/>
-          <p:cNvSpPr txBox="1"/>
+          <p:cNvSpPr txBox="1">
+            <a:spLocks noGrp="1"/>
+          </p:cNvSpPr>
           <p:nvPr>
-            <p:ph idx="1" type="body"/>
+            <p:ph type="body" idx="1"/>
           </p:nvPr>
         </p:nvSpPr>
         <p:spPr>
@@ -7269,11 +7479,11 @@
           </a:prstGeom>
         </p:spPr>
         <p:txBody>
-          <a:bodyPr anchorCtr="0" anchor="ctr" bIns="91425" lIns="91425" spcFirstLastPara="1" rIns="91425" wrap="square" tIns="91425">
+          <a:bodyPr spcFirstLastPara="1" wrap="square" lIns="91425" tIns="91425" rIns="91425" bIns="91425" anchor="ctr" anchorCtr="0">
             <a:noAutofit/>
           </a:bodyPr>
           <a:lstStyle>
-            <a:lvl1pPr indent="-228600" lvl="0" marL="457200">
+            <a:lvl1pPr marL="457200" lvl="0" indent="-228600">
               <a:lnSpc>
                 <a:spcPct val="100000"/>
               </a:lnSpc>
@@ -7288,15 +7498,19 @@
               <a:defRPr/>
             </a:lvl1pPr>
           </a:lstStyle>
-          <a:p/>
+          <a:p>
+            <a:endParaRPr/>
+          </a:p>
         </p:txBody>
       </p:sp>
       <p:sp>
         <p:nvSpPr>
           <p:cNvPr id="47" name="Google Shape;47;p10"/>
-          <p:cNvSpPr txBox="1"/>
+          <p:cNvSpPr txBox="1">
+            <a:spLocks noGrp="1"/>
+          </p:cNvSpPr>
           <p:nvPr>
-            <p:ph idx="12" type="sldNum"/>
+            <p:ph type="sldNum" idx="12"/>
           </p:nvPr>
         </p:nvSpPr>
         <p:spPr>
@@ -7309,7 +7523,7 @@
           </a:prstGeom>
         </p:spPr>
         <p:txBody>
-          <a:bodyPr anchorCtr="0" anchor="ctr" bIns="91425" lIns="91425" spcFirstLastPara="1" rIns="91425" wrap="square" tIns="91425">
+          <a:bodyPr spcFirstLastPara="1" wrap="square" lIns="91425" tIns="91425" rIns="91425" bIns="91425" anchor="ctr" anchorCtr="0">
             <a:noAutofit/>
           </a:bodyPr>
           <a:lstStyle>
@@ -7351,7 +7565,7 @@
             </a:lvl9pPr>
           </a:lstStyle>
           <a:p>
-            <a:pPr indent="0" lvl="0" marL="0" rtl="0" algn="r">
+            <a:pPr marL="0" lvl="0" indent="0" algn="r" rtl="0">
               <a:spcBef>
                 <a:spcPts val="0"/>
               </a:spcBef>
@@ -7377,18 +7591,19 @@
 </file>
 
 <file path=ppt/slideMasters/slideMaster1.xml><?xml version="1.0" encoding="utf-8"?>
-<p:sldMaster xmlns:a="http://schemas.openxmlformats.org/drawingml/2006/main" xmlns:r="http://schemas.openxmlformats.org/officeDocument/2006/relationships" xmlns:mc="http://schemas.openxmlformats.org/markup-compatibility/2006" xmlns:mv="urn:schemas-microsoft-com:mac:vml" xmlns:p="http://schemas.openxmlformats.org/presentationml/2006/main" xmlns:c="http://schemas.openxmlformats.org/drawingml/2006/chart" xmlns:dgm="http://schemas.openxmlformats.org/drawingml/2006/diagram" xmlns:o="urn:schemas-microsoft-com:office:office" xmlns:v="urn:schemas-microsoft-com:vml" xmlns:pvml="urn:schemas-microsoft-com:office:powerpoint" xmlns:com="http://schemas.openxmlformats.org/drawingml/2006/compatibility" xmlns:p14="http://schemas.microsoft.com/office/powerpoint/2010/main" xmlns:p15="http://schemas.microsoft.com/office/powerpoint/2012/main">
+<p:sldMaster xmlns:a="http://schemas.openxmlformats.org/drawingml/2006/main" xmlns:r="http://schemas.openxmlformats.org/officeDocument/2006/relationships" xmlns:p="http://schemas.openxmlformats.org/presentationml/2006/main">
   <p:cSld name="coral">
     <p:bg>
       <p:bgPr>
         <a:solidFill>
           <a:schemeClr val="lt1"/>
         </a:solidFill>
+        <a:effectLst/>
       </p:bgPr>
     </p:bg>
     <p:spTree>
       <p:nvGrpSpPr>
-        <p:cNvPr id="5" name="Shape 5"/>
+        <p:cNvPr id="1" name="Shape 5"/>
         <p:cNvGrpSpPr/>
         <p:nvPr/>
       </p:nvGrpSpPr>
@@ -7403,7 +7618,9 @@
       <p:sp>
         <p:nvSpPr>
           <p:cNvPr id="6" name="Google Shape;6;p1"/>
-          <p:cNvSpPr txBox="1"/>
+          <p:cNvSpPr txBox="1">
+            <a:spLocks noGrp="1"/>
+          </p:cNvSpPr>
           <p:nvPr>
             <p:ph type="title"/>
           </p:nvPr>
@@ -7422,7 +7639,7 @@
           </a:ln>
         </p:spPr>
         <p:txBody>
-          <a:bodyPr anchorCtr="0" anchor="t" bIns="91425" lIns="91425" spcFirstLastPara="1" rIns="91425" wrap="square" tIns="91425">
+          <a:bodyPr spcFirstLastPara="1" wrap="square" lIns="91425" tIns="91425" rIns="91425" bIns="91425" anchor="t" anchorCtr="0">
             <a:noAutofit/>
           </a:bodyPr>
           <a:lstStyle>
@@ -7439,7 +7656,7 @@
               <a:buSzPts val="3200"/>
               <a:buFont typeface="Playfair Display"/>
               <a:buNone/>
-              <a:defRPr b="1" sz="3200">
+              <a:defRPr sz="3200" b="1">
                 <a:solidFill>
                   <a:schemeClr val="dk1"/>
                 </a:solidFill>
@@ -7462,7 +7679,7 @@
               <a:buSzPts val="3200"/>
               <a:buFont typeface="Playfair Display"/>
               <a:buNone/>
-              <a:defRPr b="1" sz="3200">
+              <a:defRPr sz="3200" b="1">
                 <a:solidFill>
                   <a:schemeClr val="dk1"/>
                 </a:solidFill>
@@ -7485,7 +7702,7 @@
               <a:buSzPts val="3200"/>
               <a:buFont typeface="Playfair Display"/>
               <a:buNone/>
-              <a:defRPr b="1" sz="3200">
+              <a:defRPr sz="3200" b="1">
                 <a:solidFill>
                   <a:schemeClr val="dk1"/>
                 </a:solidFill>
@@ -7508,7 +7725,7 @@
               <a:buSzPts val="3200"/>
               <a:buFont typeface="Playfair Display"/>
               <a:buNone/>
-              <a:defRPr b="1" sz="3200">
+              <a:defRPr sz="3200" b="1">
                 <a:solidFill>
                   <a:schemeClr val="dk1"/>
                 </a:solidFill>
@@ -7531,7 +7748,7 @@
               <a:buSzPts val="3200"/>
               <a:buFont typeface="Playfair Display"/>
               <a:buNone/>
-              <a:defRPr b="1" sz="3200">
+              <a:defRPr sz="3200" b="1">
                 <a:solidFill>
                   <a:schemeClr val="dk1"/>
                 </a:solidFill>
@@ -7554,7 +7771,7 @@
               <a:buSzPts val="3200"/>
               <a:buFont typeface="Playfair Display"/>
               <a:buNone/>
-              <a:defRPr b="1" sz="3200">
+              <a:defRPr sz="3200" b="1">
                 <a:solidFill>
                   <a:schemeClr val="dk1"/>
                 </a:solidFill>
@@ -7577,7 +7794,7 @@
               <a:buSzPts val="3200"/>
               <a:buFont typeface="Playfair Display"/>
               <a:buNone/>
-              <a:defRPr b="1" sz="3200">
+              <a:defRPr sz="3200" b="1">
                 <a:solidFill>
                   <a:schemeClr val="dk1"/>
                 </a:solidFill>
@@ -7600,7 +7817,7 @@
               <a:buSzPts val="3200"/>
               <a:buFont typeface="Playfair Display"/>
               <a:buNone/>
-              <a:defRPr b="1" sz="3200">
+              <a:defRPr sz="3200" b="1">
                 <a:solidFill>
                   <a:schemeClr val="dk1"/>
                 </a:solidFill>
@@ -7623,7 +7840,7 @@
               <a:buSzPts val="3200"/>
               <a:buFont typeface="Playfair Display"/>
               <a:buNone/>
-              <a:defRPr b="1" sz="3200">
+              <a:defRPr sz="3200" b="1">
                 <a:solidFill>
                   <a:schemeClr val="dk1"/>
                 </a:solidFill>
@@ -7634,15 +7851,19 @@
               </a:defRPr>
             </a:lvl9pPr>
           </a:lstStyle>
-          <a:p/>
+          <a:p>
+            <a:endParaRPr/>
+          </a:p>
         </p:txBody>
       </p:sp>
       <p:sp>
         <p:nvSpPr>
           <p:cNvPr id="7" name="Google Shape;7;p1"/>
-          <p:cNvSpPr txBox="1"/>
+          <p:cNvSpPr txBox="1">
+            <a:spLocks noGrp="1"/>
+          </p:cNvSpPr>
           <p:nvPr>
-            <p:ph idx="1" type="body"/>
+            <p:ph type="body" idx="1"/>
           </p:nvPr>
         </p:nvSpPr>
         <p:spPr>
@@ -7659,11 +7880,11 @@
           </a:ln>
         </p:spPr>
         <p:txBody>
-          <a:bodyPr anchorCtr="0" anchor="t" bIns="91425" lIns="91425" spcFirstLastPara="1" rIns="91425" wrap="square" tIns="91425">
+          <a:bodyPr spcFirstLastPara="1" wrap="square" lIns="91425" tIns="91425" rIns="91425" bIns="91425" anchor="t" anchorCtr="0">
             <a:noAutofit/>
           </a:bodyPr>
           <a:lstStyle>
-            <a:lvl1pPr indent="-342900" lvl="0" marL="457200">
+            <a:lvl1pPr marL="457200" lvl="0" indent="-342900">
               <a:lnSpc>
                 <a:spcPct val="115000"/>
               </a:lnSpc>
@@ -7689,7 +7910,7 @@
                 <a:sym typeface="Lato"/>
               </a:defRPr>
             </a:lvl1pPr>
-            <a:lvl2pPr indent="-317500" lvl="1" marL="914400">
+            <a:lvl2pPr marL="914400" lvl="1" indent="-317500">
               <a:lnSpc>
                 <a:spcPct val="115000"/>
               </a:lnSpc>
@@ -7715,7 +7936,7 @@
                 <a:sym typeface="Lato"/>
               </a:defRPr>
             </a:lvl2pPr>
-            <a:lvl3pPr indent="-317500" lvl="2" marL="1371600">
+            <a:lvl3pPr marL="1371600" lvl="2" indent="-317500">
               <a:lnSpc>
                 <a:spcPct val="115000"/>
               </a:lnSpc>
@@ -7741,7 +7962,7 @@
                 <a:sym typeface="Lato"/>
               </a:defRPr>
             </a:lvl3pPr>
-            <a:lvl4pPr indent="-317500" lvl="3" marL="1828800">
+            <a:lvl4pPr marL="1828800" lvl="3" indent="-317500">
               <a:lnSpc>
                 <a:spcPct val="115000"/>
               </a:lnSpc>
@@ -7767,7 +7988,7 @@
                 <a:sym typeface="Lato"/>
               </a:defRPr>
             </a:lvl4pPr>
-            <a:lvl5pPr indent="-317500" lvl="4" marL="2286000">
+            <a:lvl5pPr marL="2286000" lvl="4" indent="-317500">
               <a:lnSpc>
                 <a:spcPct val="115000"/>
               </a:lnSpc>
@@ -7793,7 +8014,7 @@
                 <a:sym typeface="Lato"/>
               </a:defRPr>
             </a:lvl5pPr>
-            <a:lvl6pPr indent="-317500" lvl="5" marL="2743200">
+            <a:lvl6pPr marL="2743200" lvl="5" indent="-317500">
               <a:lnSpc>
                 <a:spcPct val="115000"/>
               </a:lnSpc>
@@ -7819,7 +8040,7 @@
                 <a:sym typeface="Lato"/>
               </a:defRPr>
             </a:lvl6pPr>
-            <a:lvl7pPr indent="-317500" lvl="6" marL="3200400">
+            <a:lvl7pPr marL="3200400" lvl="6" indent="-317500">
               <a:lnSpc>
                 <a:spcPct val="115000"/>
               </a:lnSpc>
@@ -7845,7 +8066,7 @@
                 <a:sym typeface="Lato"/>
               </a:defRPr>
             </a:lvl7pPr>
-            <a:lvl8pPr indent="-317500" lvl="7" marL="3657600">
+            <a:lvl8pPr marL="3657600" lvl="7" indent="-317500">
               <a:lnSpc>
                 <a:spcPct val="115000"/>
               </a:lnSpc>
@@ -7871,7 +8092,7 @@
                 <a:sym typeface="Lato"/>
               </a:defRPr>
             </a:lvl8pPr>
-            <a:lvl9pPr indent="-317500" lvl="8" marL="4114800">
+            <a:lvl9pPr marL="4114800" lvl="8" indent="-317500">
               <a:lnSpc>
                 <a:spcPct val="115000"/>
               </a:lnSpc>
@@ -7898,15 +8119,19 @@
               </a:defRPr>
             </a:lvl9pPr>
           </a:lstStyle>
-          <a:p/>
+          <a:p>
+            <a:endParaRPr/>
+          </a:p>
         </p:txBody>
       </p:sp>
       <p:sp>
         <p:nvSpPr>
           <p:cNvPr id="8" name="Google Shape;8;p1"/>
-          <p:cNvSpPr txBox="1"/>
+          <p:cNvSpPr txBox="1">
+            <a:spLocks noGrp="1"/>
+          </p:cNvSpPr>
           <p:nvPr>
-            <p:ph idx="12" type="sldNum"/>
+            <p:ph type="sldNum" idx="12"/>
           </p:nvPr>
         </p:nvSpPr>
         <p:spPr>
@@ -7923,7 +8148,7 @@
           </a:ln>
         </p:spPr>
         <p:txBody>
-          <a:bodyPr anchorCtr="0" anchor="ctr" bIns="91425" lIns="91425" spcFirstLastPara="1" rIns="91425" wrap="square" tIns="91425">
+          <a:bodyPr spcFirstLastPara="1" wrap="square" lIns="91425" tIns="91425" rIns="91425" bIns="91425" anchor="ctr" anchorCtr="0">
             <a:noAutofit/>
           </a:bodyPr>
           <a:lstStyle>
@@ -8037,7 +8262,7 @@
             </a:lvl9pPr>
           </a:lstStyle>
           <a:p>
-            <a:pPr indent="0" lvl="0" marL="0" rtl="0" algn="r">
+            <a:pPr marL="0" lvl="0" indent="0" algn="r" rtl="0">
               <a:spcBef>
                 <a:spcPts val="0"/>
               </a:spcBef>
@@ -8056,7 +8281,7 @@
       </p:sp>
     </p:spTree>
   </p:cSld>
-  <p:clrMap accent1="accent1" accent2="accent2" accent3="accent3" accent4="accent4" accent5="accent5" accent6="accent6" bg1="lt1" bg2="dk2" tx1="dk1" tx2="lt2" folHlink="folHlink" hlink="hlink"/>
+  <p:clrMap bg1="lt1" tx1="dk1" bg2="dk2" tx2="lt2" accent1="accent1" accent2="accent2" accent3="accent3" accent4="accent4" accent5="accent5" accent6="accent6" hlink="hlink" folHlink="folHlink"/>
   <p:sldLayoutIdLst>
     <p:sldLayoutId id="2147483648" r:id="rId1"/>
     <p:sldLayoutId id="2147483649" r:id="rId2"/>
@@ -8070,10 +8295,10 @@
     <p:sldLayoutId id="2147483657" r:id="rId10"/>
     <p:sldLayoutId id="2147483658" r:id="rId11"/>
   </p:sldLayoutIdLst>
-  <p:hf dt="0" ftr="0" hdr="0" sldNum="0"/>
+  <p:hf sldNum="0" hdr="0" ftr="0" dt="0"/>
   <p:txStyles>
     <p:titleStyle>
-      <a:defPPr lvl="0" marR="0" rtl="0" algn="l">
+      <a:defPPr marR="0" lvl="0" algn="l" rtl="0">
         <a:lnSpc>
           <a:spcPct val="100000"/>
         </a:lnSpc>
@@ -8084,7 +8309,7 @@
           <a:spcPts val="0"/>
         </a:spcAft>
       </a:defPPr>
-      <a:lvl1pPr lvl="0" marR="0" rtl="0" algn="l">
+      <a:lvl1pPr marR="0" lvl="0" algn="l" rtl="0">
         <a:lnSpc>
           <a:spcPct val="100000"/>
         </a:lnSpc>
@@ -8098,7 +8323,7 @@
           <a:srgbClr val="000000"/>
         </a:buClr>
         <a:buFont typeface="Arial"/>
-        <a:defRPr b="0" i="0" sz="1400" u="none" cap="none" strike="noStrike">
+        <a:defRPr sz="1400" b="0" i="0" u="none" strike="noStrike" cap="none">
           <a:solidFill>
             <a:srgbClr val="000000"/>
           </a:solidFill>
@@ -8108,7 +8333,7 @@
           <a:sym typeface="Arial"/>
         </a:defRPr>
       </a:lvl1pPr>
-      <a:lvl2pPr lvl="1" marR="0" rtl="0" algn="l">
+      <a:lvl2pPr marR="0" lvl="1" algn="l" rtl="0">
         <a:lnSpc>
           <a:spcPct val="100000"/>
         </a:lnSpc>
@@ -8122,7 +8347,7 @@
           <a:srgbClr val="000000"/>
         </a:buClr>
         <a:buFont typeface="Arial"/>
-        <a:defRPr b="0" i="0" sz="1400" u="none" cap="none" strike="noStrike">
+        <a:defRPr sz="1400" b="0" i="0" u="none" strike="noStrike" cap="none">
           <a:solidFill>
             <a:srgbClr val="000000"/>
           </a:solidFill>
@@ -8132,7 +8357,7 @@
           <a:sym typeface="Arial"/>
         </a:defRPr>
       </a:lvl2pPr>
-      <a:lvl3pPr lvl="2" marR="0" rtl="0" algn="l">
+      <a:lvl3pPr marR="0" lvl="2" algn="l" rtl="0">
         <a:lnSpc>
           <a:spcPct val="100000"/>
         </a:lnSpc>
@@ -8146,7 +8371,7 @@
           <a:srgbClr val="000000"/>
         </a:buClr>
         <a:buFont typeface="Arial"/>
-        <a:defRPr b="0" i="0" sz="1400" u="none" cap="none" strike="noStrike">
+        <a:defRPr sz="1400" b="0" i="0" u="none" strike="noStrike" cap="none">
           <a:solidFill>
             <a:srgbClr val="000000"/>
           </a:solidFill>
@@ -8156,7 +8381,7 @@
           <a:sym typeface="Arial"/>
         </a:defRPr>
       </a:lvl3pPr>
-      <a:lvl4pPr lvl="3" marR="0" rtl="0" algn="l">
+      <a:lvl4pPr marR="0" lvl="3" algn="l" rtl="0">
         <a:lnSpc>
           <a:spcPct val="100000"/>
         </a:lnSpc>
@@ -8170,7 +8395,7 @@
           <a:srgbClr val="000000"/>
         </a:buClr>
         <a:buFont typeface="Arial"/>
-        <a:defRPr b="0" i="0" sz="1400" u="none" cap="none" strike="noStrike">
+        <a:defRPr sz="1400" b="0" i="0" u="none" strike="noStrike" cap="none">
           <a:solidFill>
             <a:srgbClr val="000000"/>
           </a:solidFill>
@@ -8180,7 +8405,7 @@
           <a:sym typeface="Arial"/>
         </a:defRPr>
       </a:lvl4pPr>
-      <a:lvl5pPr lvl="4" marR="0" rtl="0" algn="l">
+      <a:lvl5pPr marR="0" lvl="4" algn="l" rtl="0">
         <a:lnSpc>
           <a:spcPct val="100000"/>
         </a:lnSpc>
@@ -8194,7 +8419,7 @@
           <a:srgbClr val="000000"/>
         </a:buClr>
         <a:buFont typeface="Arial"/>
-        <a:defRPr b="0" i="0" sz="1400" u="none" cap="none" strike="noStrike">
+        <a:defRPr sz="1400" b="0" i="0" u="none" strike="noStrike" cap="none">
           <a:solidFill>
             <a:srgbClr val="000000"/>
           </a:solidFill>
@@ -8204,7 +8429,7 @@
           <a:sym typeface="Arial"/>
         </a:defRPr>
       </a:lvl5pPr>
-      <a:lvl6pPr lvl="5" marR="0" rtl="0" algn="l">
+      <a:lvl6pPr marR="0" lvl="5" algn="l" rtl="0">
         <a:lnSpc>
           <a:spcPct val="100000"/>
         </a:lnSpc>
@@ -8218,7 +8443,7 @@
           <a:srgbClr val="000000"/>
         </a:buClr>
         <a:buFont typeface="Arial"/>
-        <a:defRPr b="0" i="0" sz="1400" u="none" cap="none" strike="noStrike">
+        <a:defRPr sz="1400" b="0" i="0" u="none" strike="noStrike" cap="none">
           <a:solidFill>
             <a:srgbClr val="000000"/>
           </a:solidFill>
@@ -8228,7 +8453,7 @@
           <a:sym typeface="Arial"/>
         </a:defRPr>
       </a:lvl6pPr>
-      <a:lvl7pPr lvl="6" marR="0" rtl="0" algn="l">
+      <a:lvl7pPr marR="0" lvl="6" algn="l" rtl="0">
         <a:lnSpc>
           <a:spcPct val="100000"/>
         </a:lnSpc>
@@ -8242,7 +8467,7 @@
           <a:srgbClr val="000000"/>
         </a:buClr>
         <a:buFont typeface="Arial"/>
-        <a:defRPr b="0" i="0" sz="1400" u="none" cap="none" strike="noStrike">
+        <a:defRPr sz="1400" b="0" i="0" u="none" strike="noStrike" cap="none">
           <a:solidFill>
             <a:srgbClr val="000000"/>
           </a:solidFill>
@@ -8252,7 +8477,7 @@
           <a:sym typeface="Arial"/>
         </a:defRPr>
       </a:lvl7pPr>
-      <a:lvl8pPr lvl="7" marR="0" rtl="0" algn="l">
+      <a:lvl8pPr marR="0" lvl="7" algn="l" rtl="0">
         <a:lnSpc>
           <a:spcPct val="100000"/>
         </a:lnSpc>
@@ -8266,7 +8491,7 @@
           <a:srgbClr val="000000"/>
         </a:buClr>
         <a:buFont typeface="Arial"/>
-        <a:defRPr b="0" i="0" sz="1400" u="none" cap="none" strike="noStrike">
+        <a:defRPr sz="1400" b="0" i="0" u="none" strike="noStrike" cap="none">
           <a:solidFill>
             <a:srgbClr val="000000"/>
           </a:solidFill>
@@ -8276,7 +8501,7 @@
           <a:sym typeface="Arial"/>
         </a:defRPr>
       </a:lvl8pPr>
-      <a:lvl9pPr lvl="8" marR="0" rtl="0" algn="l">
+      <a:lvl9pPr marR="0" lvl="8" algn="l" rtl="0">
         <a:lnSpc>
           <a:spcPct val="100000"/>
         </a:lnSpc>
@@ -8290,7 +8515,7 @@
           <a:srgbClr val="000000"/>
         </a:buClr>
         <a:buFont typeface="Arial"/>
-        <a:defRPr b="0" i="0" sz="1400" u="none" cap="none" strike="noStrike">
+        <a:defRPr sz="1400" b="0" i="0" u="none" strike="noStrike" cap="none">
           <a:solidFill>
             <a:srgbClr val="000000"/>
           </a:solidFill>
@@ -8302,7 +8527,7 @@
       </a:lvl9pPr>
     </p:titleStyle>
     <p:bodyStyle>
-      <a:defPPr lvl="0" marR="0" rtl="0" algn="l">
+      <a:defPPr marR="0" lvl="0" algn="l" rtl="0">
         <a:lnSpc>
           <a:spcPct val="100000"/>
         </a:lnSpc>
@@ -8313,7 +8538,7 @@
           <a:spcPts val="0"/>
         </a:spcAft>
       </a:defPPr>
-      <a:lvl1pPr lvl="0" marR="0" rtl="0" algn="l">
+      <a:lvl1pPr marR="0" lvl="0" algn="l" rtl="0">
         <a:lnSpc>
           <a:spcPct val="100000"/>
         </a:lnSpc>
@@ -8327,7 +8552,7 @@
           <a:srgbClr val="000000"/>
         </a:buClr>
         <a:buFont typeface="Arial"/>
-        <a:defRPr b="0" i="0" sz="1400" u="none" cap="none" strike="noStrike">
+        <a:defRPr sz="1400" b="0" i="0" u="none" strike="noStrike" cap="none">
           <a:solidFill>
             <a:srgbClr val="000000"/>
           </a:solidFill>
@@ -8337,7 +8562,7 @@
           <a:sym typeface="Arial"/>
         </a:defRPr>
       </a:lvl1pPr>
-      <a:lvl2pPr lvl="1" marR="0" rtl="0" algn="l">
+      <a:lvl2pPr marR="0" lvl="1" algn="l" rtl="0">
         <a:lnSpc>
           <a:spcPct val="100000"/>
         </a:lnSpc>
@@ -8351,7 +8576,7 @@
           <a:srgbClr val="000000"/>
         </a:buClr>
         <a:buFont typeface="Arial"/>
-        <a:defRPr b="0" i="0" sz="1400" u="none" cap="none" strike="noStrike">
+        <a:defRPr sz="1400" b="0" i="0" u="none" strike="noStrike" cap="none">
           <a:solidFill>
             <a:srgbClr val="000000"/>
           </a:solidFill>
@@ -8361,7 +8586,7 @@
           <a:sym typeface="Arial"/>
         </a:defRPr>
       </a:lvl2pPr>
-      <a:lvl3pPr lvl="2" marR="0" rtl="0" algn="l">
+      <a:lvl3pPr marR="0" lvl="2" algn="l" rtl="0">
         <a:lnSpc>
           <a:spcPct val="100000"/>
         </a:lnSpc>
@@ -8375,7 +8600,7 @@
           <a:srgbClr val="000000"/>
         </a:buClr>
         <a:buFont typeface="Arial"/>
-        <a:defRPr b="0" i="0" sz="1400" u="none" cap="none" strike="noStrike">
+        <a:defRPr sz="1400" b="0" i="0" u="none" strike="noStrike" cap="none">
           <a:solidFill>
             <a:srgbClr val="000000"/>
           </a:solidFill>
@@ -8385,7 +8610,7 @@
           <a:sym typeface="Arial"/>
         </a:defRPr>
       </a:lvl3pPr>
-      <a:lvl4pPr lvl="3" marR="0" rtl="0" algn="l">
+      <a:lvl4pPr marR="0" lvl="3" algn="l" rtl="0">
         <a:lnSpc>
           <a:spcPct val="100000"/>
         </a:lnSpc>
@@ -8399,7 +8624,7 @@
           <a:srgbClr val="000000"/>
         </a:buClr>
         <a:buFont typeface="Arial"/>
-        <a:defRPr b="0" i="0" sz="1400" u="none" cap="none" strike="noStrike">
+        <a:defRPr sz="1400" b="0" i="0" u="none" strike="noStrike" cap="none">
           <a:solidFill>
             <a:srgbClr val="000000"/>
           </a:solidFill>
@@ -8409,7 +8634,7 @@
           <a:sym typeface="Arial"/>
         </a:defRPr>
       </a:lvl4pPr>
-      <a:lvl5pPr lvl="4" marR="0" rtl="0" algn="l">
+      <a:lvl5pPr marR="0" lvl="4" algn="l" rtl="0">
         <a:lnSpc>
           <a:spcPct val="100000"/>
         </a:lnSpc>
@@ -8423,7 +8648,7 @@
           <a:srgbClr val="000000"/>
         </a:buClr>
         <a:buFont typeface="Arial"/>
-        <a:defRPr b="0" i="0" sz="1400" u="none" cap="none" strike="noStrike">
+        <a:defRPr sz="1400" b="0" i="0" u="none" strike="noStrike" cap="none">
           <a:solidFill>
             <a:srgbClr val="000000"/>
           </a:solidFill>
@@ -8433,7 +8658,7 @@
           <a:sym typeface="Arial"/>
         </a:defRPr>
       </a:lvl5pPr>
-      <a:lvl6pPr lvl="5" marR="0" rtl="0" algn="l">
+      <a:lvl6pPr marR="0" lvl="5" algn="l" rtl="0">
         <a:lnSpc>
           <a:spcPct val="100000"/>
         </a:lnSpc>
@@ -8447,7 +8672,7 @@
           <a:srgbClr val="000000"/>
         </a:buClr>
         <a:buFont typeface="Arial"/>
-        <a:defRPr b="0" i="0" sz="1400" u="none" cap="none" strike="noStrike">
+        <a:defRPr sz="1400" b="0" i="0" u="none" strike="noStrike" cap="none">
           <a:solidFill>
             <a:srgbClr val="000000"/>
           </a:solidFill>
@@ -8457,7 +8682,7 @@
           <a:sym typeface="Arial"/>
         </a:defRPr>
       </a:lvl6pPr>
-      <a:lvl7pPr lvl="6" marR="0" rtl="0" algn="l">
+      <a:lvl7pPr marR="0" lvl="6" algn="l" rtl="0">
         <a:lnSpc>
           <a:spcPct val="100000"/>
         </a:lnSpc>
@@ -8471,7 +8696,7 @@
           <a:srgbClr val="000000"/>
         </a:buClr>
         <a:buFont typeface="Arial"/>
-        <a:defRPr b="0" i="0" sz="1400" u="none" cap="none" strike="noStrike">
+        <a:defRPr sz="1400" b="0" i="0" u="none" strike="noStrike" cap="none">
           <a:solidFill>
             <a:srgbClr val="000000"/>
           </a:solidFill>
@@ -8481,7 +8706,7 @@
           <a:sym typeface="Arial"/>
         </a:defRPr>
       </a:lvl7pPr>
-      <a:lvl8pPr lvl="7" marR="0" rtl="0" algn="l">
+      <a:lvl8pPr marR="0" lvl="7" algn="l" rtl="0">
         <a:lnSpc>
           <a:spcPct val="100000"/>
         </a:lnSpc>
@@ -8495,7 +8720,7 @@
           <a:srgbClr val="000000"/>
         </a:buClr>
         <a:buFont typeface="Arial"/>
-        <a:defRPr b="0" i="0" sz="1400" u="none" cap="none" strike="noStrike">
+        <a:defRPr sz="1400" b="0" i="0" u="none" strike="noStrike" cap="none">
           <a:solidFill>
             <a:srgbClr val="000000"/>
           </a:solidFill>
@@ -8505,7 +8730,7 @@
           <a:sym typeface="Arial"/>
         </a:defRPr>
       </a:lvl8pPr>
-      <a:lvl9pPr lvl="8" marR="0" rtl="0" algn="l">
+      <a:lvl9pPr marR="0" lvl="8" algn="l" rtl="0">
         <a:lnSpc>
           <a:spcPct val="100000"/>
         </a:lnSpc>
@@ -8519,7 +8744,7 @@
           <a:srgbClr val="000000"/>
         </a:buClr>
         <a:buFont typeface="Arial"/>
-        <a:defRPr b="0" i="0" sz="1400" u="none" cap="none" strike="noStrike">
+        <a:defRPr sz="1400" b="0" i="0" u="none" strike="noStrike" cap="none">
           <a:solidFill>
             <a:srgbClr val="000000"/>
           </a:solidFill>
@@ -8531,7 +8756,7 @@
       </a:lvl9pPr>
     </p:bodyStyle>
     <p:otherStyle>
-      <a:defPPr lvl="0" marR="0" rtl="0" algn="l">
+      <a:defPPr marR="0" lvl="0" algn="l" rtl="0">
         <a:lnSpc>
           <a:spcPct val="100000"/>
         </a:lnSpc>
@@ -8542,7 +8767,7 @@
           <a:spcPts val="0"/>
         </a:spcAft>
       </a:defPPr>
-      <a:lvl1pPr lvl="0" marR="0" rtl="0" algn="l">
+      <a:lvl1pPr marR="0" lvl="0" algn="l" rtl="0">
         <a:lnSpc>
           <a:spcPct val="100000"/>
         </a:lnSpc>
@@ -8556,7 +8781,7 @@
           <a:srgbClr val="000000"/>
         </a:buClr>
         <a:buFont typeface="Arial"/>
-        <a:defRPr b="0" i="0" sz="1400" u="none" cap="none" strike="noStrike">
+        <a:defRPr sz="1400" b="0" i="0" u="none" strike="noStrike" cap="none">
           <a:solidFill>
             <a:srgbClr val="000000"/>
           </a:solidFill>
@@ -8566,7 +8791,7 @@
           <a:sym typeface="Arial"/>
         </a:defRPr>
       </a:lvl1pPr>
-      <a:lvl2pPr lvl="1" marR="0" rtl="0" algn="l">
+      <a:lvl2pPr marR="0" lvl="1" algn="l" rtl="0">
         <a:lnSpc>
           <a:spcPct val="100000"/>
         </a:lnSpc>
@@ -8580,7 +8805,7 @@
           <a:srgbClr val="000000"/>
         </a:buClr>
         <a:buFont typeface="Arial"/>
-        <a:defRPr b="0" i="0" sz="1400" u="none" cap="none" strike="noStrike">
+        <a:defRPr sz="1400" b="0" i="0" u="none" strike="noStrike" cap="none">
           <a:solidFill>
             <a:srgbClr val="000000"/>
           </a:solidFill>
@@ -8590,7 +8815,7 @@
           <a:sym typeface="Arial"/>
         </a:defRPr>
       </a:lvl2pPr>
-      <a:lvl3pPr lvl="2" marR="0" rtl="0" algn="l">
+      <a:lvl3pPr marR="0" lvl="2" algn="l" rtl="0">
         <a:lnSpc>
           <a:spcPct val="100000"/>
         </a:lnSpc>
@@ -8604,7 +8829,7 @@
           <a:srgbClr val="000000"/>
         </a:buClr>
         <a:buFont typeface="Arial"/>
-        <a:defRPr b="0" i="0" sz="1400" u="none" cap="none" strike="noStrike">
+        <a:defRPr sz="1400" b="0" i="0" u="none" strike="noStrike" cap="none">
           <a:solidFill>
             <a:srgbClr val="000000"/>
           </a:solidFill>
@@ -8614,7 +8839,7 @@
           <a:sym typeface="Arial"/>
         </a:defRPr>
       </a:lvl3pPr>
-      <a:lvl4pPr lvl="3" marR="0" rtl="0" algn="l">
+      <a:lvl4pPr marR="0" lvl="3" algn="l" rtl="0">
         <a:lnSpc>
           <a:spcPct val="100000"/>
         </a:lnSpc>
@@ -8628,7 +8853,7 @@
           <a:srgbClr val="000000"/>
         </a:buClr>
         <a:buFont typeface="Arial"/>
-        <a:defRPr b="0" i="0" sz="1400" u="none" cap="none" strike="noStrike">
+        <a:defRPr sz="1400" b="0" i="0" u="none" strike="noStrike" cap="none">
           <a:solidFill>
             <a:srgbClr val="000000"/>
           </a:solidFill>
@@ -8638,7 +8863,7 @@
           <a:sym typeface="Arial"/>
         </a:defRPr>
       </a:lvl4pPr>
-      <a:lvl5pPr lvl="4" marR="0" rtl="0" algn="l">
+      <a:lvl5pPr marR="0" lvl="4" algn="l" rtl="0">
         <a:lnSpc>
           <a:spcPct val="100000"/>
         </a:lnSpc>
@@ -8652,7 +8877,7 @@
           <a:srgbClr val="000000"/>
         </a:buClr>
         <a:buFont typeface="Arial"/>
-        <a:defRPr b="0" i="0" sz="1400" u="none" cap="none" strike="noStrike">
+        <a:defRPr sz="1400" b="0" i="0" u="none" strike="noStrike" cap="none">
           <a:solidFill>
             <a:srgbClr val="000000"/>
           </a:solidFill>
@@ -8662,7 +8887,7 @@
           <a:sym typeface="Arial"/>
         </a:defRPr>
       </a:lvl5pPr>
-      <a:lvl6pPr lvl="5" marR="0" rtl="0" algn="l">
+      <a:lvl6pPr marR="0" lvl="5" algn="l" rtl="0">
         <a:lnSpc>
           <a:spcPct val="100000"/>
         </a:lnSpc>
@@ -8676,7 +8901,7 @@
           <a:srgbClr val="000000"/>
         </a:buClr>
         <a:buFont typeface="Arial"/>
-        <a:defRPr b="0" i="0" sz="1400" u="none" cap="none" strike="noStrike">
+        <a:defRPr sz="1400" b="0" i="0" u="none" strike="noStrike" cap="none">
           <a:solidFill>
             <a:srgbClr val="000000"/>
           </a:solidFill>
@@ -8686,7 +8911,7 @@
           <a:sym typeface="Arial"/>
         </a:defRPr>
       </a:lvl6pPr>
-      <a:lvl7pPr lvl="6" marR="0" rtl="0" algn="l">
+      <a:lvl7pPr marR="0" lvl="6" algn="l" rtl="0">
         <a:lnSpc>
           <a:spcPct val="100000"/>
         </a:lnSpc>
@@ -8700,7 +8925,7 @@
           <a:srgbClr val="000000"/>
         </a:buClr>
         <a:buFont typeface="Arial"/>
-        <a:defRPr b="0" i="0" sz="1400" u="none" cap="none" strike="noStrike">
+        <a:defRPr sz="1400" b="0" i="0" u="none" strike="noStrike" cap="none">
           <a:solidFill>
             <a:srgbClr val="000000"/>
           </a:solidFill>
@@ -8710,7 +8935,7 @@
           <a:sym typeface="Arial"/>
         </a:defRPr>
       </a:lvl7pPr>
-      <a:lvl8pPr lvl="7" marR="0" rtl="0" algn="l">
+      <a:lvl8pPr marR="0" lvl="7" algn="l" rtl="0">
         <a:lnSpc>
           <a:spcPct val="100000"/>
         </a:lnSpc>
@@ -8724,7 +8949,7 @@
           <a:srgbClr val="000000"/>
         </a:buClr>
         <a:buFont typeface="Arial"/>
-        <a:defRPr b="0" i="0" sz="1400" u="none" cap="none" strike="noStrike">
+        <a:defRPr sz="1400" b="0" i="0" u="none" strike="noStrike" cap="none">
           <a:solidFill>
             <a:srgbClr val="000000"/>
           </a:solidFill>
@@ -8734,7 +8959,7 @@
           <a:sym typeface="Arial"/>
         </a:defRPr>
       </a:lvl8pPr>
-      <a:lvl9pPr lvl="8" marR="0" rtl="0" algn="l">
+      <a:lvl9pPr marR="0" lvl="8" algn="l" rtl="0">
         <a:lnSpc>
           <a:spcPct val="100000"/>
         </a:lnSpc>
@@ -8748,7 +8973,7 @@
           <a:srgbClr val="000000"/>
         </a:buClr>
         <a:buFont typeface="Arial"/>
-        <a:defRPr b="0" i="0" sz="1400" u="none" cap="none" strike="noStrike">
+        <a:defRPr sz="1400" b="0" i="0" u="none" strike="noStrike" cap="none">
           <a:solidFill>
             <a:srgbClr val="000000"/>
           </a:solidFill>
@@ -8764,11 +8989,11 @@
 </file>
 
 <file path=ppt/slides/slide1.xml><?xml version="1.0" encoding="utf-8"?>
-<p:sld xmlns:a="http://schemas.openxmlformats.org/drawingml/2006/main" xmlns:r="http://schemas.openxmlformats.org/officeDocument/2006/relationships" xmlns:mc="http://schemas.openxmlformats.org/markup-compatibility/2006" xmlns:mv="urn:schemas-microsoft-com:mac:vml" xmlns:p="http://schemas.openxmlformats.org/presentationml/2006/main" xmlns:c="http://schemas.openxmlformats.org/drawingml/2006/chart" xmlns:dgm="http://schemas.openxmlformats.org/drawingml/2006/diagram" xmlns:o="urn:schemas-microsoft-com:office:office" xmlns:v="urn:schemas-microsoft-com:vml" xmlns:pvml="urn:schemas-microsoft-com:office:powerpoint" xmlns:com="http://schemas.openxmlformats.org/drawingml/2006/compatibility" xmlns:p14="http://schemas.microsoft.com/office/powerpoint/2010/main" xmlns:p15="http://schemas.microsoft.com/office/powerpoint/2012/main">
+<p:sld xmlns:a="http://schemas.openxmlformats.org/drawingml/2006/main" xmlns:r="http://schemas.openxmlformats.org/officeDocument/2006/relationships" xmlns:p="http://schemas.openxmlformats.org/presentationml/2006/main">
   <p:cSld>
     <p:spTree>
       <p:nvGrpSpPr>
-        <p:cNvPr id="58" name="Shape 58"/>
+        <p:cNvPr id="1" name="Shape 58"/>
         <p:cNvGrpSpPr/>
         <p:nvPr/>
       </p:nvGrpSpPr>
@@ -8783,7 +9008,9 @@
       <p:sp>
         <p:nvSpPr>
           <p:cNvPr id="59" name="Google Shape;59;p13"/>
-          <p:cNvSpPr txBox="1"/>
+          <p:cNvSpPr txBox="1">
+            <a:spLocks noGrp="1"/>
+          </p:cNvSpPr>
           <p:nvPr>
             <p:ph type="ctrTitle"/>
           </p:nvPr>
@@ -8798,12 +9025,12 @@
           </a:prstGeom>
         </p:spPr>
         <p:txBody>
-          <a:bodyPr anchorCtr="0" anchor="ctr" bIns="91425" lIns="91425" spcFirstLastPara="1" rIns="91425" wrap="square" tIns="91425">
+          <a:bodyPr spcFirstLastPara="1" wrap="square" lIns="91425" tIns="91425" rIns="91425" bIns="91425" anchor="ctr" anchorCtr="0">
             <a:noAutofit/>
           </a:bodyPr>
           <a:lstStyle/>
           <a:p>
-            <a:pPr indent="0" lvl="0" marL="0" rtl="0" algn="ctr">
+            <a:pPr marL="0" lvl="0" indent="0" algn="ctr" rtl="0">
               <a:spcBef>
                 <a:spcPts val="0"/>
               </a:spcBef>
@@ -8819,7 +9046,7 @@
             <a:endParaRPr sz="3600"/>
           </a:p>
           <a:p>
-            <a:pPr indent="0" lvl="0" marL="0" rtl="0" algn="ctr">
+            <a:pPr marL="0" lvl="0" indent="0" algn="ctr" rtl="0">
               <a:spcBef>
                 <a:spcPts val="0"/>
               </a:spcBef>
@@ -8828,13 +9055,10 @@
               </a:spcAft>
               <a:buNone/>
             </a:pPr>
-            <a:r>
-              <a:t/>
-            </a:r>
             <a:endParaRPr sz="3600"/>
           </a:p>
           <a:p>
-            <a:pPr indent="0" lvl="0" marL="0" rtl="0" algn="ctr">
+            <a:pPr marL="0" lvl="0" indent="0" algn="ctr" rtl="0">
               <a:spcBef>
                 <a:spcPts val="0"/>
               </a:spcBef>
@@ -8862,9 +9086,11 @@
       <p:sp>
         <p:nvSpPr>
           <p:cNvPr id="60" name="Google Shape;60;p13"/>
-          <p:cNvSpPr txBox="1"/>
+          <p:cNvSpPr txBox="1">
+            <a:spLocks noGrp="1"/>
+          </p:cNvSpPr>
           <p:nvPr>
-            <p:ph idx="1" type="subTitle"/>
+            <p:ph type="subTitle" idx="1"/>
           </p:nvPr>
         </p:nvSpPr>
         <p:spPr>
@@ -8877,12 +9103,12 @@
           </a:prstGeom>
         </p:spPr>
         <p:txBody>
-          <a:bodyPr anchorCtr="0" anchor="b" bIns="91425" lIns="91425" spcFirstLastPara="1" rIns="91425" wrap="square" tIns="91425">
+          <a:bodyPr spcFirstLastPara="1" wrap="square" lIns="91425" tIns="91425" rIns="91425" bIns="91425" anchor="b" anchorCtr="0">
             <a:noAutofit/>
           </a:bodyPr>
           <a:lstStyle/>
           <a:p>
-            <a:pPr indent="0" lvl="0" marL="914400" rtl="0" algn="ctr">
+            <a:pPr marL="914400" lvl="0" indent="0" algn="ctr" rtl="0">
               <a:spcBef>
                 <a:spcPts val="0"/>
               </a:spcBef>
@@ -8891,9 +9117,6 @@
               </a:spcAft>
               <a:buNone/>
             </a:pPr>
-            <a:r>
-              <a:t/>
-            </a:r>
             <a:endParaRPr sz="1400">
               <a:solidFill>
                 <a:schemeClr val="dk1"/>
@@ -8901,7 +9124,7 @@
             </a:endParaRPr>
           </a:p>
           <a:p>
-            <a:pPr indent="0" lvl="0" marL="1828800" rtl="0" algn="l">
+            <a:pPr marL="1828800" lvl="0" indent="0" algn="l" rtl="0">
               <a:spcBef>
                 <a:spcPts val="0"/>
               </a:spcBef>
@@ -8916,39 +9139,7 @@
                   <a:schemeClr val="dk1"/>
                 </a:solidFill>
               </a:rPr>
-              <a:t>       </a:t>
-            </a:r>
-            <a:r>
-              <a:rPr lang="en-GB" sz="1400">
-                <a:solidFill>
-                  <a:schemeClr val="dk1"/>
-                </a:solidFill>
-              </a:rPr>
-              <a:t>Urvi Mistry      </a:t>
-            </a:r>
-            <a:r>
-              <a:rPr lang="en-GB" sz="1400">
-                <a:solidFill>
-                  <a:schemeClr val="dk1"/>
-                </a:solidFill>
-              </a:rPr>
-              <a:t>Madhavi Kadam    </a:t>
-            </a:r>
-            <a:r>
-              <a:rPr lang="en-GB" sz="1400">
-                <a:solidFill>
-                  <a:schemeClr val="dk1"/>
-                </a:solidFill>
-              </a:rPr>
-              <a:t>Shwet Jain</a:t>
-            </a:r>
-            <a:r>
-              <a:rPr lang="en-GB" sz="1400">
-                <a:solidFill>
-                  <a:schemeClr val="dk1"/>
-                </a:solidFill>
-              </a:rPr>
-              <a:t>    Parth Nikam  </a:t>
+              <a:t>       Urvi Mistry      Madhavi Kadam    Shwet Jain    Parth Nikam  </a:t>
             </a:r>
             <a:endParaRPr sz="1400">
               <a:solidFill>
@@ -8967,11 +9158,11 @@
 </file>
 
 <file path=ppt/slides/slide10.xml><?xml version="1.0" encoding="utf-8"?>
-<p:sld xmlns:a="http://schemas.openxmlformats.org/drawingml/2006/main" xmlns:r="http://schemas.openxmlformats.org/officeDocument/2006/relationships" xmlns:mc="http://schemas.openxmlformats.org/markup-compatibility/2006" xmlns:mv="urn:schemas-microsoft-com:mac:vml" xmlns:p="http://schemas.openxmlformats.org/presentationml/2006/main" xmlns:c="http://schemas.openxmlformats.org/drawingml/2006/chart" xmlns:dgm="http://schemas.openxmlformats.org/drawingml/2006/diagram" xmlns:o="urn:schemas-microsoft-com:office:office" xmlns:v="urn:schemas-microsoft-com:vml" xmlns:pvml="urn:schemas-microsoft-com:office:powerpoint" xmlns:com="http://schemas.openxmlformats.org/drawingml/2006/compatibility" xmlns:p14="http://schemas.microsoft.com/office/powerpoint/2010/main" xmlns:p15="http://schemas.microsoft.com/office/powerpoint/2012/main">
+<p:sld xmlns:a="http://schemas.openxmlformats.org/drawingml/2006/main" xmlns:r="http://schemas.openxmlformats.org/officeDocument/2006/relationships" xmlns:p="http://schemas.openxmlformats.org/presentationml/2006/main">
   <p:cSld>
     <p:spTree>
       <p:nvGrpSpPr>
-        <p:cNvPr id="134" name="Shape 134"/>
+        <p:cNvPr id="1" name="Shape 134"/>
         <p:cNvGrpSpPr/>
         <p:nvPr/>
       </p:nvGrpSpPr>
@@ -8986,7 +9177,9 @@
       <p:sp>
         <p:nvSpPr>
           <p:cNvPr id="135" name="Google Shape;135;p22"/>
-          <p:cNvSpPr txBox="1"/>
+          <p:cNvSpPr txBox="1">
+            <a:spLocks noGrp="1"/>
+          </p:cNvSpPr>
           <p:nvPr>
             <p:ph type="title"/>
           </p:nvPr>
@@ -9001,12 +9194,12 @@
           </a:prstGeom>
         </p:spPr>
         <p:txBody>
-          <a:bodyPr anchorCtr="0" anchor="b" bIns="91425" lIns="91425" spcFirstLastPara="1" rIns="91425" wrap="square" tIns="91425">
+          <a:bodyPr spcFirstLastPara="1" wrap="square" lIns="91425" tIns="91425" rIns="91425" bIns="91425" anchor="b" anchorCtr="0">
             <a:noAutofit/>
           </a:bodyPr>
           <a:lstStyle/>
           <a:p>
-            <a:pPr indent="0" lvl="0" marL="0" rtl="0" algn="l">
+            <a:pPr marL="0" lvl="0" indent="0" algn="l" rtl="0">
               <a:spcBef>
                 <a:spcPts val="0"/>
               </a:spcBef>
@@ -9026,9 +9219,11 @@
       <p:sp>
         <p:nvSpPr>
           <p:cNvPr id="136" name="Google Shape;136;p22"/>
-          <p:cNvSpPr txBox="1"/>
+          <p:cNvSpPr txBox="1">
+            <a:spLocks noGrp="1"/>
+          </p:cNvSpPr>
           <p:nvPr>
-            <p:ph idx="2" type="body"/>
+            <p:ph type="body" idx="2"/>
           </p:nvPr>
         </p:nvSpPr>
         <p:spPr>
@@ -9041,12 +9236,12 @@
           </a:prstGeom>
         </p:spPr>
         <p:txBody>
-          <a:bodyPr anchorCtr="0" anchor="ctr" bIns="91425" lIns="91425" spcFirstLastPara="1" rIns="91425" wrap="square" tIns="91425">
+          <a:bodyPr spcFirstLastPara="1" wrap="square" lIns="91425" tIns="91425" rIns="91425" bIns="91425" anchor="ctr" anchorCtr="0">
             <a:noAutofit/>
           </a:bodyPr>
           <a:lstStyle/>
           <a:p>
-            <a:pPr indent="0" lvl="0" marL="0" rtl="0" algn="ctr">
+            <a:pPr marL="0" lvl="0" indent="0" algn="ctr" rtl="0">
               <a:spcBef>
                 <a:spcPts val="0"/>
               </a:spcBef>
@@ -9056,7 +9251,7 @@
               <a:buNone/>
             </a:pPr>
             <a:r>
-              <a:rPr b="1" lang="en-GB">
+              <a:rPr lang="en-GB" b="1">
                 <a:solidFill>
                   <a:schemeClr val="dk1"/>
                 </a:solidFill>
@@ -9068,21 +9263,21 @@
               <a:t>Fud</a:t>
             </a:r>
             <a:r>
-              <a:rPr b="1" lang="en-GB" sz="1600">
+              <a:rPr lang="en-GB" sz="1600" b="1">
                 <a:solidFill>
                   <a:srgbClr val="000000"/>
                 </a:solidFill>
               </a:rPr>
               <a:t>Senior management would like to track FudgeMart’s departmental sales of different products to take important business decisions to  increase efficiency and drive sales. </a:t>
             </a:r>
-            <a:endParaRPr b="1" sz="1600">
+            <a:endParaRPr sz="1600" b="1">
               <a:solidFill>
                 <a:srgbClr val="000000"/>
               </a:solidFill>
             </a:endParaRPr>
           </a:p>
           <a:p>
-            <a:pPr indent="0" lvl="0" marL="457200" rtl="0" algn="ctr">
+            <a:pPr marL="457200" lvl="0" indent="0" algn="ctr" rtl="0">
               <a:lnSpc>
                 <a:spcPct val="100000"/>
               </a:lnSpc>
@@ -9094,17 +9289,14 @@
               </a:spcAft>
               <a:buNone/>
             </a:pPr>
-            <a:r>
-              <a:t/>
-            </a:r>
-            <a:endParaRPr b="1" sz="1400">
+            <a:endParaRPr sz="1400" b="1">
               <a:solidFill>
                 <a:schemeClr val="dk1"/>
               </a:solidFill>
             </a:endParaRPr>
           </a:p>
           <a:p>
-            <a:pPr indent="0" lvl="0" marL="457200" rtl="0" algn="ctr">
+            <a:pPr marL="457200" lvl="0" indent="0" algn="ctr" rtl="0">
               <a:lnSpc>
                 <a:spcPct val="100000"/>
               </a:lnSpc>
@@ -9116,17 +9308,14 @@
               </a:spcAft>
               <a:buNone/>
             </a:pPr>
-            <a:r>
-              <a:t/>
-            </a:r>
-            <a:endParaRPr b="1" sz="1400">
+            <a:endParaRPr sz="1400" b="1">
               <a:solidFill>
                 <a:schemeClr val="dk1"/>
               </a:solidFill>
             </a:endParaRPr>
           </a:p>
           <a:p>
-            <a:pPr indent="0" lvl="0" marL="457200" rtl="0" algn="l">
+            <a:pPr marL="457200" lvl="0" indent="0" algn="l" rtl="0">
               <a:lnSpc>
                 <a:spcPct val="100000"/>
               </a:lnSpc>
@@ -9139,7 +9328,7 @@
               <a:buNone/>
             </a:pPr>
             <a:r>
-              <a:rPr b="1" lang="en-GB" sz="1400">
+              <a:rPr lang="en-GB" sz="1400" b="1">
                 <a:solidFill>
                   <a:schemeClr val="dk1"/>
                 </a:solidFill>
@@ -9169,7 +9358,7 @@
             </a:endParaRPr>
           </a:p>
           <a:p>
-            <a:pPr indent="0" lvl="0" marL="457200" rtl="0" algn="ctr">
+            <a:pPr marL="457200" lvl="0" indent="0" algn="ctr" rtl="0">
               <a:lnSpc>
                 <a:spcPct val="100000"/>
               </a:lnSpc>
@@ -9181,9 +9370,6 @@
               </a:spcAft>
               <a:buNone/>
             </a:pPr>
-            <a:r>
-              <a:t/>
-            </a:r>
             <a:endParaRPr sz="1400">
               <a:solidFill>
                 <a:srgbClr val="000000"/>
@@ -9195,7 +9381,7 @@
             </a:endParaRPr>
           </a:p>
           <a:p>
-            <a:pPr indent="0" lvl="0" marL="457200" rtl="0" algn="l">
+            <a:pPr marL="457200" lvl="0" indent="0" algn="l" rtl="0">
               <a:lnSpc>
                 <a:spcPct val="100000"/>
               </a:lnSpc>
@@ -9208,7 +9394,7 @@
               <a:buNone/>
             </a:pPr>
             <a:r>
-              <a:rPr b="1" lang="en-GB" sz="1400">
+              <a:rPr lang="en-GB" sz="1400" b="1">
                 <a:solidFill>
                   <a:schemeClr val="dk1"/>
                 </a:solidFill>
@@ -9240,11 +9426,11 @@
 </file>
 
 <file path=ppt/slides/slide11.xml><?xml version="1.0" encoding="utf-8"?>
-<p:sld xmlns:a="http://schemas.openxmlformats.org/drawingml/2006/main" xmlns:r="http://schemas.openxmlformats.org/officeDocument/2006/relationships" xmlns:mc="http://schemas.openxmlformats.org/markup-compatibility/2006" xmlns:mv="urn:schemas-microsoft-com:mac:vml" xmlns:p="http://schemas.openxmlformats.org/presentationml/2006/main" xmlns:c="http://schemas.openxmlformats.org/drawingml/2006/chart" xmlns:dgm="http://schemas.openxmlformats.org/drawingml/2006/diagram" xmlns:o="urn:schemas-microsoft-com:office:office" xmlns:v="urn:schemas-microsoft-com:vml" xmlns:pvml="urn:schemas-microsoft-com:office:powerpoint" xmlns:com="http://schemas.openxmlformats.org/drawingml/2006/compatibility" xmlns:p14="http://schemas.microsoft.com/office/powerpoint/2010/main" xmlns:p15="http://schemas.microsoft.com/office/powerpoint/2012/main">
+<p:sld xmlns:a="http://schemas.openxmlformats.org/drawingml/2006/main" xmlns:r="http://schemas.openxmlformats.org/officeDocument/2006/relationships" xmlns:p="http://schemas.openxmlformats.org/presentationml/2006/main">
   <p:cSld>
     <p:spTree>
       <p:nvGrpSpPr>
-        <p:cNvPr id="140" name="Shape 140"/>
+        <p:cNvPr id="1" name="Shape 140"/>
         <p:cNvGrpSpPr/>
         <p:nvPr/>
       </p:nvGrpSpPr>
@@ -9259,7 +9445,9 @@
       <p:sp>
         <p:nvSpPr>
           <p:cNvPr id="141" name="Google Shape;141;p23"/>
-          <p:cNvSpPr txBox="1"/>
+          <p:cNvSpPr txBox="1">
+            <a:spLocks noGrp="1"/>
+          </p:cNvSpPr>
           <p:nvPr>
             <p:ph type="title"/>
           </p:nvPr>
@@ -9274,12 +9462,12 @@
           </a:prstGeom>
         </p:spPr>
         <p:txBody>
-          <a:bodyPr anchorCtr="0" anchor="b" bIns="91425" lIns="91425" spcFirstLastPara="1" rIns="91425" wrap="square" tIns="91425">
+          <a:bodyPr spcFirstLastPara="1" wrap="square" lIns="91425" tIns="91425" rIns="91425" bIns="91425" anchor="b" anchorCtr="0">
             <a:noAutofit/>
           </a:bodyPr>
           <a:lstStyle/>
           <a:p>
-            <a:pPr indent="0" lvl="0" marL="0" rtl="0" algn="ctr">
+            <a:pPr marL="0" lvl="0" indent="0" algn="ctr" rtl="0">
               <a:spcBef>
                 <a:spcPts val="0"/>
               </a:spcBef>
@@ -9333,11 +9521,11 @@
 </file>
 
 <file path=ppt/slides/slide12.xml><?xml version="1.0" encoding="utf-8"?>
-<p:sld xmlns:a="http://schemas.openxmlformats.org/drawingml/2006/main" xmlns:r="http://schemas.openxmlformats.org/officeDocument/2006/relationships" xmlns:mc="http://schemas.openxmlformats.org/markup-compatibility/2006" xmlns:mv="urn:schemas-microsoft-com:mac:vml" xmlns:p="http://schemas.openxmlformats.org/presentationml/2006/main" xmlns:c="http://schemas.openxmlformats.org/drawingml/2006/chart" xmlns:dgm="http://schemas.openxmlformats.org/drawingml/2006/diagram" xmlns:o="urn:schemas-microsoft-com:office:office" xmlns:v="urn:schemas-microsoft-com:vml" xmlns:pvml="urn:schemas-microsoft-com:office:powerpoint" xmlns:com="http://schemas.openxmlformats.org/drawingml/2006/compatibility" xmlns:p14="http://schemas.microsoft.com/office/powerpoint/2010/main" xmlns:p15="http://schemas.microsoft.com/office/powerpoint/2012/main">
+<p:sld xmlns:a="http://schemas.openxmlformats.org/drawingml/2006/main" xmlns:r="http://schemas.openxmlformats.org/officeDocument/2006/relationships" xmlns:p="http://schemas.openxmlformats.org/presentationml/2006/main">
   <p:cSld>
     <p:spTree>
       <p:nvGrpSpPr>
-        <p:cNvPr id="146" name="Shape 146"/>
+        <p:cNvPr id="1" name="Shape 146"/>
         <p:cNvGrpSpPr/>
         <p:nvPr/>
       </p:nvGrpSpPr>
@@ -9352,7 +9540,9 @@
       <p:sp>
         <p:nvSpPr>
           <p:cNvPr id="147" name="Google Shape;147;p24"/>
-          <p:cNvSpPr txBox="1"/>
+          <p:cNvSpPr txBox="1">
+            <a:spLocks noGrp="1"/>
+          </p:cNvSpPr>
           <p:nvPr>
             <p:ph type="title"/>
           </p:nvPr>
@@ -9367,12 +9557,12 @@
           </a:prstGeom>
         </p:spPr>
         <p:txBody>
-          <a:bodyPr anchorCtr="0" anchor="t" bIns="91425" lIns="91425" spcFirstLastPara="1" rIns="91425" wrap="square" tIns="91425">
+          <a:bodyPr spcFirstLastPara="1" wrap="square" lIns="91425" tIns="91425" rIns="91425" bIns="91425" anchor="t" anchorCtr="0">
             <a:noAutofit/>
           </a:bodyPr>
           <a:lstStyle/>
           <a:p>
-            <a:pPr indent="0" lvl="0" marL="0" rtl="0" algn="l">
+            <a:pPr marL="0" lvl="0" indent="0" algn="l" rtl="0">
               <a:spcBef>
                 <a:spcPts val="0"/>
               </a:spcBef>
@@ -9386,7 +9576,7 @@
               <a:t>Extract - </a:t>
             </a:r>
             <a:r>
-              <a:rPr b="0" lang="en-GB"/>
+              <a:rPr lang="en-GB" b="0"/>
               <a:t>Date Dimension</a:t>
             </a:r>
             <a:endParaRPr b="0"/>
@@ -9403,7 +9593,7 @@
           <a:blip r:embed="rId3">
             <a:alphaModFix/>
           </a:blip>
-          <a:srcRect b="6655" l="0" r="23994" t="0"/>
+          <a:srcRect r="23994" b="6655"/>
           <a:stretch/>
         </p:blipFill>
         <p:spPr>
@@ -9429,11 +9619,11 @@
 </file>
 
 <file path=ppt/slides/slide13.xml><?xml version="1.0" encoding="utf-8"?>
-<p:sld xmlns:a="http://schemas.openxmlformats.org/drawingml/2006/main" xmlns:r="http://schemas.openxmlformats.org/officeDocument/2006/relationships" xmlns:mc="http://schemas.openxmlformats.org/markup-compatibility/2006" xmlns:mv="urn:schemas-microsoft-com:mac:vml" xmlns:p="http://schemas.openxmlformats.org/presentationml/2006/main" xmlns:c="http://schemas.openxmlformats.org/drawingml/2006/chart" xmlns:dgm="http://schemas.openxmlformats.org/drawingml/2006/diagram" xmlns:o="urn:schemas-microsoft-com:office:office" xmlns:v="urn:schemas-microsoft-com:vml" xmlns:pvml="urn:schemas-microsoft-com:office:powerpoint" xmlns:com="http://schemas.openxmlformats.org/drawingml/2006/compatibility" xmlns:p14="http://schemas.microsoft.com/office/powerpoint/2010/main" xmlns:p15="http://schemas.microsoft.com/office/powerpoint/2012/main">
+<p:sld xmlns:a="http://schemas.openxmlformats.org/drawingml/2006/main" xmlns:r="http://schemas.openxmlformats.org/officeDocument/2006/relationships" xmlns:p="http://schemas.openxmlformats.org/presentationml/2006/main">
   <p:cSld>
     <p:spTree>
       <p:nvGrpSpPr>
-        <p:cNvPr id="152" name="Shape 152"/>
+        <p:cNvPr id="1" name="Shape 152"/>
         <p:cNvGrpSpPr/>
         <p:nvPr/>
       </p:nvGrpSpPr>
@@ -9448,7 +9638,9 @@
       <p:sp>
         <p:nvSpPr>
           <p:cNvPr id="153" name="Google Shape;153;p25"/>
-          <p:cNvSpPr txBox="1"/>
+          <p:cNvSpPr txBox="1">
+            <a:spLocks noGrp="1"/>
+          </p:cNvSpPr>
           <p:nvPr>
             <p:ph type="title"/>
           </p:nvPr>
@@ -9463,12 +9655,12 @@
           </a:prstGeom>
         </p:spPr>
         <p:txBody>
-          <a:bodyPr anchorCtr="0" anchor="t" bIns="91425" lIns="91425" spcFirstLastPara="1" rIns="91425" wrap="square" tIns="91425">
+          <a:bodyPr spcFirstLastPara="1" wrap="square" lIns="91425" tIns="91425" rIns="91425" bIns="91425" anchor="t" anchorCtr="0">
             <a:noAutofit/>
           </a:bodyPr>
           <a:lstStyle/>
           <a:p>
-            <a:pPr indent="0" lvl="0" marL="0" rtl="0" algn="l">
+            <a:pPr marL="0" lvl="0" indent="0" algn="l" rtl="0">
               <a:spcBef>
                 <a:spcPts val="0"/>
               </a:spcBef>
@@ -9482,7 +9674,7 @@
               <a:t>Extract - </a:t>
             </a:r>
             <a:r>
-              <a:rPr b="0" lang="en-GB"/>
+              <a:rPr lang="en-GB" b="0"/>
               <a:t>Product, Customer &amp; SalesFact</a:t>
             </a:r>
             <a:endParaRPr b="0"/>
@@ -9526,11 +9718,11 @@
 </file>
 
 <file path=ppt/slides/slide14.xml><?xml version="1.0" encoding="utf-8"?>
-<p:sld xmlns:a="http://schemas.openxmlformats.org/drawingml/2006/main" xmlns:r="http://schemas.openxmlformats.org/officeDocument/2006/relationships" xmlns:mc="http://schemas.openxmlformats.org/markup-compatibility/2006" xmlns:mv="urn:schemas-microsoft-com:mac:vml" xmlns:p="http://schemas.openxmlformats.org/presentationml/2006/main" xmlns:c="http://schemas.openxmlformats.org/drawingml/2006/chart" xmlns:dgm="http://schemas.openxmlformats.org/drawingml/2006/diagram" xmlns:o="urn:schemas-microsoft-com:office:office" xmlns:v="urn:schemas-microsoft-com:vml" xmlns:pvml="urn:schemas-microsoft-com:office:powerpoint" xmlns:com="http://schemas.openxmlformats.org/drawingml/2006/compatibility" xmlns:p14="http://schemas.microsoft.com/office/powerpoint/2010/main" xmlns:p15="http://schemas.microsoft.com/office/powerpoint/2012/main">
+<p:sld xmlns:a="http://schemas.openxmlformats.org/drawingml/2006/main" xmlns:r="http://schemas.openxmlformats.org/officeDocument/2006/relationships" xmlns:p="http://schemas.openxmlformats.org/presentationml/2006/main">
   <p:cSld>
     <p:spTree>
       <p:nvGrpSpPr>
-        <p:cNvPr id="158" name="Shape 158"/>
+        <p:cNvPr id="1" name="Shape 158"/>
         <p:cNvGrpSpPr/>
         <p:nvPr/>
       </p:nvGrpSpPr>
@@ -9545,7 +9737,9 @@
       <p:sp>
         <p:nvSpPr>
           <p:cNvPr id="159" name="Google Shape;159;p26"/>
-          <p:cNvSpPr txBox="1"/>
+          <p:cNvSpPr txBox="1">
+            <a:spLocks noGrp="1"/>
+          </p:cNvSpPr>
           <p:nvPr>
             <p:ph type="title"/>
           </p:nvPr>
@@ -9560,12 +9754,12 @@
           </a:prstGeom>
         </p:spPr>
         <p:txBody>
-          <a:bodyPr anchorCtr="0" anchor="t" bIns="91425" lIns="91425" spcFirstLastPara="1" rIns="91425" wrap="square" tIns="91425">
+          <a:bodyPr spcFirstLastPara="1" wrap="square" lIns="91425" tIns="91425" rIns="91425" bIns="91425" anchor="t" anchorCtr="0">
             <a:noAutofit/>
           </a:bodyPr>
           <a:lstStyle/>
           <a:p>
-            <a:pPr indent="0" lvl="0" marL="0" rtl="0" algn="l">
+            <a:pPr marL="0" lvl="0" indent="0" algn="l" rtl="0">
               <a:spcBef>
                 <a:spcPts val="0"/>
               </a:spcBef>
@@ -9579,7 +9773,7 @@
               <a:t>Transform - </a:t>
             </a:r>
             <a:r>
-              <a:rPr b="0" lang="en-GB"/>
+              <a:rPr lang="en-GB" b="0"/>
               <a:t>Customer</a:t>
             </a:r>
             <a:r>
@@ -9587,7 +9781,7 @@
               <a:t>  </a:t>
             </a:r>
             <a:r>
-              <a:rPr b="0" lang="en-GB"/>
+              <a:rPr lang="en-GB" b="0"/>
               <a:t>Dimension</a:t>
             </a:r>
             <a:endParaRPr b="0"/>
@@ -9631,11 +9825,11 @@
 </file>
 
 <file path=ppt/slides/slide15.xml><?xml version="1.0" encoding="utf-8"?>
-<p:sld xmlns:a="http://schemas.openxmlformats.org/drawingml/2006/main" xmlns:r="http://schemas.openxmlformats.org/officeDocument/2006/relationships" xmlns:mc="http://schemas.openxmlformats.org/markup-compatibility/2006" xmlns:mv="urn:schemas-microsoft-com:mac:vml" xmlns:p="http://schemas.openxmlformats.org/presentationml/2006/main" xmlns:c="http://schemas.openxmlformats.org/drawingml/2006/chart" xmlns:dgm="http://schemas.openxmlformats.org/drawingml/2006/diagram" xmlns:o="urn:schemas-microsoft-com:office:office" xmlns:v="urn:schemas-microsoft-com:vml" xmlns:pvml="urn:schemas-microsoft-com:office:powerpoint" xmlns:com="http://schemas.openxmlformats.org/drawingml/2006/compatibility" xmlns:p14="http://schemas.microsoft.com/office/powerpoint/2010/main" xmlns:p15="http://schemas.microsoft.com/office/powerpoint/2012/main">
+<p:sld xmlns:a="http://schemas.openxmlformats.org/drawingml/2006/main" xmlns:r="http://schemas.openxmlformats.org/officeDocument/2006/relationships" xmlns:p="http://schemas.openxmlformats.org/presentationml/2006/main">
   <p:cSld>
     <p:spTree>
       <p:nvGrpSpPr>
-        <p:cNvPr id="164" name="Shape 164"/>
+        <p:cNvPr id="1" name="Shape 164"/>
         <p:cNvGrpSpPr/>
         <p:nvPr/>
       </p:nvGrpSpPr>
@@ -9650,7 +9844,9 @@
       <p:sp>
         <p:nvSpPr>
           <p:cNvPr id="165" name="Google Shape;165;p27"/>
-          <p:cNvSpPr txBox="1"/>
+          <p:cNvSpPr txBox="1">
+            <a:spLocks noGrp="1"/>
+          </p:cNvSpPr>
           <p:nvPr>
             <p:ph type="title"/>
           </p:nvPr>
@@ -9665,12 +9861,12 @@
           </a:prstGeom>
         </p:spPr>
         <p:txBody>
-          <a:bodyPr anchorCtr="0" anchor="t" bIns="91425" lIns="91425" spcFirstLastPara="1" rIns="91425" wrap="square" tIns="91425">
+          <a:bodyPr spcFirstLastPara="1" wrap="square" lIns="91425" tIns="91425" rIns="91425" bIns="91425" anchor="t" anchorCtr="0">
             <a:noAutofit/>
           </a:bodyPr>
           <a:lstStyle/>
           <a:p>
-            <a:pPr indent="0" lvl="0" marL="0" rtl="0" algn="l">
+            <a:pPr marL="0" lvl="0" indent="0" algn="l" rtl="0">
               <a:spcBef>
                 <a:spcPts val="0"/>
               </a:spcBef>
@@ -9684,7 +9880,7 @@
               <a:t>Transform - </a:t>
             </a:r>
             <a:r>
-              <a:rPr b="0" lang="en-GB"/>
+              <a:rPr lang="en-GB" b="0"/>
               <a:t>Product</a:t>
             </a:r>
             <a:r>
@@ -9692,13 +9888,13 @@
               <a:t>  </a:t>
             </a:r>
             <a:r>
-              <a:rPr b="0" lang="en-GB"/>
+              <a:rPr lang="en-GB" b="0"/>
               <a:t>Dimension</a:t>
             </a:r>
             <a:endParaRPr b="0"/>
           </a:p>
           <a:p>
-            <a:pPr indent="0" lvl="0" marL="0" rtl="0" algn="l">
+            <a:pPr marL="0" lvl="0" indent="0" algn="l" rtl="0">
               <a:spcBef>
                 <a:spcPts val="0"/>
               </a:spcBef>
@@ -9707,9 +9903,6 @@
               </a:spcAft>
               <a:buNone/>
             </a:pPr>
-            <a:r>
-              <a:t/>
-            </a:r>
             <a:endParaRPr/>
           </a:p>
         </p:txBody>
@@ -9751,11 +9944,11 @@
 </file>
 
 <file path=ppt/slides/slide16.xml><?xml version="1.0" encoding="utf-8"?>
-<p:sld xmlns:a="http://schemas.openxmlformats.org/drawingml/2006/main" xmlns:r="http://schemas.openxmlformats.org/officeDocument/2006/relationships" xmlns:mc="http://schemas.openxmlformats.org/markup-compatibility/2006" xmlns:mv="urn:schemas-microsoft-com:mac:vml" xmlns:p="http://schemas.openxmlformats.org/presentationml/2006/main" xmlns:c="http://schemas.openxmlformats.org/drawingml/2006/chart" xmlns:dgm="http://schemas.openxmlformats.org/drawingml/2006/diagram" xmlns:o="urn:schemas-microsoft-com:office:office" xmlns:v="urn:schemas-microsoft-com:vml" xmlns:pvml="urn:schemas-microsoft-com:office:powerpoint" xmlns:com="http://schemas.openxmlformats.org/drawingml/2006/compatibility" xmlns:p14="http://schemas.microsoft.com/office/powerpoint/2010/main" xmlns:p15="http://schemas.microsoft.com/office/powerpoint/2012/main">
+<p:sld xmlns:a="http://schemas.openxmlformats.org/drawingml/2006/main" xmlns:r="http://schemas.openxmlformats.org/officeDocument/2006/relationships" xmlns:p="http://schemas.openxmlformats.org/presentationml/2006/main">
   <p:cSld>
     <p:spTree>
       <p:nvGrpSpPr>
-        <p:cNvPr id="170" name="Shape 170"/>
+        <p:cNvPr id="1" name="Shape 170"/>
         <p:cNvGrpSpPr/>
         <p:nvPr/>
       </p:nvGrpSpPr>
@@ -9770,7 +9963,9 @@
       <p:sp>
         <p:nvSpPr>
           <p:cNvPr id="171" name="Google Shape;171;p28"/>
-          <p:cNvSpPr txBox="1"/>
+          <p:cNvSpPr txBox="1">
+            <a:spLocks noGrp="1"/>
+          </p:cNvSpPr>
           <p:nvPr>
             <p:ph type="title"/>
           </p:nvPr>
@@ -9785,12 +9980,12 @@
           </a:prstGeom>
         </p:spPr>
         <p:txBody>
-          <a:bodyPr anchorCtr="0" anchor="t" bIns="91425" lIns="91425" spcFirstLastPara="1" rIns="91425" wrap="square" tIns="91425">
+          <a:bodyPr spcFirstLastPara="1" wrap="square" lIns="91425" tIns="91425" rIns="91425" bIns="91425" anchor="t" anchorCtr="0">
             <a:noAutofit/>
           </a:bodyPr>
           <a:lstStyle/>
           <a:p>
-            <a:pPr indent="0" lvl="0" marL="0" rtl="0" algn="l">
+            <a:pPr marL="0" lvl="0" indent="0" algn="l" rtl="0">
               <a:spcBef>
                 <a:spcPts val="0"/>
               </a:spcBef>
@@ -9804,7 +9999,7 @@
               <a:t>Loading - </a:t>
             </a:r>
             <a:r>
-              <a:rPr b="0" lang="en-GB"/>
+              <a:rPr lang="en-GB" b="0"/>
               <a:t>Date Dimension</a:t>
             </a:r>
             <a:endParaRPr b="0"/>
@@ -9848,11 +10043,11 @@
 </file>
 
 <file path=ppt/slides/slide17.xml><?xml version="1.0" encoding="utf-8"?>
-<p:sld xmlns:a="http://schemas.openxmlformats.org/drawingml/2006/main" xmlns:r="http://schemas.openxmlformats.org/officeDocument/2006/relationships" xmlns:mc="http://schemas.openxmlformats.org/markup-compatibility/2006" xmlns:mv="urn:schemas-microsoft-com:mac:vml" xmlns:p="http://schemas.openxmlformats.org/presentationml/2006/main" xmlns:c="http://schemas.openxmlformats.org/drawingml/2006/chart" xmlns:dgm="http://schemas.openxmlformats.org/drawingml/2006/diagram" xmlns:o="urn:schemas-microsoft-com:office:office" xmlns:v="urn:schemas-microsoft-com:vml" xmlns:pvml="urn:schemas-microsoft-com:office:powerpoint" xmlns:com="http://schemas.openxmlformats.org/drawingml/2006/compatibility" xmlns:p14="http://schemas.microsoft.com/office/powerpoint/2010/main" xmlns:p15="http://schemas.microsoft.com/office/powerpoint/2012/main">
+<p:sld xmlns:a="http://schemas.openxmlformats.org/drawingml/2006/main" xmlns:r="http://schemas.openxmlformats.org/officeDocument/2006/relationships" xmlns:p="http://schemas.openxmlformats.org/presentationml/2006/main">
   <p:cSld>
     <p:spTree>
       <p:nvGrpSpPr>
-        <p:cNvPr id="176" name="Shape 176"/>
+        <p:cNvPr id="1" name="Shape 176"/>
         <p:cNvGrpSpPr/>
         <p:nvPr/>
       </p:nvGrpSpPr>
@@ -9867,7 +10062,9 @@
       <p:sp>
         <p:nvSpPr>
           <p:cNvPr id="177" name="Google Shape;177;p29"/>
-          <p:cNvSpPr txBox="1"/>
+          <p:cNvSpPr txBox="1">
+            <a:spLocks noGrp="1"/>
+          </p:cNvSpPr>
           <p:nvPr>
             <p:ph type="title"/>
           </p:nvPr>
@@ -9882,12 +10079,12 @@
           </a:prstGeom>
         </p:spPr>
         <p:txBody>
-          <a:bodyPr anchorCtr="0" anchor="t" bIns="91425" lIns="91425" spcFirstLastPara="1" rIns="91425" wrap="square" tIns="91425">
+          <a:bodyPr spcFirstLastPara="1" wrap="square" lIns="91425" tIns="91425" rIns="91425" bIns="91425" anchor="t" anchorCtr="0">
             <a:noAutofit/>
           </a:bodyPr>
           <a:lstStyle/>
           <a:p>
-            <a:pPr indent="0" lvl="0" marL="0" rtl="0" algn="l">
+            <a:pPr marL="0" lvl="0" indent="0" algn="l" rtl="0">
               <a:spcBef>
                 <a:spcPts val="0"/>
               </a:spcBef>
@@ -9901,7 +10098,7 @@
               <a:t>Loading - </a:t>
             </a:r>
             <a:r>
-              <a:rPr b="0" lang="en-GB"/>
+              <a:rPr lang="en-GB" b="0"/>
               <a:t>Customer, Product &amp; FactSales</a:t>
             </a:r>
             <a:endParaRPr b="0"/>
@@ -9945,11 +10142,11 @@
 </file>
 
 <file path=ppt/slides/slide18.xml><?xml version="1.0" encoding="utf-8"?>
-<p:sld xmlns:a="http://schemas.openxmlformats.org/drawingml/2006/main" xmlns:r="http://schemas.openxmlformats.org/officeDocument/2006/relationships" xmlns:mc="http://schemas.openxmlformats.org/markup-compatibility/2006" xmlns:mv="urn:schemas-microsoft-com:mac:vml" xmlns:p="http://schemas.openxmlformats.org/presentationml/2006/main" xmlns:c="http://schemas.openxmlformats.org/drawingml/2006/chart" xmlns:dgm="http://schemas.openxmlformats.org/drawingml/2006/diagram" xmlns:o="urn:schemas-microsoft-com:office:office" xmlns:v="urn:schemas-microsoft-com:vml" xmlns:pvml="urn:schemas-microsoft-com:office:powerpoint" xmlns:com="http://schemas.openxmlformats.org/drawingml/2006/compatibility" xmlns:p14="http://schemas.microsoft.com/office/powerpoint/2010/main" xmlns:p15="http://schemas.microsoft.com/office/powerpoint/2012/main">
+<p:sld xmlns:a="http://schemas.openxmlformats.org/drawingml/2006/main" xmlns:r="http://schemas.openxmlformats.org/officeDocument/2006/relationships" xmlns:p="http://schemas.openxmlformats.org/presentationml/2006/main">
   <p:cSld>
     <p:spTree>
       <p:nvGrpSpPr>
-        <p:cNvPr id="182" name="Shape 182"/>
+        <p:cNvPr id="1" name="Shape 182"/>
         <p:cNvGrpSpPr/>
         <p:nvPr/>
       </p:nvGrpSpPr>
@@ -9964,7 +10161,9 @@
       <p:sp>
         <p:nvSpPr>
           <p:cNvPr id="183" name="Google Shape;183;p30"/>
-          <p:cNvSpPr txBox="1"/>
+          <p:cNvSpPr txBox="1">
+            <a:spLocks noGrp="1"/>
+          </p:cNvSpPr>
           <p:nvPr>
             <p:ph type="title"/>
           </p:nvPr>
@@ -9979,12 +10178,12 @@
           </a:prstGeom>
         </p:spPr>
         <p:txBody>
-          <a:bodyPr anchorCtr="0" anchor="b" bIns="91425" lIns="91425" spcFirstLastPara="1" rIns="91425" wrap="square" tIns="91425">
+          <a:bodyPr spcFirstLastPara="1" wrap="square" lIns="91425" tIns="91425" rIns="91425" bIns="91425" anchor="b" anchorCtr="0">
             <a:noAutofit/>
           </a:bodyPr>
           <a:lstStyle/>
           <a:p>
-            <a:pPr indent="0" lvl="0" marL="0" rtl="0" algn="l">
+            <a:pPr marL="0" lvl="0" indent="0" algn="l" rtl="0">
               <a:spcBef>
                 <a:spcPts val="0"/>
               </a:spcBef>
@@ -10004,9 +10203,11 @@
       <p:sp>
         <p:nvSpPr>
           <p:cNvPr id="184" name="Google Shape;184;p30"/>
-          <p:cNvSpPr txBox="1"/>
+          <p:cNvSpPr txBox="1">
+            <a:spLocks noGrp="1"/>
+          </p:cNvSpPr>
           <p:nvPr>
-            <p:ph idx="2" type="body"/>
+            <p:ph type="body" idx="2"/>
           </p:nvPr>
         </p:nvSpPr>
         <p:spPr>
@@ -10019,12 +10220,12 @@
           </a:prstGeom>
         </p:spPr>
         <p:txBody>
-          <a:bodyPr anchorCtr="0" anchor="ctr" bIns="91425" lIns="91425" spcFirstLastPara="1" rIns="91425" wrap="square" tIns="91425">
+          <a:bodyPr spcFirstLastPara="1" wrap="square" lIns="91425" tIns="91425" rIns="91425" bIns="91425" anchor="ctr" anchorCtr="0">
             <a:noAutofit/>
           </a:bodyPr>
           <a:lstStyle/>
           <a:p>
-            <a:pPr indent="0" lvl="0" marL="0" rtl="0" algn="ctr">
+            <a:pPr marL="0" lvl="0" indent="0" algn="ctr" rtl="0">
               <a:spcBef>
                 <a:spcPts val="0"/>
               </a:spcBef>
@@ -10034,7 +10235,7 @@
               <a:buNone/>
             </a:pPr>
             <a:r>
-              <a:rPr b="1" lang="en-GB">
+              <a:rPr lang="en-GB" b="1">
                 <a:solidFill>
                   <a:schemeClr val="dk1"/>
                 </a:solidFill>
@@ -10045,14 +10246,14 @@
               </a:rPr>
               <a:t>Identification of Loyal Customers</a:t>
             </a:r>
-            <a:endParaRPr b="1" sz="1600">
+            <a:endParaRPr sz="1600" b="1">
               <a:solidFill>
                 <a:srgbClr val="000000"/>
               </a:solidFill>
             </a:endParaRPr>
           </a:p>
           <a:p>
-            <a:pPr indent="0" lvl="0" marL="457200" rtl="0" algn="ctr">
+            <a:pPr marL="457200" lvl="0" indent="0" algn="ctr" rtl="0">
               <a:spcBef>
                 <a:spcPts val="1600"/>
               </a:spcBef>
@@ -10062,21 +10263,21 @@
               <a:buNone/>
             </a:pPr>
             <a:r>
-              <a:rPr b="1" lang="en-GB" sz="1600">
+              <a:rPr lang="en-GB" sz="1600" b="1">
                 <a:solidFill>
                   <a:srgbClr val="000000"/>
                 </a:solidFill>
               </a:rPr>
               <a:t>Management wants to monitor customer activity in both FudgeMart and FudgeFlix to determine loyal customers for target marketing</a:t>
             </a:r>
-            <a:endParaRPr b="1" sz="1600">
+            <a:endParaRPr sz="1600" b="1">
               <a:solidFill>
                 <a:srgbClr val="000000"/>
               </a:solidFill>
             </a:endParaRPr>
           </a:p>
           <a:p>
-            <a:pPr indent="0" lvl="0" marL="0" rtl="0" algn="ctr">
+            <a:pPr marL="0" lvl="0" indent="0" algn="ctr" rtl="0">
               <a:spcBef>
                 <a:spcPts val="1600"/>
               </a:spcBef>
@@ -10086,7 +10287,7 @@
               <a:buNone/>
             </a:pPr>
             <a:r>
-              <a:rPr b="1" lang="en-GB" sz="1400">
+              <a:rPr lang="en-GB" sz="1400" b="1">
                 <a:solidFill>
                   <a:schemeClr val="dk1"/>
                 </a:solidFill>
@@ -10108,7 +10309,7 @@
             </a:endParaRPr>
           </a:p>
           <a:p>
-            <a:pPr indent="0" lvl="0" marL="0" rtl="0" algn="ctr">
+            <a:pPr marL="0" lvl="0" indent="0" algn="ctr" rtl="0">
               <a:spcBef>
                 <a:spcPts val="1600"/>
               </a:spcBef>
@@ -10118,7 +10319,7 @@
               <a:buNone/>
             </a:pPr>
             <a:r>
-              <a:rPr b="1" lang="en-GB" sz="1400">
+              <a:rPr lang="en-GB" sz="1400" b="1">
                 <a:solidFill>
                   <a:schemeClr val="dk1"/>
                 </a:solidFill>
@@ -10140,7 +10341,7 @@
             </a:endParaRPr>
           </a:p>
           <a:p>
-            <a:pPr indent="0" lvl="0" marL="0" rtl="0" algn="l">
+            <a:pPr marL="0" lvl="0" indent="0" algn="l" rtl="0">
               <a:spcBef>
                 <a:spcPts val="1600"/>
               </a:spcBef>
@@ -10149,9 +10350,6 @@
               </a:spcAft>
               <a:buNone/>
             </a:pPr>
-            <a:r>
-              <a:t/>
-            </a:r>
             <a:endParaRPr/>
           </a:p>
         </p:txBody>
@@ -10165,11 +10363,11 @@
 </file>
 
 <file path=ppt/slides/slide19.xml><?xml version="1.0" encoding="utf-8"?>
-<p:sld xmlns:a="http://schemas.openxmlformats.org/drawingml/2006/main" xmlns:r="http://schemas.openxmlformats.org/officeDocument/2006/relationships" xmlns:mc="http://schemas.openxmlformats.org/markup-compatibility/2006" xmlns:mv="urn:schemas-microsoft-com:mac:vml" xmlns:p="http://schemas.openxmlformats.org/presentationml/2006/main" xmlns:c="http://schemas.openxmlformats.org/drawingml/2006/chart" xmlns:dgm="http://schemas.openxmlformats.org/drawingml/2006/diagram" xmlns:o="urn:schemas-microsoft-com:office:office" xmlns:v="urn:schemas-microsoft-com:vml" xmlns:pvml="urn:schemas-microsoft-com:office:powerpoint" xmlns:com="http://schemas.openxmlformats.org/drawingml/2006/compatibility" xmlns:p14="http://schemas.microsoft.com/office/powerpoint/2010/main" xmlns:p15="http://schemas.microsoft.com/office/powerpoint/2012/main">
+<p:sld xmlns:a="http://schemas.openxmlformats.org/drawingml/2006/main" xmlns:r="http://schemas.openxmlformats.org/officeDocument/2006/relationships" xmlns:p="http://schemas.openxmlformats.org/presentationml/2006/main">
   <p:cSld>
     <p:spTree>
       <p:nvGrpSpPr>
-        <p:cNvPr id="188" name="Shape 188"/>
+        <p:cNvPr id="1" name="Shape 188"/>
         <p:cNvGrpSpPr/>
         <p:nvPr/>
       </p:nvGrpSpPr>
@@ -10184,7 +10382,9 @@
       <p:sp>
         <p:nvSpPr>
           <p:cNvPr id="189" name="Google Shape;189;p31"/>
-          <p:cNvSpPr txBox="1"/>
+          <p:cNvSpPr txBox="1">
+            <a:spLocks noGrp="1"/>
+          </p:cNvSpPr>
           <p:nvPr>
             <p:ph type="title"/>
           </p:nvPr>
@@ -10199,12 +10399,12 @@
           </a:prstGeom>
         </p:spPr>
         <p:txBody>
-          <a:bodyPr anchorCtr="0" anchor="t" bIns="91425" lIns="91425" spcFirstLastPara="1" rIns="91425" wrap="square" tIns="91425">
+          <a:bodyPr spcFirstLastPara="1" wrap="square" lIns="91425" tIns="91425" rIns="91425" bIns="91425" anchor="t" anchorCtr="0">
             <a:noAutofit/>
           </a:bodyPr>
           <a:lstStyle/>
           <a:p>
-            <a:pPr indent="0" lvl="0" marL="0" rtl="0" algn="l">
+            <a:pPr marL="0" lvl="0" indent="0" algn="l" rtl="0">
               <a:spcBef>
                 <a:spcPts val="0"/>
               </a:spcBef>
@@ -10353,12 +10553,12 @@
           </a:ln>
         </p:spPr>
         <p:txBody>
-          <a:bodyPr anchorCtr="0" anchor="t" bIns="91425" lIns="91425" spcFirstLastPara="1" rIns="91425" wrap="square" tIns="91425">
+          <a:bodyPr spcFirstLastPara="1" wrap="square" lIns="91425" tIns="91425" rIns="91425" bIns="91425" anchor="t" anchorCtr="0">
             <a:noAutofit/>
           </a:bodyPr>
           <a:lstStyle/>
           <a:p>
-            <a:pPr indent="0" lvl="0" marL="0" rtl="0" algn="l">
+            <a:pPr marL="0" lvl="0" indent="0" algn="l" rtl="0">
               <a:spcBef>
                 <a:spcPts val="0"/>
               </a:spcBef>
@@ -10368,7 +10568,7 @@
               <a:buNone/>
             </a:pPr>
             <a:r>
-              <a:rPr b="1" lang="en-GB" sz="1800">
+              <a:rPr lang="en-GB" sz="1800" b="1">
                 <a:solidFill>
                   <a:srgbClr val="FF0000"/>
                 </a:solidFill>
@@ -10380,7 +10580,7 @@
               <a:t>FudgeMart</a:t>
             </a:r>
             <a:r>
-              <a:rPr b="1" lang="en-GB">
+              <a:rPr lang="en-GB" b="1">
                 <a:solidFill>
                   <a:srgbClr val="FF0000"/>
                 </a:solidFill>
@@ -10423,12 +10623,12 @@
           </a:ln>
         </p:spPr>
         <p:txBody>
-          <a:bodyPr anchorCtr="0" anchor="t" bIns="91425" lIns="91425" spcFirstLastPara="1" rIns="91425" wrap="square" tIns="91425">
+          <a:bodyPr spcFirstLastPara="1" wrap="square" lIns="91425" tIns="91425" rIns="91425" bIns="91425" anchor="t" anchorCtr="0">
             <a:noAutofit/>
           </a:bodyPr>
           <a:lstStyle/>
           <a:p>
-            <a:pPr indent="0" lvl="0" marL="0" rtl="0" algn="l">
+            <a:pPr marL="0" lvl="0" indent="0" algn="l" rtl="0">
               <a:spcBef>
                 <a:spcPts val="0"/>
               </a:spcBef>
@@ -10438,7 +10638,7 @@
               <a:buNone/>
             </a:pPr>
             <a:r>
-              <a:rPr b="1" lang="en-GB" sz="1800">
+              <a:rPr lang="en-GB" sz="1800" b="1">
                 <a:solidFill>
                   <a:srgbClr val="FF0000"/>
                 </a:solidFill>
@@ -10447,21 +10647,9 @@
                 <a:cs typeface="Lato"/>
                 <a:sym typeface="Lato"/>
               </a:rPr>
-              <a:t>FudgeMart</a:t>
+              <a:t>FudgeMart   + FudgeFlix</a:t>
             </a:r>
-            <a:r>
-              <a:rPr b="1" lang="en-GB" sz="1800">
-                <a:solidFill>
-                  <a:srgbClr val="FF0000"/>
-                </a:solidFill>
-                <a:latin typeface="Lato"/>
-                <a:ea typeface="Lato"/>
-                <a:cs typeface="Lato"/>
-                <a:sym typeface="Lato"/>
-              </a:rPr>
-              <a:t>   + FudgeFlix</a:t>
-            </a:r>
-            <a:endParaRPr b="1" sz="1800">
+            <a:endParaRPr sz="1800" b="1">
               <a:solidFill>
                 <a:srgbClr val="FF0000"/>
               </a:solidFill>
@@ -10493,12 +10681,12 @@
           </a:ln>
         </p:spPr>
         <p:txBody>
-          <a:bodyPr anchorCtr="0" anchor="t" bIns="91425" lIns="91425" spcFirstLastPara="1" rIns="91425" wrap="square" tIns="91425">
+          <a:bodyPr spcFirstLastPara="1" wrap="square" lIns="91425" tIns="91425" rIns="91425" bIns="91425" anchor="t" anchorCtr="0">
             <a:noAutofit/>
           </a:bodyPr>
           <a:lstStyle/>
           <a:p>
-            <a:pPr indent="0" lvl="0" marL="0" rtl="0" algn="l">
+            <a:pPr marL="0" lvl="0" indent="0" algn="l" rtl="0">
               <a:spcBef>
                 <a:spcPts val="0"/>
               </a:spcBef>
@@ -10508,7 +10696,7 @@
               <a:buNone/>
             </a:pPr>
             <a:r>
-              <a:rPr b="1" lang="en-GB" sz="1800">
+              <a:rPr lang="en-GB" sz="1800" b="1">
                 <a:solidFill>
                   <a:srgbClr val="FF0000"/>
                 </a:solidFill>
@@ -10520,7 +10708,7 @@
               <a:t>FudgeFlix</a:t>
             </a:r>
             <a:r>
-              <a:rPr b="1" lang="en-GB">
+              <a:rPr lang="en-GB" b="1">
                 <a:solidFill>
                   <a:srgbClr val="FF0000"/>
                 </a:solidFill>
@@ -10552,11 +10740,11 @@
 </file>
 
 <file path=ppt/slides/slide2.xml><?xml version="1.0" encoding="utf-8"?>
-<p:sld xmlns:a="http://schemas.openxmlformats.org/drawingml/2006/main" xmlns:r="http://schemas.openxmlformats.org/officeDocument/2006/relationships" xmlns:mc="http://schemas.openxmlformats.org/markup-compatibility/2006" xmlns:mv="urn:schemas-microsoft-com:mac:vml" xmlns:p="http://schemas.openxmlformats.org/presentationml/2006/main" xmlns:c="http://schemas.openxmlformats.org/drawingml/2006/chart" xmlns:dgm="http://schemas.openxmlformats.org/drawingml/2006/diagram" xmlns:o="urn:schemas-microsoft-com:office:office" xmlns:v="urn:schemas-microsoft-com:vml" xmlns:pvml="urn:schemas-microsoft-com:office:powerpoint" xmlns:com="http://schemas.openxmlformats.org/drawingml/2006/compatibility" xmlns:p14="http://schemas.microsoft.com/office/powerpoint/2010/main" xmlns:p15="http://schemas.microsoft.com/office/powerpoint/2012/main">
+<p:sld xmlns:a="http://schemas.openxmlformats.org/drawingml/2006/main" xmlns:r="http://schemas.openxmlformats.org/officeDocument/2006/relationships" xmlns:p="http://schemas.openxmlformats.org/presentationml/2006/main">
   <p:cSld>
     <p:spTree>
       <p:nvGrpSpPr>
-        <p:cNvPr id="64" name="Shape 64"/>
+        <p:cNvPr id="1" name="Shape 64"/>
         <p:cNvGrpSpPr/>
         <p:nvPr/>
       </p:nvGrpSpPr>
@@ -10571,7 +10759,9 @@
       <p:sp>
         <p:nvSpPr>
           <p:cNvPr id="65" name="Google Shape;65;p14"/>
-          <p:cNvSpPr txBox="1"/>
+          <p:cNvSpPr txBox="1">
+            <a:spLocks noGrp="1"/>
+          </p:cNvSpPr>
           <p:nvPr>
             <p:ph type="title"/>
           </p:nvPr>
@@ -10586,12 +10776,12 @@
           </a:prstGeom>
         </p:spPr>
         <p:txBody>
-          <a:bodyPr anchorCtr="0" anchor="t" bIns="91425" lIns="91425" spcFirstLastPara="1" rIns="91425" wrap="square" tIns="91425">
+          <a:bodyPr spcFirstLastPara="1" wrap="square" lIns="91425" tIns="91425" rIns="91425" bIns="91425" anchor="t" anchorCtr="0">
             <a:noAutofit/>
           </a:bodyPr>
           <a:lstStyle/>
           <a:p>
-            <a:pPr indent="0" lvl="0" marL="0" rtl="0" algn="l">
+            <a:pPr marL="0" lvl="0" indent="0" algn="l" rtl="0">
               <a:spcBef>
                 <a:spcPts val="0"/>
               </a:spcBef>
@@ -10611,9 +10801,11 @@
       <p:sp>
         <p:nvSpPr>
           <p:cNvPr id="66" name="Google Shape;66;p14"/>
-          <p:cNvSpPr txBox="1"/>
+          <p:cNvSpPr txBox="1">
+            <a:spLocks noGrp="1"/>
+          </p:cNvSpPr>
           <p:nvPr>
-            <p:ph idx="1" type="body"/>
+            <p:ph type="body" idx="1"/>
           </p:nvPr>
         </p:nvSpPr>
         <p:spPr>
@@ -10626,12 +10818,12 @@
           </a:prstGeom>
         </p:spPr>
         <p:txBody>
-          <a:bodyPr anchorCtr="0" anchor="t" bIns="91425" lIns="91425" spcFirstLastPara="1" rIns="91425" wrap="square" tIns="91425">
+          <a:bodyPr spcFirstLastPara="1" wrap="square" lIns="91425" tIns="91425" rIns="91425" bIns="91425" anchor="t" anchorCtr="0">
             <a:noAutofit/>
           </a:bodyPr>
           <a:lstStyle/>
           <a:p>
-            <a:pPr indent="0" lvl="0" marL="0" rtl="0" algn="l">
+            <a:pPr marL="0" lvl="0" indent="0" algn="l" rtl="0">
               <a:spcBef>
                 <a:spcPts val="0"/>
               </a:spcBef>
@@ -10641,7 +10833,7 @@
               <a:buNone/>
             </a:pPr>
             <a:r>
-              <a:rPr b="1" lang="en-GB">
+              <a:rPr lang="en-GB" b="1">
                 <a:solidFill>
                   <a:schemeClr val="dk1"/>
                 </a:solidFill>
@@ -10649,7 +10841,7 @@
               <a:t>Urvi Mistry :</a:t>
             </a:r>
             <a:r>
-              <a:rPr b="1" lang="en-GB">
+              <a:rPr lang="en-GB" b="1">
                 <a:solidFill>
                   <a:srgbClr val="073763"/>
                 </a:solidFill>
@@ -10657,13 +10849,13 @@
               <a:t> </a:t>
             </a:r>
             <a:r>
-              <a:rPr b="1" lang="en-GB"/>
+              <a:rPr lang="en-GB" b="1"/>
               <a:t>Data Warehouse Architect </a:t>
             </a:r>
             <a:endParaRPr b="1"/>
           </a:p>
           <a:p>
-            <a:pPr indent="0" lvl="0" marL="0" rtl="0" algn="l">
+            <a:pPr marL="0" lvl="0" indent="0" algn="l" rtl="0">
               <a:spcBef>
                 <a:spcPts val="1600"/>
               </a:spcBef>
@@ -10678,7 +10870,7 @@
               <a:buNone/>
             </a:pPr>
             <a:r>
-              <a:rPr b="1" lang="en-GB">
+              <a:rPr lang="en-GB" b="1">
                 <a:solidFill>
                   <a:schemeClr val="dk1"/>
                 </a:solidFill>
@@ -10686,13 +10878,13 @@
               <a:t>Madhavi Kadam : </a:t>
             </a:r>
             <a:r>
-              <a:rPr b="1" lang="en-GB"/>
+              <a:rPr lang="en-GB" b="1"/>
               <a:t>Data Warehouse Architect </a:t>
             </a:r>
             <a:endParaRPr b="1"/>
           </a:p>
           <a:p>
-            <a:pPr indent="0" lvl="0" marL="0" rtl="0" algn="l">
+            <a:pPr marL="0" lvl="0" indent="0" algn="l" rtl="0">
               <a:spcBef>
                 <a:spcPts val="1600"/>
               </a:spcBef>
@@ -10702,7 +10894,7 @@
               <a:buNone/>
             </a:pPr>
             <a:r>
-              <a:rPr b="1" lang="en-GB">
+              <a:rPr lang="en-GB" b="1">
                 <a:solidFill>
                   <a:schemeClr val="dk1"/>
                 </a:solidFill>
@@ -10710,7 +10902,7 @@
               <a:t>Shwet Jain :</a:t>
             </a:r>
             <a:r>
-              <a:rPr b="1" lang="en-GB">
+              <a:rPr lang="en-GB" b="1">
                 <a:solidFill>
                   <a:srgbClr val="1155CC"/>
                 </a:solidFill>
@@ -10718,13 +10910,13 @@
               <a:t> </a:t>
             </a:r>
             <a:r>
-              <a:rPr b="1" lang="en-GB"/>
+              <a:rPr lang="en-GB" b="1"/>
               <a:t>Data Warehouse Architect &amp; Database Manager</a:t>
             </a:r>
             <a:endParaRPr b="1"/>
           </a:p>
           <a:p>
-            <a:pPr indent="0" lvl="0" marL="0" rtl="0" algn="l">
+            <a:pPr marL="0" lvl="0" indent="0" algn="l" rtl="0">
               <a:spcBef>
                 <a:spcPts val="1600"/>
               </a:spcBef>
@@ -10734,21 +10926,13 @@
               <a:buNone/>
             </a:pPr>
             <a:r>
-              <a:rPr b="1" lang="en-GB" sz="1400"/>
-              <a:t>Data Warehouse Architect - </a:t>
+              <a:rPr lang="en-GB" sz="1400" b="1"/>
+              <a:t>Data Warehouse Architect - High Level Dimensioning Modeling &amp; SSIS Integration</a:t>
             </a:r>
-            <a:r>
-              <a:rPr b="1" lang="en-GB" sz="1400"/>
-              <a:t>High Level Dimensioning Modeling </a:t>
-            </a:r>
-            <a:r>
-              <a:rPr b="1" lang="en-GB" sz="1400"/>
-              <a:t>&amp; SSIS Integration</a:t>
-            </a:r>
-            <a:endParaRPr b="1" sz="1400"/>
+            <a:endParaRPr sz="1400" b="1"/>
           </a:p>
           <a:p>
-            <a:pPr indent="0" lvl="0" marL="0" rtl="0" algn="l">
+            <a:pPr marL="0" lvl="0" indent="0" algn="l" rtl="0">
               <a:spcBef>
                 <a:spcPts val="1600"/>
               </a:spcBef>
@@ -10758,7 +10942,7 @@
               <a:buNone/>
             </a:pPr>
             <a:r>
-              <a:rPr b="1" lang="en-GB">
+              <a:rPr lang="en-GB" b="1">
                 <a:solidFill>
                   <a:schemeClr val="dk1"/>
                 </a:solidFill>
@@ -10766,21 +10950,13 @@
               <a:t>Parth Nikam :</a:t>
             </a:r>
             <a:r>
-              <a:rPr b="1" lang="en-GB"/>
-              <a:t> BI</a:t>
-            </a:r>
-            <a:r>
-              <a:rPr b="1" lang="en-GB"/>
-              <a:t> </a:t>
-            </a:r>
-            <a:r>
-              <a:rPr b="1" lang="en-GB"/>
-              <a:t>Architect </a:t>
+              <a:rPr lang="en-GB" b="1"/>
+              <a:t> BI Architect </a:t>
             </a:r>
             <a:endParaRPr b="1"/>
           </a:p>
           <a:p>
-            <a:pPr indent="0" lvl="0" marL="0" rtl="0" algn="l">
+            <a:pPr marL="0" lvl="0" indent="0" algn="l" rtl="0">
               <a:spcBef>
                 <a:spcPts val="1600"/>
               </a:spcBef>
@@ -10789,13 +10965,10 @@
               </a:spcAft>
               <a:buNone/>
             </a:pPr>
-            <a:r>
-              <a:t/>
-            </a:r>
             <a:endParaRPr b="1"/>
           </a:p>
           <a:p>
-            <a:pPr indent="0" lvl="0" marL="0" rtl="0" algn="l">
+            <a:pPr marL="0" lvl="0" indent="0" algn="l" rtl="0">
               <a:spcBef>
                 <a:spcPts val="1600"/>
               </a:spcBef>
@@ -10804,10 +10977,7 @@
               </a:spcAft>
               <a:buNone/>
             </a:pPr>
-            <a:r>
-              <a:t/>
-            </a:r>
-            <a:endParaRPr b="1" sz="1400"/>
+            <a:endParaRPr sz="1400" b="1"/>
           </a:p>
         </p:txBody>
       </p:sp>
@@ -10848,11 +11018,11 @@
 </file>
 
 <file path=ppt/slides/slide20.xml><?xml version="1.0" encoding="utf-8"?>
-<p:sld xmlns:a="http://schemas.openxmlformats.org/drawingml/2006/main" xmlns:r="http://schemas.openxmlformats.org/officeDocument/2006/relationships" xmlns:mc="http://schemas.openxmlformats.org/markup-compatibility/2006" xmlns:mv="urn:schemas-microsoft-com:mac:vml" xmlns:p="http://schemas.openxmlformats.org/presentationml/2006/main" xmlns:c="http://schemas.openxmlformats.org/drawingml/2006/chart" xmlns:dgm="http://schemas.openxmlformats.org/drawingml/2006/diagram" xmlns:o="urn:schemas-microsoft-com:office:office" xmlns:v="urn:schemas-microsoft-com:vml" xmlns:pvml="urn:schemas-microsoft-com:office:powerpoint" xmlns:com="http://schemas.openxmlformats.org/drawingml/2006/compatibility" xmlns:p14="http://schemas.microsoft.com/office/powerpoint/2010/main" xmlns:p15="http://schemas.microsoft.com/office/powerpoint/2012/main">
+<p:sld xmlns:a="http://schemas.openxmlformats.org/drawingml/2006/main" xmlns:r="http://schemas.openxmlformats.org/officeDocument/2006/relationships" xmlns:p="http://schemas.openxmlformats.org/presentationml/2006/main">
   <p:cSld>
     <p:spTree>
       <p:nvGrpSpPr>
-        <p:cNvPr id="200" name="Shape 200"/>
+        <p:cNvPr id="1" name="Shape 200"/>
         <p:cNvGrpSpPr/>
         <p:nvPr/>
       </p:nvGrpSpPr>
@@ -10867,7 +11037,9 @@
       <p:sp>
         <p:nvSpPr>
           <p:cNvPr id="201" name="Google Shape;201;p32"/>
-          <p:cNvSpPr txBox="1"/>
+          <p:cNvSpPr txBox="1">
+            <a:spLocks noGrp="1"/>
+          </p:cNvSpPr>
           <p:nvPr>
             <p:ph type="title"/>
           </p:nvPr>
@@ -10882,12 +11054,12 @@
           </a:prstGeom>
         </p:spPr>
         <p:txBody>
-          <a:bodyPr anchorCtr="0" anchor="t" bIns="91425" lIns="91425" spcFirstLastPara="1" rIns="91425" wrap="square" tIns="91425">
+          <a:bodyPr spcFirstLastPara="1" wrap="square" lIns="91425" tIns="91425" rIns="91425" bIns="91425" anchor="t" anchorCtr="0">
             <a:noAutofit/>
           </a:bodyPr>
           <a:lstStyle/>
           <a:p>
-            <a:pPr indent="0" lvl="0" marL="0" rtl="0" algn="l">
+            <a:pPr marL="0" lvl="0" indent="0" algn="l" rtl="0">
               <a:spcBef>
                 <a:spcPts val="0"/>
               </a:spcBef>
@@ -10998,7 +11170,7 @@
           <a:blip r:embed="rId6">
             <a:alphaModFix/>
           </a:blip>
-          <a:srcRect b="0" l="-12740" r="12740" t="0"/>
+          <a:srcRect l="-12740" r="12740"/>
           <a:stretch/>
         </p:blipFill>
         <p:spPr>
@@ -11022,7 +11194,7 @@
           <p:nvPr/>
         </p:nvCxnSpPr>
         <p:spPr>
-          <a:xfrm flipH="1" rot="10800000">
+          <a:xfrm rot="10800000" flipH="1">
             <a:off x="5244850" y="1292200"/>
             <a:ext cx="1634400" cy="494100"/>
           </a:xfrm>
@@ -11030,14 +11202,14 @@
             <a:avLst/>
           </a:prstGeom>
           <a:noFill/>
-          <a:ln cap="flat" cmpd="sng" w="9525">
+          <a:ln w="9525" cap="flat" cmpd="sng">
             <a:solidFill>
               <a:schemeClr val="dk2"/>
             </a:solidFill>
             <a:prstDash val="solid"/>
             <a:round/>
-            <a:headEnd len="med" w="med" type="none"/>
-            <a:tailEnd len="med" w="med" type="none"/>
+            <a:headEnd type="none" w="med" len="med"/>
+            <a:tailEnd type="none" w="med" len="med"/>
           </a:ln>
         </p:spPr>
       </p:cxnSp>
@@ -11056,14 +11228,14 @@
             <a:avLst/>
           </a:prstGeom>
           <a:noFill/>
-          <a:ln cap="flat" cmpd="sng" w="9525">
+          <a:ln w="9525" cap="flat" cmpd="sng">
             <a:solidFill>
               <a:schemeClr val="dk2"/>
             </a:solidFill>
             <a:prstDash val="solid"/>
             <a:round/>
-            <a:headEnd len="med" w="med" type="none"/>
-            <a:tailEnd len="med" w="med" type="none"/>
+            <a:headEnd type="none" w="med" len="med"/>
+            <a:tailEnd type="none" w="med" len="med"/>
           </a:ln>
         </p:spPr>
       </p:cxnSp>
@@ -11084,14 +11256,14 @@
             <a:avLst/>
           </a:prstGeom>
           <a:noFill/>
-          <a:ln cap="flat" cmpd="sng" w="9525">
+          <a:ln w="9525" cap="flat" cmpd="sng">
             <a:solidFill>
               <a:schemeClr val="dk2"/>
             </a:solidFill>
             <a:prstDash val="solid"/>
             <a:round/>
-            <a:headEnd len="med" w="med" type="none"/>
-            <a:tailEnd len="med" w="med" type="none"/>
+            <a:headEnd type="none" w="med" len="med"/>
+            <a:tailEnd type="none" w="med" len="med"/>
           </a:ln>
         </p:spPr>
       </p:cxnSp>
@@ -11104,11 +11276,11 @@
 </file>
 
 <file path=ppt/slides/slide21.xml><?xml version="1.0" encoding="utf-8"?>
-<p:sld xmlns:a="http://schemas.openxmlformats.org/drawingml/2006/main" xmlns:r="http://schemas.openxmlformats.org/officeDocument/2006/relationships" xmlns:mc="http://schemas.openxmlformats.org/markup-compatibility/2006" xmlns:mv="urn:schemas-microsoft-com:mac:vml" xmlns:p="http://schemas.openxmlformats.org/presentationml/2006/main" xmlns:c="http://schemas.openxmlformats.org/drawingml/2006/chart" xmlns:dgm="http://schemas.openxmlformats.org/drawingml/2006/diagram" xmlns:o="urn:schemas-microsoft-com:office:office" xmlns:v="urn:schemas-microsoft-com:vml" xmlns:pvml="urn:schemas-microsoft-com:office:powerpoint" xmlns:com="http://schemas.openxmlformats.org/drawingml/2006/compatibility" xmlns:p14="http://schemas.microsoft.com/office/powerpoint/2010/main" xmlns:p15="http://schemas.microsoft.com/office/powerpoint/2012/main">
+<p:sld xmlns:a="http://schemas.openxmlformats.org/drawingml/2006/main" xmlns:r="http://schemas.openxmlformats.org/officeDocument/2006/relationships" xmlns:p="http://schemas.openxmlformats.org/presentationml/2006/main">
   <p:cSld>
     <p:spTree>
       <p:nvGrpSpPr>
-        <p:cNvPr id="212" name="Shape 212"/>
+        <p:cNvPr id="1" name="Shape 212"/>
         <p:cNvGrpSpPr/>
         <p:nvPr/>
       </p:nvGrpSpPr>
@@ -11123,7 +11295,9 @@
       <p:sp>
         <p:nvSpPr>
           <p:cNvPr id="213" name="Google Shape;213;p33"/>
-          <p:cNvSpPr txBox="1"/>
+          <p:cNvSpPr txBox="1">
+            <a:spLocks noGrp="1"/>
+          </p:cNvSpPr>
           <p:nvPr>
             <p:ph type="title"/>
           </p:nvPr>
@@ -11138,12 +11312,12 @@
           </a:prstGeom>
         </p:spPr>
         <p:txBody>
-          <a:bodyPr anchorCtr="0" anchor="t" bIns="91425" lIns="91425" spcFirstLastPara="1" rIns="91425" wrap="square" tIns="91425">
+          <a:bodyPr spcFirstLastPara="1" wrap="square" lIns="91425" tIns="91425" rIns="91425" bIns="91425" anchor="t" anchorCtr="0">
             <a:noAutofit/>
           </a:bodyPr>
           <a:lstStyle/>
           <a:p>
-            <a:pPr indent="0" lvl="0" marL="0" rtl="0" algn="l">
+            <a:pPr marL="0" lvl="0" indent="0" algn="l" rtl="0">
               <a:spcBef>
                 <a:spcPts val="0"/>
               </a:spcBef>
@@ -11178,11 +11352,41 @@
                 <a:tableStyleId>{6394428B-50B4-4340-80F9-5F9E2F4BE824}</a:tableStyleId>
               </a:tblPr>
               <a:tblGrid>
-                <a:gridCol w="1691650"/>
-                <a:gridCol w="1691650"/>
-                <a:gridCol w="1691650"/>
-                <a:gridCol w="1691650"/>
-                <a:gridCol w="1691650"/>
+                <a:gridCol w="1691650">
+                  <a:extLst>
+                    <a:ext uri="{9D8B030D-6E8A-4147-A177-3AD203B41FA5}">
+                      <a16:colId xmlns:a16="http://schemas.microsoft.com/office/drawing/2014/main" val="20000"/>
+                    </a:ext>
+                  </a:extLst>
+                </a:gridCol>
+                <a:gridCol w="1691650">
+                  <a:extLst>
+                    <a:ext uri="{9D8B030D-6E8A-4147-A177-3AD203B41FA5}">
+                      <a16:colId xmlns:a16="http://schemas.microsoft.com/office/drawing/2014/main" val="20001"/>
+                    </a:ext>
+                  </a:extLst>
+                </a:gridCol>
+                <a:gridCol w="1691650">
+                  <a:extLst>
+                    <a:ext uri="{9D8B030D-6E8A-4147-A177-3AD203B41FA5}">
+                      <a16:colId xmlns:a16="http://schemas.microsoft.com/office/drawing/2014/main" val="20002"/>
+                    </a:ext>
+                  </a:extLst>
+                </a:gridCol>
+                <a:gridCol w="1691650">
+                  <a:extLst>
+                    <a:ext uri="{9D8B030D-6E8A-4147-A177-3AD203B41FA5}">
+                      <a16:colId xmlns:a16="http://schemas.microsoft.com/office/drawing/2014/main" val="20003"/>
+                    </a:ext>
+                  </a:extLst>
+                </a:gridCol>
+                <a:gridCol w="1691650">
+                  <a:extLst>
+                    <a:ext uri="{9D8B030D-6E8A-4147-A177-3AD203B41FA5}">
+                      <a16:colId xmlns:a16="http://schemas.microsoft.com/office/drawing/2014/main" val="20004"/>
+                    </a:ext>
+                  </a:extLst>
+                </a:gridCol>
               </a:tblGrid>
               <a:tr h="381000">
                 <a:tc>
@@ -11190,7 +11394,7 @@
                     <a:bodyPr/>
                     <a:lstStyle/>
                     <a:p>
-                      <a:pPr indent="0" lvl="0" marL="0" rtl="0" algn="l">
+                      <a:pPr marL="0" lvl="0" indent="0" algn="l" rtl="0">
                         <a:spcBef>
                           <a:spcPts val="0"/>
                         </a:spcBef>
@@ -11200,7 +11404,7 @@
                         <a:buNone/>
                       </a:pPr>
                       <a:r>
-                        <a:rPr b="1" lang="en-GB"/>
+                        <a:rPr lang="en-GB" b="1"/>
                         <a:t>Source </a:t>
                       </a:r>
                       <a:r>
@@ -11210,14 +11414,14 @@
                       <a:endParaRPr/>
                     </a:p>
                   </a:txBody>
-                  <a:tcPr marT="91425" marB="91425" marR="91425" marL="91425"/>
+                  <a:tcPr marL="91425" marR="91425" marT="91425" marB="91425"/>
                 </a:tc>
                 <a:tc>
                   <a:txBody>
                     <a:bodyPr/>
                     <a:lstStyle/>
                     <a:p>
-                      <a:pPr indent="0" lvl="0" marL="0" rtl="0" algn="l">
+                      <a:pPr marL="0" lvl="0" indent="0" algn="l" rtl="0">
                         <a:spcBef>
                           <a:spcPts val="0"/>
                         </a:spcBef>
@@ -11233,14 +11437,14 @@
                       <a:endParaRPr/>
                     </a:p>
                   </a:txBody>
-                  <a:tcPr marT="91425" marB="91425" marR="91425" marL="91425"/>
+                  <a:tcPr marL="91425" marR="91425" marT="91425" marB="91425"/>
                 </a:tc>
                 <a:tc>
                   <a:txBody>
                     <a:bodyPr/>
                     <a:lstStyle/>
                     <a:p>
-                      <a:pPr indent="0" lvl="0" marL="0" rtl="0" algn="l">
+                      <a:pPr marL="0" lvl="0" indent="0" algn="l" rtl="0">
                         <a:spcBef>
                           <a:spcPts val="0"/>
                         </a:spcBef>
@@ -11256,14 +11460,14 @@
                       <a:endParaRPr/>
                     </a:p>
                   </a:txBody>
-                  <a:tcPr marT="91425" marB="91425" marR="91425" marL="91425"/>
+                  <a:tcPr marL="91425" marR="91425" marT="91425" marB="91425"/>
                 </a:tc>
                 <a:tc>
                   <a:txBody>
                     <a:bodyPr/>
                     <a:lstStyle/>
                     <a:p>
-                      <a:pPr indent="0" lvl="0" marL="0" rtl="0" algn="l">
+                      <a:pPr marL="0" lvl="0" indent="0" algn="l" rtl="0">
                         <a:spcBef>
                           <a:spcPts val="0"/>
                         </a:spcBef>
@@ -11279,14 +11483,14 @@
                       <a:endParaRPr/>
                     </a:p>
                   </a:txBody>
-                  <a:tcPr marT="91425" marB="91425" marR="91425" marL="91425"/>
+                  <a:tcPr marL="91425" marR="91425" marT="91425" marB="91425"/>
                 </a:tc>
                 <a:tc>
                   <a:txBody>
                     <a:bodyPr/>
                     <a:lstStyle/>
                     <a:p>
-                      <a:pPr indent="0" lvl="0" marL="0" rtl="0" algn="l">
+                      <a:pPr marL="0" lvl="0" indent="0" algn="l" rtl="0">
                         <a:spcBef>
                           <a:spcPts val="0"/>
                         </a:spcBef>
@@ -11302,8 +11506,13 @@
                       <a:endParaRPr/>
                     </a:p>
                   </a:txBody>
-                  <a:tcPr marT="91425" marB="91425" marR="91425" marL="91425"/>
+                  <a:tcPr marL="91425" marR="91425" marT="91425" marB="91425"/>
                 </a:tc>
+                <a:extLst>
+                  <a:ext uri="{0D108BD9-81ED-4DB2-BD59-A6C34878D82A}">
+                    <a16:rowId xmlns:a16="http://schemas.microsoft.com/office/drawing/2014/main" val="10000"/>
+                  </a:ext>
+                </a:extLst>
               </a:tr>
               <a:tr h="381000">
                 <a:tc>
@@ -11311,7 +11520,7 @@
                     <a:bodyPr/>
                     <a:lstStyle/>
                     <a:p>
-                      <a:pPr indent="0" lvl="0" marL="0" rtl="0" algn="l">
+                      <a:pPr marL="0" lvl="0" indent="0" algn="l" rtl="0">
                         <a:spcBef>
                           <a:spcPts val="0"/>
                         </a:spcBef>
@@ -11327,14 +11536,14 @@
                       <a:endParaRPr/>
                     </a:p>
                   </a:txBody>
-                  <a:tcPr marT="91425" marB="91425" marR="91425" marL="91425"/>
+                  <a:tcPr marL="91425" marR="91425" marT="91425" marB="91425"/>
                 </a:tc>
                 <a:tc>
                   <a:txBody>
                     <a:bodyPr/>
                     <a:lstStyle/>
                     <a:p>
-                      <a:pPr indent="0" lvl="0" marL="0" rtl="0" algn="l">
+                      <a:pPr marL="0" lvl="0" indent="0" algn="l" rtl="0">
                         <a:spcBef>
                           <a:spcPts val="0"/>
                         </a:spcBef>
@@ -11350,14 +11559,14 @@
                       <a:endParaRPr/>
                     </a:p>
                   </a:txBody>
-                  <a:tcPr marT="91425" marB="91425" marR="91425" marL="91425"/>
+                  <a:tcPr marL="91425" marR="91425" marT="91425" marB="91425"/>
                 </a:tc>
                 <a:tc>
                   <a:txBody>
                     <a:bodyPr/>
                     <a:lstStyle/>
                     <a:p>
-                      <a:pPr indent="0" lvl="0" marL="0" rtl="0" algn="l">
+                      <a:pPr marL="0" lvl="0" indent="0" algn="l" rtl="0">
                         <a:spcBef>
                           <a:spcPts val="0"/>
                         </a:spcBef>
@@ -11373,14 +11582,14 @@
                       <a:endParaRPr/>
                     </a:p>
                   </a:txBody>
-                  <a:tcPr marT="91425" marB="91425" marR="91425" marL="91425"/>
+                  <a:tcPr marL="91425" marR="91425" marT="91425" marB="91425"/>
                 </a:tc>
                 <a:tc>
                   <a:txBody>
                     <a:bodyPr/>
                     <a:lstStyle/>
                     <a:p>
-                      <a:pPr indent="0" lvl="0" marL="0" rtl="0" algn="l">
+                      <a:pPr marL="0" lvl="0" indent="0" algn="l" rtl="0">
                         <a:spcBef>
                           <a:spcPts val="0"/>
                         </a:spcBef>
@@ -11396,14 +11605,14 @@
                       <a:endParaRPr/>
                     </a:p>
                   </a:txBody>
-                  <a:tcPr marT="91425" marB="91425" marR="91425" marL="91425"/>
+                  <a:tcPr marL="91425" marR="91425" marT="91425" marB="91425"/>
                 </a:tc>
                 <a:tc>
                   <a:txBody>
                     <a:bodyPr/>
                     <a:lstStyle/>
                     <a:p>
-                      <a:pPr indent="0" lvl="0" marL="0" rtl="0" algn="l">
+                      <a:pPr marL="0" lvl="0" indent="0" algn="l" rtl="0">
                         <a:spcBef>
                           <a:spcPts val="0"/>
                         </a:spcBef>
@@ -11419,8 +11628,13 @@
                       <a:endParaRPr/>
                     </a:p>
                   </a:txBody>
-                  <a:tcPr marT="91425" marB="91425" marR="91425" marL="91425"/>
+                  <a:tcPr marL="91425" marR="91425" marT="91425" marB="91425"/>
                 </a:tc>
+                <a:extLst>
+                  <a:ext uri="{0D108BD9-81ED-4DB2-BD59-A6C34878D82A}">
+                    <a16:rowId xmlns:a16="http://schemas.microsoft.com/office/drawing/2014/main" val="10001"/>
+                  </a:ext>
+                </a:extLst>
               </a:tr>
               <a:tr h="381000">
                 <a:tc>
@@ -11428,7 +11642,7 @@
                     <a:bodyPr/>
                     <a:lstStyle/>
                     <a:p>
-                      <a:pPr indent="0" lvl="0" marL="0" rtl="0" algn="l">
+                      <a:pPr marL="0" lvl="0" indent="0" algn="l" rtl="0">
                         <a:spcBef>
                           <a:spcPts val="0"/>
                         </a:spcBef>
@@ -11444,14 +11658,14 @@
                       <a:endParaRPr/>
                     </a:p>
                   </a:txBody>
-                  <a:tcPr marT="91425" marB="91425" marR="91425" marL="91425"/>
+                  <a:tcPr marL="91425" marR="91425" marT="91425" marB="91425"/>
                 </a:tc>
                 <a:tc>
                   <a:txBody>
                     <a:bodyPr/>
                     <a:lstStyle/>
                     <a:p>
-                      <a:pPr indent="0" lvl="0" marL="0" rtl="0" algn="l">
+                      <a:pPr marL="0" lvl="0" indent="0" algn="l" rtl="0">
                         <a:spcBef>
                           <a:spcPts val="0"/>
                         </a:spcBef>
@@ -11467,14 +11681,14 @@
                       <a:endParaRPr/>
                     </a:p>
                   </a:txBody>
-                  <a:tcPr marT="91425" marB="91425" marR="91425" marL="91425"/>
+                  <a:tcPr marL="91425" marR="91425" marT="91425" marB="91425"/>
                 </a:tc>
                 <a:tc>
                   <a:txBody>
                     <a:bodyPr/>
                     <a:lstStyle/>
                     <a:p>
-                      <a:pPr indent="0" lvl="0" marL="0" rtl="0" algn="l">
+                      <a:pPr marL="0" lvl="0" indent="0" algn="l" rtl="0">
                         <a:spcBef>
                           <a:spcPts val="0"/>
                         </a:spcBef>
@@ -11490,14 +11704,14 @@
                       <a:endParaRPr/>
                     </a:p>
                   </a:txBody>
-                  <a:tcPr marT="91425" marB="91425" marR="91425" marL="91425"/>
+                  <a:tcPr marL="91425" marR="91425" marT="91425" marB="91425"/>
                 </a:tc>
                 <a:tc>
                   <a:txBody>
                     <a:bodyPr/>
                     <a:lstStyle/>
                     <a:p>
-                      <a:pPr indent="0" lvl="0" marL="0" rtl="0" algn="l">
+                      <a:pPr marL="0" lvl="0" indent="0" algn="l" rtl="0">
                         <a:spcBef>
                           <a:spcPts val="0"/>
                         </a:spcBef>
@@ -11513,14 +11727,14 @@
                       <a:endParaRPr/>
                     </a:p>
                   </a:txBody>
-                  <a:tcPr marT="91425" marB="91425" marR="91425" marL="91425"/>
+                  <a:tcPr marL="91425" marR="91425" marT="91425" marB="91425"/>
                 </a:tc>
                 <a:tc>
                   <a:txBody>
                     <a:bodyPr/>
                     <a:lstStyle/>
                     <a:p>
-                      <a:pPr indent="0" lvl="0" marL="0" rtl="0" algn="l">
+                      <a:pPr marL="0" lvl="0" indent="0" algn="l" rtl="0">
                         <a:spcBef>
                           <a:spcPts val="0"/>
                         </a:spcBef>
@@ -11536,8 +11750,13 @@
                       <a:endParaRPr/>
                     </a:p>
                   </a:txBody>
-                  <a:tcPr marT="91425" marB="91425" marR="91425" marL="91425"/>
+                  <a:tcPr marL="91425" marR="91425" marT="91425" marB="91425"/>
                 </a:tc>
+                <a:extLst>
+                  <a:ext uri="{0D108BD9-81ED-4DB2-BD59-A6C34878D82A}">
+                    <a16:rowId xmlns:a16="http://schemas.microsoft.com/office/drawing/2014/main" val="10002"/>
+                  </a:ext>
+                </a:extLst>
               </a:tr>
               <a:tr h="381000">
                 <a:tc>
@@ -11545,7 +11764,7 @@
                     <a:bodyPr/>
                     <a:lstStyle/>
                     <a:p>
-                      <a:pPr indent="0" lvl="0" marL="0" rtl="0" algn="l">
+                      <a:pPr marL="0" lvl="0" indent="0" algn="l" rtl="0">
                         <a:spcBef>
                           <a:spcPts val="0"/>
                         </a:spcBef>
@@ -11561,14 +11780,14 @@
                       <a:endParaRPr/>
                     </a:p>
                   </a:txBody>
-                  <a:tcPr marT="91425" marB="91425" marR="91425" marL="91425"/>
+                  <a:tcPr marL="91425" marR="91425" marT="91425" marB="91425"/>
                 </a:tc>
                 <a:tc>
                   <a:txBody>
                     <a:bodyPr/>
                     <a:lstStyle/>
                     <a:p>
-                      <a:pPr indent="0" lvl="0" marL="0" rtl="0" algn="l">
+                      <a:pPr marL="0" lvl="0" indent="0" algn="l" rtl="0">
                         <a:spcBef>
                           <a:spcPts val="0"/>
                         </a:spcBef>
@@ -11584,14 +11803,14 @@
                       <a:endParaRPr/>
                     </a:p>
                   </a:txBody>
-                  <a:tcPr marT="91425" marB="91425" marR="91425" marL="91425"/>
+                  <a:tcPr marL="91425" marR="91425" marT="91425" marB="91425"/>
                 </a:tc>
                 <a:tc>
                   <a:txBody>
                     <a:bodyPr/>
                     <a:lstStyle/>
                     <a:p>
-                      <a:pPr indent="0" lvl="0" marL="0" rtl="0" algn="l">
+                      <a:pPr marL="0" lvl="0" indent="0" algn="l" rtl="0">
                         <a:spcBef>
                           <a:spcPts val="0"/>
                         </a:spcBef>
@@ -11607,14 +11826,14 @@
                       <a:endParaRPr/>
                     </a:p>
                   </a:txBody>
-                  <a:tcPr marT="91425" marB="91425" marR="91425" marL="91425"/>
+                  <a:tcPr marL="91425" marR="91425" marT="91425" marB="91425"/>
                 </a:tc>
                 <a:tc>
                   <a:txBody>
                     <a:bodyPr/>
                     <a:lstStyle/>
                     <a:p>
-                      <a:pPr indent="0" lvl="0" marL="0" rtl="0" algn="l">
+                      <a:pPr marL="0" lvl="0" indent="0" algn="l" rtl="0">
                         <a:spcBef>
                           <a:spcPts val="0"/>
                         </a:spcBef>
@@ -11630,14 +11849,14 @@
                       <a:endParaRPr/>
                     </a:p>
                   </a:txBody>
-                  <a:tcPr marT="91425" marB="91425" marR="91425" marL="91425"/>
+                  <a:tcPr marL="91425" marR="91425" marT="91425" marB="91425"/>
                 </a:tc>
                 <a:tc>
                   <a:txBody>
                     <a:bodyPr/>
                     <a:lstStyle/>
                     <a:p>
-                      <a:pPr indent="0" lvl="0" marL="0" rtl="0" algn="l">
+                      <a:pPr marL="0" lvl="0" indent="0" algn="l" rtl="0">
                         <a:spcBef>
                           <a:spcPts val="0"/>
                         </a:spcBef>
@@ -11653,8 +11872,13 @@
                       <a:endParaRPr/>
                     </a:p>
                   </a:txBody>
-                  <a:tcPr marT="91425" marB="91425" marR="91425" marL="91425"/>
+                  <a:tcPr marL="91425" marR="91425" marT="91425" marB="91425"/>
                 </a:tc>
+                <a:extLst>
+                  <a:ext uri="{0D108BD9-81ED-4DB2-BD59-A6C34878D82A}">
+                    <a16:rowId xmlns:a16="http://schemas.microsoft.com/office/drawing/2014/main" val="10003"/>
+                  </a:ext>
+                </a:extLst>
               </a:tr>
               <a:tr h="381000">
                 <a:tc>
@@ -11662,7 +11886,7 @@
                     <a:bodyPr/>
                     <a:lstStyle/>
                     <a:p>
-                      <a:pPr indent="0" lvl="0" marL="0" rtl="0" algn="l">
+                      <a:pPr marL="0" lvl="0" indent="0" algn="l" rtl="0">
                         <a:spcBef>
                           <a:spcPts val="0"/>
                         </a:spcBef>
@@ -11678,14 +11902,14 @@
                       <a:endParaRPr/>
                     </a:p>
                   </a:txBody>
-                  <a:tcPr marT="91425" marB="91425" marR="91425" marL="91425"/>
+                  <a:tcPr marL="91425" marR="91425" marT="91425" marB="91425"/>
                 </a:tc>
                 <a:tc>
                   <a:txBody>
                     <a:bodyPr/>
                     <a:lstStyle/>
                     <a:p>
-                      <a:pPr indent="0" lvl="0" marL="0" rtl="0" algn="l">
+                      <a:pPr marL="0" lvl="0" indent="0" algn="l" rtl="0">
                         <a:spcBef>
                           <a:spcPts val="0"/>
                         </a:spcBef>
@@ -11701,14 +11925,14 @@
                       <a:endParaRPr/>
                     </a:p>
                   </a:txBody>
-                  <a:tcPr marT="91425" marB="91425" marR="91425" marL="91425"/>
+                  <a:tcPr marL="91425" marR="91425" marT="91425" marB="91425"/>
                 </a:tc>
                 <a:tc>
                   <a:txBody>
                     <a:bodyPr/>
                     <a:lstStyle/>
                     <a:p>
-                      <a:pPr indent="0" lvl="0" marL="0" rtl="0" algn="l">
+                      <a:pPr marL="0" lvl="0" indent="0" algn="l" rtl="0">
                         <a:spcBef>
                           <a:spcPts val="0"/>
                         </a:spcBef>
@@ -11724,14 +11948,14 @@
                       <a:endParaRPr/>
                     </a:p>
                   </a:txBody>
-                  <a:tcPr marT="91425" marB="91425" marR="91425" marL="91425"/>
+                  <a:tcPr marL="91425" marR="91425" marT="91425" marB="91425"/>
                 </a:tc>
                 <a:tc>
                   <a:txBody>
                     <a:bodyPr/>
                     <a:lstStyle/>
                     <a:p>
-                      <a:pPr indent="0" lvl="0" marL="0" rtl="0" algn="l">
+                      <a:pPr marL="0" lvl="0" indent="0" algn="l" rtl="0">
                         <a:spcBef>
                           <a:spcPts val="0"/>
                         </a:spcBef>
@@ -11747,14 +11971,14 @@
                       <a:endParaRPr/>
                     </a:p>
                   </a:txBody>
-                  <a:tcPr marT="91425" marB="91425" marR="91425" marL="91425"/>
+                  <a:tcPr marL="91425" marR="91425" marT="91425" marB="91425"/>
                 </a:tc>
                 <a:tc>
                   <a:txBody>
                     <a:bodyPr/>
                     <a:lstStyle/>
                     <a:p>
-                      <a:pPr indent="0" lvl="0" marL="0" rtl="0" algn="l">
+                      <a:pPr marL="0" lvl="0" indent="0" algn="l" rtl="0">
                         <a:spcBef>
                           <a:spcPts val="0"/>
                         </a:spcBef>
@@ -11770,8 +11994,13 @@
                       <a:endParaRPr/>
                     </a:p>
                   </a:txBody>
-                  <a:tcPr marT="91425" marB="91425" marR="91425" marL="91425"/>
+                  <a:tcPr marL="91425" marR="91425" marT="91425" marB="91425"/>
                 </a:tc>
+                <a:extLst>
+                  <a:ext uri="{0D108BD9-81ED-4DB2-BD59-A6C34878D82A}">
+                    <a16:rowId xmlns:a16="http://schemas.microsoft.com/office/drawing/2014/main" val="10004"/>
+                  </a:ext>
+                </a:extLst>
               </a:tr>
             </a:tbl>
           </a:graphicData>
@@ -11797,12 +12026,12 @@
           </a:ln>
         </p:spPr>
         <p:txBody>
-          <a:bodyPr anchorCtr="0" anchor="t" bIns="91425" lIns="91425" spcFirstLastPara="1" rIns="91425" wrap="square" tIns="91425">
+          <a:bodyPr spcFirstLastPara="1" wrap="square" lIns="91425" tIns="91425" rIns="91425" bIns="91425" anchor="t" anchorCtr="0">
             <a:noAutofit/>
           </a:bodyPr>
           <a:lstStyle/>
           <a:p>
-            <a:pPr indent="0" lvl="0" marL="0" rtl="0" algn="l">
+            <a:pPr marL="0" lvl="0" indent="0" algn="l" rtl="0">
               <a:spcBef>
                 <a:spcPts val="0"/>
               </a:spcBef>
@@ -11818,25 +12047,7 @@
                 <a:cs typeface="Lato"/>
                 <a:sym typeface="Lato"/>
               </a:rPr>
-              <a:t>We created lookups  and this is how using the staged data for the above shown we </a:t>
-            </a:r>
-            <a:r>
-              <a:rPr lang="en-GB">
-                <a:latin typeface="Lato"/>
-                <a:ea typeface="Lato"/>
-                <a:cs typeface="Lato"/>
-                <a:sym typeface="Lato"/>
-              </a:rPr>
-              <a:t>populated</a:t>
-            </a:r>
-            <a:r>
-              <a:rPr lang="en-GB">
-                <a:latin typeface="Lato"/>
-                <a:ea typeface="Lato"/>
-                <a:cs typeface="Lato"/>
-                <a:sym typeface="Lato"/>
-              </a:rPr>
-              <a:t> our DW and the FactComplex</a:t>
+              <a:t>We created lookups  and this is how using the staged data for the above shown we populated our DW and the FactComplex</a:t>
             </a:r>
             <a:endParaRPr>
               <a:latin typeface="Lato"/>
@@ -11856,11 +12067,11 @@
 </file>
 
 <file path=ppt/slides/slide22.xml><?xml version="1.0" encoding="utf-8"?>
-<p:sld xmlns:a="http://schemas.openxmlformats.org/drawingml/2006/main" xmlns:r="http://schemas.openxmlformats.org/officeDocument/2006/relationships" xmlns:mc="http://schemas.openxmlformats.org/markup-compatibility/2006" xmlns:mv="urn:schemas-microsoft-com:mac:vml" xmlns:p="http://schemas.openxmlformats.org/presentationml/2006/main" xmlns:c="http://schemas.openxmlformats.org/drawingml/2006/chart" xmlns:dgm="http://schemas.openxmlformats.org/drawingml/2006/diagram" xmlns:o="urn:schemas-microsoft-com:office:office" xmlns:v="urn:schemas-microsoft-com:vml" xmlns:pvml="urn:schemas-microsoft-com:office:powerpoint" xmlns:com="http://schemas.openxmlformats.org/drawingml/2006/compatibility" xmlns:p14="http://schemas.microsoft.com/office/powerpoint/2010/main" xmlns:p15="http://schemas.microsoft.com/office/powerpoint/2012/main">
+<p:sld xmlns:a="http://schemas.openxmlformats.org/drawingml/2006/main" xmlns:r="http://schemas.openxmlformats.org/officeDocument/2006/relationships" xmlns:p="http://schemas.openxmlformats.org/presentationml/2006/main">
   <p:cSld>
     <p:spTree>
       <p:nvGrpSpPr>
-        <p:cNvPr id="219" name="Shape 219"/>
+        <p:cNvPr id="1" name="Shape 219"/>
         <p:cNvGrpSpPr/>
         <p:nvPr/>
       </p:nvGrpSpPr>
@@ -11875,7 +12086,9 @@
       <p:sp>
         <p:nvSpPr>
           <p:cNvPr id="220" name="Google Shape;220;p34"/>
-          <p:cNvSpPr txBox="1"/>
+          <p:cNvSpPr txBox="1">
+            <a:spLocks noGrp="1"/>
+          </p:cNvSpPr>
           <p:nvPr>
             <p:ph type="title"/>
           </p:nvPr>
@@ -11890,12 +12103,12 @@
           </a:prstGeom>
         </p:spPr>
         <p:txBody>
-          <a:bodyPr anchorCtr="0" anchor="t" bIns="91425" lIns="91425" spcFirstLastPara="1" rIns="91425" wrap="square" tIns="91425">
+          <a:bodyPr spcFirstLastPara="1" wrap="square" lIns="91425" tIns="91425" rIns="91425" bIns="91425" anchor="t" anchorCtr="0">
             <a:noAutofit/>
           </a:bodyPr>
           <a:lstStyle/>
           <a:p>
-            <a:pPr indent="0" lvl="0" marL="0" rtl="0" algn="l">
+            <a:pPr marL="0" lvl="0" indent="0" algn="l" rtl="0">
               <a:spcBef>
                 <a:spcPts val="0"/>
               </a:spcBef>
@@ -11906,11 +12119,7 @@
             </a:pPr>
             <a:r>
               <a:rPr lang="en-GB"/>
-              <a:t>Data Warehouse </a:t>
-            </a:r>
-            <a:r>
-              <a:rPr lang="en-GB"/>
-              <a:t>Maintenance Plan</a:t>
+              <a:t>Data Warehouse Maintenance Plan</a:t>
             </a:r>
             <a:endParaRPr/>
           </a:p>
@@ -11952,12 +12161,12 @@
             </a:ln>
           </p:spPr>
           <p:txBody>
-            <a:bodyPr anchorCtr="0" anchor="ctr" bIns="91425" lIns="91425" spcFirstLastPara="1" rIns="91425" wrap="square" tIns="91425">
+            <a:bodyPr spcFirstLastPara="1" wrap="square" lIns="91425" tIns="91425" rIns="91425" bIns="91425" anchor="ctr" anchorCtr="0">
               <a:noAutofit/>
             </a:bodyPr>
             <a:lstStyle/>
             <a:p>
-              <a:pPr indent="0" lvl="0" marL="0" rtl="0" algn="l">
+              <a:pPr marL="0" lvl="0" indent="0" algn="l" rtl="0">
                 <a:spcBef>
                   <a:spcPts val="0"/>
                 </a:spcBef>
@@ -11966,9 +12175,6 @@
                 </a:spcAft>
                 <a:buNone/>
               </a:pPr>
-              <a:r>
-                <a:t/>
-              </a:r>
               <a:endParaRPr/>
             </a:p>
           </p:txBody>
@@ -11990,23 +12196,23 @@
             <a:solidFill>
               <a:srgbClr val="FFFFFF"/>
             </a:solidFill>
-            <a:ln cap="flat" cmpd="sng" w="19050">
+            <a:ln w="19050" cap="flat" cmpd="sng">
               <a:solidFill>
                 <a:srgbClr val="B02C20"/>
               </a:solidFill>
               <a:prstDash val="solid"/>
               <a:round/>
-              <a:headEnd len="sm" w="sm" type="none"/>
-              <a:tailEnd len="sm" w="sm" type="none"/>
+              <a:headEnd type="none" w="sm" len="sm"/>
+              <a:tailEnd type="none" w="sm" len="sm"/>
             </a:ln>
           </p:spPr>
           <p:txBody>
-            <a:bodyPr anchorCtr="0" anchor="ctr" bIns="91425" lIns="91425" spcFirstLastPara="1" rIns="91425" wrap="square" tIns="91425">
+            <a:bodyPr spcFirstLastPara="1" wrap="square" lIns="91425" tIns="91425" rIns="91425" bIns="91425" anchor="ctr" anchorCtr="0">
               <a:noAutofit/>
             </a:bodyPr>
             <a:lstStyle/>
             <a:p>
-              <a:pPr indent="0" lvl="0" marL="0" rtl="0" algn="l">
+              <a:pPr marL="0" lvl="0" indent="0" algn="l" rtl="0">
                 <a:spcBef>
                   <a:spcPts val="0"/>
                 </a:spcBef>
@@ -12015,9 +12221,6 @@
                 </a:spcAft>
                 <a:buNone/>
               </a:pPr>
-              <a:r>
-                <a:t/>
-              </a:r>
               <a:endParaRPr/>
             </a:p>
           </p:txBody>
@@ -12042,12 +12245,12 @@
             </a:ln>
           </p:spPr>
           <p:txBody>
-            <a:bodyPr anchorCtr="0" anchor="t" bIns="91425" lIns="91425" spcFirstLastPara="1" rIns="91425" wrap="square" tIns="91425">
+            <a:bodyPr spcFirstLastPara="1" wrap="square" lIns="91425" tIns="91425" rIns="91425" bIns="91425" anchor="t" anchorCtr="0">
               <a:noAutofit/>
             </a:bodyPr>
             <a:lstStyle/>
             <a:p>
-              <a:pPr indent="0" lvl="0" marL="0" rtl="0" algn="l">
+              <a:pPr marL="0" lvl="0" indent="0" algn="l" rtl="0">
                 <a:spcBef>
                   <a:spcPts val="0"/>
                 </a:spcBef>
@@ -12093,8 +12296,8 @@
             </a:xfrm>
             <a:prstGeom prst="rightArrow">
               <a:avLst>
-                <a:gd fmla="val 34239" name="adj1"/>
-                <a:gd fmla="val 57035" name="adj2"/>
+                <a:gd name="adj1" fmla="val 34239"/>
+                <a:gd name="adj2" fmla="val 57035"/>
               </a:avLst>
             </a:prstGeom>
             <a:solidFill>
@@ -12105,12 +12308,12 @@
             </a:ln>
           </p:spPr>
           <p:txBody>
-            <a:bodyPr anchorCtr="0" anchor="ctr" bIns="91425" lIns="91425" spcFirstLastPara="1" rIns="91425" wrap="square" tIns="91425">
+            <a:bodyPr spcFirstLastPara="1" wrap="square" lIns="91425" tIns="91425" rIns="91425" bIns="91425" anchor="ctr" anchorCtr="0">
               <a:noAutofit/>
             </a:bodyPr>
             <a:lstStyle/>
             <a:p>
-              <a:pPr indent="0" lvl="0" marL="0" rtl="0" algn="l">
+              <a:pPr marL="0" lvl="0" indent="0" algn="l" rtl="0">
                 <a:spcBef>
                   <a:spcPts val="0"/>
                 </a:spcBef>
@@ -12119,9 +12322,6 @@
                 </a:spcAft>
                 <a:buNone/>
               </a:pPr>
-              <a:r>
-                <a:t/>
-              </a:r>
               <a:endParaRPr/>
             </a:p>
           </p:txBody>
@@ -12146,12 +12346,35 @@
             </a:ln>
           </p:spPr>
           <p:txBody>
-            <a:bodyPr anchorCtr="0" anchor="t" bIns="91425" lIns="91425" spcFirstLastPara="1" rIns="91425" wrap="square" tIns="91425">
+            <a:bodyPr spcFirstLastPara="1" wrap="square" lIns="91425" tIns="91425" rIns="91425" bIns="91425" anchor="t" anchorCtr="0">
               <a:noAutofit/>
             </a:bodyPr>
             <a:lstStyle/>
             <a:p>
-              <a:pPr indent="0" lvl="0" marL="457200" rtl="0" algn="ctr">
+              <a:pPr marL="457200" lvl="0" indent="0" algn="ctr" rtl="0">
+                <a:lnSpc>
+                  <a:spcPct val="115000"/>
+                </a:lnSpc>
+                <a:spcBef>
+                  <a:spcPts val="0"/>
+                </a:spcBef>
+                <a:spcAft>
+                  <a:spcPts val="0"/>
+                </a:spcAft>
+                <a:buNone/>
+              </a:pPr>
+              <a:endParaRPr sz="1200" b="1">
+                <a:solidFill>
+                  <a:srgbClr val="FFFFFF"/>
+                </a:solidFill>
+                <a:latin typeface="Roboto"/>
+                <a:ea typeface="Roboto"/>
+                <a:cs typeface="Roboto"/>
+                <a:sym typeface="Roboto"/>
+              </a:endParaRPr>
+            </a:p>
+            <a:p>
+              <a:pPr marL="0" lvl="0" indent="0" algn="ctr" rtl="0">
                 <a:lnSpc>
                   <a:spcPct val="115000"/>
                 </a:lnSpc>
@@ -12164,33 +12387,7 @@
                 <a:buNone/>
               </a:pPr>
               <a:r>
-                <a:t/>
-              </a:r>
-              <a:endParaRPr b="1" sz="1200">
-                <a:solidFill>
-                  <a:srgbClr val="FFFFFF"/>
-                </a:solidFill>
-                <a:latin typeface="Roboto"/>
-                <a:ea typeface="Roboto"/>
-                <a:cs typeface="Roboto"/>
-                <a:sym typeface="Roboto"/>
-              </a:endParaRPr>
-            </a:p>
-            <a:p>
-              <a:pPr indent="0" lvl="0" marL="0" rtl="0" algn="ctr">
-                <a:lnSpc>
-                  <a:spcPct val="115000"/>
-                </a:lnSpc>
-                <a:spcBef>
-                  <a:spcPts val="0"/>
-                </a:spcBef>
-                <a:spcAft>
-                  <a:spcPts val="0"/>
-                </a:spcAft>
-                <a:buNone/>
-              </a:pPr>
-              <a:r>
-                <a:rPr b="1" lang="en-GB">
+                <a:rPr lang="en-GB" b="1">
                   <a:solidFill>
                     <a:srgbClr val="FFFFFF"/>
                   </a:solidFill>
@@ -12250,12 +12447,12 @@
             </a:ln>
           </p:spPr>
           <p:txBody>
-            <a:bodyPr anchorCtr="0" anchor="ctr" bIns="91425" lIns="91425" spcFirstLastPara="1" rIns="91425" wrap="square" tIns="91425">
+            <a:bodyPr spcFirstLastPara="1" wrap="square" lIns="91425" tIns="91425" rIns="91425" bIns="91425" anchor="ctr" anchorCtr="0">
               <a:noAutofit/>
             </a:bodyPr>
             <a:lstStyle/>
             <a:p>
-              <a:pPr indent="0" lvl="0" marL="0" rtl="0" algn="l">
+              <a:pPr marL="0" lvl="0" indent="0" algn="l" rtl="0">
                 <a:spcBef>
                   <a:spcPts val="0"/>
                 </a:spcBef>
@@ -12264,9 +12461,6 @@
                 </a:spcAft>
                 <a:buNone/>
               </a:pPr>
-              <a:r>
-                <a:t/>
-              </a:r>
               <a:endParaRPr/>
             </a:p>
           </p:txBody>
@@ -12288,23 +12482,23 @@
             <a:solidFill>
               <a:srgbClr val="FFFFFF"/>
             </a:solidFill>
-            <a:ln cap="flat" cmpd="sng" w="19050">
+            <a:ln w="19050" cap="flat" cmpd="sng">
               <a:solidFill>
                 <a:srgbClr val="B02C20"/>
               </a:solidFill>
               <a:prstDash val="solid"/>
               <a:round/>
-              <a:headEnd len="sm" w="sm" type="none"/>
-              <a:tailEnd len="sm" w="sm" type="none"/>
+              <a:headEnd type="none" w="sm" len="sm"/>
+              <a:tailEnd type="none" w="sm" len="sm"/>
             </a:ln>
           </p:spPr>
           <p:txBody>
-            <a:bodyPr anchorCtr="0" anchor="ctr" bIns="91425" lIns="91425" spcFirstLastPara="1" rIns="91425" wrap="square" tIns="91425">
+            <a:bodyPr spcFirstLastPara="1" wrap="square" lIns="91425" tIns="91425" rIns="91425" bIns="91425" anchor="ctr" anchorCtr="0">
               <a:noAutofit/>
             </a:bodyPr>
             <a:lstStyle/>
             <a:p>
-              <a:pPr indent="0" lvl="0" marL="0" rtl="0" algn="l">
+              <a:pPr marL="0" lvl="0" indent="0" algn="l" rtl="0">
                 <a:spcBef>
                   <a:spcPts val="0"/>
                 </a:spcBef>
@@ -12313,9 +12507,6 @@
                 </a:spcAft>
                 <a:buNone/>
               </a:pPr>
-              <a:r>
-                <a:t/>
-              </a:r>
               <a:endParaRPr/>
             </a:p>
           </p:txBody>
@@ -12340,12 +12531,12 @@
             </a:ln>
           </p:spPr>
           <p:txBody>
-            <a:bodyPr anchorCtr="0" anchor="t" bIns="91425" lIns="91425" spcFirstLastPara="1" rIns="91425" wrap="square" tIns="91425">
+            <a:bodyPr spcFirstLastPara="1" wrap="square" lIns="91425" tIns="91425" rIns="91425" bIns="91425" anchor="t" anchorCtr="0">
               <a:noAutofit/>
             </a:bodyPr>
             <a:lstStyle/>
             <a:p>
-              <a:pPr indent="0" lvl="0" marL="0" rtl="0" algn="l">
+              <a:pPr marL="0" lvl="0" indent="0" algn="l" rtl="0">
                 <a:spcBef>
                   <a:spcPts val="0"/>
                 </a:spcBef>
@@ -12391,8 +12582,8 @@
             </a:xfrm>
             <a:prstGeom prst="rightArrow">
               <a:avLst>
-                <a:gd fmla="val 34239" name="adj1"/>
-                <a:gd fmla="val 57035" name="adj2"/>
+                <a:gd name="adj1" fmla="val 34239"/>
+                <a:gd name="adj2" fmla="val 57035"/>
               </a:avLst>
             </a:prstGeom>
             <a:solidFill>
@@ -12403,12 +12594,12 @@
             </a:ln>
           </p:spPr>
           <p:txBody>
-            <a:bodyPr anchorCtr="0" anchor="ctr" bIns="91425" lIns="91425" spcFirstLastPara="1" rIns="91425" wrap="square" tIns="91425">
+            <a:bodyPr spcFirstLastPara="1" wrap="square" lIns="91425" tIns="91425" rIns="91425" bIns="91425" anchor="ctr" anchorCtr="0">
               <a:noAutofit/>
             </a:bodyPr>
             <a:lstStyle/>
             <a:p>
-              <a:pPr indent="0" lvl="0" marL="0" rtl="0" algn="l">
+              <a:pPr marL="0" lvl="0" indent="0" algn="l" rtl="0">
                 <a:spcBef>
                   <a:spcPts val="0"/>
                 </a:spcBef>
@@ -12417,9 +12608,6 @@
                 </a:spcAft>
                 <a:buNone/>
               </a:pPr>
-              <a:r>
-                <a:t/>
-              </a:r>
               <a:endParaRPr/>
             </a:p>
           </p:txBody>
@@ -12444,12 +12632,35 @@
             </a:ln>
           </p:spPr>
           <p:txBody>
-            <a:bodyPr anchorCtr="0" anchor="t" bIns="91425" lIns="91425" spcFirstLastPara="1" rIns="91425" wrap="square" tIns="91425">
+            <a:bodyPr spcFirstLastPara="1" wrap="square" lIns="91425" tIns="91425" rIns="91425" bIns="91425" anchor="t" anchorCtr="0">
               <a:noAutofit/>
             </a:bodyPr>
             <a:lstStyle/>
             <a:p>
-              <a:pPr indent="0" lvl="0" marL="0" rtl="0" algn="ctr">
+              <a:pPr marL="0" lvl="0" indent="0" algn="ctr" rtl="0">
+                <a:lnSpc>
+                  <a:spcPct val="115000"/>
+                </a:lnSpc>
+                <a:spcBef>
+                  <a:spcPts val="0"/>
+                </a:spcBef>
+                <a:spcAft>
+                  <a:spcPts val="0"/>
+                </a:spcAft>
+                <a:buNone/>
+              </a:pPr>
+              <a:endParaRPr b="1">
+                <a:solidFill>
+                  <a:srgbClr val="FFFFFF"/>
+                </a:solidFill>
+                <a:latin typeface="Roboto"/>
+                <a:ea typeface="Roboto"/>
+                <a:cs typeface="Roboto"/>
+                <a:sym typeface="Roboto"/>
+              </a:endParaRPr>
+            </a:p>
+            <a:p>
+              <a:pPr marL="0" lvl="0" indent="0" algn="ctr" rtl="0">
                 <a:lnSpc>
                   <a:spcPct val="115000"/>
                 </a:lnSpc>
@@ -12462,33 +12673,7 @@
                 <a:buNone/>
               </a:pPr>
               <a:r>
-                <a:t/>
-              </a:r>
-              <a:endParaRPr b="1">
-                <a:solidFill>
-                  <a:srgbClr val="FFFFFF"/>
-                </a:solidFill>
-                <a:latin typeface="Roboto"/>
-                <a:ea typeface="Roboto"/>
-                <a:cs typeface="Roboto"/>
-                <a:sym typeface="Roboto"/>
-              </a:endParaRPr>
-            </a:p>
-            <a:p>
-              <a:pPr indent="0" lvl="0" marL="0" rtl="0" algn="ctr">
-                <a:lnSpc>
-                  <a:spcPct val="115000"/>
-                </a:lnSpc>
-                <a:spcBef>
-                  <a:spcPts val="0"/>
-                </a:spcBef>
-                <a:spcAft>
-                  <a:spcPts val="0"/>
-                </a:spcAft>
-                <a:buNone/>
-              </a:pPr>
-              <a:r>
-                <a:rPr b="1" lang="en-GB">
+                <a:rPr lang="en-GB" b="1">
                   <a:solidFill>
                     <a:srgbClr val="FFFFFF"/>
                   </a:solidFill>
@@ -12548,12 +12733,12 @@
             </a:ln>
           </p:spPr>
           <p:txBody>
-            <a:bodyPr anchorCtr="0" anchor="ctr" bIns="91425" lIns="91425" spcFirstLastPara="1" rIns="91425" wrap="square" tIns="91425">
+            <a:bodyPr spcFirstLastPara="1" wrap="square" lIns="91425" tIns="91425" rIns="91425" bIns="91425" anchor="ctr" anchorCtr="0">
               <a:noAutofit/>
             </a:bodyPr>
             <a:lstStyle/>
             <a:p>
-              <a:pPr indent="0" lvl="0" marL="0" rtl="0" algn="l">
+              <a:pPr marL="0" lvl="0" indent="0" algn="l" rtl="0">
                 <a:spcBef>
                   <a:spcPts val="0"/>
                 </a:spcBef>
@@ -12562,9 +12747,6 @@
                 </a:spcAft>
                 <a:buNone/>
               </a:pPr>
-              <a:r>
-                <a:t/>
-              </a:r>
               <a:endParaRPr/>
             </a:p>
           </p:txBody>
@@ -12586,23 +12768,23 @@
             <a:solidFill>
               <a:srgbClr val="FFFFFF"/>
             </a:solidFill>
-            <a:ln cap="flat" cmpd="sng" w="19050">
+            <a:ln w="19050" cap="flat" cmpd="sng">
               <a:solidFill>
                 <a:srgbClr val="B02C20"/>
               </a:solidFill>
               <a:prstDash val="solid"/>
               <a:round/>
-              <a:headEnd len="sm" w="sm" type="none"/>
-              <a:tailEnd len="sm" w="sm" type="none"/>
+              <a:headEnd type="none" w="sm" len="sm"/>
+              <a:tailEnd type="none" w="sm" len="sm"/>
             </a:ln>
           </p:spPr>
           <p:txBody>
-            <a:bodyPr anchorCtr="0" anchor="ctr" bIns="91425" lIns="91425" spcFirstLastPara="1" rIns="91425" wrap="square" tIns="91425">
+            <a:bodyPr spcFirstLastPara="1" wrap="square" lIns="91425" tIns="91425" rIns="91425" bIns="91425" anchor="ctr" anchorCtr="0">
               <a:noAutofit/>
             </a:bodyPr>
             <a:lstStyle/>
             <a:p>
-              <a:pPr indent="0" lvl="0" marL="0" rtl="0" algn="l">
+              <a:pPr marL="0" lvl="0" indent="0" algn="l" rtl="0">
                 <a:spcBef>
                   <a:spcPts val="0"/>
                 </a:spcBef>
@@ -12611,9 +12793,6 @@
                 </a:spcAft>
                 <a:buNone/>
               </a:pPr>
-              <a:r>
-                <a:t/>
-              </a:r>
               <a:endParaRPr/>
             </a:p>
           </p:txBody>
@@ -12638,12 +12817,12 @@
             </a:ln>
           </p:spPr>
           <p:txBody>
-            <a:bodyPr anchorCtr="0" anchor="t" bIns="91425" lIns="91425" spcFirstLastPara="1" rIns="91425" wrap="square" tIns="91425">
+            <a:bodyPr spcFirstLastPara="1" wrap="square" lIns="91425" tIns="91425" rIns="91425" bIns="91425" anchor="t" anchorCtr="0">
               <a:noAutofit/>
             </a:bodyPr>
             <a:lstStyle/>
             <a:p>
-              <a:pPr indent="0" lvl="0" marL="0" rtl="0" algn="l">
+              <a:pPr marL="0" lvl="0" indent="0" algn="l" rtl="0">
                 <a:spcBef>
                   <a:spcPts val="0"/>
                 </a:spcBef>
@@ -12662,19 +12841,7 @@
                   <a:cs typeface="Roboto Medium"/>
                   <a:sym typeface="Roboto Medium"/>
                 </a:rPr>
-                <a:t>Periodically review how the data warehouse is being used and fine tune the configuration to optimize its  performance</a:t>
-              </a:r>
-              <a:r>
-                <a:rPr lang="en-GB" sz="1600">
-                  <a:solidFill>
-                    <a:srgbClr val="B02C20"/>
-                  </a:solidFill>
-                  <a:latin typeface="Roboto Medium"/>
-                  <a:ea typeface="Roboto Medium"/>
-                  <a:cs typeface="Roboto Medium"/>
-                  <a:sym typeface="Roboto Medium"/>
-                </a:rPr>
-                <a:t> </a:t>
+                <a:t>Periodically review how the data warehouse is being used and fine tune the configuration to optimize its  performance </a:t>
               </a:r>
               <a:endParaRPr sz="1600">
                 <a:solidFill>
@@ -12701,8 +12868,8 @@
             </a:xfrm>
             <a:prstGeom prst="rightArrow">
               <a:avLst>
-                <a:gd fmla="val 34239" name="adj1"/>
-                <a:gd fmla="val 57035" name="adj2"/>
+                <a:gd name="adj1" fmla="val 34239"/>
+                <a:gd name="adj2" fmla="val 57035"/>
               </a:avLst>
             </a:prstGeom>
             <a:solidFill>
@@ -12713,12 +12880,12 @@
             </a:ln>
           </p:spPr>
           <p:txBody>
-            <a:bodyPr anchorCtr="0" anchor="ctr" bIns="91425" lIns="91425" spcFirstLastPara="1" rIns="91425" wrap="square" tIns="91425">
+            <a:bodyPr spcFirstLastPara="1" wrap="square" lIns="91425" tIns="91425" rIns="91425" bIns="91425" anchor="ctr" anchorCtr="0">
               <a:noAutofit/>
             </a:bodyPr>
             <a:lstStyle/>
             <a:p>
-              <a:pPr indent="0" lvl="0" marL="0" rtl="0" algn="l">
+              <a:pPr marL="0" lvl="0" indent="0" algn="l" rtl="0">
                 <a:spcBef>
                   <a:spcPts val="0"/>
                 </a:spcBef>
@@ -12727,9 +12894,6 @@
                 </a:spcAft>
                 <a:buNone/>
               </a:pPr>
-              <a:r>
-                <a:t/>
-              </a:r>
               <a:endParaRPr/>
             </a:p>
           </p:txBody>
@@ -12754,12 +12918,35 @@
             </a:ln>
           </p:spPr>
           <p:txBody>
-            <a:bodyPr anchorCtr="0" anchor="t" bIns="91425" lIns="91425" spcFirstLastPara="1" rIns="91425" wrap="square" tIns="91425">
+            <a:bodyPr spcFirstLastPara="1" wrap="square" lIns="91425" tIns="91425" rIns="91425" bIns="91425" anchor="t" anchorCtr="0">
               <a:noAutofit/>
             </a:bodyPr>
             <a:lstStyle/>
             <a:p>
-              <a:pPr indent="0" lvl="0" marL="457200" rtl="0" algn="ctr">
+              <a:pPr marL="457200" lvl="0" indent="0" algn="ctr" rtl="0">
+                <a:lnSpc>
+                  <a:spcPct val="115000"/>
+                </a:lnSpc>
+                <a:spcBef>
+                  <a:spcPts val="0"/>
+                </a:spcBef>
+                <a:spcAft>
+                  <a:spcPts val="0"/>
+                </a:spcAft>
+                <a:buNone/>
+              </a:pPr>
+              <a:endParaRPr sz="1200" b="1">
+                <a:solidFill>
+                  <a:srgbClr val="FFFFFF"/>
+                </a:solidFill>
+                <a:latin typeface="Roboto"/>
+                <a:ea typeface="Roboto"/>
+                <a:cs typeface="Roboto"/>
+                <a:sym typeface="Roboto"/>
+              </a:endParaRPr>
+            </a:p>
+            <a:p>
+              <a:pPr marL="0" lvl="0" indent="0" algn="ctr" rtl="0">
                 <a:lnSpc>
                   <a:spcPct val="115000"/>
                 </a:lnSpc>
@@ -12772,33 +12959,7 @@
                 <a:buNone/>
               </a:pPr>
               <a:r>
-                <a:t/>
-              </a:r>
-              <a:endParaRPr b="1" sz="1200">
-                <a:solidFill>
-                  <a:srgbClr val="FFFFFF"/>
-                </a:solidFill>
-                <a:latin typeface="Roboto"/>
-                <a:ea typeface="Roboto"/>
-                <a:cs typeface="Roboto"/>
-                <a:sym typeface="Roboto"/>
-              </a:endParaRPr>
-            </a:p>
-            <a:p>
-              <a:pPr indent="0" lvl="0" marL="0" rtl="0" algn="ctr">
-                <a:lnSpc>
-                  <a:spcPct val="115000"/>
-                </a:lnSpc>
-                <a:spcBef>
-                  <a:spcPts val="0"/>
-                </a:spcBef>
-                <a:spcAft>
-                  <a:spcPts val="0"/>
-                </a:spcAft>
-                <a:buNone/>
-              </a:pPr>
-              <a:r>
-                <a:rPr b="1" lang="en-GB">
+                <a:rPr lang="en-GB" b="1">
                   <a:solidFill>
                     <a:srgbClr val="FFFFFF"/>
                   </a:solidFill>
@@ -12831,11 +12992,11 @@
 </file>
 
 <file path=ppt/slides/slide23.xml><?xml version="1.0" encoding="utf-8"?>
-<p:sld xmlns:a="http://schemas.openxmlformats.org/drawingml/2006/main" xmlns:r="http://schemas.openxmlformats.org/officeDocument/2006/relationships" xmlns:mc="http://schemas.openxmlformats.org/markup-compatibility/2006" xmlns:mv="urn:schemas-microsoft-com:mac:vml" xmlns:p="http://schemas.openxmlformats.org/presentationml/2006/main" xmlns:c="http://schemas.openxmlformats.org/drawingml/2006/chart" xmlns:dgm="http://schemas.openxmlformats.org/drawingml/2006/diagram" xmlns:o="urn:schemas-microsoft-com:office:office" xmlns:v="urn:schemas-microsoft-com:vml" xmlns:pvml="urn:schemas-microsoft-com:office:powerpoint" xmlns:com="http://schemas.openxmlformats.org/drawingml/2006/compatibility" xmlns:p14="http://schemas.microsoft.com/office/powerpoint/2010/main" xmlns:p15="http://schemas.microsoft.com/office/powerpoint/2012/main">
+<p:sld xmlns:a="http://schemas.openxmlformats.org/drawingml/2006/main" xmlns:r="http://schemas.openxmlformats.org/officeDocument/2006/relationships" xmlns:p="http://schemas.openxmlformats.org/presentationml/2006/main">
   <p:cSld>
     <p:spTree>
       <p:nvGrpSpPr>
-        <p:cNvPr id="242" name="Shape 242"/>
+        <p:cNvPr id="1" name="Shape 242"/>
         <p:cNvGrpSpPr/>
         <p:nvPr/>
       </p:nvGrpSpPr>
@@ -12850,7 +13011,9 @@
       <p:sp>
         <p:nvSpPr>
           <p:cNvPr id="243" name="Google Shape;243;p35"/>
-          <p:cNvSpPr txBox="1"/>
+          <p:cNvSpPr txBox="1">
+            <a:spLocks noGrp="1"/>
+          </p:cNvSpPr>
           <p:nvPr>
             <p:ph type="title"/>
           </p:nvPr>
@@ -12865,12 +13028,12 @@
           </a:prstGeom>
         </p:spPr>
         <p:txBody>
-          <a:bodyPr anchorCtr="0" anchor="t" bIns="91425" lIns="91425" spcFirstLastPara="1" rIns="91425" wrap="square" tIns="91425">
+          <a:bodyPr spcFirstLastPara="1" wrap="square" lIns="91425" tIns="91425" rIns="91425" bIns="91425" anchor="t" anchorCtr="0">
             <a:noAutofit/>
           </a:bodyPr>
           <a:lstStyle/>
           <a:p>
-            <a:pPr indent="0" lvl="0" marL="0" rtl="0" algn="l">
+            <a:pPr marL="0" lvl="0" indent="0" algn="l" rtl="0">
               <a:spcBef>
                 <a:spcPts val="0"/>
               </a:spcBef>
@@ -12890,9 +13053,11 @@
       <p:sp>
         <p:nvSpPr>
           <p:cNvPr id="244" name="Google Shape;244;p35"/>
-          <p:cNvSpPr txBox="1"/>
+          <p:cNvSpPr txBox="1">
+            <a:spLocks noGrp="1"/>
+          </p:cNvSpPr>
           <p:nvPr>
-            <p:ph idx="1" type="body"/>
+            <p:ph type="body" idx="1"/>
           </p:nvPr>
         </p:nvSpPr>
         <p:spPr>
@@ -12905,12 +13070,12 @@
           </a:prstGeom>
         </p:spPr>
         <p:txBody>
-          <a:bodyPr anchorCtr="0" anchor="t" bIns="91425" lIns="91425" spcFirstLastPara="1" rIns="91425" wrap="square" tIns="91425">
+          <a:bodyPr spcFirstLastPara="1" wrap="square" lIns="91425" tIns="91425" rIns="91425" bIns="91425" anchor="t" anchorCtr="0">
             <a:noAutofit/>
           </a:bodyPr>
           <a:lstStyle/>
           <a:p>
-            <a:pPr indent="0" lvl="0" marL="0" rtl="0" algn="ctr">
+            <a:pPr marL="0" lvl="0" indent="0" algn="ctr" rtl="0">
               <a:spcBef>
                 <a:spcPts val="0"/>
               </a:spcBef>
@@ -12920,42 +13085,10 @@
               <a:buNone/>
             </a:pPr>
             <a:r>
-              <a:rPr b="1" lang="en-GB" sz="3000"/>
-              <a:t>The newly created Data warehouse is a </a:t>
+              <a:rPr lang="en-GB" sz="3000" b="1"/>
+              <a:t>The newly created Data warehouse is a summarized data coming from FundgeMart &amp; FudgeFlix sources without loss of any valuable information which is used for better decision making and gaining insights across the FudgeCorp organization</a:t>
             </a:r>
-            <a:r>
-              <a:rPr b="1" lang="en-GB" sz="3000"/>
-              <a:t>summarized</a:t>
-            </a:r>
-            <a:r>
-              <a:rPr b="1" lang="en-GB" sz="3000"/>
-              <a:t> data </a:t>
-            </a:r>
-            <a:r>
-              <a:rPr b="1" lang="en-GB" sz="3000"/>
-              <a:t>coming</a:t>
-            </a:r>
-            <a:r>
-              <a:rPr b="1" lang="en-GB" sz="3000"/>
-              <a:t> from FundgeMart &amp; FudgeFlix sources without loss of any valuable information which is used for better </a:t>
-            </a:r>
-            <a:r>
-              <a:rPr b="1" lang="en-GB" sz="3000"/>
-              <a:t>decision</a:t>
-            </a:r>
-            <a:r>
-              <a:rPr b="1" lang="en-GB" sz="3000"/>
-              <a:t> making and gaining insights </a:t>
-            </a:r>
-            <a:r>
-              <a:rPr b="1" lang="en-GB" sz="3000"/>
-              <a:t>across</a:t>
-            </a:r>
-            <a:r>
-              <a:rPr b="1" lang="en-GB" sz="3000"/>
-              <a:t> the FudgeCorp organization</a:t>
-            </a:r>
-            <a:endParaRPr b="1" sz="3000"/>
+            <a:endParaRPr sz="3000" b="1"/>
           </a:p>
         </p:txBody>
       </p:sp>
@@ -12968,11 +13101,11 @@
 </file>
 
 <file path=ppt/slides/slide24.xml><?xml version="1.0" encoding="utf-8"?>
-<p:sld xmlns:a="http://schemas.openxmlformats.org/drawingml/2006/main" xmlns:r="http://schemas.openxmlformats.org/officeDocument/2006/relationships" xmlns:mc="http://schemas.openxmlformats.org/markup-compatibility/2006" xmlns:mv="urn:schemas-microsoft-com:mac:vml" xmlns:p="http://schemas.openxmlformats.org/presentationml/2006/main" xmlns:c="http://schemas.openxmlformats.org/drawingml/2006/chart" xmlns:dgm="http://schemas.openxmlformats.org/drawingml/2006/diagram" xmlns:o="urn:schemas-microsoft-com:office:office" xmlns:v="urn:schemas-microsoft-com:vml" xmlns:pvml="urn:schemas-microsoft-com:office:powerpoint" xmlns:com="http://schemas.openxmlformats.org/drawingml/2006/compatibility" xmlns:p14="http://schemas.microsoft.com/office/powerpoint/2010/main" xmlns:p15="http://schemas.microsoft.com/office/powerpoint/2012/main">
+<p:sld xmlns:a="http://schemas.openxmlformats.org/drawingml/2006/main" xmlns:r="http://schemas.openxmlformats.org/officeDocument/2006/relationships" xmlns:p="http://schemas.openxmlformats.org/presentationml/2006/main">
   <p:cSld>
     <p:spTree>
       <p:nvGrpSpPr>
-        <p:cNvPr id="248" name="Shape 248"/>
+        <p:cNvPr id="1" name="Shape 248"/>
         <p:cNvGrpSpPr/>
         <p:nvPr/>
       </p:nvGrpSpPr>
@@ -12987,7 +13120,9 @@
       <p:sp>
         <p:nvSpPr>
           <p:cNvPr id="249" name="Google Shape;249;p36"/>
-          <p:cNvSpPr txBox="1"/>
+          <p:cNvSpPr txBox="1">
+            <a:spLocks noGrp="1"/>
+          </p:cNvSpPr>
           <p:nvPr>
             <p:ph type="title"/>
           </p:nvPr>
@@ -13002,12 +13137,12 @@
           </a:prstGeom>
         </p:spPr>
         <p:txBody>
-          <a:bodyPr anchorCtr="0" anchor="ctr" bIns="91425" lIns="91425" spcFirstLastPara="1" rIns="91425" wrap="square" tIns="91425">
+          <a:bodyPr spcFirstLastPara="1" wrap="square" lIns="91425" tIns="91425" rIns="91425" bIns="91425" anchor="ctr" anchorCtr="0">
             <a:noAutofit/>
           </a:bodyPr>
           <a:lstStyle/>
           <a:p>
-            <a:pPr indent="0" lvl="0" marL="0" rtl="0" algn="ctr">
+            <a:pPr marL="0" lvl="0" indent="0" algn="ctr" rtl="0">
               <a:spcBef>
                 <a:spcPts val="0"/>
               </a:spcBef>
@@ -13033,11 +13168,11 @@
 </file>
 
 <file path=ppt/slides/slide3.xml><?xml version="1.0" encoding="utf-8"?>
-<p:sld xmlns:a="http://schemas.openxmlformats.org/drawingml/2006/main" xmlns:r="http://schemas.openxmlformats.org/officeDocument/2006/relationships" xmlns:mc="http://schemas.openxmlformats.org/markup-compatibility/2006" xmlns:mv="urn:schemas-microsoft-com:mac:vml" xmlns:p="http://schemas.openxmlformats.org/presentationml/2006/main" xmlns:c="http://schemas.openxmlformats.org/drawingml/2006/chart" xmlns:dgm="http://schemas.openxmlformats.org/drawingml/2006/diagram" xmlns:o="urn:schemas-microsoft-com:office:office" xmlns:v="urn:schemas-microsoft-com:vml" xmlns:pvml="urn:schemas-microsoft-com:office:powerpoint" xmlns:com="http://schemas.openxmlformats.org/drawingml/2006/compatibility" xmlns:p14="http://schemas.microsoft.com/office/powerpoint/2010/main" xmlns:p15="http://schemas.microsoft.com/office/powerpoint/2012/main">
+<p:sld xmlns:a="http://schemas.openxmlformats.org/drawingml/2006/main" xmlns:r="http://schemas.openxmlformats.org/officeDocument/2006/relationships" xmlns:p="http://schemas.openxmlformats.org/presentationml/2006/main">
   <p:cSld>
     <p:spTree>
       <p:nvGrpSpPr>
-        <p:cNvPr id="71" name="Shape 71"/>
+        <p:cNvPr id="1" name="Shape 71"/>
         <p:cNvGrpSpPr/>
         <p:nvPr/>
       </p:nvGrpSpPr>
@@ -13052,7 +13187,9 @@
       <p:sp>
         <p:nvSpPr>
           <p:cNvPr id="72" name="Google Shape;72;p15"/>
-          <p:cNvSpPr txBox="1"/>
+          <p:cNvSpPr txBox="1">
+            <a:spLocks noGrp="1"/>
+          </p:cNvSpPr>
           <p:nvPr>
             <p:ph type="title"/>
           </p:nvPr>
@@ -13067,12 +13204,12 @@
           </a:prstGeom>
         </p:spPr>
         <p:txBody>
-          <a:bodyPr anchorCtr="0" anchor="t" bIns="91425" lIns="91425" spcFirstLastPara="1" rIns="91425" wrap="square" tIns="91425">
+          <a:bodyPr spcFirstLastPara="1" wrap="square" lIns="91425" tIns="91425" rIns="91425" bIns="91425" anchor="t" anchorCtr="0">
             <a:noAutofit/>
           </a:bodyPr>
           <a:lstStyle/>
           <a:p>
-            <a:pPr indent="0" lvl="0" marL="0" rtl="0" algn="l">
+            <a:pPr marL="0" lvl="0" indent="0" algn="l" rtl="0">
               <a:spcBef>
                 <a:spcPts val="0"/>
               </a:spcBef>
@@ -13137,12 +13274,12 @@
           </a:ln>
         </p:spPr>
         <p:txBody>
-          <a:bodyPr anchorCtr="0" anchor="t" bIns="91425" lIns="91425" spcFirstLastPara="1" rIns="91425" wrap="square" tIns="91425">
+          <a:bodyPr spcFirstLastPara="1" wrap="square" lIns="91425" tIns="91425" rIns="91425" bIns="91425" anchor="t" anchorCtr="0">
             <a:noAutofit/>
           </a:bodyPr>
           <a:lstStyle/>
           <a:p>
-            <a:pPr indent="0" lvl="0" marL="0" rtl="0" algn="l">
+            <a:pPr marL="0" lvl="0" indent="0" algn="l" rtl="0">
               <a:lnSpc>
                 <a:spcPct val="115000"/>
               </a:lnSpc>
@@ -13160,7 +13297,7 @@
               <a:buNone/>
             </a:pPr>
             <a:r>
-              <a:rPr b="1" lang="en-GB" sz="1800">
+              <a:rPr lang="en-GB" sz="1800" b="1">
                 <a:solidFill>
                   <a:srgbClr val="FF0000"/>
                 </a:solidFill>
@@ -13195,12 +13332,12 @@
           </a:ln>
         </p:spPr>
         <p:txBody>
-          <a:bodyPr anchorCtr="0" anchor="t" bIns="91425" lIns="91425" spcFirstLastPara="1" rIns="91425" wrap="square" tIns="91425">
+          <a:bodyPr spcFirstLastPara="1" wrap="square" lIns="91425" tIns="91425" rIns="91425" bIns="91425" anchor="t" anchorCtr="0">
             <a:noAutofit/>
           </a:bodyPr>
           <a:lstStyle/>
           <a:p>
-            <a:pPr indent="0" lvl="0" marL="0" rtl="0" algn="ctr">
+            <a:pPr marL="0" lvl="0" indent="0" algn="ctr" rtl="0">
               <a:lnSpc>
                 <a:spcPct val="115000"/>
               </a:lnSpc>
@@ -13239,7 +13376,7 @@
           <a:blip r:embed="rId4">
             <a:alphaModFix/>
           </a:blip>
-          <a:srcRect b="-2200" l="0" r="0" t="2200"/>
+          <a:srcRect t="2200" b="-2200"/>
           <a:stretch/>
         </p:blipFill>
         <p:spPr>
@@ -13276,12 +13413,12 @@
           </a:ln>
         </p:spPr>
         <p:txBody>
-          <a:bodyPr anchorCtr="0" anchor="t" bIns="91425" lIns="91425" spcFirstLastPara="1" rIns="91425" wrap="square" tIns="91425">
+          <a:bodyPr spcFirstLastPara="1" wrap="square" lIns="91425" tIns="91425" rIns="91425" bIns="91425" anchor="t" anchorCtr="0">
             <a:noAutofit/>
           </a:bodyPr>
           <a:lstStyle/>
           <a:p>
-            <a:pPr indent="0" lvl="0" marL="0" rtl="0" algn="l">
+            <a:pPr marL="0" lvl="0" indent="0" algn="l" rtl="0">
               <a:lnSpc>
                 <a:spcPct val="115000"/>
               </a:lnSpc>
@@ -13299,7 +13436,7 @@
               <a:buNone/>
             </a:pPr>
             <a:r>
-              <a:rPr b="1" lang="en-GB" sz="1800">
+              <a:rPr lang="en-GB" sz="1800" b="1">
                 <a:solidFill>
                   <a:srgbClr val="FF0000"/>
                 </a:solidFill>
@@ -13334,12 +13471,12 @@
           </a:ln>
         </p:spPr>
         <p:txBody>
-          <a:bodyPr anchorCtr="0" anchor="t" bIns="91425" lIns="91425" spcFirstLastPara="1" rIns="91425" wrap="square" tIns="91425">
+          <a:bodyPr spcFirstLastPara="1" wrap="square" lIns="91425" tIns="91425" rIns="91425" bIns="91425" anchor="t" anchorCtr="0">
             <a:noAutofit/>
           </a:bodyPr>
           <a:lstStyle/>
           <a:p>
-            <a:pPr indent="0" lvl="0" marL="0" rtl="0" algn="ctr">
+            <a:pPr marL="0" lvl="0" indent="0" algn="ctr" rtl="0">
               <a:lnSpc>
                 <a:spcPct val="115000"/>
               </a:lnSpc>
@@ -13377,11 +13514,11 @@
 </file>
 
 <file path=ppt/slides/slide4.xml><?xml version="1.0" encoding="utf-8"?>
-<p:sld xmlns:a="http://schemas.openxmlformats.org/drawingml/2006/main" xmlns:r="http://schemas.openxmlformats.org/officeDocument/2006/relationships" xmlns:mc="http://schemas.openxmlformats.org/markup-compatibility/2006" xmlns:mv="urn:schemas-microsoft-com:mac:vml" xmlns:p="http://schemas.openxmlformats.org/presentationml/2006/main" xmlns:c="http://schemas.openxmlformats.org/drawingml/2006/chart" xmlns:dgm="http://schemas.openxmlformats.org/drawingml/2006/diagram" xmlns:o="urn:schemas-microsoft-com:office:office" xmlns:v="urn:schemas-microsoft-com:vml" xmlns:pvml="urn:schemas-microsoft-com:office:powerpoint" xmlns:com="http://schemas.openxmlformats.org/drawingml/2006/compatibility" xmlns:p14="http://schemas.microsoft.com/office/powerpoint/2010/main" xmlns:p15="http://schemas.microsoft.com/office/powerpoint/2012/main">
+<p:sld xmlns:a="http://schemas.openxmlformats.org/drawingml/2006/main" xmlns:r="http://schemas.openxmlformats.org/officeDocument/2006/relationships" xmlns:p="http://schemas.openxmlformats.org/presentationml/2006/main">
   <p:cSld>
     <p:spTree>
       <p:nvGrpSpPr>
-        <p:cNvPr id="82" name="Shape 82"/>
+        <p:cNvPr id="1" name="Shape 82"/>
         <p:cNvGrpSpPr/>
         <p:nvPr/>
       </p:nvGrpSpPr>
@@ -13396,7 +13533,9 @@
       <p:sp>
         <p:nvSpPr>
           <p:cNvPr id="83" name="Google Shape;83;p16"/>
-          <p:cNvSpPr txBox="1"/>
+          <p:cNvSpPr txBox="1">
+            <a:spLocks noGrp="1"/>
+          </p:cNvSpPr>
           <p:nvPr>
             <p:ph type="title"/>
           </p:nvPr>
@@ -13411,12 +13550,12 @@
           </a:prstGeom>
         </p:spPr>
         <p:txBody>
-          <a:bodyPr anchorCtr="0" anchor="t" bIns="91425" lIns="91425" spcFirstLastPara="1" rIns="91425" wrap="square" tIns="91425">
+          <a:bodyPr spcFirstLastPara="1" wrap="square" lIns="91425" tIns="91425" rIns="91425" bIns="91425" anchor="t" anchorCtr="0">
             <a:noAutofit/>
           </a:bodyPr>
           <a:lstStyle/>
           <a:p>
-            <a:pPr indent="0" lvl="0" marL="0" rtl="0" algn="l">
+            <a:pPr marL="0" lvl="0" indent="0" algn="l" rtl="0">
               <a:spcBef>
                 <a:spcPts val="0"/>
               </a:spcBef>
@@ -13436,9 +13575,11 @@
       <p:sp>
         <p:nvSpPr>
           <p:cNvPr id="84" name="Google Shape;84;p16"/>
-          <p:cNvSpPr txBox="1"/>
+          <p:cNvSpPr txBox="1">
+            <a:spLocks noGrp="1"/>
+          </p:cNvSpPr>
           <p:nvPr>
-            <p:ph idx="1" type="body"/>
+            <p:ph type="body" idx="1"/>
           </p:nvPr>
         </p:nvSpPr>
         <p:spPr>
@@ -13451,12 +13592,12 @@
           </a:prstGeom>
         </p:spPr>
         <p:txBody>
-          <a:bodyPr anchorCtr="0" anchor="t" bIns="91425" lIns="91425" spcFirstLastPara="1" rIns="91425" wrap="square" tIns="91425">
+          <a:bodyPr spcFirstLastPara="1" wrap="square" lIns="91425" tIns="91425" rIns="91425" bIns="91425" anchor="t" anchorCtr="0">
             <a:noAutofit/>
           </a:bodyPr>
           <a:lstStyle/>
           <a:p>
-            <a:pPr indent="0" lvl="0" marL="0" rtl="0" algn="l">
+            <a:pPr marL="0" lvl="0" indent="0" algn="l" rtl="0">
               <a:spcBef>
                 <a:spcPts val="0"/>
               </a:spcBef>
@@ -13466,10 +13607,10 @@
               <a:buNone/>
             </a:pPr>
             <a:r>
-              <a:rPr lang="en-GB"/>
-              <a:t>For better decision making, a data warehouse is to be created to integrate data systems of both the subsidiaries enabling business intelligence tools to provide actionable insights for the management </a:t>
+              <a:rPr lang="en-GB" dirty="0"/>
+              <a:t>For better decision making, a data warehouse is to be created to integrate data systems of both the subsidiaries enabling business intelligence tools to provide actionable insights for the management.</a:t>
             </a:r>
-            <a:endParaRPr/>
+            <a:endParaRPr dirty="0"/>
           </a:p>
         </p:txBody>
       </p:sp>
@@ -13521,12 +13662,12 @@
           </a:ln>
         </p:spPr>
         <p:txBody>
-          <a:bodyPr anchorCtr="0" anchor="t" bIns="91425" lIns="91425" spcFirstLastPara="1" rIns="91425" wrap="square" tIns="91425">
+          <a:bodyPr spcFirstLastPara="1" wrap="square" lIns="91425" tIns="91425" rIns="91425" bIns="91425" anchor="t" anchorCtr="0">
             <a:noAutofit/>
           </a:bodyPr>
           <a:lstStyle/>
           <a:p>
-            <a:pPr indent="0" lvl="0" marL="0" rtl="0" algn="l">
+            <a:pPr marL="0" lvl="0" indent="0" algn="l" rtl="0">
               <a:lnSpc>
                 <a:spcPct val="115000"/>
               </a:lnSpc>
@@ -13544,14 +13685,62 @@
               <a:buNone/>
             </a:pPr>
             <a:r>
-              <a:rPr lang="en-GB" sz="1800">
+              <a:rPr lang="en-GB" sz="1800" dirty="0">
                 <a:solidFill>
                   <a:schemeClr val="dk2"/>
                 </a:solidFill>
               </a:rPr>
-              <a:t>The two organizations Fudgeflix and Fudgemart are being merged into a parent entity known as FudgeCorp</a:t>
+              <a:t>The two organizations </a:t>
             </a:r>
-            <a:endParaRPr/>
+            <a:r>
+              <a:rPr lang="en-GB" sz="1800" dirty="0" err="1">
+                <a:solidFill>
+                  <a:schemeClr val="dk2"/>
+                </a:solidFill>
+              </a:rPr>
+              <a:t>Fudgeflix</a:t>
+            </a:r>
+            <a:r>
+              <a:rPr lang="en-GB" sz="1800" dirty="0">
+                <a:solidFill>
+                  <a:schemeClr val="dk2"/>
+                </a:solidFill>
+              </a:rPr>
+              <a:t> and </a:t>
+            </a:r>
+            <a:r>
+              <a:rPr lang="en-GB" sz="1800" dirty="0" err="1">
+                <a:solidFill>
+                  <a:schemeClr val="dk2"/>
+                </a:solidFill>
+              </a:rPr>
+              <a:t>Fudgemart</a:t>
+            </a:r>
+            <a:r>
+              <a:rPr lang="en-GB" sz="1800" dirty="0">
+                <a:solidFill>
+                  <a:schemeClr val="dk2"/>
+                </a:solidFill>
+              </a:rPr>
+              <a:t> are being merged into a parent entity known as </a:t>
+            </a:r>
+            <a:r>
+              <a:rPr lang="en-GB" sz="1800" dirty="0" err="1">
+                <a:solidFill>
+                  <a:schemeClr val="dk2"/>
+                </a:solidFill>
+              </a:rPr>
+              <a:t>FudgeCorp</a:t>
+            </a:r>
+            <a:r>
+              <a:rPr lang="en-GB" sz="1800" dirty="0">
+                <a:solidFill>
+                  <a:schemeClr val="dk2"/>
+                </a:solidFill>
+              </a:rPr>
+              <a:t>.</a:t>
+            </a:r>
+            <a:endParaRPr dirty="0"/>
           </a:p>
         </p:txBody>
       </p:sp>
@@ -13592,11 +13781,11 @@
 </file>
 
 <file path=ppt/slides/slide5.xml><?xml version="1.0" encoding="utf-8"?>
-<p:sld xmlns:a="http://schemas.openxmlformats.org/drawingml/2006/main" xmlns:r="http://schemas.openxmlformats.org/officeDocument/2006/relationships" xmlns:mc="http://schemas.openxmlformats.org/markup-compatibility/2006" xmlns:mv="urn:schemas-microsoft-com:mac:vml" xmlns:p="http://schemas.openxmlformats.org/presentationml/2006/main" xmlns:c="http://schemas.openxmlformats.org/drawingml/2006/chart" xmlns:dgm="http://schemas.openxmlformats.org/drawingml/2006/diagram" xmlns:o="urn:schemas-microsoft-com:office:office" xmlns:v="urn:schemas-microsoft-com:vml" xmlns:pvml="urn:schemas-microsoft-com:office:powerpoint" xmlns:com="http://schemas.openxmlformats.org/drawingml/2006/compatibility" xmlns:p14="http://schemas.microsoft.com/office/powerpoint/2010/main" xmlns:p15="http://schemas.microsoft.com/office/powerpoint/2012/main">
+<p:sld xmlns:a="http://schemas.openxmlformats.org/drawingml/2006/main" xmlns:r="http://schemas.openxmlformats.org/officeDocument/2006/relationships" xmlns:p="http://schemas.openxmlformats.org/presentationml/2006/main">
   <p:cSld>
     <p:spTree>
       <p:nvGrpSpPr>
-        <p:cNvPr id="91" name="Shape 91"/>
+        <p:cNvPr id="1" name="Shape 91"/>
         <p:cNvGrpSpPr/>
         <p:nvPr/>
       </p:nvGrpSpPr>
@@ -13611,7 +13800,9 @@
       <p:sp>
         <p:nvSpPr>
           <p:cNvPr id="92" name="Google Shape;92;p17"/>
-          <p:cNvSpPr txBox="1"/>
+          <p:cNvSpPr txBox="1">
+            <a:spLocks noGrp="1"/>
+          </p:cNvSpPr>
           <p:nvPr>
             <p:ph type="title"/>
           </p:nvPr>
@@ -13626,12 +13817,12 @@
           </a:prstGeom>
         </p:spPr>
         <p:txBody>
-          <a:bodyPr anchorCtr="0" anchor="t" bIns="91425" lIns="91425" spcFirstLastPara="1" rIns="91425" wrap="square" tIns="91425">
+          <a:bodyPr spcFirstLastPara="1" wrap="square" lIns="91425" tIns="91425" rIns="91425" bIns="91425" anchor="t" anchorCtr="0">
             <a:noAutofit/>
           </a:bodyPr>
           <a:lstStyle/>
           <a:p>
-            <a:pPr indent="0" lvl="0" marL="0" rtl="0" algn="l">
+            <a:pPr marL="0" lvl="0" indent="0" algn="l" rtl="0">
               <a:spcBef>
                 <a:spcPts val="0"/>
               </a:spcBef>
@@ -13651,9 +13842,11 @@
       <p:sp>
         <p:nvSpPr>
           <p:cNvPr id="93" name="Google Shape;93;p17"/>
-          <p:cNvSpPr txBox="1"/>
+          <p:cNvSpPr txBox="1">
+            <a:spLocks noGrp="1"/>
+          </p:cNvSpPr>
           <p:nvPr>
-            <p:ph idx="1" type="body"/>
+            <p:ph type="body" idx="1"/>
           </p:nvPr>
         </p:nvSpPr>
         <p:spPr>
@@ -13666,12 +13859,12 @@
           </a:prstGeom>
         </p:spPr>
         <p:txBody>
-          <a:bodyPr anchorCtr="0" anchor="t" bIns="91425" lIns="91425" spcFirstLastPara="1" rIns="91425" wrap="square" tIns="91425">
+          <a:bodyPr spcFirstLastPara="1" wrap="square" lIns="91425" tIns="91425" rIns="91425" bIns="91425" anchor="t" anchorCtr="0">
             <a:noAutofit/>
           </a:bodyPr>
           <a:lstStyle/>
           <a:p>
-            <a:pPr indent="0" lvl="0" marL="0" rtl="0" algn="l">
+            <a:pPr marL="0" lvl="0" indent="0" algn="l" rtl="0">
               <a:lnSpc>
                 <a:spcPct val="90000"/>
               </a:lnSpc>
@@ -13700,7 +13893,7 @@
             </a:endParaRPr>
           </a:p>
           <a:p>
-            <a:pPr indent="0" lvl="0" marL="0" rtl="0" algn="l">
+            <a:pPr marL="0" lvl="0" indent="0" algn="l" rtl="0">
               <a:lnSpc>
                 <a:spcPct val="90000"/>
               </a:lnSpc>
@@ -13712,9 +13905,6 @@
               </a:spcAft>
               <a:buNone/>
             </a:pPr>
-            <a:r>
-              <a:t/>
-            </a:r>
             <a:endParaRPr sz="2400">
               <a:latin typeface="Arial"/>
               <a:ea typeface="Arial"/>
@@ -13723,7 +13913,7 @@
             </a:endParaRPr>
           </a:p>
           <a:p>
-            <a:pPr indent="0" lvl="0" marL="0" rtl="0" algn="l">
+            <a:pPr marL="0" lvl="0" indent="0" algn="l" rtl="0">
               <a:lnSpc>
                 <a:spcPct val="90000"/>
               </a:lnSpc>
@@ -13752,7 +13942,7 @@
             </a:endParaRPr>
           </a:p>
           <a:p>
-            <a:pPr indent="0" lvl="0" marL="0" rtl="0" algn="l">
+            <a:pPr marL="0" lvl="0" indent="0" algn="l" rtl="0">
               <a:spcBef>
                 <a:spcPts val="0"/>
               </a:spcBef>
@@ -13761,9 +13951,6 @@
               </a:spcAft>
               <a:buNone/>
             </a:pPr>
-            <a:r>
-              <a:t/>
-            </a:r>
             <a:endParaRPr sz="2400">
               <a:latin typeface="Arial"/>
               <a:ea typeface="Arial"/>
@@ -13782,11 +13969,11 @@
 </file>
 
 <file path=ppt/slides/slide6.xml><?xml version="1.0" encoding="utf-8"?>
-<p:sld xmlns:a="http://schemas.openxmlformats.org/drawingml/2006/main" xmlns:r="http://schemas.openxmlformats.org/officeDocument/2006/relationships" xmlns:mc="http://schemas.openxmlformats.org/markup-compatibility/2006" xmlns:mv="urn:schemas-microsoft-com:mac:vml" xmlns:p="http://schemas.openxmlformats.org/presentationml/2006/main" xmlns:c="http://schemas.openxmlformats.org/drawingml/2006/chart" xmlns:dgm="http://schemas.openxmlformats.org/drawingml/2006/diagram" xmlns:o="urn:schemas-microsoft-com:office:office" xmlns:v="urn:schemas-microsoft-com:vml" xmlns:pvml="urn:schemas-microsoft-com:office:powerpoint" xmlns:com="http://schemas.openxmlformats.org/drawingml/2006/compatibility" xmlns:p14="http://schemas.microsoft.com/office/powerpoint/2010/main" xmlns:p15="http://schemas.microsoft.com/office/powerpoint/2012/main">
+<p:sld xmlns:a="http://schemas.openxmlformats.org/drawingml/2006/main" xmlns:r="http://schemas.openxmlformats.org/officeDocument/2006/relationships" xmlns:p="http://schemas.openxmlformats.org/presentationml/2006/main">
   <p:cSld>
     <p:spTree>
       <p:nvGrpSpPr>
-        <p:cNvPr id="97" name="Shape 97"/>
+        <p:cNvPr id="1" name="Shape 97"/>
         <p:cNvGrpSpPr/>
         <p:nvPr/>
       </p:nvGrpSpPr>
@@ -13801,7 +13988,9 @@
       <p:sp>
         <p:nvSpPr>
           <p:cNvPr id="98" name="Google Shape;98;p18"/>
-          <p:cNvSpPr txBox="1"/>
+          <p:cNvSpPr txBox="1">
+            <a:spLocks noGrp="1"/>
+          </p:cNvSpPr>
           <p:nvPr>
             <p:ph type="title"/>
           </p:nvPr>
@@ -13816,12 +14005,12 @@
           </a:prstGeom>
         </p:spPr>
         <p:txBody>
-          <a:bodyPr anchorCtr="0" anchor="t" bIns="91425" lIns="91425" spcFirstLastPara="1" rIns="91425" wrap="square" tIns="91425">
+          <a:bodyPr spcFirstLastPara="1" wrap="square" lIns="91425" tIns="91425" rIns="91425" bIns="91425" anchor="t" anchorCtr="0">
             <a:noAutofit/>
           </a:bodyPr>
           <a:lstStyle/>
           <a:p>
-            <a:pPr indent="0" lvl="0" marL="0" rtl="0" algn="l">
+            <a:pPr marL="0" lvl="0" indent="0" algn="l" rtl="0">
               <a:spcBef>
                 <a:spcPts val="0"/>
               </a:spcBef>
@@ -13841,9 +14030,11 @@
       <p:sp>
         <p:nvSpPr>
           <p:cNvPr id="99" name="Google Shape;99;p18"/>
-          <p:cNvSpPr txBox="1"/>
+          <p:cNvSpPr txBox="1">
+            <a:spLocks noGrp="1"/>
+          </p:cNvSpPr>
           <p:nvPr>
-            <p:ph idx="1" type="body"/>
+            <p:ph type="body" idx="1"/>
           </p:nvPr>
         </p:nvSpPr>
         <p:spPr>
@@ -13856,12 +14047,12 @@
           </a:prstGeom>
         </p:spPr>
         <p:txBody>
-          <a:bodyPr anchorCtr="0" anchor="t" bIns="91425" lIns="91425" spcFirstLastPara="1" rIns="91425" wrap="square" tIns="91425">
+          <a:bodyPr spcFirstLastPara="1" wrap="square" lIns="91425" tIns="91425" rIns="91425" bIns="91425" anchor="t" anchorCtr="0">
             <a:noAutofit/>
           </a:bodyPr>
           <a:lstStyle/>
           <a:p>
-            <a:pPr indent="0" lvl="0" marL="0" rtl="0" algn="ctr">
+            <a:pPr marL="0" lvl="0" indent="0" algn="ctr" rtl="0">
               <a:spcBef>
                 <a:spcPts val="0"/>
               </a:spcBef>
@@ -13877,7 +14068,7 @@
             <a:endParaRPr/>
           </a:p>
           <a:p>
-            <a:pPr indent="0" lvl="0" marL="0" rtl="0" algn="l">
+            <a:pPr marL="0" lvl="0" indent="0" algn="l" rtl="0">
               <a:spcBef>
                 <a:spcPts val="1600"/>
               </a:spcBef>
@@ -13886,9 +14077,6 @@
               </a:spcAft>
               <a:buNone/>
             </a:pPr>
-            <a:r>
-              <a:t/>
-            </a:r>
             <a:endParaRPr/>
           </a:p>
         </p:txBody>
@@ -13969,12 +14157,12 @@
           </a:ln>
         </p:spPr>
         <p:txBody>
-          <a:bodyPr anchorCtr="0" anchor="t" bIns="91425" lIns="91425" spcFirstLastPara="1" rIns="91425" wrap="square" tIns="91425">
+          <a:bodyPr spcFirstLastPara="1" wrap="square" lIns="91425" tIns="91425" rIns="91425" bIns="91425" anchor="t" anchorCtr="0">
             <a:noAutofit/>
           </a:bodyPr>
           <a:lstStyle/>
           <a:p>
-            <a:pPr indent="0" lvl="0" marL="0" rtl="0" algn="l">
+            <a:pPr marL="0" lvl="0" indent="0" algn="l" rtl="0">
               <a:spcBef>
                 <a:spcPts val="0"/>
               </a:spcBef>
@@ -13985,11 +14173,7 @@
             </a:pPr>
             <a:r>
               <a:rPr lang="en-GB"/>
-              <a:t>1. </a:t>
-            </a:r>
-            <a:r>
-              <a:rPr lang="en-GB"/>
-              <a:t>Requirement Gathering</a:t>
+              <a:t>1. Requirement Gathering</a:t>
             </a:r>
             <a:endParaRPr/>
           </a:p>
@@ -14015,12 +14199,12 @@
           </a:ln>
         </p:spPr>
         <p:txBody>
-          <a:bodyPr anchorCtr="0" anchor="t" bIns="91425" lIns="91425" spcFirstLastPara="1" rIns="91425" wrap="square" tIns="91425">
+          <a:bodyPr spcFirstLastPara="1" wrap="square" lIns="91425" tIns="91425" rIns="91425" bIns="91425" anchor="t" anchorCtr="0">
             <a:noAutofit/>
           </a:bodyPr>
           <a:lstStyle/>
           <a:p>
-            <a:pPr indent="0" lvl="0" marL="0" rtl="0" algn="l">
+            <a:pPr marL="0" lvl="0" indent="0" algn="l" rtl="0">
               <a:spcBef>
                 <a:spcPts val="0"/>
               </a:spcBef>
@@ -14085,12 +14269,12 @@
           </a:ln>
         </p:spPr>
         <p:txBody>
-          <a:bodyPr anchorCtr="0" anchor="t" bIns="91425" lIns="91425" spcFirstLastPara="1" rIns="91425" wrap="square" tIns="91425">
+          <a:bodyPr spcFirstLastPara="1" wrap="square" lIns="91425" tIns="91425" rIns="91425" bIns="91425" anchor="t" anchorCtr="0">
             <a:noAutofit/>
           </a:bodyPr>
           <a:lstStyle/>
           <a:p>
-            <a:pPr indent="0" lvl="0" marL="0" rtl="0" algn="l">
+            <a:pPr marL="0" lvl="0" indent="0" algn="l" rtl="0">
               <a:spcBef>
                 <a:spcPts val="0"/>
               </a:spcBef>
@@ -14155,12 +14339,12 @@
           </a:ln>
         </p:spPr>
         <p:txBody>
-          <a:bodyPr anchorCtr="0" anchor="t" bIns="91425" lIns="91425" spcFirstLastPara="1" rIns="91425" wrap="square" tIns="91425">
+          <a:bodyPr spcFirstLastPara="1" wrap="square" lIns="91425" tIns="91425" rIns="91425" bIns="91425" anchor="t" anchorCtr="0">
             <a:noAutofit/>
           </a:bodyPr>
           <a:lstStyle/>
           <a:p>
-            <a:pPr indent="0" lvl="0" marL="0" rtl="0" algn="l">
+            <a:pPr marL="0" lvl="0" indent="0" algn="l" rtl="0">
               <a:spcBef>
                 <a:spcPts val="0"/>
               </a:spcBef>
@@ -14225,12 +14409,12 @@
           </a:ln>
         </p:spPr>
         <p:txBody>
-          <a:bodyPr anchorCtr="0" anchor="t" bIns="91425" lIns="91425" spcFirstLastPara="1" rIns="91425" wrap="square" tIns="91425">
+          <a:bodyPr spcFirstLastPara="1" wrap="square" lIns="91425" tIns="91425" rIns="91425" bIns="91425" anchor="t" anchorCtr="0">
             <a:noAutofit/>
           </a:bodyPr>
           <a:lstStyle/>
           <a:p>
-            <a:pPr indent="0" lvl="0" marL="0" rtl="0" algn="l">
+            <a:pPr marL="0" lvl="0" indent="0" algn="l" rtl="0">
               <a:spcBef>
                 <a:spcPts val="0"/>
               </a:spcBef>
@@ -14256,11 +14440,11 @@
 </file>
 
 <file path=ppt/slides/slide7.xml><?xml version="1.0" encoding="utf-8"?>
-<p:sld xmlns:a="http://schemas.openxmlformats.org/drawingml/2006/main" xmlns:r="http://schemas.openxmlformats.org/officeDocument/2006/relationships" xmlns:mc="http://schemas.openxmlformats.org/markup-compatibility/2006" xmlns:mv="urn:schemas-microsoft-com:mac:vml" xmlns:p="http://schemas.openxmlformats.org/presentationml/2006/main" xmlns:c="http://schemas.openxmlformats.org/drawingml/2006/chart" xmlns:dgm="http://schemas.openxmlformats.org/drawingml/2006/diagram" xmlns:o="urn:schemas-microsoft-com:office:office" xmlns:v="urn:schemas-microsoft-com:vml" xmlns:pvml="urn:schemas-microsoft-com:office:powerpoint" xmlns:com="http://schemas.openxmlformats.org/drawingml/2006/compatibility" xmlns:p14="http://schemas.microsoft.com/office/powerpoint/2010/main" xmlns:p15="http://schemas.microsoft.com/office/powerpoint/2012/main">
+<p:sld xmlns:a="http://schemas.openxmlformats.org/drawingml/2006/main" xmlns:r="http://schemas.openxmlformats.org/officeDocument/2006/relationships" xmlns:p="http://schemas.openxmlformats.org/presentationml/2006/main">
   <p:cSld>
     <p:spTree>
       <p:nvGrpSpPr>
-        <p:cNvPr id="113" name="Shape 113"/>
+        <p:cNvPr id="1" name="Shape 113"/>
         <p:cNvGrpSpPr/>
         <p:nvPr/>
       </p:nvGrpSpPr>
@@ -14275,7 +14459,9 @@
       <p:sp>
         <p:nvSpPr>
           <p:cNvPr id="114" name="Google Shape;114;p19"/>
-          <p:cNvSpPr txBox="1"/>
+          <p:cNvSpPr txBox="1">
+            <a:spLocks noGrp="1"/>
+          </p:cNvSpPr>
           <p:nvPr>
             <p:ph type="title"/>
           </p:nvPr>
@@ -14290,12 +14476,12 @@
           </a:prstGeom>
         </p:spPr>
         <p:txBody>
-          <a:bodyPr anchorCtr="0" anchor="t" bIns="91425" lIns="91425" spcFirstLastPara="1" rIns="91425" wrap="square" tIns="91425">
+          <a:bodyPr spcFirstLastPara="1" wrap="square" lIns="91425" tIns="91425" rIns="91425" bIns="91425" anchor="t" anchorCtr="0">
             <a:noAutofit/>
           </a:bodyPr>
           <a:lstStyle/>
           <a:p>
-            <a:pPr indent="0" lvl="0" marL="0" rtl="0" algn="l">
+            <a:pPr marL="0" lvl="0" indent="0" algn="l" rtl="0">
               <a:spcBef>
                 <a:spcPts val="0"/>
               </a:spcBef>
@@ -14322,7 +14508,7 @@
           <a:blip r:embed="rId3">
             <a:alphaModFix/>
           </a:blip>
-          <a:srcRect b="0" l="0" r="40051" t="0"/>
+          <a:srcRect r="40051"/>
           <a:stretch/>
         </p:blipFill>
         <p:spPr>
@@ -14349,7 +14535,7 @@
           <a:blip r:embed="rId4">
             <a:alphaModFix/>
           </a:blip>
-          <a:srcRect b="0" l="0" r="40873" t="0"/>
+          <a:srcRect r="40873"/>
           <a:stretch/>
         </p:blipFill>
         <p:spPr>
@@ -14375,11 +14561,11 @@
 </file>
 
 <file path=ppt/slides/slide8.xml><?xml version="1.0" encoding="utf-8"?>
-<p:sld xmlns:a="http://schemas.openxmlformats.org/drawingml/2006/main" xmlns:r="http://schemas.openxmlformats.org/officeDocument/2006/relationships" xmlns:mc="http://schemas.openxmlformats.org/markup-compatibility/2006" xmlns:mv="urn:schemas-microsoft-com:mac:vml" xmlns:p="http://schemas.openxmlformats.org/presentationml/2006/main" xmlns:c="http://schemas.openxmlformats.org/drawingml/2006/chart" xmlns:dgm="http://schemas.openxmlformats.org/drawingml/2006/diagram" xmlns:o="urn:schemas-microsoft-com:office:office" xmlns:v="urn:schemas-microsoft-com:vml" xmlns:pvml="urn:schemas-microsoft-com:office:powerpoint" xmlns:com="http://schemas.openxmlformats.org/drawingml/2006/compatibility" xmlns:p14="http://schemas.microsoft.com/office/powerpoint/2010/main" xmlns:p15="http://schemas.microsoft.com/office/powerpoint/2012/main">
+<p:sld xmlns:a="http://schemas.openxmlformats.org/drawingml/2006/main" xmlns:r="http://schemas.openxmlformats.org/officeDocument/2006/relationships" xmlns:p="http://schemas.openxmlformats.org/presentationml/2006/main">
   <p:cSld>
     <p:spTree>
       <p:nvGrpSpPr>
-        <p:cNvPr id="120" name="Shape 120"/>
+        <p:cNvPr id="1" name="Shape 120"/>
         <p:cNvGrpSpPr/>
         <p:nvPr/>
       </p:nvGrpSpPr>
@@ -14394,7 +14580,9 @@
       <p:sp>
         <p:nvSpPr>
           <p:cNvPr id="121" name="Google Shape;121;p20"/>
-          <p:cNvSpPr txBox="1"/>
+          <p:cNvSpPr txBox="1">
+            <a:spLocks noGrp="1"/>
+          </p:cNvSpPr>
           <p:nvPr>
             <p:ph type="title"/>
           </p:nvPr>
@@ -14409,12 +14597,12 @@
           </a:prstGeom>
         </p:spPr>
         <p:txBody>
-          <a:bodyPr anchorCtr="0" anchor="b" bIns="91425" lIns="91425" spcFirstLastPara="1" rIns="91425" wrap="square" tIns="91425">
+          <a:bodyPr spcFirstLastPara="1" wrap="square" lIns="91425" tIns="91425" rIns="91425" bIns="91425" anchor="b" anchorCtr="0">
             <a:noAutofit/>
           </a:bodyPr>
           <a:lstStyle/>
           <a:p>
-            <a:pPr indent="0" lvl="0" marL="0" rtl="0" algn="l">
+            <a:pPr marL="0" lvl="0" indent="0" algn="l" rtl="0">
               <a:spcBef>
                 <a:spcPts val="0"/>
               </a:spcBef>
@@ -14434,9 +14622,11 @@
       <p:sp>
         <p:nvSpPr>
           <p:cNvPr id="122" name="Google Shape;122;p20"/>
-          <p:cNvSpPr txBox="1"/>
+          <p:cNvSpPr txBox="1">
+            <a:spLocks noGrp="1"/>
+          </p:cNvSpPr>
           <p:nvPr>
-            <p:ph idx="1" type="body"/>
+            <p:ph type="body" idx="1"/>
           </p:nvPr>
         </p:nvSpPr>
         <p:spPr>
@@ -14449,12 +14639,12 @@
           </a:prstGeom>
         </p:spPr>
         <p:txBody>
-          <a:bodyPr anchorCtr="0" anchor="t" bIns="91425" lIns="91425" spcFirstLastPara="1" rIns="91425" wrap="square" tIns="91425">
+          <a:bodyPr spcFirstLastPara="1" wrap="square" lIns="91425" tIns="91425" rIns="91425" bIns="91425" anchor="t" anchorCtr="0">
             <a:noAutofit/>
           </a:bodyPr>
           <a:lstStyle/>
           <a:p>
-            <a:pPr indent="0" lvl="0" marL="0" rtl="0" algn="ctr">
+            <a:pPr marL="0" lvl="0" indent="0" algn="ctr" rtl="0">
               <a:lnSpc>
                 <a:spcPct val="90000"/>
               </a:lnSpc>
@@ -14467,7 +14657,7 @@
               <a:buNone/>
             </a:pPr>
             <a:r>
-              <a:rPr b="1" lang="en-GB" sz="1500">
+              <a:rPr lang="en-GB" sz="1500" b="1">
                 <a:latin typeface="Arial"/>
                 <a:ea typeface="Arial"/>
                 <a:cs typeface="Arial"/>
@@ -14475,7 +14665,7 @@
               </a:rPr>
               <a:t>1.Storage: </a:t>
             </a:r>
-            <a:endParaRPr b="1" sz="1500">
+            <a:endParaRPr sz="1500" b="1">
               <a:latin typeface="Arial"/>
               <a:ea typeface="Arial"/>
               <a:cs typeface="Arial"/>
@@ -14483,7 +14673,7 @@
             </a:endParaRPr>
           </a:p>
           <a:p>
-            <a:pPr indent="0" lvl="0" marL="0" rtl="0" algn="ctr">
+            <a:pPr marL="0" lvl="0" indent="0" algn="ctr" rtl="0">
               <a:lnSpc>
                 <a:spcPct val="90000"/>
               </a:lnSpc>
@@ -14496,7 +14686,7 @@
               <a:buNone/>
             </a:pPr>
             <a:r>
-              <a:rPr b="1" lang="en-GB" sz="1500">
+              <a:rPr lang="en-GB" sz="1500" b="1">
                 <a:latin typeface="Arial"/>
                 <a:ea typeface="Arial"/>
                 <a:cs typeface="Arial"/>
@@ -14504,7 +14694,7 @@
               </a:rPr>
               <a:t>$ 500/ month * 12 = $ 6,000 / year</a:t>
             </a:r>
-            <a:endParaRPr b="1" sz="1500">
+            <a:endParaRPr sz="1500" b="1">
               <a:latin typeface="Arial"/>
               <a:ea typeface="Arial"/>
               <a:cs typeface="Arial"/>
@@ -14512,7 +14702,7 @@
             </a:endParaRPr>
           </a:p>
           <a:p>
-            <a:pPr indent="0" lvl="0" marL="0" rtl="0" algn="ctr">
+            <a:pPr marL="0" lvl="0" indent="0" algn="ctr" rtl="0">
               <a:lnSpc>
                 <a:spcPct val="90000"/>
               </a:lnSpc>
@@ -14525,7 +14715,7 @@
               <a:buNone/>
             </a:pPr>
             <a:r>
-              <a:rPr b="1" lang="en-GB" sz="1500">
+              <a:rPr lang="en-GB" sz="1500" b="1">
                 <a:latin typeface="Arial"/>
                 <a:ea typeface="Arial"/>
                 <a:cs typeface="Arial"/>
@@ -14533,7 +14723,7 @@
               </a:rPr>
               <a:t>2. Software: </a:t>
             </a:r>
-            <a:endParaRPr b="1" sz="1500">
+            <a:endParaRPr sz="1500" b="1">
               <a:latin typeface="Arial"/>
               <a:ea typeface="Arial"/>
               <a:cs typeface="Arial"/>
@@ -14541,7 +14731,7 @@
             </a:endParaRPr>
           </a:p>
           <a:p>
-            <a:pPr indent="0" lvl="0" marL="0" rtl="0" algn="ctr">
+            <a:pPr marL="0" lvl="0" indent="0" algn="ctr" rtl="0">
               <a:lnSpc>
                 <a:spcPct val="90000"/>
               </a:lnSpc>
@@ -14554,7 +14744,7 @@
               <a:buNone/>
             </a:pPr>
             <a:r>
-              <a:rPr b="1" lang="en-GB" sz="1500">
+              <a:rPr lang="en-GB" sz="1500" b="1">
                 <a:latin typeface="Arial"/>
                 <a:ea typeface="Arial"/>
                 <a:cs typeface="Arial"/>
@@ -14562,7 +14752,7 @@
               </a:rPr>
               <a:t>$ 1000 / month* 12 = $ 12,000 / year</a:t>
             </a:r>
-            <a:endParaRPr b="1" sz="1500">
+            <a:endParaRPr sz="1500" b="1">
               <a:latin typeface="Arial"/>
               <a:ea typeface="Arial"/>
               <a:cs typeface="Arial"/>
@@ -14570,7 +14760,7 @@
             </a:endParaRPr>
           </a:p>
           <a:p>
-            <a:pPr indent="0" lvl="0" marL="0" rtl="0" algn="ctr">
+            <a:pPr marL="0" lvl="0" indent="0" algn="ctr" rtl="0">
               <a:lnSpc>
                 <a:spcPct val="90000"/>
               </a:lnSpc>
@@ -14583,33 +14773,15 @@
               <a:buNone/>
             </a:pPr>
             <a:r>
-              <a:rPr b="1" lang="en-GB" sz="1500">
+              <a:rPr lang="en-GB" sz="1500" b="1">
                 <a:latin typeface="Arial"/>
                 <a:ea typeface="Arial"/>
                 <a:cs typeface="Arial"/>
                 <a:sym typeface="Arial"/>
               </a:rPr>
-              <a:t>3.Human </a:t>
+              <a:t>3.Human resources </a:t>
             </a:r>
-            <a:r>
-              <a:rPr b="1" lang="en-GB" sz="1500">
-                <a:latin typeface="Arial"/>
-                <a:ea typeface="Arial"/>
-                <a:cs typeface="Arial"/>
-                <a:sym typeface="Arial"/>
-              </a:rPr>
-              <a:t>resources</a:t>
-            </a:r>
-            <a:r>
-              <a:rPr b="1" lang="en-GB" sz="1500">
-                <a:latin typeface="Arial"/>
-                <a:ea typeface="Arial"/>
-                <a:cs typeface="Arial"/>
-                <a:sym typeface="Arial"/>
-              </a:rPr>
-              <a:t> </a:t>
-            </a:r>
-            <a:endParaRPr b="1" sz="1500">
+            <a:endParaRPr sz="1500" b="1">
               <a:latin typeface="Arial"/>
               <a:ea typeface="Arial"/>
               <a:cs typeface="Arial"/>
@@ -14617,7 +14789,7 @@
             </a:endParaRPr>
           </a:p>
           <a:p>
-            <a:pPr indent="0" lvl="0" marL="0" rtl="0" algn="ctr">
+            <a:pPr marL="0" lvl="0" indent="0" algn="ctr" rtl="0">
               <a:lnSpc>
                 <a:spcPct val="90000"/>
               </a:lnSpc>
@@ -14630,7 +14802,7 @@
               <a:buNone/>
             </a:pPr>
             <a:r>
-              <a:rPr b="1" lang="en-GB" sz="1500">
+              <a:rPr lang="en-GB" sz="1500" b="1">
                 <a:latin typeface="Arial"/>
                 <a:ea typeface="Arial"/>
                 <a:cs typeface="Arial"/>
@@ -14638,7 +14810,7 @@
               </a:rPr>
               <a:t>$ 16,000/month (DW team of 4) * 12= $ 1,92,000 / year</a:t>
             </a:r>
-            <a:endParaRPr b="1" sz="1500">
+            <a:endParaRPr sz="1500" b="1">
               <a:latin typeface="Arial"/>
               <a:ea typeface="Arial"/>
               <a:cs typeface="Arial"/>
@@ -14646,7 +14818,7 @@
             </a:endParaRPr>
           </a:p>
           <a:p>
-            <a:pPr indent="0" lvl="0" marL="0" rtl="0" algn="ctr">
+            <a:pPr marL="0" lvl="0" indent="0" algn="ctr" rtl="0">
               <a:lnSpc>
                 <a:spcPct val="90000"/>
               </a:lnSpc>
@@ -14659,7 +14831,7 @@
               <a:buNone/>
             </a:pPr>
             <a:r>
-              <a:rPr b="1" lang="en-GB" sz="1500">
+              <a:rPr lang="en-GB" sz="1500" b="1">
                 <a:latin typeface="Arial"/>
                 <a:ea typeface="Arial"/>
                 <a:cs typeface="Arial"/>
@@ -14667,7 +14839,7 @@
               </a:rPr>
               <a:t>•Additional Costs: $ 10,000</a:t>
             </a:r>
-            <a:endParaRPr b="1" sz="1500">
+            <a:endParaRPr sz="1500" b="1">
               <a:latin typeface="Arial"/>
               <a:ea typeface="Arial"/>
               <a:cs typeface="Arial"/>
@@ -14675,7 +14847,7 @@
             </a:endParaRPr>
           </a:p>
           <a:p>
-            <a:pPr indent="0" lvl="0" marL="0" rtl="0" algn="ctr">
+            <a:pPr marL="0" lvl="0" indent="0" algn="ctr" rtl="0">
               <a:lnSpc>
                 <a:spcPct val="90000"/>
               </a:lnSpc>
@@ -14688,7 +14860,7 @@
               <a:buNone/>
             </a:pPr>
             <a:r>
-              <a:rPr b="1" lang="en-GB" sz="1500">
+              <a:rPr lang="en-GB" sz="1500" b="1">
                 <a:latin typeface="Arial"/>
                 <a:ea typeface="Arial"/>
                 <a:cs typeface="Arial"/>
@@ -14696,7 +14868,7 @@
               </a:rPr>
               <a:t>•Total Costs: $ 2,20,000 approximately</a:t>
             </a:r>
-            <a:endParaRPr b="1" sz="1500">
+            <a:endParaRPr sz="1500" b="1">
               <a:latin typeface="Arial"/>
               <a:ea typeface="Arial"/>
               <a:cs typeface="Arial"/>
@@ -14704,7 +14876,7 @@
             </a:endParaRPr>
           </a:p>
           <a:p>
-            <a:pPr indent="0" lvl="0" marL="0" rtl="0" algn="ctr">
+            <a:pPr marL="0" lvl="0" indent="0" algn="ctr" rtl="0">
               <a:lnSpc>
                 <a:spcPct val="90000"/>
               </a:lnSpc>
@@ -14716,10 +14888,7 @@
               </a:spcAft>
               <a:buNone/>
             </a:pPr>
-            <a:r>
-              <a:t/>
-            </a:r>
-            <a:endParaRPr b="1" sz="1500">
+            <a:endParaRPr sz="1500" b="1">
               <a:latin typeface="Arial"/>
               <a:ea typeface="Arial"/>
               <a:cs typeface="Arial"/>
@@ -14727,7 +14896,7 @@
             </a:endParaRPr>
           </a:p>
           <a:p>
-            <a:pPr indent="0" lvl="0" marL="0" rtl="0" algn="ctr">
+            <a:pPr marL="0" lvl="0" indent="0" algn="ctr" rtl="0">
               <a:lnSpc>
                 <a:spcPct val="90000"/>
               </a:lnSpc>
@@ -14740,7 +14909,7 @@
               <a:buNone/>
             </a:pPr>
             <a:r>
-              <a:rPr b="1" lang="en-GB" sz="1500">
+              <a:rPr lang="en-GB" sz="1500" b="1">
                 <a:latin typeface="Arial"/>
                 <a:ea typeface="Arial"/>
                 <a:cs typeface="Arial"/>
@@ -14748,7 +14917,7 @@
               </a:rPr>
               <a:t>•Estimated ROI = Considering Company will have 5000 customers and has a growth of 10% with the implementation than i.e. 500 and minimum insurance cover is of $750 = 500 *750 = $ 3,00,000</a:t>
             </a:r>
-            <a:endParaRPr b="1" sz="1500">
+            <a:endParaRPr sz="1500" b="1">
               <a:latin typeface="Arial"/>
               <a:ea typeface="Arial"/>
               <a:cs typeface="Arial"/>
@@ -14756,7 +14925,7 @@
             </a:endParaRPr>
           </a:p>
           <a:p>
-            <a:pPr indent="0" lvl="0" marL="0" rtl="0" algn="ctr">
+            <a:pPr marL="0" lvl="0" indent="0" algn="ctr" rtl="0">
               <a:lnSpc>
                 <a:spcPct val="90000"/>
               </a:lnSpc>
@@ -14769,7 +14938,7 @@
               <a:buNone/>
             </a:pPr>
             <a:r>
-              <a:rPr b="1" lang="en-GB" sz="1500">
+              <a:rPr lang="en-GB" sz="1500" b="1">
                 <a:latin typeface="Arial"/>
                 <a:ea typeface="Arial"/>
                 <a:cs typeface="Arial"/>
@@ -14777,7 +14946,7 @@
               </a:rPr>
               <a:t>•ROI = 70.45 %</a:t>
             </a:r>
-            <a:endParaRPr b="1" sz="1500">
+            <a:endParaRPr sz="1500" b="1">
               <a:latin typeface="Arial"/>
               <a:ea typeface="Arial"/>
               <a:cs typeface="Arial"/>
@@ -14785,7 +14954,7 @@
             </a:endParaRPr>
           </a:p>
           <a:p>
-            <a:pPr indent="0" lvl="0" marL="0" rtl="0" algn="l">
+            <a:pPr marL="0" lvl="0" indent="0" algn="l" rtl="0">
               <a:lnSpc>
                 <a:spcPct val="90000"/>
               </a:lnSpc>
@@ -14797,10 +14966,7 @@
               </a:spcAft>
               <a:buNone/>
             </a:pPr>
-            <a:r>
-              <a:t/>
-            </a:r>
-            <a:endParaRPr b="1" sz="1400">
+            <a:endParaRPr sz="1400" b="1">
               <a:latin typeface="Arial"/>
               <a:ea typeface="Arial"/>
               <a:cs typeface="Arial"/>
@@ -14808,7 +14974,7 @@
             </a:endParaRPr>
           </a:p>
           <a:p>
-            <a:pPr indent="0" lvl="0" marL="0" rtl="0" algn="l">
+            <a:pPr marL="0" lvl="0" indent="0" algn="l" rtl="0">
               <a:lnSpc>
                 <a:spcPct val="90000"/>
               </a:lnSpc>
@@ -14820,10 +14986,7 @@
               </a:spcAft>
               <a:buNone/>
             </a:pPr>
-            <a:r>
-              <a:t/>
-            </a:r>
-            <a:endParaRPr b="1" sz="1400">
+            <a:endParaRPr sz="1400" b="1">
               <a:latin typeface="Arial"/>
               <a:ea typeface="Arial"/>
               <a:cs typeface="Arial"/>
@@ -14831,7 +14994,7 @@
             </a:endParaRPr>
           </a:p>
           <a:p>
-            <a:pPr indent="0" lvl="0" marL="0" rtl="0" algn="l">
+            <a:pPr marL="0" lvl="0" indent="0" algn="l" rtl="0">
               <a:lnSpc>
                 <a:spcPct val="90000"/>
               </a:lnSpc>
@@ -14843,10 +15006,7 @@
               </a:spcAft>
               <a:buNone/>
             </a:pPr>
-            <a:r>
-              <a:t/>
-            </a:r>
-            <a:endParaRPr b="1" sz="1400">
+            <a:endParaRPr sz="1400" b="1">
               <a:latin typeface="Arial"/>
               <a:ea typeface="Arial"/>
               <a:cs typeface="Arial"/>
@@ -14854,7 +15014,7 @@
             </a:endParaRPr>
           </a:p>
           <a:p>
-            <a:pPr indent="0" lvl="0" marL="0" rtl="0" algn="l">
+            <a:pPr marL="0" lvl="0" indent="0" algn="l" rtl="0">
               <a:spcBef>
                 <a:spcPts val="0"/>
               </a:spcBef>
@@ -14863,10 +15023,7 @@
               </a:spcAft>
               <a:buNone/>
             </a:pPr>
-            <a:r>
-              <a:t/>
-            </a:r>
-            <a:endParaRPr b="1" sz="1400"/>
+            <a:endParaRPr sz="1400" b="1"/>
           </a:p>
         </p:txBody>
       </p:sp>
@@ -14907,11 +15064,11 @@
 </file>
 
 <file path=ppt/slides/slide9.xml><?xml version="1.0" encoding="utf-8"?>
-<p:sld xmlns:a="http://schemas.openxmlformats.org/drawingml/2006/main" xmlns:r="http://schemas.openxmlformats.org/officeDocument/2006/relationships" xmlns:mc="http://schemas.openxmlformats.org/markup-compatibility/2006" xmlns:mv="urn:schemas-microsoft-com:mac:vml" xmlns:p="http://schemas.openxmlformats.org/presentationml/2006/main" xmlns:c="http://schemas.openxmlformats.org/drawingml/2006/chart" xmlns:dgm="http://schemas.openxmlformats.org/drawingml/2006/diagram" xmlns:o="urn:schemas-microsoft-com:office:office" xmlns:v="urn:schemas-microsoft-com:vml" xmlns:pvml="urn:schemas-microsoft-com:office:powerpoint" xmlns:com="http://schemas.openxmlformats.org/drawingml/2006/compatibility" xmlns:p14="http://schemas.microsoft.com/office/powerpoint/2010/main" xmlns:p15="http://schemas.microsoft.com/office/powerpoint/2012/main">
+<p:sld xmlns:a="http://schemas.openxmlformats.org/drawingml/2006/main" xmlns:r="http://schemas.openxmlformats.org/officeDocument/2006/relationships" xmlns:p="http://schemas.openxmlformats.org/presentationml/2006/main">
   <p:cSld>
     <p:spTree>
       <p:nvGrpSpPr>
-        <p:cNvPr id="127" name="Shape 127"/>
+        <p:cNvPr id="1" name="Shape 127"/>
         <p:cNvGrpSpPr/>
         <p:nvPr/>
       </p:nvGrpSpPr>
@@ -14926,7 +15083,9 @@
       <p:sp>
         <p:nvSpPr>
           <p:cNvPr id="128" name="Google Shape;128;p21"/>
-          <p:cNvSpPr txBox="1"/>
+          <p:cNvSpPr txBox="1">
+            <a:spLocks noGrp="1"/>
+          </p:cNvSpPr>
           <p:nvPr>
             <p:ph type="title"/>
           </p:nvPr>
@@ -14941,12 +15100,12 @@
           </a:prstGeom>
         </p:spPr>
         <p:txBody>
-          <a:bodyPr anchorCtr="0" anchor="b" bIns="91425" lIns="91425" spcFirstLastPara="1" rIns="91425" wrap="square" tIns="91425">
+          <a:bodyPr spcFirstLastPara="1" wrap="square" lIns="91425" tIns="91425" rIns="91425" bIns="91425" anchor="b" anchorCtr="0">
             <a:noAutofit/>
           </a:bodyPr>
           <a:lstStyle/>
           <a:p>
-            <a:pPr indent="0" lvl="0" marL="0" rtl="0" algn="l">
+            <a:pPr marL="0" lvl="0" indent="0" algn="l" rtl="0">
               <a:spcBef>
                 <a:spcPts val="0"/>
               </a:spcBef>
@@ -14955,13 +15114,10 @@
               </a:spcAft>
               <a:buNone/>
             </a:pPr>
-            <a:r>
-              <a:t/>
-            </a:r>
             <a:endParaRPr sz="3200"/>
           </a:p>
           <a:p>
-            <a:pPr indent="0" lvl="0" marL="0" rtl="0" algn="l">
+            <a:pPr marL="0" lvl="0" indent="0" algn="l" rtl="0">
               <a:spcBef>
                 <a:spcPts val="0"/>
               </a:spcBef>
@@ -14970,13 +15126,10 @@
               </a:spcAft>
               <a:buNone/>
             </a:pPr>
-            <a:r>
-              <a:t/>
-            </a:r>
             <a:endParaRPr sz="3200"/>
           </a:p>
           <a:p>
-            <a:pPr indent="0" lvl="0" marL="0" rtl="0" algn="l">
+            <a:pPr marL="0" lvl="0" indent="0" algn="l" rtl="0">
               <a:spcBef>
                 <a:spcPts val="0"/>
               </a:spcBef>
@@ -14992,7 +15145,7 @@
             <a:endParaRPr sz="3200"/>
           </a:p>
           <a:p>
-            <a:pPr indent="0" lvl="0" marL="0" rtl="0" algn="l">
+            <a:pPr marL="0" lvl="0" indent="0" algn="l" rtl="0">
               <a:spcBef>
                 <a:spcPts val="0"/>
               </a:spcBef>
@@ -15001,9 +15154,6 @@
               </a:spcAft>
               <a:buNone/>
             </a:pPr>
-            <a:r>
-              <a:t/>
-            </a:r>
             <a:endParaRPr/>
           </a:p>
         </p:txBody>
@@ -15011,9 +15161,11 @@
       <p:sp>
         <p:nvSpPr>
           <p:cNvPr id="129" name="Google Shape;129;p21"/>
-          <p:cNvSpPr txBox="1"/>
+          <p:cNvSpPr txBox="1">
+            <a:spLocks noGrp="1"/>
+          </p:cNvSpPr>
           <p:nvPr>
-            <p:ph idx="1" type="body"/>
+            <p:ph type="body" idx="1"/>
           </p:nvPr>
         </p:nvSpPr>
         <p:spPr>
@@ -15026,12 +15178,12 @@
           </a:prstGeom>
         </p:spPr>
         <p:txBody>
-          <a:bodyPr anchorCtr="0" anchor="t" bIns="91425" lIns="91425" spcFirstLastPara="1" rIns="91425" wrap="square" tIns="91425">
+          <a:bodyPr spcFirstLastPara="1" wrap="square" lIns="91425" tIns="91425" rIns="91425" bIns="91425" anchor="t" anchorCtr="0">
             <a:noAutofit/>
           </a:bodyPr>
           <a:lstStyle/>
           <a:p>
-            <a:pPr indent="0" lvl="0" marL="0" rtl="0" algn="l">
+            <a:pPr marL="0" lvl="0" indent="0" algn="l" rtl="0">
               <a:lnSpc>
                 <a:spcPct val="90000"/>
               </a:lnSpc>
@@ -15066,7 +15218,7 @@
             </a:endParaRPr>
           </a:p>
           <a:p>
-            <a:pPr indent="0" lvl="0" marL="0" rtl="0" algn="l">
+            <a:pPr marL="0" lvl="0" indent="0" algn="l" rtl="0">
               <a:lnSpc>
                 <a:spcPct val="90000"/>
               </a:lnSpc>
@@ -15101,7 +15253,7 @@
             </a:endParaRPr>
           </a:p>
           <a:p>
-            <a:pPr indent="0" lvl="0" marL="0" rtl="0" algn="l">
+            <a:pPr marL="0" lvl="0" indent="0" algn="l" rtl="0">
               <a:lnSpc>
                 <a:spcPct val="90000"/>
               </a:lnSpc>
@@ -15136,7 +15288,7 @@
             </a:endParaRPr>
           </a:p>
           <a:p>
-            <a:pPr indent="0" lvl="0" marL="0" rtl="0" algn="l">
+            <a:pPr marL="0" lvl="0" indent="0" algn="l" rtl="0">
               <a:lnSpc>
                 <a:spcPct val="90000"/>
               </a:lnSpc>
@@ -15171,7 +15323,7 @@
             </a:endParaRPr>
           </a:p>
           <a:p>
-            <a:pPr indent="0" lvl="0" marL="0" rtl="0" algn="l">
+            <a:pPr marL="0" lvl="0" indent="0" algn="l" rtl="0">
               <a:spcBef>
                 <a:spcPts val="0"/>
               </a:spcBef>
@@ -15180,10 +15332,7 @@
               </a:spcAft>
               <a:buNone/>
             </a:pPr>
-            <a:r>
-              <a:t/>
-            </a:r>
-            <a:endParaRPr b="1" sz="2400">
+            <a:endParaRPr sz="2400" b="1">
               <a:latin typeface="Arial"/>
               <a:ea typeface="Arial"/>
               <a:cs typeface="Arial"/>
@@ -15191,7 +15340,7 @@
             </a:endParaRPr>
           </a:p>
           <a:p>
-            <a:pPr indent="0" lvl="0" marL="0" rtl="0" algn="l">
+            <a:pPr marL="0" lvl="0" indent="0" algn="l" rtl="0">
               <a:spcBef>
                 <a:spcPts val="1600"/>
               </a:spcBef>
@@ -15200,9 +15349,6 @@
               </a:spcAft>
               <a:buNone/>
             </a:pPr>
-            <a:r>
-              <a:t/>
-            </a:r>
             <a:endParaRPr/>
           </a:p>
         </p:txBody>
@@ -15244,7 +15390,7 @@
 </file>
 
 <file path=ppt/theme/theme1.xml><?xml version="1.0" encoding="utf-8"?>
-<a:theme xmlns:a="http://schemas.openxmlformats.org/drawingml/2006/main" xmlns:r="http://schemas.openxmlformats.org/officeDocument/2006/relationships" name="Coral">
+<a:theme xmlns:a="http://schemas.openxmlformats.org/drawingml/2006/main" name="Coral">
   <a:themeElements>
     <a:clrScheme name="Coral">
       <a:dk1>
@@ -15519,11 +15665,13 @@
       </a:bgFillStyleLst>
     </a:fmtScheme>
   </a:themeElements>
+  <a:objectDefaults/>
+  <a:extraClrSchemeLst/>
 </a:theme>
 </file>
 
 <file path=ppt/theme/theme2.xml><?xml version="1.0" encoding="utf-8"?>
-<a:theme xmlns:a="http://schemas.openxmlformats.org/drawingml/2006/main" xmlns:r="http://schemas.openxmlformats.org/officeDocument/2006/relationships">
+<a:theme xmlns:a="http://schemas.openxmlformats.org/drawingml/2006/main">
   <a:themeElements>
     <a:clrScheme name="Default">
       <a:dk1>
@@ -15798,5 +15946,7 @@
       </a:bgFillStyleLst>
     </a:fmtScheme>
   </a:themeElements>
+  <a:objectDefaults/>
+  <a:extraClrSchemeLst/>
 </a:theme>
 </file>